--- a/Screencast/Screencast.pptx
+++ b/Screencast/Screencast.pptx
@@ -5,13 +5,15 @@
     <p:sldMasterId id="2147483648" r:id="rId1"/>
   </p:sldMasterIdLst>
   <p:notesMasterIdLst>
-    <p:notesMasterId r:id="rId6"/>
+    <p:notesMasterId r:id="rId8"/>
   </p:notesMasterIdLst>
   <p:sldIdLst>
     <p:sldId id="256" r:id="rId2"/>
     <p:sldId id="257" r:id="rId3"/>
     <p:sldId id="258" r:id="rId4"/>
     <p:sldId id="259" r:id="rId5"/>
+    <p:sldId id="261" r:id="rId6"/>
+    <p:sldId id="260" r:id="rId7"/>
   </p:sldIdLst>
   <p:sldSz cx="9144000" cy="6858000" type="screen4x3"/>
   <p:notesSz cx="6858000" cy="9144000"/>
@@ -811,15 +813,7 @@
           <a:p>
             <a:r>
               <a:rPr lang="en-US" baseline="0" dirty="0" smtClean="0"/>
-              <a:t>We can also compare our approach to other machine learning methods. K Nearest Neighbors reaches 69% prediction accuracy with no training time, and Random Forest can reach 80% prediction accuracy with </a:t>
-            </a:r>
-            <a:r>
-              <a:rPr lang="en-US" baseline="0" smtClean="0"/>
-              <a:t>a reasonable </a:t>
-            </a:r>
-            <a:r>
-              <a:rPr lang="en-US" baseline="0" dirty="0" smtClean="0"/>
-              <a:t>training time.</a:t>
+              <a:t>We can also compare our approach to other machine learning methods. K Nearest Neighbors reaches 69% prediction accuracy with no training time, and Random Forest can reach 80% prediction accuracy with a reasonable training time.</a:t>
             </a:r>
             <a:endParaRPr lang="en-US" dirty="0" smtClean="0"/>
           </a:p>
@@ -846,6 +840,107 @@
             <a:fld id="{6498E28A-D3DA-468B-BC04-3330F8987BFC}" type="slidenum">
               <a:rPr lang="en-US" smtClean="0"/>
               <a:t>4</a:t>
+            </a:fld>
+            <a:endParaRPr lang="en-US"/>
+          </a:p>
+        </p:txBody>
+      </p:sp>
+    </p:spTree>
+    <p:extLst>
+      <p:ext uri="{BB962C8B-B14F-4D97-AF65-F5344CB8AC3E}">
+        <p14:creationId xmlns:p14="http://schemas.microsoft.com/office/powerpoint/2010/main" val="502509411"/>
+      </p:ext>
+    </p:extLst>
+  </p:cSld>
+  <p:clrMapOvr>
+    <a:masterClrMapping/>
+  </p:clrMapOvr>
+</p:notes>
+</file>
+
+<file path=ppt/notesSlides/notesSlide5.xml><?xml version="1.0" encoding="utf-8"?>
+<p:notes xmlns:a="http://schemas.openxmlformats.org/drawingml/2006/main" xmlns:r="http://schemas.openxmlformats.org/officeDocument/2006/relationships" xmlns:p="http://schemas.openxmlformats.org/presentationml/2006/main">
+  <p:cSld>
+    <p:spTree>
+      <p:nvGrpSpPr>
+        <p:cNvPr id="1" name=""/>
+        <p:cNvGrpSpPr/>
+        <p:nvPr/>
+      </p:nvGrpSpPr>
+      <p:grpSpPr>
+        <a:xfrm>
+          <a:off x="0" y="0"/>
+          <a:ext cx="0" cy="0"/>
+          <a:chOff x="0" y="0"/>
+          <a:chExt cx="0" cy="0"/>
+        </a:xfrm>
+      </p:grpSpPr>
+      <p:sp>
+        <p:nvSpPr>
+          <p:cNvPr id="2" name="Slide Image Placeholder 1"/>
+          <p:cNvSpPr>
+            <a:spLocks noGrp="1" noRot="1" noChangeAspect="1"/>
+          </p:cNvSpPr>
+          <p:nvPr>
+            <p:ph type="sldImg"/>
+          </p:nvPr>
+        </p:nvSpPr>
+        <p:spPr/>
+      </p:sp>
+      <p:sp>
+        <p:nvSpPr>
+          <p:cNvPr id="3" name="Notes Placeholder 2"/>
+          <p:cNvSpPr>
+            <a:spLocks noGrp="1"/>
+          </p:cNvSpPr>
+          <p:nvPr>
+            <p:ph type="body" idx="1"/>
+          </p:nvPr>
+        </p:nvSpPr>
+        <p:spPr/>
+        <p:txBody>
+          <a:bodyPr/>
+          <a:lstStyle/>
+          <a:p>
+            <a:r>
+              <a:rPr lang="en-US" dirty="0" smtClean="0"/>
+              <a:t>In the end, after experimenting with feature selection and algorithm parameters, we were able to reach a 60% cross-validation prediction accuracy. Unfortunately, our</a:t>
+            </a:r>
+            <a:r>
+              <a:rPr lang="en-US" baseline="0" dirty="0" smtClean="0"/>
+              <a:t> sampling methods to optimize the model parameters takes a very long time and limit how much we can optimize feature selection.</a:t>
+            </a:r>
+          </a:p>
+          <a:p>
+            <a:r>
+              <a:rPr lang="en-US" baseline="0" dirty="0" smtClean="0"/>
+              <a:t>We can also compare our approach to other machine learning methods. K Nearest Neighbors reaches 69% prediction accuracy with no training time, and Random Forest can reach 80% prediction accuracy with a reasonable training time.</a:t>
+            </a:r>
+            <a:endParaRPr lang="en-US" dirty="0" smtClean="0"/>
+          </a:p>
+          <a:p>
+            <a:endParaRPr lang="en-US" dirty="0"/>
+          </a:p>
+        </p:txBody>
+      </p:sp>
+      <p:sp>
+        <p:nvSpPr>
+          <p:cNvPr id="4" name="Slide Number Placeholder 3"/>
+          <p:cNvSpPr>
+            <a:spLocks noGrp="1"/>
+          </p:cNvSpPr>
+          <p:nvPr>
+            <p:ph type="sldNum" sz="quarter" idx="10"/>
+          </p:nvPr>
+        </p:nvSpPr>
+        <p:spPr/>
+        <p:txBody>
+          <a:bodyPr/>
+          <a:lstStyle/>
+          <a:p>
+            <a:fld id="{6498E28A-D3DA-468B-BC04-3330F8987BFC}" type="slidenum">
+              <a:rPr lang="en-US" smtClean="0"/>
+              <a:t>5</a:t>
             </a:fld>
             <a:endParaRPr lang="en-US"/>
           </a:p>
@@ -3990,6 +4085,13 @@
   <p:clrMapOvr>
     <a:masterClrMapping/>
   </p:clrMapOvr>
+  <p:timing>
+    <p:tnLst>
+      <p:par>
+        <p:cTn id="1" dur="indefinite" restart="never" nodeType="tmRoot"/>
+      </p:par>
+    </p:tnLst>
+  </p:timing>
 </p:sld>
 </file>
 
@@ -4033,72 +4135,6 @@
           </a:p>
         </p:txBody>
       </p:sp>
-      <p:sp>
-        <p:nvSpPr>
-          <p:cNvPr id="3" name="Content Placeholder 2"/>
-          <p:cNvSpPr>
-            <a:spLocks noGrp="1"/>
-          </p:cNvSpPr>
-          <p:nvPr>
-            <p:ph idx="1"/>
-          </p:nvPr>
-        </p:nvSpPr>
-        <p:spPr>
-          <a:xfrm>
-            <a:off x="457199" y="1600200"/>
-            <a:ext cx="3774141" cy="4724400"/>
-          </a:xfrm>
-        </p:spPr>
-        <p:txBody>
-          <a:bodyPr>
-            <a:normAutofit/>
-          </a:bodyPr>
-          <a:lstStyle/>
-          <a:p>
-            <a:pPr fontAlgn="base"/>
-            <a:r>
-              <a:rPr lang="en-US" dirty="0" smtClean="0"/>
-              <a:t>Goal</a:t>
-            </a:r>
-            <a:r>
-              <a:rPr lang="en-US" dirty="0"/>
-              <a:t>: classify wells as </a:t>
-            </a:r>
-            <a:r>
-              <a:rPr lang="en-US" i="1" dirty="0"/>
-              <a:t>functional</a:t>
-            </a:r>
-            <a:r>
-              <a:rPr lang="en-US" dirty="0"/>
-              <a:t>, </a:t>
-            </a:r>
-            <a:r>
-              <a:rPr lang="en-US" i="1" dirty="0"/>
-              <a:t>non-functional</a:t>
-            </a:r>
-            <a:r>
-              <a:rPr lang="en-US" dirty="0"/>
-              <a:t>, or </a:t>
-            </a:r>
-            <a:r>
-              <a:rPr lang="en-US" i="1" dirty="0"/>
-              <a:t>needing </a:t>
-            </a:r>
-            <a:r>
-              <a:rPr lang="en-US" i="1" dirty="0" smtClean="0"/>
-              <a:t>repair</a:t>
-            </a:r>
-          </a:p>
-          <a:p>
-            <a:pPr fontAlgn="base"/>
-            <a:r>
-              <a:rPr lang="en-US" dirty="0" smtClean="0"/>
-              <a:t>Data attributes: GPS coordinates, elevation, water amount and price, well type, etc.</a:t>
-            </a:r>
-            <a:endParaRPr lang="en-US" dirty="0"/>
-          </a:p>
-        </p:txBody>
-      </p:sp>
       <p:pic>
         <p:nvPicPr>
           <p:cNvPr id="5" name="PumpMap.png"/>
@@ -4115,7 +4151,7 @@
         </p:blipFill>
         <p:spPr>
           <a:xfrm>
-            <a:off x="4231340" y="1349188"/>
+            <a:off x="4155141" y="1219200"/>
             <a:ext cx="4912659" cy="3200400"/>
           </a:xfrm>
           <a:prstGeom prst="rect">
@@ -4127,6 +4163,1636 @@
           </a:ln>
         </p:spPr>
       </p:pic>
+      <p:sp>
+        <p:nvSpPr>
+          <p:cNvPr id="6" name="Content Placeholder 2"/>
+          <p:cNvSpPr txBox="1">
+            <a:spLocks/>
+          </p:cNvSpPr>
+          <p:nvPr/>
+        </p:nvSpPr>
+        <p:spPr>
+          <a:xfrm>
+            <a:off x="609599" y="1828800"/>
+            <a:ext cx="3774141" cy="2362200"/>
+          </a:xfrm>
+          <a:prstGeom prst="rect">
+            <a:avLst/>
+          </a:prstGeom>
+        </p:spPr>
+        <p:txBody>
+          <a:bodyPr vert="horz" lIns="91440" tIns="45720" rIns="91440" bIns="45720" rtlCol="0">
+            <a:normAutofit/>
+          </a:bodyPr>
+          <a:lstStyle>
+            <a:lvl1pPr marL="342900" indent="-342900" algn="l" defTabSz="914400" rtl="0" eaLnBrk="1" latinLnBrk="0" hangingPunct="1">
+              <a:spcBef>
+                <a:spcPct val="20000"/>
+              </a:spcBef>
+              <a:buFont typeface="Arial" pitchFamily="34" charset="0"/>
+              <a:buChar char="•"/>
+              <a:defRPr sz="3200" kern="1200">
+                <a:solidFill>
+                  <a:schemeClr val="tx1"/>
+                </a:solidFill>
+                <a:latin typeface="+mn-lt"/>
+                <a:ea typeface="+mn-ea"/>
+                <a:cs typeface="+mn-cs"/>
+              </a:defRPr>
+            </a:lvl1pPr>
+            <a:lvl2pPr marL="742950" indent="-285750" algn="l" defTabSz="914400" rtl="0" eaLnBrk="1" latinLnBrk="0" hangingPunct="1">
+              <a:spcBef>
+                <a:spcPct val="20000"/>
+              </a:spcBef>
+              <a:buFont typeface="Arial" pitchFamily="34" charset="0"/>
+              <a:buChar char="–"/>
+              <a:defRPr sz="2800" kern="1200">
+                <a:solidFill>
+                  <a:schemeClr val="tx1"/>
+                </a:solidFill>
+                <a:latin typeface="+mn-lt"/>
+                <a:ea typeface="+mn-ea"/>
+                <a:cs typeface="+mn-cs"/>
+              </a:defRPr>
+            </a:lvl2pPr>
+            <a:lvl3pPr marL="1143000" indent="-228600" algn="l" defTabSz="914400" rtl="0" eaLnBrk="1" latinLnBrk="0" hangingPunct="1">
+              <a:spcBef>
+                <a:spcPct val="20000"/>
+              </a:spcBef>
+              <a:buFont typeface="Arial" pitchFamily="34" charset="0"/>
+              <a:buChar char="•"/>
+              <a:defRPr sz="2400" kern="1200">
+                <a:solidFill>
+                  <a:schemeClr val="tx1"/>
+                </a:solidFill>
+                <a:latin typeface="+mn-lt"/>
+                <a:ea typeface="+mn-ea"/>
+                <a:cs typeface="+mn-cs"/>
+              </a:defRPr>
+            </a:lvl3pPr>
+            <a:lvl4pPr marL="1600200" indent="-228600" algn="l" defTabSz="914400" rtl="0" eaLnBrk="1" latinLnBrk="0" hangingPunct="1">
+              <a:spcBef>
+                <a:spcPct val="20000"/>
+              </a:spcBef>
+              <a:buFont typeface="Arial" pitchFamily="34" charset="0"/>
+              <a:buChar char="–"/>
+              <a:defRPr sz="2000" kern="1200">
+                <a:solidFill>
+                  <a:schemeClr val="tx1"/>
+                </a:solidFill>
+                <a:latin typeface="+mn-lt"/>
+                <a:ea typeface="+mn-ea"/>
+                <a:cs typeface="+mn-cs"/>
+              </a:defRPr>
+            </a:lvl4pPr>
+            <a:lvl5pPr marL="2057400" indent="-228600" algn="l" defTabSz="914400" rtl="0" eaLnBrk="1" latinLnBrk="0" hangingPunct="1">
+              <a:spcBef>
+                <a:spcPct val="20000"/>
+              </a:spcBef>
+              <a:buFont typeface="Arial" pitchFamily="34" charset="0"/>
+              <a:buChar char="»"/>
+              <a:defRPr sz="2000" kern="1200">
+                <a:solidFill>
+                  <a:schemeClr val="tx1"/>
+                </a:solidFill>
+                <a:latin typeface="+mn-lt"/>
+                <a:ea typeface="+mn-ea"/>
+                <a:cs typeface="+mn-cs"/>
+              </a:defRPr>
+            </a:lvl5pPr>
+            <a:lvl6pPr marL="2514600" indent="-228600" algn="l" defTabSz="914400" rtl="0" eaLnBrk="1" latinLnBrk="0" hangingPunct="1">
+              <a:spcBef>
+                <a:spcPct val="20000"/>
+              </a:spcBef>
+              <a:buFont typeface="Arial" pitchFamily="34" charset="0"/>
+              <a:buChar char="•"/>
+              <a:defRPr sz="2000" kern="1200">
+                <a:solidFill>
+                  <a:schemeClr val="tx1"/>
+                </a:solidFill>
+                <a:latin typeface="+mn-lt"/>
+                <a:ea typeface="+mn-ea"/>
+                <a:cs typeface="+mn-cs"/>
+              </a:defRPr>
+            </a:lvl6pPr>
+            <a:lvl7pPr marL="2971800" indent="-228600" algn="l" defTabSz="914400" rtl="0" eaLnBrk="1" latinLnBrk="0" hangingPunct="1">
+              <a:spcBef>
+                <a:spcPct val="20000"/>
+              </a:spcBef>
+              <a:buFont typeface="Arial" pitchFamily="34" charset="0"/>
+              <a:buChar char="•"/>
+              <a:defRPr sz="2000" kern="1200">
+                <a:solidFill>
+                  <a:schemeClr val="tx1"/>
+                </a:solidFill>
+                <a:latin typeface="+mn-lt"/>
+                <a:ea typeface="+mn-ea"/>
+                <a:cs typeface="+mn-cs"/>
+              </a:defRPr>
+            </a:lvl7pPr>
+            <a:lvl8pPr marL="3429000" indent="-228600" algn="l" defTabSz="914400" rtl="0" eaLnBrk="1" latinLnBrk="0" hangingPunct="1">
+              <a:spcBef>
+                <a:spcPct val="20000"/>
+              </a:spcBef>
+              <a:buFont typeface="Arial" pitchFamily="34" charset="0"/>
+              <a:buChar char="•"/>
+              <a:defRPr sz="2000" kern="1200">
+                <a:solidFill>
+                  <a:schemeClr val="tx1"/>
+                </a:solidFill>
+                <a:latin typeface="+mn-lt"/>
+                <a:ea typeface="+mn-ea"/>
+                <a:cs typeface="+mn-cs"/>
+              </a:defRPr>
+            </a:lvl8pPr>
+            <a:lvl9pPr marL="3886200" indent="-228600" algn="l" defTabSz="914400" rtl="0" eaLnBrk="1" latinLnBrk="0" hangingPunct="1">
+              <a:spcBef>
+                <a:spcPct val="20000"/>
+              </a:spcBef>
+              <a:buFont typeface="Arial" pitchFamily="34" charset="0"/>
+              <a:buChar char="•"/>
+              <a:defRPr sz="2000" kern="1200">
+                <a:solidFill>
+                  <a:schemeClr val="tx1"/>
+                </a:solidFill>
+                <a:latin typeface="+mn-lt"/>
+                <a:ea typeface="+mn-ea"/>
+                <a:cs typeface="+mn-cs"/>
+              </a:defRPr>
+            </a:lvl9pPr>
+          </a:lstStyle>
+          <a:p>
+            <a:pPr fontAlgn="base"/>
+            <a:r>
+              <a:rPr lang="en-US" dirty="0" smtClean="0"/>
+              <a:t>Classify wells as </a:t>
+            </a:r>
+          </a:p>
+          <a:p>
+            <a:pPr lvl="1" fontAlgn="base"/>
+            <a:r>
+              <a:rPr lang="en-US" i="1" dirty="0" smtClean="0"/>
+              <a:t>functional</a:t>
+            </a:r>
+            <a:endParaRPr lang="en-US" dirty="0"/>
+          </a:p>
+          <a:p>
+            <a:pPr lvl="1" fontAlgn="base"/>
+            <a:r>
+              <a:rPr lang="en-US" i="1" dirty="0" smtClean="0"/>
+              <a:t>non-functional</a:t>
+            </a:r>
+            <a:r>
+              <a:rPr lang="en-US" dirty="0" smtClean="0"/>
+              <a:t>, </a:t>
+            </a:r>
+          </a:p>
+          <a:p>
+            <a:pPr lvl="1" fontAlgn="base"/>
+            <a:r>
+              <a:rPr lang="en-US" i="1" dirty="0" smtClean="0"/>
+              <a:t>needing repair</a:t>
+            </a:r>
+          </a:p>
+        </p:txBody>
+      </p:sp>
+      <p:graphicFrame>
+        <p:nvGraphicFramePr>
+          <p:cNvPr id="8" name="Table 36"/>
+          <p:cNvGraphicFramePr/>
+          <p:nvPr>
+            <p:extLst>
+              <p:ext uri="{D42A27DB-BD31-4B8C-83A1-F6EECF244321}">
+                <p14:modId xmlns:p14="http://schemas.microsoft.com/office/powerpoint/2010/main" val="1034298726"/>
+              </p:ext>
+            </p:extLst>
+          </p:nvPr>
+        </p:nvGraphicFramePr>
+        <p:xfrm>
+          <a:off x="304800" y="4648200"/>
+          <a:ext cx="8536649" cy="1961660"/>
+        </p:xfrm>
+        <a:graphic>
+          <a:graphicData uri="http://schemas.openxmlformats.org/drawingml/2006/table">
+            <a:tbl>
+              <a:tblPr bandRow="1"/>
+              <a:tblGrid>
+                <a:gridCol w="852910"/>
+                <a:gridCol w="1290687"/>
+                <a:gridCol w="981224"/>
+                <a:gridCol w="1117086"/>
+                <a:gridCol w="1034059"/>
+                <a:gridCol w="1064251"/>
+                <a:gridCol w="1101990"/>
+                <a:gridCol w="1094442"/>
+              </a:tblGrid>
+              <a:tr h="630180">
+                <a:tc>
+                  <a:txBody>
+                    <a:bodyPr/>
+                    <a:lstStyle/>
+                    <a:p>
+                      <a:pPr lvl="0" algn="l" defTabSz="1736725">
+                        <a:spcBef>
+                          <a:spcPts val="2300"/>
+                        </a:spcBef>
+                        <a:defRPr sz="9700"/>
+                      </a:pPr>
+                      <a:r>
+                        <a:rPr lang="en-US" sz="1400" b="1" i="0" dirty="0" smtClean="0">
+                          <a:solidFill>
+                            <a:srgbClr val="000000"/>
+                          </a:solidFill>
+                          <a:latin typeface="Calibri"/>
+                          <a:ea typeface="Calibri"/>
+                          <a:cs typeface="Calibri"/>
+                          <a:sym typeface="Calibri"/>
+                        </a:rPr>
+                        <a:t>id</a:t>
+                      </a:r>
+                      <a:endParaRPr sz="1400" b="1" i="0" dirty="0">
+                        <a:solidFill>
+                          <a:srgbClr val="000000"/>
+                        </a:solidFill>
+                        <a:latin typeface="Calibri"/>
+                        <a:ea typeface="Calibri"/>
+                        <a:cs typeface="Calibri"/>
+                        <a:sym typeface="Calibri"/>
+                      </a:endParaRPr>
+                    </a:p>
+                  </a:txBody>
+                  <a:tcPr marL="50800" marR="50800" marT="50800" marB="50800" anchor="ctr" horzOverflow="overflow">
+                    <a:lnL w="12700">
+                      <a:solidFill>
+                        <a:srgbClr val="000000"/>
+                      </a:solidFill>
+                      <a:miter lim="400000"/>
+                    </a:lnL>
+                    <a:lnR w="12700">
+                      <a:solidFill>
+                        <a:srgbClr val="000000"/>
+                      </a:solidFill>
+                      <a:miter lim="400000"/>
+                    </a:lnR>
+                    <a:lnT w="12700">
+                      <a:solidFill>
+                        <a:srgbClr val="000000"/>
+                      </a:solidFill>
+                      <a:miter lim="400000"/>
+                    </a:lnT>
+                    <a:lnB w="12700">
+                      <a:solidFill>
+                        <a:srgbClr val="000000"/>
+                      </a:solidFill>
+                      <a:miter lim="400000"/>
+                    </a:lnB>
+                  </a:tcPr>
+                </a:tc>
+                <a:tc>
+                  <a:txBody>
+                    <a:bodyPr/>
+                    <a:lstStyle/>
+                    <a:p>
+                      <a:pPr lvl="0" defTabSz="1736725">
+                        <a:defRPr sz="1800" b="0" i="0"/>
+                      </a:pPr>
+                      <a:r>
+                        <a:rPr sz="1400" b="1" dirty="0" err="1"/>
+                        <a:t>date_recorded</a:t>
+                      </a:r>
+                      <a:endParaRPr sz="1400" b="1" dirty="0"/>
+                    </a:p>
+                  </a:txBody>
+                  <a:tcPr marL="50800" marR="50800" marT="50800" marB="50800" anchor="ctr" horzOverflow="overflow">
+                    <a:lnL w="12700">
+                      <a:solidFill>
+                        <a:srgbClr val="000000"/>
+                      </a:solidFill>
+                      <a:miter lim="400000"/>
+                    </a:lnL>
+                    <a:lnR w="12700">
+                      <a:solidFill>
+                        <a:srgbClr val="000000"/>
+                      </a:solidFill>
+                      <a:miter lim="400000"/>
+                    </a:lnR>
+                    <a:lnT w="12700">
+                      <a:solidFill>
+                        <a:srgbClr val="000000"/>
+                      </a:solidFill>
+                      <a:miter lim="400000"/>
+                    </a:lnT>
+                    <a:lnB w="12700">
+                      <a:solidFill>
+                        <a:srgbClr val="000000"/>
+                      </a:solidFill>
+                      <a:miter lim="400000"/>
+                    </a:lnB>
+                  </a:tcPr>
+                </a:tc>
+                <a:tc>
+                  <a:txBody>
+                    <a:bodyPr/>
+                    <a:lstStyle/>
+                    <a:p>
+                      <a:pPr lvl="0" defTabSz="1736725">
+                        <a:defRPr sz="1800" b="0" i="0"/>
+                      </a:pPr>
+                      <a:r>
+                        <a:rPr sz="1400" b="1"/>
+                        <a:t>funder</a:t>
+                      </a:r>
+                    </a:p>
+                  </a:txBody>
+                  <a:tcPr marL="50800" marR="50800" marT="50800" marB="50800" anchor="ctr" horzOverflow="overflow">
+                    <a:lnL w="12700">
+                      <a:solidFill>
+                        <a:srgbClr val="000000"/>
+                      </a:solidFill>
+                      <a:miter lim="400000"/>
+                    </a:lnL>
+                    <a:lnR w="12700">
+                      <a:solidFill>
+                        <a:srgbClr val="000000"/>
+                      </a:solidFill>
+                      <a:miter lim="400000"/>
+                    </a:lnR>
+                    <a:lnT w="12700">
+                      <a:solidFill>
+                        <a:srgbClr val="000000"/>
+                      </a:solidFill>
+                      <a:miter lim="400000"/>
+                    </a:lnT>
+                    <a:lnB w="12700">
+                      <a:solidFill>
+                        <a:srgbClr val="000000"/>
+                      </a:solidFill>
+                      <a:miter lim="400000"/>
+                    </a:lnB>
+                  </a:tcPr>
+                </a:tc>
+                <a:tc>
+                  <a:txBody>
+                    <a:bodyPr/>
+                    <a:lstStyle/>
+                    <a:p>
+                      <a:pPr lvl="0" defTabSz="1736725">
+                        <a:defRPr sz="1800" b="0" i="0"/>
+                      </a:pPr>
+                      <a:r>
+                        <a:rPr sz="1400" b="1"/>
+                        <a:t>gps_height</a:t>
+                      </a:r>
+                    </a:p>
+                  </a:txBody>
+                  <a:tcPr marL="50800" marR="50800" marT="50800" marB="50800" anchor="ctr" horzOverflow="overflow">
+                    <a:lnL w="12700">
+                      <a:solidFill>
+                        <a:srgbClr val="000000"/>
+                      </a:solidFill>
+                      <a:miter lim="400000"/>
+                    </a:lnL>
+                    <a:lnR w="12700">
+                      <a:solidFill>
+                        <a:srgbClr val="000000"/>
+                      </a:solidFill>
+                      <a:miter lim="400000"/>
+                    </a:lnR>
+                    <a:lnT w="12700">
+                      <a:solidFill>
+                        <a:srgbClr val="000000"/>
+                      </a:solidFill>
+                      <a:miter lim="400000"/>
+                    </a:lnT>
+                    <a:lnB w="12700">
+                      <a:solidFill>
+                        <a:srgbClr val="000000"/>
+                      </a:solidFill>
+                      <a:miter lim="400000"/>
+                    </a:lnB>
+                  </a:tcPr>
+                </a:tc>
+                <a:tc>
+                  <a:txBody>
+                    <a:bodyPr/>
+                    <a:lstStyle/>
+                    <a:p>
+                      <a:pPr lvl="0" defTabSz="1736725">
+                        <a:defRPr sz="1800" b="0" i="0"/>
+                      </a:pPr>
+                      <a:r>
+                        <a:rPr lang="en-US" sz="1400" b="1" dirty="0" smtClean="0"/>
+                        <a:t>…</a:t>
+                      </a:r>
+                      <a:endParaRPr sz="1400" b="1" dirty="0"/>
+                    </a:p>
+                  </a:txBody>
+                  <a:tcPr marL="50800" marR="50800" marT="50800" marB="50800" anchor="ctr" horzOverflow="overflow">
+                    <a:lnL w="12700">
+                      <a:solidFill>
+                        <a:srgbClr val="000000"/>
+                      </a:solidFill>
+                      <a:miter lim="400000"/>
+                    </a:lnL>
+                    <a:lnR w="12700">
+                      <a:solidFill>
+                        <a:srgbClr val="000000"/>
+                      </a:solidFill>
+                      <a:miter lim="400000"/>
+                    </a:lnR>
+                    <a:lnT w="12700">
+                      <a:solidFill>
+                        <a:srgbClr val="000000"/>
+                      </a:solidFill>
+                      <a:miter lim="400000"/>
+                    </a:lnT>
+                    <a:lnB w="12700">
+                      <a:solidFill>
+                        <a:srgbClr val="000000"/>
+                      </a:solidFill>
+                      <a:miter lim="400000"/>
+                    </a:lnB>
+                  </a:tcPr>
+                </a:tc>
+                <a:tc>
+                  <a:txBody>
+                    <a:bodyPr/>
+                    <a:lstStyle/>
+                    <a:p>
+                      <a:pPr lvl="0" defTabSz="1736725">
+                        <a:defRPr sz="1800" b="0" i="0"/>
+                      </a:pPr>
+                      <a:r>
+                        <a:rPr sz="1400" b="1"/>
+                        <a:t>longitude</a:t>
+                      </a:r>
+                    </a:p>
+                  </a:txBody>
+                  <a:tcPr marL="50800" marR="50800" marT="50800" marB="50800" anchor="ctr" horzOverflow="overflow">
+                    <a:lnL w="12700">
+                      <a:solidFill>
+                        <a:srgbClr val="000000"/>
+                      </a:solidFill>
+                      <a:miter lim="400000"/>
+                    </a:lnL>
+                    <a:lnR w="12700">
+                      <a:solidFill>
+                        <a:srgbClr val="000000"/>
+                      </a:solidFill>
+                      <a:miter lim="400000"/>
+                    </a:lnR>
+                    <a:lnT w="12700">
+                      <a:solidFill>
+                        <a:srgbClr val="000000"/>
+                      </a:solidFill>
+                      <a:miter lim="400000"/>
+                    </a:lnT>
+                    <a:lnB w="12700">
+                      <a:solidFill>
+                        <a:srgbClr val="000000"/>
+                      </a:solidFill>
+                      <a:miter lim="400000"/>
+                    </a:lnB>
+                  </a:tcPr>
+                </a:tc>
+                <a:tc>
+                  <a:txBody>
+                    <a:bodyPr/>
+                    <a:lstStyle/>
+                    <a:p>
+                      <a:pPr lvl="0" defTabSz="1736725">
+                        <a:defRPr sz="1800" b="0" i="0"/>
+                      </a:pPr>
+                      <a:r>
+                        <a:rPr sz="1400" b="1"/>
+                        <a:t>latitude</a:t>
+                      </a:r>
+                    </a:p>
+                  </a:txBody>
+                  <a:tcPr marL="50800" marR="50800" marT="50800" marB="50800" anchor="ctr" horzOverflow="overflow">
+                    <a:lnL w="12700">
+                      <a:solidFill>
+                        <a:srgbClr val="000000"/>
+                      </a:solidFill>
+                      <a:miter lim="400000"/>
+                    </a:lnL>
+                    <a:lnR w="12700">
+                      <a:solidFill>
+                        <a:srgbClr val="000000"/>
+                      </a:solidFill>
+                      <a:miter lim="400000"/>
+                    </a:lnR>
+                    <a:lnT w="12700">
+                      <a:solidFill>
+                        <a:srgbClr val="000000"/>
+                      </a:solidFill>
+                      <a:miter lim="400000"/>
+                    </a:lnT>
+                    <a:lnB w="12700">
+                      <a:solidFill>
+                        <a:srgbClr val="000000"/>
+                      </a:solidFill>
+                      <a:miter lim="400000"/>
+                    </a:lnB>
+                  </a:tcPr>
+                </a:tc>
+                <a:tc>
+                  <a:txBody>
+                    <a:bodyPr/>
+                    <a:lstStyle/>
+                    <a:p>
+                      <a:pPr lvl="0" defTabSz="1736725">
+                        <a:defRPr sz="1800" b="0" i="0"/>
+                      </a:pPr>
+                      <a:r>
+                        <a:rPr sz="1400" b="1"/>
+                        <a:t>basin</a:t>
+                      </a:r>
+                    </a:p>
+                  </a:txBody>
+                  <a:tcPr marL="50800" marR="50800" marT="50800" marB="50800" anchor="ctr" horzOverflow="overflow">
+                    <a:lnL w="12700">
+                      <a:solidFill>
+                        <a:srgbClr val="000000"/>
+                      </a:solidFill>
+                      <a:miter lim="400000"/>
+                    </a:lnL>
+                    <a:lnR w="12700">
+                      <a:solidFill>
+                        <a:srgbClr val="000000"/>
+                      </a:solidFill>
+                      <a:miter lim="400000"/>
+                    </a:lnR>
+                    <a:lnT w="12700">
+                      <a:solidFill>
+                        <a:srgbClr val="000000"/>
+                      </a:solidFill>
+                      <a:miter lim="400000"/>
+                    </a:lnT>
+                    <a:lnB w="12700">
+                      <a:solidFill>
+                        <a:srgbClr val="000000"/>
+                      </a:solidFill>
+                      <a:miter lim="400000"/>
+                    </a:lnB>
+                  </a:tcPr>
+                </a:tc>
+              </a:tr>
+              <a:tr h="401580">
+                <a:tc>
+                  <a:txBody>
+                    <a:bodyPr/>
+                    <a:lstStyle/>
+                    <a:p>
+                      <a:pPr lvl="0" algn="l" defTabSz="1736725">
+                        <a:defRPr sz="1800" b="0" i="0"/>
+                      </a:pPr>
+                      <a:r>
+                        <a:rPr sz="1400" b="1" dirty="0"/>
+                        <a:t>69572</a:t>
+                      </a:r>
+                    </a:p>
+                  </a:txBody>
+                  <a:tcPr marL="50800" marR="50800" marT="50800" marB="50800" anchor="ctr" horzOverflow="overflow">
+                    <a:lnL w="12700">
+                      <a:solidFill>
+                        <a:srgbClr val="000000"/>
+                      </a:solidFill>
+                      <a:miter lim="400000"/>
+                    </a:lnL>
+                    <a:lnR w="12700" cap="flat" cmpd="sng" algn="ctr">
+                      <a:solidFill>
+                        <a:srgbClr val="000000"/>
+                      </a:solidFill>
+                      <a:prstDash val="solid"/>
+                      <a:miter lim="400000"/>
+                      <a:headEnd type="none" w="med" len="med"/>
+                      <a:tailEnd type="none" w="med" len="med"/>
+                    </a:lnR>
+                    <a:lnT w="12700" cap="flat" cmpd="sng" algn="ctr">
+                      <a:solidFill>
+                        <a:srgbClr val="000000"/>
+                      </a:solidFill>
+                      <a:prstDash val="solid"/>
+                      <a:miter lim="400000"/>
+                      <a:headEnd type="none" w="med" len="med"/>
+                      <a:tailEnd type="none" w="med" len="med"/>
+                    </a:lnT>
+                    <a:lnB w="12700">
+                      <a:solidFill>
+                        <a:srgbClr val="000000"/>
+                      </a:solidFill>
+                      <a:miter lim="400000"/>
+                    </a:lnB>
+                  </a:tcPr>
+                </a:tc>
+                <a:tc>
+                  <a:txBody>
+                    <a:bodyPr/>
+                    <a:lstStyle/>
+                    <a:p>
+                      <a:pPr lvl="0" algn="l" defTabSz="1736725">
+                        <a:defRPr sz="1800" b="0" i="0"/>
+                      </a:pPr>
+                      <a:r>
+                        <a:rPr sz="1400"/>
+                        <a:t>2011-03-14</a:t>
+                      </a:r>
+                    </a:p>
+                  </a:txBody>
+                  <a:tcPr marL="50800" marR="50800" marT="50800" marB="50800" anchor="ctr" horzOverflow="overflow">
+                    <a:lnL w="12700" cap="flat" cmpd="sng" algn="ctr">
+                      <a:solidFill>
+                        <a:srgbClr val="000000"/>
+                      </a:solidFill>
+                      <a:prstDash val="solid"/>
+                      <a:miter lim="400000"/>
+                      <a:headEnd type="none" w="med" len="med"/>
+                      <a:tailEnd type="none" w="med" len="med"/>
+                    </a:lnL>
+                    <a:lnR w="12700" cap="flat" cmpd="sng" algn="ctr">
+                      <a:solidFill>
+                        <a:srgbClr val="000000"/>
+                      </a:solidFill>
+                      <a:prstDash val="solid"/>
+                      <a:miter lim="400000"/>
+                      <a:headEnd type="none" w="med" len="med"/>
+                      <a:tailEnd type="none" w="med" len="med"/>
+                    </a:lnR>
+                    <a:lnT w="12700" cap="flat" cmpd="sng" algn="ctr">
+                      <a:solidFill>
+                        <a:srgbClr val="000000"/>
+                      </a:solidFill>
+                      <a:prstDash val="solid"/>
+                      <a:miter lim="400000"/>
+                      <a:headEnd type="none" w="med" len="med"/>
+                      <a:tailEnd type="none" w="med" len="med"/>
+                    </a:lnT>
+                    <a:lnB w="12700">
+                      <a:solidFill>
+                        <a:srgbClr val="000000"/>
+                      </a:solidFill>
+                      <a:miter lim="400000"/>
+                    </a:lnB>
+                  </a:tcPr>
+                </a:tc>
+                <a:tc>
+                  <a:txBody>
+                    <a:bodyPr/>
+                    <a:lstStyle/>
+                    <a:p>
+                      <a:pPr lvl="0" algn="l" defTabSz="1736725">
+                        <a:defRPr sz="1800" b="0" i="0"/>
+                      </a:pPr>
+                      <a:r>
+                        <a:rPr sz="1400"/>
+                        <a:t>Roman</a:t>
+                      </a:r>
+                    </a:p>
+                  </a:txBody>
+                  <a:tcPr marL="50800" marR="50800" marT="50800" marB="50800" anchor="ctr" horzOverflow="overflow">
+                    <a:lnL w="12700" cap="flat" cmpd="sng" algn="ctr">
+                      <a:solidFill>
+                        <a:srgbClr val="000000"/>
+                      </a:solidFill>
+                      <a:prstDash val="solid"/>
+                      <a:miter lim="400000"/>
+                      <a:headEnd type="none" w="med" len="med"/>
+                      <a:tailEnd type="none" w="med" len="med"/>
+                    </a:lnL>
+                    <a:lnR w="12700" cap="flat" cmpd="sng" algn="ctr">
+                      <a:solidFill>
+                        <a:srgbClr val="000000"/>
+                      </a:solidFill>
+                      <a:prstDash val="solid"/>
+                      <a:miter lim="400000"/>
+                      <a:headEnd type="none" w="med" len="med"/>
+                      <a:tailEnd type="none" w="med" len="med"/>
+                    </a:lnR>
+                    <a:lnT w="12700" cap="flat" cmpd="sng" algn="ctr">
+                      <a:solidFill>
+                        <a:srgbClr val="000000"/>
+                      </a:solidFill>
+                      <a:prstDash val="solid"/>
+                      <a:miter lim="400000"/>
+                      <a:headEnd type="none" w="med" len="med"/>
+                      <a:tailEnd type="none" w="med" len="med"/>
+                    </a:lnT>
+                    <a:lnB w="12700">
+                      <a:solidFill>
+                        <a:srgbClr val="000000"/>
+                      </a:solidFill>
+                      <a:miter lim="400000"/>
+                    </a:lnB>
+                  </a:tcPr>
+                </a:tc>
+                <a:tc>
+                  <a:txBody>
+                    <a:bodyPr/>
+                    <a:lstStyle/>
+                    <a:p>
+                      <a:pPr lvl="0" algn="l" defTabSz="1736725">
+                        <a:defRPr sz="1800" b="0" i="0"/>
+                      </a:pPr>
+                      <a:r>
+                        <a:rPr sz="1400"/>
+                        <a:t>1390</a:t>
+                      </a:r>
+                    </a:p>
+                  </a:txBody>
+                  <a:tcPr marL="50800" marR="50800" marT="50800" marB="50800" anchor="ctr" horzOverflow="overflow">
+                    <a:lnL w="12700" cap="flat" cmpd="sng" algn="ctr">
+                      <a:solidFill>
+                        <a:srgbClr val="000000"/>
+                      </a:solidFill>
+                      <a:prstDash val="solid"/>
+                      <a:miter lim="400000"/>
+                      <a:headEnd type="none" w="med" len="med"/>
+                      <a:tailEnd type="none" w="med" len="med"/>
+                    </a:lnL>
+                    <a:lnR w="12700" cap="flat" cmpd="sng" algn="ctr">
+                      <a:solidFill>
+                        <a:srgbClr val="000000"/>
+                      </a:solidFill>
+                      <a:prstDash val="solid"/>
+                      <a:miter lim="400000"/>
+                      <a:headEnd type="none" w="med" len="med"/>
+                      <a:tailEnd type="none" w="med" len="med"/>
+                    </a:lnR>
+                    <a:lnT w="12700" cap="flat" cmpd="sng" algn="ctr">
+                      <a:solidFill>
+                        <a:srgbClr val="000000"/>
+                      </a:solidFill>
+                      <a:prstDash val="solid"/>
+                      <a:miter lim="400000"/>
+                      <a:headEnd type="none" w="med" len="med"/>
+                      <a:tailEnd type="none" w="med" len="med"/>
+                    </a:lnT>
+                    <a:lnB w="12700">
+                      <a:solidFill>
+                        <a:srgbClr val="000000"/>
+                      </a:solidFill>
+                      <a:miter lim="400000"/>
+                    </a:lnB>
+                  </a:tcPr>
+                </a:tc>
+                <a:tc>
+                  <a:txBody>
+                    <a:bodyPr/>
+                    <a:lstStyle/>
+                    <a:p>
+                      <a:r>
+                        <a:rPr lang="en-US" dirty="0" smtClean="0"/>
+                        <a:t>…</a:t>
+                      </a:r>
+                      <a:endParaRPr lang="en-US" dirty="0"/>
+                    </a:p>
+                  </a:txBody>
+                  <a:tcPr marL="50800" marR="50800" marT="50800" marB="50800" anchor="ctr" horzOverflow="overflow">
+                    <a:lnL w="12700" cap="flat" cmpd="sng" algn="ctr">
+                      <a:solidFill>
+                        <a:srgbClr val="000000"/>
+                      </a:solidFill>
+                      <a:prstDash val="solid"/>
+                      <a:miter lim="400000"/>
+                      <a:headEnd type="none" w="med" len="med"/>
+                      <a:tailEnd type="none" w="med" len="med"/>
+                    </a:lnL>
+                    <a:lnR w="12700" cap="flat" cmpd="sng" algn="ctr">
+                      <a:solidFill>
+                        <a:srgbClr val="000000"/>
+                      </a:solidFill>
+                      <a:prstDash val="solid"/>
+                      <a:miter lim="400000"/>
+                      <a:headEnd type="none" w="med" len="med"/>
+                      <a:tailEnd type="none" w="med" len="med"/>
+                    </a:lnR>
+                    <a:lnT w="12700" cap="flat" cmpd="sng" algn="ctr">
+                      <a:solidFill>
+                        <a:srgbClr val="000000"/>
+                      </a:solidFill>
+                      <a:prstDash val="solid"/>
+                      <a:miter lim="400000"/>
+                      <a:headEnd type="none" w="med" len="med"/>
+                      <a:tailEnd type="none" w="med" len="med"/>
+                    </a:lnT>
+                    <a:lnB w="12700">
+                      <a:solidFill>
+                        <a:srgbClr val="000000"/>
+                      </a:solidFill>
+                      <a:miter lim="400000"/>
+                    </a:lnB>
+                  </a:tcPr>
+                </a:tc>
+                <a:tc>
+                  <a:txBody>
+                    <a:bodyPr/>
+                    <a:lstStyle/>
+                    <a:p>
+                      <a:pPr lvl="0" algn="l" defTabSz="1736725">
+                        <a:defRPr sz="1800" b="0" i="0"/>
+                      </a:pPr>
+                      <a:r>
+                        <a:rPr sz="1400" dirty="0"/>
+                        <a:t>34.938093</a:t>
+                      </a:r>
+                    </a:p>
+                  </a:txBody>
+                  <a:tcPr marL="50800" marR="50800" marT="50800" marB="50800" anchor="ctr" horzOverflow="overflow">
+                    <a:lnL w="12700" cap="flat" cmpd="sng" algn="ctr">
+                      <a:solidFill>
+                        <a:srgbClr val="000000"/>
+                      </a:solidFill>
+                      <a:prstDash val="solid"/>
+                      <a:miter lim="400000"/>
+                      <a:headEnd type="none" w="med" len="med"/>
+                      <a:tailEnd type="none" w="med" len="med"/>
+                    </a:lnL>
+                    <a:lnR w="12700" cap="flat" cmpd="sng" algn="ctr">
+                      <a:solidFill>
+                        <a:srgbClr val="000000"/>
+                      </a:solidFill>
+                      <a:prstDash val="solid"/>
+                      <a:miter lim="400000"/>
+                      <a:headEnd type="none" w="med" len="med"/>
+                      <a:tailEnd type="none" w="med" len="med"/>
+                    </a:lnR>
+                    <a:lnT w="12700" cap="flat" cmpd="sng" algn="ctr">
+                      <a:solidFill>
+                        <a:srgbClr val="000000"/>
+                      </a:solidFill>
+                      <a:prstDash val="solid"/>
+                      <a:miter lim="400000"/>
+                      <a:headEnd type="none" w="med" len="med"/>
+                      <a:tailEnd type="none" w="med" len="med"/>
+                    </a:lnT>
+                    <a:lnB w="12700">
+                      <a:solidFill>
+                        <a:srgbClr val="000000"/>
+                      </a:solidFill>
+                      <a:miter lim="400000"/>
+                    </a:lnB>
+                  </a:tcPr>
+                </a:tc>
+                <a:tc>
+                  <a:txBody>
+                    <a:bodyPr/>
+                    <a:lstStyle/>
+                    <a:p>
+                      <a:pPr lvl="0" algn="l" defTabSz="1736725">
+                        <a:defRPr sz="1800" b="0" i="0"/>
+                      </a:pPr>
+                      <a:r>
+                        <a:rPr sz="1400"/>
+                        <a:t>-9.856322</a:t>
+                      </a:r>
+                    </a:p>
+                  </a:txBody>
+                  <a:tcPr marL="50800" marR="50800" marT="50800" marB="50800" anchor="ctr" horzOverflow="overflow">
+                    <a:lnL w="12700" cap="flat" cmpd="sng" algn="ctr">
+                      <a:solidFill>
+                        <a:srgbClr val="000000"/>
+                      </a:solidFill>
+                      <a:prstDash val="solid"/>
+                      <a:miter lim="400000"/>
+                      <a:headEnd type="none" w="med" len="med"/>
+                      <a:tailEnd type="none" w="med" len="med"/>
+                    </a:lnL>
+                    <a:lnR w="12700" cap="flat" cmpd="sng" algn="ctr">
+                      <a:solidFill>
+                        <a:srgbClr val="000000"/>
+                      </a:solidFill>
+                      <a:prstDash val="solid"/>
+                      <a:miter lim="400000"/>
+                      <a:headEnd type="none" w="med" len="med"/>
+                      <a:tailEnd type="none" w="med" len="med"/>
+                    </a:lnR>
+                    <a:lnT w="12700" cap="flat" cmpd="sng" algn="ctr">
+                      <a:solidFill>
+                        <a:srgbClr val="000000"/>
+                      </a:solidFill>
+                      <a:prstDash val="solid"/>
+                      <a:miter lim="400000"/>
+                      <a:headEnd type="none" w="med" len="med"/>
+                      <a:tailEnd type="none" w="med" len="med"/>
+                    </a:lnT>
+                    <a:lnB w="12700">
+                      <a:solidFill>
+                        <a:srgbClr val="000000"/>
+                      </a:solidFill>
+                      <a:miter lim="400000"/>
+                    </a:lnB>
+                  </a:tcPr>
+                </a:tc>
+                <a:tc>
+                  <a:txBody>
+                    <a:bodyPr/>
+                    <a:lstStyle/>
+                    <a:p>
+                      <a:pPr lvl="0" algn="l" defTabSz="1736725">
+                        <a:defRPr sz="1800" b="0" i="0"/>
+                      </a:pPr>
+                      <a:r>
+                        <a:rPr sz="1400"/>
+                        <a:t>Lake Nyasa</a:t>
+                      </a:r>
+                    </a:p>
+                  </a:txBody>
+                  <a:tcPr marL="50800" marR="50800" marT="50800" marB="50800" anchor="ctr" horzOverflow="overflow">
+                    <a:lnL w="12700" cap="flat" cmpd="sng" algn="ctr">
+                      <a:solidFill>
+                        <a:srgbClr val="000000"/>
+                      </a:solidFill>
+                      <a:prstDash val="solid"/>
+                      <a:miter lim="400000"/>
+                      <a:headEnd type="none" w="med" len="med"/>
+                      <a:tailEnd type="none" w="med" len="med"/>
+                    </a:lnL>
+                    <a:lnR w="12700">
+                      <a:solidFill>
+                        <a:srgbClr val="000000"/>
+                      </a:solidFill>
+                      <a:miter lim="400000"/>
+                    </a:lnR>
+                    <a:lnT w="12700" cap="flat" cmpd="sng" algn="ctr">
+                      <a:solidFill>
+                        <a:srgbClr val="000000"/>
+                      </a:solidFill>
+                      <a:prstDash val="solid"/>
+                      <a:miter lim="400000"/>
+                      <a:headEnd type="none" w="med" len="med"/>
+                      <a:tailEnd type="none" w="med" len="med"/>
+                    </a:lnT>
+                    <a:lnB w="12700">
+                      <a:solidFill>
+                        <a:srgbClr val="000000"/>
+                      </a:solidFill>
+                      <a:miter lim="400000"/>
+                    </a:lnB>
+                  </a:tcPr>
+                </a:tc>
+              </a:tr>
+              <a:tr h="401580">
+                <a:tc>
+                  <a:txBody>
+                    <a:bodyPr/>
+                    <a:lstStyle/>
+                    <a:p>
+                      <a:pPr lvl="0" algn="l" defTabSz="1736725">
+                        <a:defRPr sz="1800" b="0" i="0"/>
+                      </a:pPr>
+                      <a:r>
+                        <a:rPr sz="1400" b="1"/>
+                        <a:t>8776</a:t>
+                      </a:r>
+                    </a:p>
+                  </a:txBody>
+                  <a:tcPr marL="50800" marR="50800" marT="50800" marB="50800" anchor="ctr" horzOverflow="overflow">
+                    <a:lnL w="12700">
+                      <a:solidFill>
+                        <a:srgbClr val="000000"/>
+                      </a:solidFill>
+                      <a:miter lim="400000"/>
+                    </a:lnL>
+                    <a:lnR w="12700">
+                      <a:solidFill>
+                        <a:srgbClr val="000000"/>
+                      </a:solidFill>
+                      <a:miter lim="400000"/>
+                    </a:lnR>
+                    <a:lnT w="12700">
+                      <a:solidFill>
+                        <a:srgbClr val="000000"/>
+                      </a:solidFill>
+                      <a:miter lim="400000"/>
+                    </a:lnT>
+                    <a:lnB w="12700">
+                      <a:solidFill>
+                        <a:srgbClr val="000000"/>
+                      </a:solidFill>
+                      <a:miter lim="400000"/>
+                    </a:lnB>
+                  </a:tcPr>
+                </a:tc>
+                <a:tc>
+                  <a:txBody>
+                    <a:bodyPr/>
+                    <a:lstStyle/>
+                    <a:p>
+                      <a:pPr lvl="0" algn="l" defTabSz="1736725">
+                        <a:defRPr sz="1800" b="0" i="0"/>
+                      </a:pPr>
+                      <a:r>
+                        <a:rPr sz="1400"/>
+                        <a:t>2013-03-06</a:t>
+                      </a:r>
+                    </a:p>
+                  </a:txBody>
+                  <a:tcPr marL="50800" marR="50800" marT="50800" marB="50800" anchor="ctr" horzOverflow="overflow">
+                    <a:lnL w="12700">
+                      <a:solidFill>
+                        <a:srgbClr val="000000"/>
+                      </a:solidFill>
+                      <a:miter lim="400000"/>
+                    </a:lnL>
+                    <a:lnR w="12700">
+                      <a:solidFill>
+                        <a:srgbClr val="000000"/>
+                      </a:solidFill>
+                      <a:miter lim="400000"/>
+                    </a:lnR>
+                    <a:lnT w="12700">
+                      <a:solidFill>
+                        <a:srgbClr val="000000"/>
+                      </a:solidFill>
+                      <a:miter lim="400000"/>
+                    </a:lnT>
+                    <a:lnB w="12700">
+                      <a:solidFill>
+                        <a:srgbClr val="000000"/>
+                      </a:solidFill>
+                      <a:miter lim="400000"/>
+                    </a:lnB>
+                  </a:tcPr>
+                </a:tc>
+                <a:tc>
+                  <a:txBody>
+                    <a:bodyPr/>
+                    <a:lstStyle/>
+                    <a:p>
+                      <a:pPr lvl="0" algn="l" defTabSz="1736725">
+                        <a:defRPr sz="1800" b="0" i="0"/>
+                      </a:pPr>
+                      <a:r>
+                        <a:rPr sz="1400"/>
+                        <a:t>Grumeti</a:t>
+                      </a:r>
+                    </a:p>
+                  </a:txBody>
+                  <a:tcPr marL="50800" marR="50800" marT="50800" marB="50800" anchor="ctr" horzOverflow="overflow">
+                    <a:lnL w="12700">
+                      <a:solidFill>
+                        <a:srgbClr val="000000"/>
+                      </a:solidFill>
+                      <a:miter lim="400000"/>
+                    </a:lnL>
+                    <a:lnR w="12700">
+                      <a:solidFill>
+                        <a:srgbClr val="000000"/>
+                      </a:solidFill>
+                      <a:miter lim="400000"/>
+                    </a:lnR>
+                    <a:lnT w="12700">
+                      <a:solidFill>
+                        <a:srgbClr val="000000"/>
+                      </a:solidFill>
+                      <a:miter lim="400000"/>
+                    </a:lnT>
+                    <a:lnB w="12700">
+                      <a:solidFill>
+                        <a:srgbClr val="000000"/>
+                      </a:solidFill>
+                      <a:miter lim="400000"/>
+                    </a:lnB>
+                  </a:tcPr>
+                </a:tc>
+                <a:tc>
+                  <a:txBody>
+                    <a:bodyPr/>
+                    <a:lstStyle/>
+                    <a:p>
+                      <a:pPr lvl="0" algn="l" defTabSz="1736725">
+                        <a:defRPr sz="1800" b="0" i="0"/>
+                      </a:pPr>
+                      <a:r>
+                        <a:rPr sz="1400"/>
+                        <a:t>1399</a:t>
+                      </a:r>
+                    </a:p>
+                  </a:txBody>
+                  <a:tcPr marL="50800" marR="50800" marT="50800" marB="50800" anchor="ctr" horzOverflow="overflow">
+                    <a:lnL w="12700">
+                      <a:solidFill>
+                        <a:srgbClr val="000000"/>
+                      </a:solidFill>
+                      <a:miter lim="400000"/>
+                    </a:lnL>
+                    <a:lnR w="12700">
+                      <a:solidFill>
+                        <a:srgbClr val="000000"/>
+                      </a:solidFill>
+                      <a:miter lim="400000"/>
+                    </a:lnR>
+                    <a:lnT w="12700">
+                      <a:solidFill>
+                        <a:srgbClr val="000000"/>
+                      </a:solidFill>
+                      <a:miter lim="400000"/>
+                    </a:lnT>
+                    <a:lnB w="12700">
+                      <a:solidFill>
+                        <a:srgbClr val="000000"/>
+                      </a:solidFill>
+                      <a:miter lim="400000"/>
+                    </a:lnB>
+                  </a:tcPr>
+                </a:tc>
+                <a:tc>
+                  <a:txBody>
+                    <a:bodyPr/>
+                    <a:lstStyle/>
+                    <a:p>
+                      <a:r>
+                        <a:rPr lang="en-US" dirty="0" smtClean="0"/>
+                        <a:t>…</a:t>
+                      </a:r>
+                      <a:endParaRPr lang="en-US" dirty="0"/>
+                    </a:p>
+                  </a:txBody>
+                  <a:tcPr marL="50800" marR="50800" marT="50800" marB="50800" anchor="ctr" horzOverflow="overflow">
+                    <a:lnL w="12700">
+                      <a:solidFill>
+                        <a:srgbClr val="000000"/>
+                      </a:solidFill>
+                      <a:miter lim="400000"/>
+                    </a:lnL>
+                    <a:lnR w="12700">
+                      <a:solidFill>
+                        <a:srgbClr val="000000"/>
+                      </a:solidFill>
+                      <a:miter lim="400000"/>
+                    </a:lnR>
+                    <a:lnT w="12700">
+                      <a:solidFill>
+                        <a:srgbClr val="000000"/>
+                      </a:solidFill>
+                      <a:miter lim="400000"/>
+                    </a:lnT>
+                    <a:lnB w="12700">
+                      <a:solidFill>
+                        <a:srgbClr val="000000"/>
+                      </a:solidFill>
+                      <a:miter lim="400000"/>
+                    </a:lnB>
+                  </a:tcPr>
+                </a:tc>
+                <a:tc>
+                  <a:txBody>
+                    <a:bodyPr/>
+                    <a:lstStyle/>
+                    <a:p>
+                      <a:pPr lvl="0" algn="l" defTabSz="1736725">
+                        <a:defRPr sz="1800" b="0" i="0"/>
+                      </a:pPr>
+                      <a:r>
+                        <a:rPr sz="1400"/>
+                        <a:t>34.698766</a:t>
+                      </a:r>
+                    </a:p>
+                  </a:txBody>
+                  <a:tcPr marL="50800" marR="50800" marT="50800" marB="50800" anchor="ctr" horzOverflow="overflow">
+                    <a:lnL w="12700">
+                      <a:solidFill>
+                        <a:srgbClr val="000000"/>
+                      </a:solidFill>
+                      <a:miter lim="400000"/>
+                    </a:lnL>
+                    <a:lnR w="12700">
+                      <a:solidFill>
+                        <a:srgbClr val="000000"/>
+                      </a:solidFill>
+                      <a:miter lim="400000"/>
+                    </a:lnR>
+                    <a:lnT w="12700">
+                      <a:solidFill>
+                        <a:srgbClr val="000000"/>
+                      </a:solidFill>
+                      <a:miter lim="400000"/>
+                    </a:lnT>
+                    <a:lnB w="12700">
+                      <a:solidFill>
+                        <a:srgbClr val="000000"/>
+                      </a:solidFill>
+                      <a:miter lim="400000"/>
+                    </a:lnB>
+                  </a:tcPr>
+                </a:tc>
+                <a:tc>
+                  <a:txBody>
+                    <a:bodyPr/>
+                    <a:lstStyle/>
+                    <a:p>
+                      <a:pPr lvl="0" algn="l" defTabSz="1736725">
+                        <a:defRPr sz="1800" b="0" i="0"/>
+                      </a:pPr>
+                      <a:r>
+                        <a:rPr sz="1400"/>
+                        <a:t>-2.147466</a:t>
+                      </a:r>
+                    </a:p>
+                  </a:txBody>
+                  <a:tcPr marL="50800" marR="50800" marT="50800" marB="50800" anchor="ctr" horzOverflow="overflow">
+                    <a:lnL w="12700">
+                      <a:solidFill>
+                        <a:srgbClr val="000000"/>
+                      </a:solidFill>
+                      <a:miter lim="400000"/>
+                    </a:lnL>
+                    <a:lnR w="12700">
+                      <a:solidFill>
+                        <a:srgbClr val="000000"/>
+                      </a:solidFill>
+                      <a:miter lim="400000"/>
+                    </a:lnR>
+                    <a:lnT w="12700">
+                      <a:solidFill>
+                        <a:srgbClr val="000000"/>
+                      </a:solidFill>
+                      <a:miter lim="400000"/>
+                    </a:lnT>
+                    <a:lnB w="12700">
+                      <a:solidFill>
+                        <a:srgbClr val="000000"/>
+                      </a:solidFill>
+                      <a:miter lim="400000"/>
+                    </a:lnB>
+                  </a:tcPr>
+                </a:tc>
+                <a:tc>
+                  <a:txBody>
+                    <a:bodyPr/>
+                    <a:lstStyle/>
+                    <a:p>
+                      <a:pPr lvl="0" algn="l" defTabSz="1736725">
+                        <a:defRPr sz="1800" b="0" i="0"/>
+                      </a:pPr>
+                      <a:r>
+                        <a:rPr sz="1400"/>
+                        <a:t>Lake Victoria</a:t>
+                      </a:r>
+                    </a:p>
+                  </a:txBody>
+                  <a:tcPr marL="50800" marR="50800" marT="50800" marB="50800" anchor="ctr" horzOverflow="overflow">
+                    <a:lnL w="12700">
+                      <a:solidFill>
+                        <a:srgbClr val="000000"/>
+                      </a:solidFill>
+                      <a:miter lim="400000"/>
+                    </a:lnL>
+                    <a:lnR w="12700">
+                      <a:solidFill>
+                        <a:srgbClr val="000000"/>
+                      </a:solidFill>
+                      <a:miter lim="400000"/>
+                    </a:lnR>
+                    <a:lnT w="12700">
+                      <a:solidFill>
+                        <a:srgbClr val="000000"/>
+                      </a:solidFill>
+                      <a:miter lim="400000"/>
+                    </a:lnT>
+                    <a:lnB w="12700">
+                      <a:solidFill>
+                        <a:srgbClr val="000000"/>
+                      </a:solidFill>
+                      <a:miter lim="400000"/>
+                    </a:lnB>
+                  </a:tcPr>
+                </a:tc>
+              </a:tr>
+              <a:tr h="401580">
+                <a:tc>
+                  <a:txBody>
+                    <a:bodyPr/>
+                    <a:lstStyle/>
+                    <a:p>
+                      <a:pPr lvl="0" algn="l" defTabSz="1736725">
+                        <a:defRPr sz="1800" b="0" i="0"/>
+                      </a:pPr>
+                      <a:r>
+                        <a:rPr sz="1400" b="1"/>
+                        <a:t>34310</a:t>
+                      </a:r>
+                    </a:p>
+                  </a:txBody>
+                  <a:tcPr marL="50800" marR="50800" marT="50800" marB="50800" anchor="ctr" horzOverflow="overflow">
+                    <a:lnL w="12700">
+                      <a:solidFill>
+                        <a:srgbClr val="000000"/>
+                      </a:solidFill>
+                      <a:miter lim="400000"/>
+                    </a:lnL>
+                    <a:lnR w="12700">
+                      <a:solidFill>
+                        <a:srgbClr val="000000"/>
+                      </a:solidFill>
+                      <a:miter lim="400000"/>
+                    </a:lnR>
+                    <a:lnT w="12700">
+                      <a:solidFill>
+                        <a:srgbClr val="000000"/>
+                      </a:solidFill>
+                      <a:miter lim="400000"/>
+                    </a:lnT>
+                    <a:lnB w="12700">
+                      <a:solidFill>
+                        <a:srgbClr val="000000"/>
+                      </a:solidFill>
+                      <a:miter lim="400000"/>
+                    </a:lnB>
+                  </a:tcPr>
+                </a:tc>
+                <a:tc>
+                  <a:txBody>
+                    <a:bodyPr/>
+                    <a:lstStyle/>
+                    <a:p>
+                      <a:pPr lvl="0" algn="l" defTabSz="1736725">
+                        <a:defRPr sz="1800" b="0" i="0"/>
+                      </a:pPr>
+                      <a:r>
+                        <a:rPr sz="1400"/>
+                        <a:t>2013-02-25</a:t>
+                      </a:r>
+                    </a:p>
+                  </a:txBody>
+                  <a:tcPr marL="50800" marR="50800" marT="50800" marB="50800" anchor="ctr" horzOverflow="overflow">
+                    <a:lnL w="12700">
+                      <a:solidFill>
+                        <a:srgbClr val="000000"/>
+                      </a:solidFill>
+                      <a:miter lim="400000"/>
+                    </a:lnL>
+                    <a:lnR w="12700">
+                      <a:solidFill>
+                        <a:srgbClr val="000000"/>
+                      </a:solidFill>
+                      <a:miter lim="400000"/>
+                    </a:lnR>
+                    <a:lnT w="12700">
+                      <a:solidFill>
+                        <a:srgbClr val="000000"/>
+                      </a:solidFill>
+                      <a:miter lim="400000"/>
+                    </a:lnT>
+                    <a:lnB w="12700">
+                      <a:solidFill>
+                        <a:srgbClr val="000000"/>
+                      </a:solidFill>
+                      <a:miter lim="400000"/>
+                    </a:lnB>
+                  </a:tcPr>
+                </a:tc>
+                <a:tc>
+                  <a:txBody>
+                    <a:bodyPr/>
+                    <a:lstStyle/>
+                    <a:p>
+                      <a:pPr lvl="0" algn="l" defTabSz="1736725">
+                        <a:defRPr sz="1800" b="0" i="0"/>
+                      </a:pPr>
+                      <a:r>
+                        <a:rPr sz="1400"/>
+                        <a:t>Lottery Club</a:t>
+                      </a:r>
+                    </a:p>
+                  </a:txBody>
+                  <a:tcPr marL="50800" marR="50800" marT="50800" marB="50800" anchor="ctr" horzOverflow="overflow">
+                    <a:lnL w="12700">
+                      <a:solidFill>
+                        <a:srgbClr val="000000"/>
+                      </a:solidFill>
+                      <a:miter lim="400000"/>
+                    </a:lnL>
+                    <a:lnR w="12700">
+                      <a:solidFill>
+                        <a:srgbClr val="000000"/>
+                      </a:solidFill>
+                      <a:miter lim="400000"/>
+                    </a:lnR>
+                    <a:lnT w="12700">
+                      <a:solidFill>
+                        <a:srgbClr val="000000"/>
+                      </a:solidFill>
+                      <a:miter lim="400000"/>
+                    </a:lnT>
+                    <a:lnB w="12700">
+                      <a:solidFill>
+                        <a:srgbClr val="000000"/>
+                      </a:solidFill>
+                      <a:miter lim="400000"/>
+                    </a:lnB>
+                  </a:tcPr>
+                </a:tc>
+                <a:tc>
+                  <a:txBody>
+                    <a:bodyPr/>
+                    <a:lstStyle/>
+                    <a:p>
+                      <a:pPr lvl="0" algn="l" defTabSz="1736725">
+                        <a:defRPr sz="1800" b="0" i="0"/>
+                      </a:pPr>
+                      <a:r>
+                        <a:rPr sz="1400"/>
+                        <a:t>686</a:t>
+                      </a:r>
+                    </a:p>
+                  </a:txBody>
+                  <a:tcPr marL="50800" marR="50800" marT="50800" marB="50800" anchor="ctr" horzOverflow="overflow">
+                    <a:lnL w="12700">
+                      <a:solidFill>
+                        <a:srgbClr val="000000"/>
+                      </a:solidFill>
+                      <a:miter lim="400000"/>
+                    </a:lnL>
+                    <a:lnR w="12700">
+                      <a:solidFill>
+                        <a:srgbClr val="000000"/>
+                      </a:solidFill>
+                      <a:miter lim="400000"/>
+                    </a:lnR>
+                    <a:lnT w="12700">
+                      <a:solidFill>
+                        <a:srgbClr val="000000"/>
+                      </a:solidFill>
+                      <a:miter lim="400000"/>
+                    </a:lnT>
+                    <a:lnB w="12700">
+                      <a:solidFill>
+                        <a:srgbClr val="000000"/>
+                      </a:solidFill>
+                      <a:miter lim="400000"/>
+                    </a:lnB>
+                  </a:tcPr>
+                </a:tc>
+                <a:tc>
+                  <a:txBody>
+                    <a:bodyPr/>
+                    <a:lstStyle/>
+                    <a:p>
+                      <a:r>
+                        <a:rPr lang="en-US" dirty="0" smtClean="0"/>
+                        <a:t>...</a:t>
+                      </a:r>
+                      <a:endParaRPr lang="en-US" dirty="0"/>
+                    </a:p>
+                  </a:txBody>
+                  <a:tcPr marL="50800" marR="50800" marT="50800" marB="50800" anchor="ctr" horzOverflow="overflow">
+                    <a:lnL w="12700">
+                      <a:solidFill>
+                        <a:srgbClr val="000000"/>
+                      </a:solidFill>
+                      <a:miter lim="400000"/>
+                    </a:lnL>
+                    <a:lnR w="12700">
+                      <a:solidFill>
+                        <a:srgbClr val="000000"/>
+                      </a:solidFill>
+                      <a:miter lim="400000"/>
+                    </a:lnR>
+                    <a:lnT w="12700">
+                      <a:solidFill>
+                        <a:srgbClr val="000000"/>
+                      </a:solidFill>
+                      <a:miter lim="400000"/>
+                    </a:lnT>
+                    <a:lnB w="12700">
+                      <a:solidFill>
+                        <a:srgbClr val="000000"/>
+                      </a:solidFill>
+                      <a:miter lim="400000"/>
+                    </a:lnB>
+                  </a:tcPr>
+                </a:tc>
+                <a:tc>
+                  <a:txBody>
+                    <a:bodyPr/>
+                    <a:lstStyle/>
+                    <a:p>
+                      <a:pPr lvl="0" algn="l" defTabSz="1736725">
+                        <a:defRPr sz="1800" b="0" i="0"/>
+                      </a:pPr>
+                      <a:r>
+                        <a:rPr sz="1400"/>
+                        <a:t>37.460664</a:t>
+                      </a:r>
+                    </a:p>
+                  </a:txBody>
+                  <a:tcPr marL="50800" marR="50800" marT="50800" marB="50800" anchor="ctr" horzOverflow="overflow">
+                    <a:lnL w="12700">
+                      <a:solidFill>
+                        <a:srgbClr val="000000"/>
+                      </a:solidFill>
+                      <a:miter lim="400000"/>
+                    </a:lnL>
+                    <a:lnR w="12700">
+                      <a:solidFill>
+                        <a:srgbClr val="000000"/>
+                      </a:solidFill>
+                      <a:miter lim="400000"/>
+                    </a:lnR>
+                    <a:lnT w="12700">
+                      <a:solidFill>
+                        <a:srgbClr val="000000"/>
+                      </a:solidFill>
+                      <a:miter lim="400000"/>
+                    </a:lnT>
+                    <a:lnB w="12700">
+                      <a:solidFill>
+                        <a:srgbClr val="000000"/>
+                      </a:solidFill>
+                      <a:miter lim="400000"/>
+                    </a:lnB>
+                  </a:tcPr>
+                </a:tc>
+                <a:tc>
+                  <a:txBody>
+                    <a:bodyPr/>
+                    <a:lstStyle/>
+                    <a:p>
+                      <a:pPr lvl="0" algn="l" defTabSz="1736725">
+                        <a:defRPr sz="1800" b="0" i="0"/>
+                      </a:pPr>
+                      <a:r>
+                        <a:rPr sz="1400"/>
+                        <a:t>-3.821329</a:t>
+                      </a:r>
+                    </a:p>
+                  </a:txBody>
+                  <a:tcPr marL="50800" marR="50800" marT="50800" marB="50800" anchor="ctr" horzOverflow="overflow">
+                    <a:lnL w="12700">
+                      <a:solidFill>
+                        <a:srgbClr val="000000"/>
+                      </a:solidFill>
+                      <a:miter lim="400000"/>
+                    </a:lnL>
+                    <a:lnR w="12700">
+                      <a:solidFill>
+                        <a:srgbClr val="000000"/>
+                      </a:solidFill>
+                      <a:miter lim="400000"/>
+                    </a:lnR>
+                    <a:lnT w="12700">
+                      <a:solidFill>
+                        <a:srgbClr val="000000"/>
+                      </a:solidFill>
+                      <a:miter lim="400000"/>
+                    </a:lnT>
+                    <a:lnB w="12700">
+                      <a:solidFill>
+                        <a:srgbClr val="000000"/>
+                      </a:solidFill>
+                      <a:miter lim="400000"/>
+                    </a:lnB>
+                  </a:tcPr>
+                </a:tc>
+                <a:tc>
+                  <a:txBody>
+                    <a:bodyPr/>
+                    <a:lstStyle/>
+                    <a:p>
+                      <a:pPr lvl="0" algn="l" defTabSz="1736725">
+                        <a:defRPr sz="1800" b="0" i="0"/>
+                      </a:pPr>
+                      <a:r>
+                        <a:rPr sz="1400" dirty="0" err="1"/>
+                        <a:t>Pangani</a:t>
+                      </a:r>
+                      <a:endParaRPr sz="1400" dirty="0"/>
+                    </a:p>
+                  </a:txBody>
+                  <a:tcPr marL="50800" marR="50800" marT="50800" marB="50800" anchor="ctr" horzOverflow="overflow">
+                    <a:lnL w="12700">
+                      <a:solidFill>
+                        <a:srgbClr val="000000"/>
+                      </a:solidFill>
+                      <a:miter lim="400000"/>
+                    </a:lnL>
+                    <a:lnR w="12700">
+                      <a:solidFill>
+                        <a:srgbClr val="000000"/>
+                      </a:solidFill>
+                      <a:miter lim="400000"/>
+                    </a:lnR>
+                    <a:lnT w="12700">
+                      <a:solidFill>
+                        <a:srgbClr val="000000"/>
+                      </a:solidFill>
+                      <a:miter lim="400000"/>
+                    </a:lnT>
+                    <a:lnB w="12700">
+                      <a:solidFill>
+                        <a:srgbClr val="000000"/>
+                      </a:solidFill>
+                      <a:miter lim="400000"/>
+                    </a:lnB>
+                  </a:tcPr>
+                </a:tc>
+              </a:tr>
+            </a:tbl>
+          </a:graphicData>
+        </a:graphic>
+      </p:graphicFrame>
     </p:spTree>
     <p:extLst>
       <p:ext uri="{BB962C8B-B14F-4D97-AF65-F5344CB8AC3E}">
@@ -4137,6 +5803,81 @@
   <p:clrMapOvr>
     <a:masterClrMapping/>
   </p:clrMapOvr>
+  <p:timing>
+    <p:tnLst>
+      <p:par>
+        <p:cTn id="1" dur="indefinite" restart="never" nodeType="tmRoot">
+          <p:childTnLst>
+            <p:seq concurrent="1" nextAc="seek">
+              <p:cTn id="2" dur="indefinite" nodeType="mainSeq">
+                <p:childTnLst>
+                  <p:par>
+                    <p:cTn id="3" fill="hold">
+                      <p:stCondLst>
+                        <p:cond delay="indefinite"/>
+                      </p:stCondLst>
+                      <p:childTnLst>
+                        <p:par>
+                          <p:cTn id="4" fill="hold">
+                            <p:stCondLst>
+                              <p:cond delay="0"/>
+                            </p:stCondLst>
+                            <p:childTnLst>
+                              <p:par>
+                                <p:cTn id="5" presetID="1" presetClass="entr" presetSubtype="0" fill="hold" nodeType="clickEffect">
+                                  <p:stCondLst>
+                                    <p:cond delay="0"/>
+                                  </p:stCondLst>
+                                  <p:childTnLst>
+                                    <p:set>
+                                      <p:cBhvr>
+                                        <p:cTn id="6" dur="1" fill="hold">
+                                          <p:stCondLst>
+                                            <p:cond delay="0"/>
+                                          </p:stCondLst>
+                                        </p:cTn>
+                                        <p:tgtEl>
+                                          <p:spTgt spid="8"/>
+                                        </p:tgtEl>
+                                        <p:attrNameLst>
+                                          <p:attrName>style.visibility</p:attrName>
+                                        </p:attrNameLst>
+                                      </p:cBhvr>
+                                      <p:to>
+                                        <p:strVal val="visible"/>
+                                      </p:to>
+                                    </p:set>
+                                  </p:childTnLst>
+                                </p:cTn>
+                              </p:par>
+                            </p:childTnLst>
+                          </p:cTn>
+                        </p:par>
+                      </p:childTnLst>
+                    </p:cTn>
+                  </p:par>
+                </p:childTnLst>
+              </p:cTn>
+              <p:prevCondLst>
+                <p:cond evt="onPrev" delay="0">
+                  <p:tgtEl>
+                    <p:sldTgt/>
+                  </p:tgtEl>
+                </p:cond>
+              </p:prevCondLst>
+              <p:nextCondLst>
+                <p:cond evt="onNext" delay="0">
+                  <p:tgtEl>
+                    <p:sldTgt/>
+                  </p:tgtEl>
+                </p:cond>
+              </p:nextCondLst>
+            </p:seq>
+          </p:childTnLst>
+        </p:cTn>
+      </p:par>
+    </p:tnLst>
+  </p:timing>
 </p:sld>
 </file>
 
@@ -4174,7 +5915,7 @@
           <a:p>
             <a:r>
               <a:rPr lang="en-US" dirty="0" smtClean="0"/>
-              <a:t>Approach: Bayesian Stuff</a:t>
+              <a:t>Approach: Bayesian Inference</a:t>
             </a:r>
             <a:endParaRPr lang="en-US" dirty="0"/>
           </a:p>
@@ -4313,6 +6054,171 @@
   <p:clrMapOvr>
     <a:masterClrMapping/>
   </p:clrMapOvr>
+  <p:timing>
+    <p:tnLst>
+      <p:par>
+        <p:cTn id="1" dur="indefinite" restart="never" nodeType="tmRoot">
+          <p:childTnLst>
+            <p:seq concurrent="1" nextAc="seek">
+              <p:cTn id="2" dur="indefinite" nodeType="mainSeq">
+                <p:childTnLst>
+                  <p:par>
+                    <p:cTn id="3" fill="hold">
+                      <p:stCondLst>
+                        <p:cond delay="indefinite"/>
+                      </p:stCondLst>
+                      <p:childTnLst>
+                        <p:par>
+                          <p:cTn id="4" fill="hold">
+                            <p:stCondLst>
+                              <p:cond delay="0"/>
+                            </p:stCondLst>
+                            <p:childTnLst>
+                              <p:par>
+                                <p:cTn id="5" presetID="1" presetClass="entr" presetSubtype="0" fill="hold" nodeType="clickEffect">
+                                  <p:stCondLst>
+                                    <p:cond delay="0"/>
+                                  </p:stCondLst>
+                                  <p:childTnLst>
+                                    <p:set>
+                                      <p:cBhvr>
+                                        <p:cTn id="6" dur="1" fill="hold">
+                                          <p:stCondLst>
+                                            <p:cond delay="0"/>
+                                          </p:stCondLst>
+                                        </p:cTn>
+                                        <p:tgtEl>
+                                          <p:spTgt spid="5"/>
+                                        </p:tgtEl>
+                                        <p:attrNameLst>
+                                          <p:attrName>style.visibility</p:attrName>
+                                        </p:attrNameLst>
+                                      </p:cBhvr>
+                                      <p:to>
+                                        <p:strVal val="visible"/>
+                                      </p:to>
+                                    </p:set>
+                                  </p:childTnLst>
+                                </p:cTn>
+                              </p:par>
+                            </p:childTnLst>
+                          </p:cTn>
+                        </p:par>
+                      </p:childTnLst>
+                    </p:cTn>
+                  </p:par>
+                  <p:par>
+                    <p:cTn id="7" fill="hold">
+                      <p:stCondLst>
+                        <p:cond delay="indefinite"/>
+                      </p:stCondLst>
+                      <p:childTnLst>
+                        <p:par>
+                          <p:cTn id="8" fill="hold">
+                            <p:stCondLst>
+                              <p:cond delay="0"/>
+                            </p:stCondLst>
+                            <p:childTnLst>
+                              <p:par>
+                                <p:cTn id="9" presetID="1" presetClass="entr" presetSubtype="0" fill="hold" nodeType="clickEffect">
+                                  <p:stCondLst>
+                                    <p:cond delay="0"/>
+                                  </p:stCondLst>
+                                  <p:childTnLst>
+                                    <p:set>
+                                      <p:cBhvr>
+                                        <p:cTn id="10" dur="1" fill="hold">
+                                          <p:stCondLst>
+                                            <p:cond delay="0"/>
+                                          </p:stCondLst>
+                                        </p:cTn>
+                                        <p:tgtEl>
+                                          <p:spTgt spid="6"/>
+                                        </p:tgtEl>
+                                        <p:attrNameLst>
+                                          <p:attrName>style.visibility</p:attrName>
+                                        </p:attrNameLst>
+                                      </p:cBhvr>
+                                      <p:to>
+                                        <p:strVal val="visible"/>
+                                      </p:to>
+                                    </p:set>
+                                  </p:childTnLst>
+                                </p:cTn>
+                              </p:par>
+                            </p:childTnLst>
+                          </p:cTn>
+                        </p:par>
+                      </p:childTnLst>
+                    </p:cTn>
+                  </p:par>
+                  <p:par>
+                    <p:cTn id="11" fill="hold">
+                      <p:stCondLst>
+                        <p:cond delay="indefinite"/>
+                      </p:stCondLst>
+                      <p:childTnLst>
+                        <p:par>
+                          <p:cTn id="12" fill="hold">
+                            <p:stCondLst>
+                              <p:cond delay="0"/>
+                            </p:stCondLst>
+                            <p:childTnLst>
+                              <p:par>
+                                <p:cTn id="13" presetID="1" presetClass="entr" presetSubtype="0" fill="hold" nodeType="clickEffect">
+                                  <p:stCondLst>
+                                    <p:cond delay="0"/>
+                                  </p:stCondLst>
+                                  <p:childTnLst>
+                                    <p:set>
+                                      <p:cBhvr>
+                                        <p:cTn id="14" dur="1" fill="hold">
+                                          <p:stCondLst>
+                                            <p:cond delay="0"/>
+                                          </p:stCondLst>
+                                        </p:cTn>
+                                        <p:tgtEl>
+                                          <p:spTgt spid="7"/>
+                                        </p:tgtEl>
+                                        <p:attrNameLst>
+                                          <p:attrName>style.visibility</p:attrName>
+                                        </p:attrNameLst>
+                                      </p:cBhvr>
+                                      <p:to>
+                                        <p:strVal val="visible"/>
+                                      </p:to>
+                                    </p:set>
+                                  </p:childTnLst>
+                                </p:cTn>
+                              </p:par>
+                            </p:childTnLst>
+                          </p:cTn>
+                        </p:par>
+                      </p:childTnLst>
+                    </p:cTn>
+                  </p:par>
+                </p:childTnLst>
+              </p:cTn>
+              <p:prevCondLst>
+                <p:cond evt="onPrev" delay="0">
+                  <p:tgtEl>
+                    <p:sldTgt/>
+                  </p:tgtEl>
+                </p:cond>
+              </p:prevCondLst>
+              <p:nextCondLst>
+                <p:cond evt="onNext" delay="0">
+                  <p:tgtEl>
+                    <p:sldTgt/>
+                  </p:tgtEl>
+                </p:cond>
+              </p:nextCondLst>
+            </p:seq>
+          </p:childTnLst>
+        </p:cTn>
+      </p:par>
+    </p:tnLst>
+  </p:timing>
 </p:sld>
 </file>
 
@@ -4365,7 +6271,229 @@
           <p:nvPr>
             <p:extLst>
               <p:ext uri="{D42A27DB-BD31-4B8C-83A1-F6EECF244321}">
-                <p14:modId xmlns:p14="http://schemas.microsoft.com/office/powerpoint/2010/main" val="3489694042"/>
+                <p14:modId xmlns:p14="http://schemas.microsoft.com/office/powerpoint/2010/main" val="2169780228"/>
+              </p:ext>
+            </p:extLst>
+          </p:nvPr>
+        </p:nvGraphicFramePr>
+        <p:xfrm>
+          <a:off x="533400" y="1397000"/>
+          <a:ext cx="8077200" cy="1889760"/>
+        </p:xfrm>
+        <a:graphic>
+          <a:graphicData uri="http://schemas.openxmlformats.org/drawingml/2006/table">
+            <a:tbl>
+              <a:tblPr firstRow="1" bandRow="1">
+                <a:tableStyleId>{5C22544A-7EE6-4342-B048-85BDC9FD1C3A}</a:tableStyleId>
+              </a:tblPr>
+              <a:tblGrid>
+                <a:gridCol w="2692400"/>
+                <a:gridCol w="2692400"/>
+                <a:gridCol w="2692400"/>
+              </a:tblGrid>
+              <a:tr h="370840">
+                <a:tc>
+                  <a:txBody>
+                    <a:bodyPr/>
+                    <a:lstStyle/>
+                    <a:p>
+                      <a:r>
+                        <a:rPr lang="en-US" sz="2800" dirty="0" smtClean="0"/>
+                        <a:t>Method</a:t>
+                      </a:r>
+                      <a:endParaRPr lang="en-US" sz="2800" dirty="0"/>
+                    </a:p>
+                  </a:txBody>
+                  <a:tcPr/>
+                </a:tc>
+                <a:tc>
+                  <a:txBody>
+                    <a:bodyPr/>
+                    <a:lstStyle/>
+                    <a:p>
+                      <a:r>
+                        <a:rPr lang="en-US" sz="2800" dirty="0" smtClean="0"/>
+                        <a:t>Prediction Accuracy</a:t>
+                      </a:r>
+                      <a:endParaRPr lang="en-US" sz="2800" dirty="0"/>
+                    </a:p>
+                  </a:txBody>
+                  <a:tcPr/>
+                </a:tc>
+                <a:tc>
+                  <a:txBody>
+                    <a:bodyPr/>
+                    <a:lstStyle/>
+                    <a:p>
+                      <a:r>
+                        <a:rPr lang="en-US" sz="2800" dirty="0" smtClean="0"/>
+                        <a:t>Time</a:t>
+                      </a:r>
+                      <a:endParaRPr lang="en-US" sz="2800" dirty="0"/>
+                    </a:p>
+                  </a:txBody>
+                  <a:tcPr/>
+                </a:tc>
+              </a:tr>
+              <a:tr h="370840">
+                <a:tc>
+                  <a:txBody>
+                    <a:bodyPr/>
+                    <a:lstStyle/>
+                    <a:p>
+                      <a:r>
+                        <a:rPr lang="en-US" sz="2800" dirty="0" smtClean="0"/>
+                        <a:t>Bayesian Inference</a:t>
+                      </a:r>
+                      <a:endParaRPr lang="en-US" sz="2800" dirty="0"/>
+                    </a:p>
+                  </a:txBody>
+                  <a:tcPr/>
+                </a:tc>
+                <a:tc>
+                  <a:txBody>
+                    <a:bodyPr/>
+                    <a:lstStyle/>
+                    <a:p>
+                      <a:r>
+                        <a:rPr lang="en-US" sz="2800" dirty="0" smtClean="0"/>
+                        <a:t>60%</a:t>
+                      </a:r>
+                      <a:endParaRPr lang="en-US" sz="2800" dirty="0"/>
+                    </a:p>
+                  </a:txBody>
+                  <a:tcPr/>
+                </a:tc>
+                <a:tc>
+                  <a:txBody>
+                    <a:bodyPr/>
+                    <a:lstStyle/>
+                    <a:p>
+                      <a:r>
+                        <a:rPr lang="en-US" sz="2800" dirty="0" smtClean="0"/>
+                        <a:t>Long</a:t>
+                      </a:r>
+                      <a:endParaRPr lang="en-US" sz="2800" dirty="0"/>
+                    </a:p>
+                  </a:txBody>
+                  <a:tcPr/>
+                </a:tc>
+              </a:tr>
+            </a:tbl>
+          </a:graphicData>
+        </a:graphic>
+      </p:graphicFrame>
+      <p:pic>
+        <p:nvPicPr>
+          <p:cNvPr id="2050" name="Picture 2" descr="C:\Users\Sam\Documents\Academics\AM207\FinalProject\AM207\write-up\figures\trace_component.png"/>
+          <p:cNvPicPr>
+            <a:picLocks noChangeAspect="1" noChangeArrowheads="1"/>
+          </p:cNvPicPr>
+          <p:nvPr/>
+        </p:nvPicPr>
+        <p:blipFill>
+          <a:blip r:embed="rId3">
+            <a:extLst>
+              <a:ext uri="{28A0092B-C50C-407E-A947-70E740481C1C}">
+                <a14:useLocalDpi xmlns:a14="http://schemas.microsoft.com/office/drawing/2010/main" val="0"/>
+              </a:ext>
+            </a:extLst>
+          </a:blip>
+          <a:srcRect/>
+          <a:stretch>
+            <a:fillRect/>
+          </a:stretch>
+        </p:blipFill>
+        <p:spPr bwMode="auto">
+          <a:xfrm>
+            <a:off x="2176462" y="3429000"/>
+            <a:ext cx="4789487" cy="3251200"/>
+          </a:xfrm>
+          <a:prstGeom prst="rect">
+            <a:avLst/>
+          </a:prstGeom>
+          <a:noFill/>
+          <a:extLst>
+            <a:ext uri="{909E8E84-426E-40DD-AFC4-6F175D3DCCD1}">
+              <a14:hiddenFill xmlns:a14="http://schemas.microsoft.com/office/drawing/2010/main">
+                <a:solidFill>
+                  <a:srgbClr val="FFFFFF"/>
+                </a:solidFill>
+              </a14:hiddenFill>
+            </a:ext>
+          </a:extLst>
+        </p:spPr>
+      </p:pic>
+    </p:spTree>
+    <p:extLst>
+      <p:ext uri="{BB962C8B-B14F-4D97-AF65-F5344CB8AC3E}">
+        <p14:creationId xmlns:p14="http://schemas.microsoft.com/office/powerpoint/2010/main" val="2555376110"/>
+      </p:ext>
+    </p:extLst>
+  </p:cSld>
+  <p:clrMapOvr>
+    <a:masterClrMapping/>
+  </p:clrMapOvr>
+  <p:timing>
+    <p:tnLst>
+      <p:par>
+        <p:cTn id="1" dur="indefinite" restart="never" nodeType="tmRoot"/>
+      </p:par>
+    </p:tnLst>
+  </p:timing>
+</p:sld>
+</file>
+
+<file path=ppt/slides/slide5.xml><?xml version="1.0" encoding="utf-8"?>
+<p:sld xmlns:a="http://schemas.openxmlformats.org/drawingml/2006/main" xmlns:r="http://schemas.openxmlformats.org/officeDocument/2006/relationships" xmlns:p="http://schemas.openxmlformats.org/presentationml/2006/main">
+  <p:cSld>
+    <p:spTree>
+      <p:nvGrpSpPr>
+        <p:cNvPr id="1" name=""/>
+        <p:cNvGrpSpPr/>
+        <p:nvPr/>
+      </p:nvGrpSpPr>
+      <p:grpSpPr>
+        <a:xfrm>
+          <a:off x="0" y="0"/>
+          <a:ext cx="0" cy="0"/>
+          <a:chOff x="0" y="0"/>
+          <a:chExt cx="0" cy="0"/>
+        </a:xfrm>
+      </p:grpSpPr>
+      <p:sp>
+        <p:nvSpPr>
+          <p:cNvPr id="2" name="Title 1"/>
+          <p:cNvSpPr>
+            <a:spLocks noGrp="1"/>
+          </p:cNvSpPr>
+          <p:nvPr>
+            <p:ph type="title"/>
+          </p:nvPr>
+        </p:nvSpPr>
+        <p:spPr/>
+        <p:txBody>
+          <a:bodyPr/>
+          <a:lstStyle/>
+          <a:p>
+            <a:r>
+              <a:rPr lang="en-US" dirty="0" smtClean="0"/>
+              <a:t>Prediction Results</a:t>
+            </a:r>
+            <a:endParaRPr lang="en-US" dirty="0"/>
+          </a:p>
+        </p:txBody>
+      </p:sp>
+      <p:graphicFrame>
+        <p:nvGraphicFramePr>
+          <p:cNvPr id="4" name="Table 3"/>
+          <p:cNvGraphicFramePr>
+            <a:graphicFrameLocks noGrp="1"/>
+          </p:cNvGraphicFramePr>
+          <p:nvPr>
+            <p:extLst>
+              <p:ext uri="{D42A27DB-BD31-4B8C-83A1-F6EECF244321}">
+                <p14:modId xmlns:p14="http://schemas.microsoft.com/office/powerpoint/2010/main" val="835834407"/>
               </p:ext>
             </p:extLst>
           </p:nvPr>
@@ -4572,13 +6700,95 @@
     </p:spTree>
     <p:extLst>
       <p:ext uri="{BB962C8B-B14F-4D97-AF65-F5344CB8AC3E}">
-        <p14:creationId xmlns:p14="http://schemas.microsoft.com/office/powerpoint/2010/main" val="2555376110"/>
+        <p14:creationId xmlns:p14="http://schemas.microsoft.com/office/powerpoint/2010/main" val="2747256105"/>
       </p:ext>
     </p:extLst>
   </p:cSld>
   <p:clrMapOvr>
     <a:masterClrMapping/>
   </p:clrMapOvr>
+  <p:timing>
+    <p:tnLst>
+      <p:par>
+        <p:cTn id="1" dur="indefinite" restart="never" nodeType="tmRoot"/>
+      </p:par>
+    </p:tnLst>
+  </p:timing>
+</p:sld>
+</file>
+
+<file path=ppt/slides/slide6.xml><?xml version="1.0" encoding="utf-8"?>
+<p:sld xmlns:a="http://schemas.openxmlformats.org/drawingml/2006/main" xmlns:r="http://schemas.openxmlformats.org/officeDocument/2006/relationships" xmlns:p="http://schemas.openxmlformats.org/presentationml/2006/main">
+  <p:cSld>
+    <p:spTree>
+      <p:nvGrpSpPr>
+        <p:cNvPr id="1" name=""/>
+        <p:cNvGrpSpPr/>
+        <p:nvPr/>
+      </p:nvGrpSpPr>
+      <p:grpSpPr>
+        <a:xfrm>
+          <a:off x="0" y="0"/>
+          <a:ext cx="0" cy="0"/>
+          <a:chOff x="0" y="0"/>
+          <a:chExt cx="0" cy="0"/>
+        </a:xfrm>
+      </p:grpSpPr>
+      <p:sp>
+        <p:nvSpPr>
+          <p:cNvPr id="2" name="Title 1"/>
+          <p:cNvSpPr>
+            <a:spLocks noGrp="1"/>
+          </p:cNvSpPr>
+          <p:nvPr>
+            <p:ph type="title"/>
+          </p:nvPr>
+        </p:nvSpPr>
+        <p:spPr/>
+        <p:txBody>
+          <a:bodyPr/>
+          <a:lstStyle/>
+          <a:p>
+            <a:endParaRPr lang="en-US"/>
+          </a:p>
+        </p:txBody>
+      </p:sp>
+      <p:sp>
+        <p:nvSpPr>
+          <p:cNvPr id="3" name="Content Placeholder 2"/>
+          <p:cNvSpPr>
+            <a:spLocks noGrp="1"/>
+          </p:cNvSpPr>
+          <p:nvPr>
+            <p:ph idx="1"/>
+          </p:nvPr>
+        </p:nvSpPr>
+        <p:spPr/>
+        <p:txBody>
+          <a:bodyPr/>
+          <a:lstStyle/>
+          <a:p>
+            <a:endParaRPr lang="en-US"/>
+          </a:p>
+        </p:txBody>
+      </p:sp>
+    </p:spTree>
+    <p:extLst>
+      <p:ext uri="{BB962C8B-B14F-4D97-AF65-F5344CB8AC3E}">
+        <p14:creationId xmlns:p14="http://schemas.microsoft.com/office/powerpoint/2010/main" val="2620735225"/>
+      </p:ext>
+    </p:extLst>
+  </p:cSld>
+  <p:clrMapOvr>
+    <a:masterClrMapping/>
+  </p:clrMapOvr>
+  <p:timing>
+    <p:tnLst>
+      <p:par>
+        <p:cTn id="1" dur="indefinite" restart="never" nodeType="tmRoot"/>
+      </p:par>
+    </p:tnLst>
+  </p:timing>
 </p:sld>
 </file>
 

--- a/Screencast/Screencast.pptx
+++ b/Screencast/Screencast.pptx
@@ -2,24 +2,33 @@
 <file path=ppt/presentation.xml><?xml version="1.0" encoding="utf-8"?>
 <p:presentation xmlns:a="http://schemas.openxmlformats.org/drawingml/2006/main" xmlns:r="http://schemas.openxmlformats.org/officeDocument/2006/relationships" xmlns:p="http://schemas.openxmlformats.org/presentationml/2006/main">
   <p:sldMasterIdLst>
-    <p:sldMasterId id="2147483648" r:id="rId5"/>
+    <p:sldMasterId id="2147483648" r:id="rId1"/>
   </p:sldMasterIdLst>
   <p:notesMasterIdLst>
-    <p:notesMasterId r:id="rId7"/>
+    <p:notesMasterId r:id="rId21"/>
   </p:notesMasterIdLst>
   <p:sldIdLst>
-    <p:sldId id="256" r:id="rId8"/>
-    <p:sldId id="257" r:id="rId9"/>
-    <p:sldId id="258" r:id="rId10"/>
+    <p:sldId id="256" r:id="rId2"/>
+    <p:sldId id="257" r:id="rId3"/>
+    <p:sldId id="273" r:id="rId4"/>
+    <p:sldId id="274" r:id="rId5"/>
+    <p:sldId id="275" r:id="rId6"/>
+    <p:sldId id="266" r:id="rId7"/>
+    <p:sldId id="271" r:id="rId8"/>
+    <p:sldId id="267" r:id="rId9"/>
+    <p:sldId id="268" r:id="rId10"/>
     <p:sldId id="259" r:id="rId11"/>
     <p:sldId id="260" r:id="rId12"/>
     <p:sldId id="261" r:id="rId13"/>
-    <p:sldId id="262" r:id="rId14"/>
-    <p:sldId id="263" r:id="rId15"/>
-    <p:sldId id="264" r:id="rId16"/>
-    <p:sldId id="265" r:id="rId17"/>
+    <p:sldId id="272" r:id="rId14"/>
+    <p:sldId id="262" r:id="rId15"/>
+    <p:sldId id="269" r:id="rId16"/>
+    <p:sldId id="263" r:id="rId17"/>
+    <p:sldId id="270" r:id="rId18"/>
+    <p:sldId id="264" r:id="rId19"/>
+    <p:sldId id="265" r:id="rId20"/>
   </p:sldIdLst>
-  <p:sldSz cx="9144000" cy="6858000"/>
+  <p:sldSz cx="9144000" cy="6858000" type="screen4x3"/>
   <p:notesSz cx="6858000" cy="9144000"/>
   <p:defaultTextStyle>
     <a:lvl1pPr>
@@ -98,13 +107,14 @@
 </p:presentation>
 </file>
 
-<file path=ppt/commentAuthors.xml><?xml version="1.0" encoding="utf-8"?>
-<p:cmAuthorLst xmlns:a="http://schemas.openxmlformats.org/drawingml/2006/main" xmlns:r="http://schemas.openxmlformats.org/officeDocument/2006/relationships" xmlns:p="http://schemas.openxmlformats.org/presentationml/2006/main"/>
-</file>
-
 <file path=ppt/notesMasters/notesMaster1.xml><?xml version="1.0" encoding="utf-8"?>
 <p:notesMaster xmlns:a="http://schemas.openxmlformats.org/drawingml/2006/main" xmlns:r="http://schemas.openxmlformats.org/officeDocument/2006/relationships" xmlns:p="http://schemas.openxmlformats.org/presentationml/2006/main">
   <p:cSld>
+    <p:bg>
+      <p:bgRef idx="1001">
+        <a:schemeClr val="bg1"/>
+      </p:bgRef>
+    </p:bg>
     <p:spTree>
       <p:nvGrpSpPr>
         <p:cNvPr id="1" name=""/>
@@ -122,7 +132,9 @@
       <p:sp>
         <p:nvSpPr>
           <p:cNvPr id="46" name="Shape 46"/>
-          <p:cNvSpPr/>
+          <p:cNvSpPr>
+            <a:spLocks noGrp="1" noRot="1" noChangeAspect="1"/>
+          </p:cNvSpPr>
           <p:nvPr>
             <p:ph type="sldImg"/>
           </p:nvPr>
@@ -141,13 +153,16 @@
           <a:lstStyle/>
           <a:p>
             <a:pPr lvl="0"/>
+            <a:endParaRPr/>
           </a:p>
         </p:txBody>
       </p:sp>
       <p:sp>
         <p:nvSpPr>
           <p:cNvPr id="47" name="Shape 47"/>
-          <p:cNvSpPr/>
+          <p:cNvSpPr>
+            <a:spLocks noGrp="1"/>
+          </p:cNvSpPr>
           <p:nvPr>
             <p:ph type="body" sz="quarter" idx="1"/>
           </p:nvPr>
@@ -166,10 +181,16 @@
           <a:lstStyle/>
           <a:p>
             <a:pPr lvl="0"/>
+            <a:endParaRPr/>
           </a:p>
         </p:txBody>
       </p:sp>
     </p:spTree>
+    <p:extLst>
+      <p:ext uri="{BB962C8B-B14F-4D97-AF65-F5344CB8AC3E}">
+        <p14:creationId xmlns:p14="http://schemas.microsoft.com/office/powerpoint/2010/main" val="2697336058"/>
+      </p:ext>
+    </p:extLst>
   </p:cSld>
   <p:clrMap bg1="lt1" tx1="dk1" bg2="lt2" tx2="dk2" accent1="accent1" accent2="accent2" accent3="accent3" accent4="accent4" accent5="accent5" accent6="accent6" hlink="hlink" folHlink="folHlink"/>
   <p:notesStyle>
@@ -277,7 +298,7 @@
 </file>
 
 <file path=ppt/notesSlides/notesSlide1.xml><?xml version="1.0" encoding="utf-8"?>
-<p:notes xmlns:a="http://schemas.openxmlformats.org/drawingml/2006/main" xmlns:r="http://schemas.openxmlformats.org/officeDocument/2006/relationships" xmlns:p="http://schemas.openxmlformats.org/presentationml/2006/main" showMasterSp="1" showMasterPhAnim="1">
+<p:notes xmlns:a="http://schemas.openxmlformats.org/drawingml/2006/main" xmlns:r="http://schemas.openxmlformats.org/officeDocument/2006/relationships" xmlns:p="http://schemas.openxmlformats.org/presentationml/2006/main">
   <p:cSld>
     <p:spTree>
       <p:nvGrpSpPr>
@@ -296,7 +317,9 @@
       <p:sp>
         <p:nvSpPr>
           <p:cNvPr id="52" name="Shape 52"/>
-          <p:cNvSpPr/>
+          <p:cNvSpPr>
+            <a:spLocks noGrp="1" noRot="1" noChangeAspect="1"/>
+          </p:cNvSpPr>
           <p:nvPr>
             <p:ph type="sldImg"/>
           </p:nvPr>
@@ -311,13 +334,16 @@
           <a:lstStyle/>
           <a:p>
             <a:pPr lvl="0"/>
+            <a:endParaRPr/>
           </a:p>
         </p:txBody>
       </p:sp>
       <p:sp>
         <p:nvSpPr>
           <p:cNvPr id="53" name="Shape 53"/>
-          <p:cNvSpPr/>
+          <p:cNvSpPr>
+            <a:spLocks noGrp="1"/>
+          </p:cNvSpPr>
           <p:nvPr>
             <p:ph type="body" sz="quarter" idx="1"/>
           </p:nvPr>
@@ -362,7 +388,1138 @@
 </file>
 
 <file path=ppt/notesSlides/notesSlide10.xml><?xml version="1.0" encoding="utf-8"?>
-<p:notes xmlns:a="http://schemas.openxmlformats.org/drawingml/2006/main" xmlns:r="http://schemas.openxmlformats.org/officeDocument/2006/relationships" xmlns:p="http://schemas.openxmlformats.org/presentationml/2006/main" showMasterSp="1" showMasterPhAnim="1">
+<p:notes xmlns:a="http://schemas.openxmlformats.org/drawingml/2006/main" xmlns:r="http://schemas.openxmlformats.org/officeDocument/2006/relationships" xmlns:p="http://schemas.openxmlformats.org/presentationml/2006/main">
+  <p:cSld>
+    <p:spTree>
+      <p:nvGrpSpPr>
+        <p:cNvPr id="1" name=""/>
+        <p:cNvGrpSpPr/>
+        <p:nvPr/>
+      </p:nvGrpSpPr>
+      <p:grpSpPr>
+        <a:xfrm>
+          <a:off x="0" y="0"/>
+          <a:ext cx="0" cy="0"/>
+          <a:chOff x="0" y="0"/>
+          <a:chExt cx="0" cy="0"/>
+        </a:xfrm>
+      </p:grpSpPr>
+      <p:sp>
+        <p:nvSpPr>
+          <p:cNvPr id="72" name="Shape 72"/>
+          <p:cNvSpPr>
+            <a:spLocks noGrp="1" noRot="1" noChangeAspect="1"/>
+          </p:cNvSpPr>
+          <p:nvPr>
+            <p:ph type="sldImg"/>
+          </p:nvPr>
+        </p:nvSpPr>
+        <p:spPr>
+          <a:prstGeom prst="rect">
+            <a:avLst/>
+          </a:prstGeom>
+        </p:spPr>
+        <p:txBody>
+          <a:bodyPr/>
+          <a:lstStyle/>
+          <a:p>
+            <a:pPr lvl="0"/>
+            <a:endParaRPr/>
+          </a:p>
+        </p:txBody>
+      </p:sp>
+      <p:sp>
+        <p:nvSpPr>
+          <p:cNvPr id="73" name="Shape 73"/>
+          <p:cNvSpPr>
+            <a:spLocks noGrp="1"/>
+          </p:cNvSpPr>
+          <p:nvPr>
+            <p:ph type="body" sz="quarter" idx="1"/>
+          </p:nvPr>
+        </p:nvSpPr>
+        <p:spPr>
+          <a:prstGeom prst="rect">
+            <a:avLst/>
+          </a:prstGeom>
+        </p:spPr>
+        <p:txBody>
+          <a:bodyPr/>
+          <a:lstStyle/>
+          <a:p>
+            <a:pPr lvl="0" defTabSz="914400">
+              <a:lnSpc>
+                <a:spcPct val="100000"/>
+              </a:lnSpc>
+              <a:defRPr sz="1800"/>
+            </a:pPr>
+            <a:r>
+              <a:rPr sz="1200">
+                <a:latin typeface="Calibri"/>
+                <a:ea typeface="Calibri"/>
+                <a:cs typeface="Calibri"/>
+                <a:sym typeface="Calibri"/>
+              </a:rPr>
+              <a:t>In the end, after experimenting with feature selection and algorithm parameters, we were able to reach a 60% cross-validation prediction accuracy. Unfortunately, our sampling methods to optimize the model parameters takes a very long time and limit how much we can optimize feature selection.</a:t>
+            </a:r>
+          </a:p>
+          <a:p>
+            <a:pPr lvl="0" defTabSz="914400">
+              <a:lnSpc>
+                <a:spcPct val="100000"/>
+              </a:lnSpc>
+              <a:defRPr sz="1800"/>
+            </a:pPr>
+            <a:r>
+              <a:rPr sz="1200">
+                <a:latin typeface="Calibri"/>
+                <a:ea typeface="Calibri"/>
+                <a:cs typeface="Calibri"/>
+                <a:sym typeface="Calibri"/>
+              </a:rPr>
+              <a:t>We can also compare our approach to other machine learning methods. K Nearest Neighbors reaches 69% prediction accuracy with no training time, and Random Forest can reach 80% prediction accuracy with a reasonable training time.</a:t>
+            </a:r>
+          </a:p>
+        </p:txBody>
+      </p:sp>
+    </p:spTree>
+  </p:cSld>
+  <p:clrMapOvr>
+    <a:masterClrMapping/>
+  </p:clrMapOvr>
+</p:notes>
+</file>
+
+<file path=ppt/notesSlides/notesSlide11.xml><?xml version="1.0" encoding="utf-8"?>
+<p:notes xmlns:a="http://schemas.openxmlformats.org/drawingml/2006/main" xmlns:r="http://schemas.openxmlformats.org/officeDocument/2006/relationships" xmlns:p="http://schemas.openxmlformats.org/presentationml/2006/main">
+  <p:cSld>
+    <p:spTree>
+      <p:nvGrpSpPr>
+        <p:cNvPr id="1" name=""/>
+        <p:cNvGrpSpPr/>
+        <p:nvPr/>
+      </p:nvGrpSpPr>
+      <p:grpSpPr>
+        <a:xfrm>
+          <a:off x="0" y="0"/>
+          <a:ext cx="0" cy="0"/>
+          <a:chOff x="0" y="0"/>
+          <a:chExt cx="0" cy="0"/>
+        </a:xfrm>
+      </p:grpSpPr>
+      <p:sp>
+        <p:nvSpPr>
+          <p:cNvPr id="77" name="Shape 77"/>
+          <p:cNvSpPr>
+            <a:spLocks noGrp="1" noRot="1" noChangeAspect="1"/>
+          </p:cNvSpPr>
+          <p:nvPr>
+            <p:ph type="sldImg"/>
+          </p:nvPr>
+        </p:nvSpPr>
+        <p:spPr>
+          <a:prstGeom prst="rect">
+            <a:avLst/>
+          </a:prstGeom>
+        </p:spPr>
+        <p:txBody>
+          <a:bodyPr/>
+          <a:lstStyle/>
+          <a:p>
+            <a:pPr lvl="0"/>
+            <a:endParaRPr/>
+          </a:p>
+        </p:txBody>
+      </p:sp>
+      <p:sp>
+        <p:nvSpPr>
+          <p:cNvPr id="78" name="Shape 78"/>
+          <p:cNvSpPr>
+            <a:spLocks noGrp="1"/>
+          </p:cNvSpPr>
+          <p:nvPr>
+            <p:ph type="body" sz="quarter" idx="1"/>
+          </p:nvPr>
+        </p:nvSpPr>
+        <p:spPr>
+          <a:prstGeom prst="rect">
+            <a:avLst/>
+          </a:prstGeom>
+        </p:spPr>
+        <p:txBody>
+          <a:bodyPr/>
+          <a:lstStyle/>
+          <a:p>
+            <a:pPr lvl="0" defTabSz="914400">
+              <a:lnSpc>
+                <a:spcPct val="100000"/>
+              </a:lnSpc>
+              <a:defRPr sz="1800"/>
+            </a:pPr>
+            <a:r>
+              <a:rPr sz="1200">
+                <a:latin typeface="Calibri"/>
+                <a:ea typeface="Calibri"/>
+                <a:cs typeface="Calibri"/>
+                <a:sym typeface="Calibri"/>
+              </a:rPr>
+              <a:t>In the end, after experimenting with feature selection and algorithm parameters, we were able to reach a 60% cross-validation prediction accuracy. Unfortunately, our sampling methods to optimize the model parameters takes a very long time and limit how much we can optimize feature selection.</a:t>
+            </a:r>
+          </a:p>
+          <a:p>
+            <a:pPr lvl="0" defTabSz="914400">
+              <a:lnSpc>
+                <a:spcPct val="100000"/>
+              </a:lnSpc>
+              <a:defRPr sz="1800"/>
+            </a:pPr>
+            <a:r>
+              <a:rPr sz="1200">
+                <a:latin typeface="Calibri"/>
+                <a:ea typeface="Calibri"/>
+                <a:cs typeface="Calibri"/>
+                <a:sym typeface="Calibri"/>
+              </a:rPr>
+              <a:t>We can also compare our approach to other machine learning methods. K Nearest Neighbors reaches 69% prediction accuracy with no training time, and Random Forest can reach 80% prediction accuracy with a reasonable training time.</a:t>
+            </a:r>
+          </a:p>
+        </p:txBody>
+      </p:sp>
+    </p:spTree>
+  </p:cSld>
+  <p:clrMapOvr>
+    <a:masterClrMapping/>
+  </p:clrMapOvr>
+</p:notes>
+</file>
+
+<file path=ppt/notesSlides/notesSlide12.xml><?xml version="1.0" encoding="utf-8"?>
+<p:notes xmlns:a="http://schemas.openxmlformats.org/drawingml/2006/main" xmlns:r="http://schemas.openxmlformats.org/officeDocument/2006/relationships" xmlns:p="http://schemas.openxmlformats.org/presentationml/2006/main">
+  <p:cSld>
+    <p:spTree>
+      <p:nvGrpSpPr>
+        <p:cNvPr id="1" name=""/>
+        <p:cNvGrpSpPr/>
+        <p:nvPr/>
+      </p:nvGrpSpPr>
+      <p:grpSpPr>
+        <a:xfrm>
+          <a:off x="0" y="0"/>
+          <a:ext cx="0" cy="0"/>
+          <a:chOff x="0" y="0"/>
+          <a:chExt cx="0" cy="0"/>
+        </a:xfrm>
+      </p:grpSpPr>
+      <p:sp>
+        <p:nvSpPr>
+          <p:cNvPr id="81" name="Shape 81"/>
+          <p:cNvSpPr>
+            <a:spLocks noGrp="1" noRot="1" noChangeAspect="1"/>
+          </p:cNvSpPr>
+          <p:nvPr>
+            <p:ph type="sldImg"/>
+          </p:nvPr>
+        </p:nvSpPr>
+        <p:spPr>
+          <a:prstGeom prst="rect">
+            <a:avLst/>
+          </a:prstGeom>
+        </p:spPr>
+        <p:txBody>
+          <a:bodyPr/>
+          <a:lstStyle/>
+          <a:p>
+            <a:pPr lvl="0"/>
+            <a:endParaRPr/>
+          </a:p>
+        </p:txBody>
+      </p:sp>
+      <p:sp>
+        <p:nvSpPr>
+          <p:cNvPr id="82" name="Shape 82"/>
+          <p:cNvSpPr>
+            <a:spLocks noGrp="1"/>
+          </p:cNvSpPr>
+          <p:nvPr>
+            <p:ph type="body" sz="quarter" idx="1"/>
+          </p:nvPr>
+        </p:nvSpPr>
+        <p:spPr>
+          <a:prstGeom prst="rect">
+            <a:avLst/>
+          </a:prstGeom>
+        </p:spPr>
+        <p:txBody>
+          <a:bodyPr/>
+          <a:lstStyle/>
+          <a:p>
+            <a:pPr lvl="0">
+              <a:defRPr sz="1800"/>
+            </a:pPr>
+            <a:r>
+              <a:rPr sz="2200" dirty="0"/>
+              <a:t>Having identified methods for predicting which water pumps are likely to be in need of repair, we can then </a:t>
+            </a:r>
+            <a:r>
+              <a:rPr lang="en-US" sz="2200" dirty="0" smtClean="0"/>
+              <a:t>plan </a:t>
+            </a:r>
+            <a:r>
+              <a:rPr sz="2200" dirty="0" smtClean="0"/>
+              <a:t>out </a:t>
+            </a:r>
+            <a:r>
+              <a:rPr sz="2200" dirty="0"/>
+              <a:t>how </a:t>
+            </a:r>
+            <a:r>
+              <a:rPr lang="en-US" sz="2200" dirty="0" smtClean="0"/>
+              <a:t>maintenance</a:t>
+            </a:r>
+            <a:r>
+              <a:rPr lang="en-US" sz="2200" baseline="0" dirty="0" smtClean="0"/>
+              <a:t> crews</a:t>
+            </a:r>
+            <a:r>
+              <a:rPr sz="2200" dirty="0" smtClean="0"/>
+              <a:t> </a:t>
+            </a:r>
+            <a:r>
+              <a:rPr sz="2200" dirty="0"/>
+              <a:t>will visit the faulty pumps as efficiently as possible, using stochastic </a:t>
+            </a:r>
+            <a:r>
+              <a:rPr sz="2200" dirty="0" err="1"/>
+              <a:t>optimisation</a:t>
+            </a:r>
+            <a:r>
+              <a:rPr sz="2200" dirty="0"/>
+              <a:t>.</a:t>
+            </a:r>
+          </a:p>
+        </p:txBody>
+      </p:sp>
+    </p:spTree>
+  </p:cSld>
+  <p:clrMapOvr>
+    <a:masterClrMapping/>
+  </p:clrMapOvr>
+</p:notes>
+</file>
+
+<file path=ppt/notesSlides/notesSlide13.xml><?xml version="1.0" encoding="utf-8"?>
+<p:notes xmlns:a="http://schemas.openxmlformats.org/drawingml/2006/main" xmlns:r="http://schemas.openxmlformats.org/officeDocument/2006/relationships" xmlns:p="http://schemas.openxmlformats.org/presentationml/2006/main">
+  <p:cSld>
+    <p:spTree>
+      <p:nvGrpSpPr>
+        <p:cNvPr id="1" name=""/>
+        <p:cNvGrpSpPr/>
+        <p:nvPr/>
+      </p:nvGrpSpPr>
+      <p:grpSpPr>
+        <a:xfrm>
+          <a:off x="0" y="0"/>
+          <a:ext cx="0" cy="0"/>
+          <a:chOff x="0" y="0"/>
+          <a:chExt cx="0" cy="0"/>
+        </a:xfrm>
+      </p:grpSpPr>
+      <p:sp>
+        <p:nvSpPr>
+          <p:cNvPr id="87" name="Shape 87"/>
+          <p:cNvSpPr>
+            <a:spLocks noGrp="1" noRot="1" noChangeAspect="1"/>
+          </p:cNvSpPr>
+          <p:nvPr>
+            <p:ph type="sldImg"/>
+          </p:nvPr>
+        </p:nvSpPr>
+        <p:spPr>
+          <a:prstGeom prst="rect">
+            <a:avLst/>
+          </a:prstGeom>
+        </p:spPr>
+        <p:txBody>
+          <a:bodyPr/>
+          <a:lstStyle/>
+          <a:p>
+            <a:pPr lvl="0"/>
+            <a:endParaRPr/>
+          </a:p>
+        </p:txBody>
+      </p:sp>
+      <p:sp>
+        <p:nvSpPr>
+          <p:cNvPr id="88" name="Shape 88"/>
+          <p:cNvSpPr>
+            <a:spLocks noGrp="1"/>
+          </p:cNvSpPr>
+          <p:nvPr>
+            <p:ph type="body" sz="quarter" idx="1"/>
+          </p:nvPr>
+        </p:nvSpPr>
+        <p:spPr>
+          <a:prstGeom prst="rect">
+            <a:avLst/>
+          </a:prstGeom>
+        </p:spPr>
+        <p:txBody>
+          <a:bodyPr/>
+          <a:lstStyle/>
+          <a:p>
+            <a:pPr lvl="0">
+              <a:defRPr sz="1800"/>
+            </a:pPr>
+            <a:r>
+              <a:rPr sz="2200" dirty="0"/>
+              <a:t>We use simulated annealing to solve a simple version of the travelling salesman problem. The points in blue represent </a:t>
+            </a:r>
+            <a:r>
+              <a:rPr lang="en-US" sz="2200" dirty="0" smtClean="0"/>
+              <a:t>faulty pumps</a:t>
+            </a:r>
+            <a:r>
+              <a:rPr sz="2200" dirty="0" smtClean="0"/>
+              <a:t>. </a:t>
+            </a:r>
+            <a:r>
+              <a:rPr sz="2200" dirty="0"/>
+              <a:t>The maintenance crew has to visit </a:t>
+            </a:r>
+            <a:r>
+              <a:rPr lang="en-US" sz="2200" dirty="0" smtClean="0"/>
+              <a:t>all the pumps</a:t>
+            </a:r>
+            <a:r>
+              <a:rPr sz="2200" dirty="0" smtClean="0"/>
+              <a:t>, </a:t>
+            </a:r>
+            <a:r>
+              <a:rPr sz="2200" dirty="0"/>
+              <a:t>starting out from the depot </a:t>
+            </a:r>
+            <a:r>
+              <a:rPr sz="2200" dirty="0" smtClean="0"/>
+              <a:t>marked </a:t>
+            </a:r>
+            <a:r>
+              <a:rPr sz="2200" dirty="0"/>
+              <a:t>in </a:t>
+            </a:r>
+            <a:r>
+              <a:rPr sz="2200" dirty="0" smtClean="0"/>
+              <a:t>red. </a:t>
+            </a:r>
+            <a:r>
+              <a:rPr lang="en-US" sz="2200" dirty="0" smtClean="0"/>
+              <a:t>This </a:t>
+            </a:r>
+            <a:r>
+              <a:rPr sz="2200" dirty="0" smtClean="0"/>
+              <a:t>shows </a:t>
+            </a:r>
+            <a:r>
+              <a:rPr sz="2200" dirty="0"/>
+              <a:t>an initial random route selection, and </a:t>
+            </a:r>
+            <a:r>
+              <a:rPr lang="en-US" sz="2200" dirty="0" smtClean="0"/>
+              <a:t>this </a:t>
+            </a:r>
+            <a:r>
+              <a:rPr sz="2200" dirty="0" smtClean="0"/>
+              <a:t>shows </a:t>
+            </a:r>
+            <a:r>
+              <a:rPr sz="2200" dirty="0"/>
+              <a:t>the </a:t>
+            </a:r>
+            <a:r>
+              <a:rPr sz="2200" dirty="0" err="1"/>
+              <a:t>optimised</a:t>
+            </a:r>
+            <a:r>
+              <a:rPr sz="2200" dirty="0"/>
+              <a:t> route after simulated annealing.</a:t>
+            </a:r>
+          </a:p>
+        </p:txBody>
+      </p:sp>
+    </p:spTree>
+  </p:cSld>
+  <p:clrMapOvr>
+    <a:masterClrMapping/>
+  </p:clrMapOvr>
+</p:notes>
+</file>
+
+<file path=ppt/notesSlides/notesSlide14.xml><?xml version="1.0" encoding="utf-8"?>
+<p:notes xmlns:a="http://schemas.openxmlformats.org/drawingml/2006/main" xmlns:r="http://schemas.openxmlformats.org/officeDocument/2006/relationships" xmlns:p="http://schemas.openxmlformats.org/presentationml/2006/main">
+  <p:cSld>
+    <p:spTree>
+      <p:nvGrpSpPr>
+        <p:cNvPr id="1" name=""/>
+        <p:cNvGrpSpPr/>
+        <p:nvPr/>
+      </p:nvGrpSpPr>
+      <p:grpSpPr>
+        <a:xfrm>
+          <a:off x="0" y="0"/>
+          <a:ext cx="0" cy="0"/>
+          <a:chOff x="0" y="0"/>
+          <a:chExt cx="0" cy="0"/>
+        </a:xfrm>
+      </p:grpSpPr>
+      <p:sp>
+        <p:nvSpPr>
+          <p:cNvPr id="87" name="Shape 87"/>
+          <p:cNvSpPr>
+            <a:spLocks noGrp="1" noRot="1" noChangeAspect="1"/>
+          </p:cNvSpPr>
+          <p:nvPr>
+            <p:ph type="sldImg"/>
+          </p:nvPr>
+        </p:nvSpPr>
+        <p:spPr>
+          <a:prstGeom prst="rect">
+            <a:avLst/>
+          </a:prstGeom>
+        </p:spPr>
+        <p:txBody>
+          <a:bodyPr/>
+          <a:lstStyle/>
+          <a:p>
+            <a:pPr lvl="0"/>
+            <a:endParaRPr/>
+          </a:p>
+        </p:txBody>
+      </p:sp>
+      <p:sp>
+        <p:nvSpPr>
+          <p:cNvPr id="88" name="Shape 88"/>
+          <p:cNvSpPr>
+            <a:spLocks noGrp="1"/>
+          </p:cNvSpPr>
+          <p:nvPr>
+            <p:ph type="body" sz="quarter" idx="1"/>
+          </p:nvPr>
+        </p:nvSpPr>
+        <p:spPr>
+          <a:prstGeom prst="rect">
+            <a:avLst/>
+          </a:prstGeom>
+        </p:spPr>
+        <p:txBody>
+          <a:bodyPr/>
+          <a:lstStyle/>
+          <a:p>
+            <a:pPr lvl="0">
+              <a:defRPr sz="1800"/>
+            </a:pPr>
+            <a:r>
+              <a:rPr sz="2200" dirty="0"/>
+              <a:t>We use simulated annealing to solve a simple version of the travelling salesman problem. The points in blue represent </a:t>
+            </a:r>
+            <a:r>
+              <a:rPr lang="en-US" sz="2200" dirty="0" smtClean="0"/>
+              <a:t>faulty pumps</a:t>
+            </a:r>
+            <a:r>
+              <a:rPr sz="2200" dirty="0" smtClean="0"/>
+              <a:t>. </a:t>
+            </a:r>
+            <a:r>
+              <a:rPr sz="2200" dirty="0"/>
+              <a:t>The maintenance crew has to visit </a:t>
+            </a:r>
+            <a:r>
+              <a:rPr lang="en-US" sz="2200" dirty="0" smtClean="0"/>
+              <a:t>all the pumps</a:t>
+            </a:r>
+            <a:r>
+              <a:rPr sz="2200" dirty="0" smtClean="0"/>
+              <a:t>, </a:t>
+            </a:r>
+            <a:r>
+              <a:rPr sz="2200" dirty="0"/>
+              <a:t>starting out from the depot </a:t>
+            </a:r>
+            <a:r>
+              <a:rPr sz="2200" dirty="0" smtClean="0"/>
+              <a:t>marked </a:t>
+            </a:r>
+            <a:r>
+              <a:rPr sz="2200" dirty="0"/>
+              <a:t>in </a:t>
+            </a:r>
+            <a:r>
+              <a:rPr sz="2200" dirty="0" smtClean="0"/>
+              <a:t>red. </a:t>
+            </a:r>
+            <a:r>
+              <a:rPr lang="en-US" sz="2200" dirty="0" smtClean="0"/>
+              <a:t>This </a:t>
+            </a:r>
+            <a:r>
+              <a:rPr sz="2200" dirty="0" smtClean="0"/>
+              <a:t>shows </a:t>
+            </a:r>
+            <a:r>
+              <a:rPr sz="2200" dirty="0"/>
+              <a:t>an initial random route selection, and </a:t>
+            </a:r>
+            <a:r>
+              <a:rPr lang="en-US" sz="2200" dirty="0" smtClean="0"/>
+              <a:t>this </a:t>
+            </a:r>
+            <a:r>
+              <a:rPr sz="2200" dirty="0" smtClean="0"/>
+              <a:t>shows </a:t>
+            </a:r>
+            <a:r>
+              <a:rPr sz="2200" dirty="0"/>
+              <a:t>the </a:t>
+            </a:r>
+            <a:r>
+              <a:rPr sz="2200" dirty="0" err="1"/>
+              <a:t>optimised</a:t>
+            </a:r>
+            <a:r>
+              <a:rPr sz="2200" dirty="0"/>
+              <a:t> route after simulated annealing.</a:t>
+            </a:r>
+          </a:p>
+        </p:txBody>
+      </p:sp>
+    </p:spTree>
+  </p:cSld>
+  <p:clrMapOvr>
+    <a:masterClrMapping/>
+  </p:clrMapOvr>
+</p:notes>
+</file>
+
+<file path=ppt/notesSlides/notesSlide15.xml><?xml version="1.0" encoding="utf-8"?>
+<p:notes xmlns:a="http://schemas.openxmlformats.org/drawingml/2006/main" xmlns:r="http://schemas.openxmlformats.org/officeDocument/2006/relationships" xmlns:p="http://schemas.openxmlformats.org/presentationml/2006/main">
+  <p:cSld>
+    <p:spTree>
+      <p:nvGrpSpPr>
+        <p:cNvPr id="1" name=""/>
+        <p:cNvGrpSpPr/>
+        <p:nvPr/>
+      </p:nvGrpSpPr>
+      <p:grpSpPr>
+        <a:xfrm>
+          <a:off x="0" y="0"/>
+          <a:ext cx="0" cy="0"/>
+          <a:chOff x="0" y="0"/>
+          <a:chExt cx="0" cy="0"/>
+        </a:xfrm>
+      </p:grpSpPr>
+      <p:sp>
+        <p:nvSpPr>
+          <p:cNvPr id="87" name="Shape 87"/>
+          <p:cNvSpPr>
+            <a:spLocks noGrp="1" noRot="1" noChangeAspect="1"/>
+          </p:cNvSpPr>
+          <p:nvPr>
+            <p:ph type="sldImg"/>
+          </p:nvPr>
+        </p:nvSpPr>
+        <p:spPr>
+          <a:prstGeom prst="rect">
+            <a:avLst/>
+          </a:prstGeom>
+        </p:spPr>
+        <p:txBody>
+          <a:bodyPr/>
+          <a:lstStyle/>
+          <a:p>
+            <a:pPr lvl="0"/>
+            <a:endParaRPr/>
+          </a:p>
+        </p:txBody>
+      </p:sp>
+      <p:sp>
+        <p:nvSpPr>
+          <p:cNvPr id="88" name="Shape 88"/>
+          <p:cNvSpPr>
+            <a:spLocks noGrp="1"/>
+          </p:cNvSpPr>
+          <p:nvPr>
+            <p:ph type="body" sz="quarter" idx="1"/>
+          </p:nvPr>
+        </p:nvSpPr>
+        <p:spPr>
+          <a:prstGeom prst="rect">
+            <a:avLst/>
+          </a:prstGeom>
+        </p:spPr>
+        <p:txBody>
+          <a:bodyPr/>
+          <a:lstStyle/>
+          <a:p>
+            <a:pPr lvl="0">
+              <a:defRPr sz="1800"/>
+            </a:pPr>
+            <a:r>
+              <a:rPr sz="2200" dirty="0"/>
+              <a:t>We use simulated annealing to solve a simple version of the travelling salesman problem. The points in blue represent </a:t>
+            </a:r>
+            <a:r>
+              <a:rPr lang="en-US" sz="2200" dirty="0" smtClean="0"/>
+              <a:t>faulty pumps</a:t>
+            </a:r>
+            <a:r>
+              <a:rPr sz="2200" dirty="0" smtClean="0"/>
+              <a:t>. </a:t>
+            </a:r>
+            <a:r>
+              <a:rPr sz="2200" dirty="0"/>
+              <a:t>The maintenance crew has to visit </a:t>
+            </a:r>
+            <a:r>
+              <a:rPr lang="en-US" sz="2200" dirty="0" smtClean="0"/>
+              <a:t>all the pumps</a:t>
+            </a:r>
+            <a:r>
+              <a:rPr sz="2200" dirty="0" smtClean="0"/>
+              <a:t>, </a:t>
+            </a:r>
+            <a:r>
+              <a:rPr sz="2200" dirty="0"/>
+              <a:t>starting out from the depot </a:t>
+            </a:r>
+            <a:r>
+              <a:rPr sz="2200" dirty="0" smtClean="0"/>
+              <a:t>marked </a:t>
+            </a:r>
+            <a:r>
+              <a:rPr sz="2200" dirty="0"/>
+              <a:t>in </a:t>
+            </a:r>
+            <a:r>
+              <a:rPr sz="2200" dirty="0" smtClean="0"/>
+              <a:t>red. </a:t>
+            </a:r>
+            <a:r>
+              <a:rPr lang="en-US" sz="2200" dirty="0" smtClean="0"/>
+              <a:t>This </a:t>
+            </a:r>
+            <a:r>
+              <a:rPr sz="2200" dirty="0" smtClean="0"/>
+              <a:t>shows </a:t>
+            </a:r>
+            <a:r>
+              <a:rPr sz="2200" dirty="0"/>
+              <a:t>an initial random route selection, and </a:t>
+            </a:r>
+            <a:r>
+              <a:rPr lang="en-US" sz="2200" dirty="0" smtClean="0"/>
+              <a:t>this </a:t>
+            </a:r>
+            <a:r>
+              <a:rPr sz="2200" dirty="0" smtClean="0"/>
+              <a:t>shows </a:t>
+            </a:r>
+            <a:r>
+              <a:rPr sz="2200" dirty="0"/>
+              <a:t>the </a:t>
+            </a:r>
+            <a:r>
+              <a:rPr sz="2200" dirty="0" err="1"/>
+              <a:t>optimised</a:t>
+            </a:r>
+            <a:r>
+              <a:rPr sz="2200" dirty="0"/>
+              <a:t> route after simulated annealing.</a:t>
+            </a:r>
+          </a:p>
+        </p:txBody>
+      </p:sp>
+    </p:spTree>
+  </p:cSld>
+  <p:clrMapOvr>
+    <a:masterClrMapping/>
+  </p:clrMapOvr>
+</p:notes>
+</file>
+
+<file path=ppt/notesSlides/notesSlide16.xml><?xml version="1.0" encoding="utf-8"?>
+<p:notes xmlns:a="http://schemas.openxmlformats.org/drawingml/2006/main" xmlns:r="http://schemas.openxmlformats.org/officeDocument/2006/relationships" xmlns:p="http://schemas.openxmlformats.org/presentationml/2006/main">
+  <p:cSld>
+    <p:spTree>
+      <p:nvGrpSpPr>
+        <p:cNvPr id="1" name=""/>
+        <p:cNvGrpSpPr/>
+        <p:nvPr/>
+      </p:nvGrpSpPr>
+      <p:grpSpPr>
+        <a:xfrm>
+          <a:off x="0" y="0"/>
+          <a:ext cx="0" cy="0"/>
+          <a:chOff x="0" y="0"/>
+          <a:chExt cx="0" cy="0"/>
+        </a:xfrm>
+      </p:grpSpPr>
+      <p:sp>
+        <p:nvSpPr>
+          <p:cNvPr id="93" name="Shape 93"/>
+          <p:cNvSpPr>
+            <a:spLocks noGrp="1" noRot="1" noChangeAspect="1"/>
+          </p:cNvSpPr>
+          <p:nvPr>
+            <p:ph type="sldImg"/>
+          </p:nvPr>
+        </p:nvSpPr>
+        <p:spPr>
+          <a:prstGeom prst="rect">
+            <a:avLst/>
+          </a:prstGeom>
+        </p:spPr>
+        <p:txBody>
+          <a:bodyPr/>
+          <a:lstStyle/>
+          <a:p>
+            <a:pPr lvl="0"/>
+            <a:endParaRPr/>
+          </a:p>
+        </p:txBody>
+      </p:sp>
+      <p:sp>
+        <p:nvSpPr>
+          <p:cNvPr id="94" name="Shape 94"/>
+          <p:cNvSpPr>
+            <a:spLocks noGrp="1"/>
+          </p:cNvSpPr>
+          <p:nvPr>
+            <p:ph type="body" sz="quarter" idx="1"/>
+          </p:nvPr>
+        </p:nvSpPr>
+        <p:spPr>
+          <a:prstGeom prst="rect">
+            <a:avLst/>
+          </a:prstGeom>
+        </p:spPr>
+        <p:txBody>
+          <a:bodyPr/>
+          <a:lstStyle/>
+          <a:p>
+            <a:pPr lvl="0">
+              <a:defRPr sz="1800"/>
+            </a:pPr>
+            <a:r>
+              <a:rPr sz="2200" dirty="0"/>
+              <a:t>The total distance shown in the first </a:t>
+            </a:r>
+            <a:r>
+              <a:rPr sz="2200" dirty="0" err="1"/>
+              <a:t>optimised</a:t>
+            </a:r>
+            <a:r>
+              <a:rPr sz="2200" dirty="0"/>
+              <a:t> route at the top, is about 41,000 km which is obviously much greater than a single crew can travel in a reasonable time. </a:t>
+            </a:r>
+            <a:r>
+              <a:rPr lang="en-US" sz="2200" dirty="0" smtClean="0"/>
+              <a:t>Allowing for multiple maintenance crews</a:t>
+            </a:r>
+            <a:r>
+              <a:rPr sz="2200" dirty="0" smtClean="0"/>
+              <a:t> </a:t>
+            </a:r>
+            <a:r>
+              <a:rPr sz="2200" dirty="0"/>
+              <a:t>leaving from the same depot leads to an </a:t>
+            </a:r>
+            <a:r>
+              <a:rPr lang="en-US" sz="2200" dirty="0" smtClean="0"/>
+              <a:t>16% decrease in total distance covered.</a:t>
+            </a:r>
+            <a:endParaRPr sz="2200" dirty="0"/>
+          </a:p>
+        </p:txBody>
+      </p:sp>
+    </p:spTree>
+  </p:cSld>
+  <p:clrMapOvr>
+    <a:masterClrMapping/>
+  </p:clrMapOvr>
+</p:notes>
+</file>
+
+<file path=ppt/notesSlides/notesSlide17.xml><?xml version="1.0" encoding="utf-8"?>
+<p:notes xmlns:a="http://schemas.openxmlformats.org/drawingml/2006/main" xmlns:r="http://schemas.openxmlformats.org/officeDocument/2006/relationships" xmlns:p="http://schemas.openxmlformats.org/presentationml/2006/main">
+  <p:cSld>
+    <p:spTree>
+      <p:nvGrpSpPr>
+        <p:cNvPr id="1" name=""/>
+        <p:cNvGrpSpPr/>
+        <p:nvPr/>
+      </p:nvGrpSpPr>
+      <p:grpSpPr>
+        <a:xfrm>
+          <a:off x="0" y="0"/>
+          <a:ext cx="0" cy="0"/>
+          <a:chOff x="0" y="0"/>
+          <a:chExt cx="0" cy="0"/>
+        </a:xfrm>
+      </p:grpSpPr>
+      <p:sp>
+        <p:nvSpPr>
+          <p:cNvPr id="93" name="Shape 93"/>
+          <p:cNvSpPr>
+            <a:spLocks noGrp="1" noRot="1" noChangeAspect="1"/>
+          </p:cNvSpPr>
+          <p:nvPr>
+            <p:ph type="sldImg"/>
+          </p:nvPr>
+        </p:nvSpPr>
+        <p:spPr>
+          <a:prstGeom prst="rect">
+            <a:avLst/>
+          </a:prstGeom>
+        </p:spPr>
+        <p:txBody>
+          <a:bodyPr/>
+          <a:lstStyle/>
+          <a:p>
+            <a:pPr lvl="0"/>
+            <a:endParaRPr/>
+          </a:p>
+        </p:txBody>
+      </p:sp>
+      <p:sp>
+        <p:nvSpPr>
+          <p:cNvPr id="94" name="Shape 94"/>
+          <p:cNvSpPr>
+            <a:spLocks noGrp="1"/>
+          </p:cNvSpPr>
+          <p:nvPr>
+            <p:ph type="body" sz="quarter" idx="1"/>
+          </p:nvPr>
+        </p:nvSpPr>
+        <p:spPr>
+          <a:prstGeom prst="rect">
+            <a:avLst/>
+          </a:prstGeom>
+        </p:spPr>
+        <p:txBody>
+          <a:bodyPr/>
+          <a:lstStyle/>
+          <a:p>
+            <a:pPr lvl="0">
+              <a:defRPr sz="1800"/>
+            </a:pPr>
+            <a:r>
+              <a:rPr sz="2200" dirty="0"/>
+              <a:t>The total distance shown in the first </a:t>
+            </a:r>
+            <a:r>
+              <a:rPr sz="2200" dirty="0" err="1"/>
+              <a:t>optimised</a:t>
+            </a:r>
+            <a:r>
+              <a:rPr sz="2200" dirty="0"/>
+              <a:t> route at the top, is about 41,000 km which is obviously much greater than a single crew can travel in a reasonable time. </a:t>
+            </a:r>
+            <a:r>
+              <a:rPr lang="en-US" sz="2200" dirty="0" smtClean="0"/>
+              <a:t>Allowing for multiple maintenance crews</a:t>
+            </a:r>
+            <a:r>
+              <a:rPr sz="2200" dirty="0" smtClean="0"/>
+              <a:t> </a:t>
+            </a:r>
+            <a:r>
+              <a:rPr sz="2200" dirty="0"/>
+              <a:t>leaving from the same depot leads to an </a:t>
+            </a:r>
+            <a:r>
+              <a:rPr lang="en-US" sz="2200" dirty="0" smtClean="0"/>
+              <a:t>16% decrease in total distance covered.</a:t>
+            </a:r>
+            <a:endParaRPr sz="2200" dirty="0"/>
+          </a:p>
+        </p:txBody>
+      </p:sp>
+    </p:spTree>
+  </p:cSld>
+  <p:clrMapOvr>
+    <a:masterClrMapping/>
+  </p:clrMapOvr>
+</p:notes>
+</file>
+
+<file path=ppt/notesSlides/notesSlide18.xml><?xml version="1.0" encoding="utf-8"?>
+<p:notes xmlns:a="http://schemas.openxmlformats.org/drawingml/2006/main" xmlns:r="http://schemas.openxmlformats.org/officeDocument/2006/relationships" xmlns:p="http://schemas.openxmlformats.org/presentationml/2006/main">
+  <p:cSld>
+    <p:spTree>
+      <p:nvGrpSpPr>
+        <p:cNvPr id="1" name=""/>
+        <p:cNvGrpSpPr/>
+        <p:nvPr/>
+      </p:nvGrpSpPr>
+      <p:grpSpPr>
+        <a:xfrm>
+          <a:off x="0" y="0"/>
+          <a:ext cx="0" cy="0"/>
+          <a:chOff x="0" y="0"/>
+          <a:chExt cx="0" cy="0"/>
+        </a:xfrm>
+      </p:grpSpPr>
+      <p:sp>
+        <p:nvSpPr>
+          <p:cNvPr id="101" name="Shape 101"/>
+          <p:cNvSpPr>
+            <a:spLocks noGrp="1" noRot="1" noChangeAspect="1"/>
+          </p:cNvSpPr>
+          <p:nvPr>
+            <p:ph type="sldImg"/>
+          </p:nvPr>
+        </p:nvSpPr>
+        <p:spPr>
+          <a:prstGeom prst="rect">
+            <a:avLst/>
+          </a:prstGeom>
+        </p:spPr>
+        <p:txBody>
+          <a:bodyPr/>
+          <a:lstStyle/>
+          <a:p>
+            <a:pPr lvl="0"/>
+            <a:endParaRPr/>
+          </a:p>
+        </p:txBody>
+      </p:sp>
+      <p:sp>
+        <p:nvSpPr>
+          <p:cNvPr id="102" name="Shape 102"/>
+          <p:cNvSpPr>
+            <a:spLocks noGrp="1"/>
+          </p:cNvSpPr>
+          <p:nvPr>
+            <p:ph type="body" sz="quarter" idx="1"/>
+          </p:nvPr>
+        </p:nvSpPr>
+        <p:spPr>
+          <a:prstGeom prst="rect">
+            <a:avLst/>
+          </a:prstGeom>
+        </p:spPr>
+        <p:txBody>
+          <a:bodyPr/>
+          <a:lstStyle/>
+          <a:p>
+            <a:pPr lvl="0">
+              <a:defRPr sz="1800"/>
+            </a:pPr>
+            <a:r>
+              <a:rPr sz="2200" dirty="0"/>
+              <a:t>Finally, we adjust our </a:t>
+            </a:r>
+            <a:r>
+              <a:rPr lang="en-US" sz="2200" dirty="0" smtClean="0"/>
+              <a:t>function</a:t>
+            </a:r>
+            <a:r>
+              <a:rPr lang="en-US" sz="2200" baseline="0" dirty="0" smtClean="0"/>
+              <a:t> to </a:t>
+            </a:r>
+            <a:r>
+              <a:rPr sz="2200" dirty="0" smtClean="0"/>
+              <a:t>give </a:t>
+            </a:r>
+            <a:r>
+              <a:rPr sz="2200" dirty="0"/>
+              <a:t>greater weight </a:t>
+            </a:r>
+            <a:r>
+              <a:rPr lang="en-US" sz="2200" dirty="0" smtClean="0"/>
+              <a:t>to </a:t>
+            </a:r>
+            <a:r>
+              <a:rPr sz="2200" dirty="0" smtClean="0"/>
+              <a:t>more </a:t>
+            </a:r>
+            <a:r>
+              <a:rPr sz="2200" dirty="0"/>
+              <a:t>remote pumps as opposed to finding the simple shortest distance. This is based on the assumption that faulty pumps which are </a:t>
+            </a:r>
+            <a:r>
+              <a:rPr sz="2200" dirty="0" smtClean="0"/>
+              <a:t>more</a:t>
+            </a:r>
+            <a:r>
+              <a:rPr lang="en-US" sz="2200" dirty="0" smtClean="0"/>
+              <a:t> remote</a:t>
+            </a:r>
+            <a:r>
+              <a:rPr sz="2200" dirty="0" smtClean="0"/>
+              <a:t> will </a:t>
+            </a:r>
+            <a:r>
+              <a:rPr sz="2200" dirty="0"/>
+              <a:t>have fewer alternatives close by so the crew should try to get there earlier. We can see that by </a:t>
+            </a:r>
+            <a:r>
+              <a:rPr sz="2200" dirty="0" err="1"/>
+              <a:t>prioritising</a:t>
+            </a:r>
+            <a:r>
+              <a:rPr sz="2200" dirty="0"/>
+              <a:t> remote pumps leads to some </a:t>
+            </a:r>
+            <a:r>
+              <a:rPr lang="en-US" sz="2200" dirty="0" smtClean="0"/>
+              <a:t>jumps and</a:t>
+            </a:r>
+            <a:r>
+              <a:rPr sz="2200" dirty="0" smtClean="0"/>
+              <a:t> </a:t>
+            </a:r>
+            <a:r>
+              <a:rPr sz="2200" dirty="0"/>
+              <a:t>doubling back compared to the simple distance route. The overall distance covered is much higher</a:t>
+            </a:r>
+            <a:r>
+              <a:rPr sz="2200" dirty="0" smtClean="0"/>
+              <a:t>.</a:t>
+            </a:r>
+            <a:endParaRPr lang="en-US" sz="2200" dirty="0" smtClean="0"/>
+          </a:p>
+          <a:p>
+            <a:pPr lvl="0">
+              <a:defRPr sz="1800"/>
+            </a:pPr>
+            <a:endParaRPr lang="en-US" sz="2200" dirty="0" smtClean="0"/>
+          </a:p>
+          <a:p>
+            <a:pPr lvl="0">
+              <a:defRPr sz="1800"/>
+            </a:pPr>
+            <a:r>
+              <a:rPr lang="en-US" sz="2200" dirty="0" smtClean="0"/>
+              <a:t>In summary, we used Bayesian Inference modeling to predict the functionality of water wells in Tanzania, and then used simulated annealing to plan out optimal routes to repair the non</a:t>
+            </a:r>
+            <a:r>
+              <a:rPr lang="en-US" sz="2200" baseline="0" dirty="0" smtClean="0"/>
+              <a:t> functioning water wells.</a:t>
+            </a:r>
+            <a:endParaRPr sz="2200" dirty="0"/>
+          </a:p>
+        </p:txBody>
+      </p:sp>
+    </p:spTree>
+  </p:cSld>
+  <p:clrMapOvr>
+    <a:masterClrMapping/>
+  </p:clrMapOvr>
+</p:notes>
+</file>
+
+<file path=ppt/notesSlides/notesSlide19.xml><?xml version="1.0" encoding="utf-8"?>
+<p:notes xmlns:a="http://schemas.openxmlformats.org/drawingml/2006/main" xmlns:r="http://schemas.openxmlformats.org/officeDocument/2006/relationships" xmlns:p="http://schemas.openxmlformats.org/presentationml/2006/main">
   <p:cSld>
     <p:spTree>
       <p:nvGrpSpPr>
@@ -381,7 +1538,9 @@
       <p:sp>
         <p:nvSpPr>
           <p:cNvPr id="106" name="Shape 106"/>
-          <p:cNvSpPr/>
+          <p:cNvSpPr>
+            <a:spLocks noGrp="1" noRot="1" noChangeAspect="1"/>
+          </p:cNvSpPr>
           <p:nvPr>
             <p:ph type="sldImg"/>
           </p:nvPr>
@@ -396,13 +1555,16 @@
           <a:lstStyle/>
           <a:p>
             <a:pPr lvl="0"/>
+            <a:endParaRPr/>
           </a:p>
         </p:txBody>
       </p:sp>
       <p:sp>
         <p:nvSpPr>
           <p:cNvPr id="107" name="Shape 107"/>
-          <p:cNvSpPr/>
+          <p:cNvSpPr>
+            <a:spLocks noGrp="1"/>
+          </p:cNvSpPr>
           <p:nvPr>
             <p:ph type="body" sz="quarter" idx="1"/>
           </p:nvPr>
@@ -420,10 +1582,97 @@
               <a:defRPr sz="1800"/>
             </a:pPr>
             <a:r>
-              <a:rPr sz="2200"/>
-              <a:t>We have shown that Bayesian modelling can produce pre- dictions for the operating status of water pumps that are significantly better than the naive baseline prediction. The approach assumes an a priori model of how the pump functions based on parameters that we believe to be sig- nificant and then updates the relative strength of each of these parameters probabilistically to converge towards to optimal values. However, we have also shown that other Machine Learning Methods can produce superior predic- tions based on simpler assumptions. Having developed methods for identifying faulty pumps we have demon- strated the use of simulated annealing to optimise the route that a maintenance crew can take and added con- straints such as a fixed depot, and multiple crews. Inter- esting avenues for future work have also been suggested. </a:t>
-            </a:r>
-            <a:endParaRPr sz="2200"/>
+              <a:rPr sz="2200" dirty="0"/>
+              <a:t>We have shown that Bayesian </a:t>
+            </a:r>
+            <a:r>
+              <a:rPr sz="2200" dirty="0" smtClean="0"/>
+              <a:t>modeling </a:t>
+            </a:r>
+            <a:r>
+              <a:rPr sz="2200" dirty="0"/>
+              <a:t>can produce </a:t>
+            </a:r>
+            <a:r>
+              <a:rPr sz="2200" dirty="0" smtClean="0"/>
+              <a:t>pr</a:t>
+            </a:r>
+            <a:r>
+              <a:rPr lang="en-US" sz="2200" dirty="0" smtClean="0"/>
+              <a:t>e</a:t>
+            </a:r>
+            <a:r>
+              <a:rPr sz="2200" dirty="0" smtClean="0"/>
+              <a:t>dictions </a:t>
+            </a:r>
+            <a:r>
+              <a:rPr sz="2200" dirty="0"/>
+              <a:t>for the operating status of water pumps that are significantly better than the naive baseline prediction. The approach assumes an a priori model of how the pump functions based on parameters that we believe to be </a:t>
+            </a:r>
+            <a:r>
+              <a:rPr sz="2200" dirty="0" smtClean="0"/>
+              <a:t>significant </a:t>
+            </a:r>
+            <a:r>
+              <a:rPr sz="2200" dirty="0"/>
+              <a:t>and then updates the relative strength of each of these parameters probabilistically to converge towards to optimal values. However, we have also shown that other Machine Learning Methods can produce superior </a:t>
+            </a:r>
+            <a:r>
+              <a:rPr sz="2200" dirty="0" smtClean="0"/>
+              <a:t>predictions </a:t>
+            </a:r>
+            <a:r>
+              <a:rPr sz="2200" dirty="0"/>
+              <a:t>based on simpler assumptions. Having developed methods for identifying faulty pumps we have </a:t>
+            </a:r>
+            <a:r>
+              <a:rPr sz="2200" dirty="0" smtClean="0"/>
+              <a:t>demonstrated </a:t>
+            </a:r>
+            <a:r>
+              <a:rPr sz="2200" dirty="0"/>
+              <a:t>the use of simulated annealing to </a:t>
+            </a:r>
+            <a:r>
+              <a:rPr sz="2200" dirty="0" smtClean="0"/>
+              <a:t>optimi</a:t>
+            </a:r>
+            <a:r>
+              <a:rPr lang="en-US" sz="2200" dirty="0" smtClean="0"/>
+              <a:t>z</a:t>
+            </a:r>
+            <a:r>
+              <a:rPr sz="2200" dirty="0" smtClean="0"/>
+              <a:t>e </a:t>
+            </a:r>
+            <a:r>
+              <a:rPr sz="2200" dirty="0"/>
+              <a:t>the route that a maintenance crew can take and added </a:t>
+            </a:r>
+            <a:r>
+              <a:rPr sz="2200" dirty="0" smtClean="0"/>
+              <a:t>constraints </a:t>
+            </a:r>
+            <a:r>
+              <a:rPr sz="2200" dirty="0"/>
+              <a:t>such as a fixed depot, and multiple crews. </a:t>
+            </a:r>
+            <a:r>
+              <a:rPr sz="2200" dirty="0" smtClean="0"/>
+              <a:t>Inter</a:t>
+            </a:r>
+            <a:r>
+              <a:rPr lang="en-US" sz="2200" dirty="0" smtClean="0"/>
+              <a:t>e</a:t>
+            </a:r>
+            <a:r>
+              <a:rPr sz="2200" dirty="0" smtClean="0"/>
+              <a:t>sting </a:t>
+            </a:r>
+            <a:r>
+              <a:rPr sz="2200" dirty="0"/>
+              <a:t>avenues for future work have also been suggested. </a:t>
+            </a:r>
           </a:p>
         </p:txBody>
       </p:sp>
@@ -436,7 +1685,7 @@
 </file>
 
 <file path=ppt/notesSlides/notesSlide2.xml><?xml version="1.0" encoding="utf-8"?>
-<p:notes xmlns:a="http://schemas.openxmlformats.org/drawingml/2006/main" xmlns:r="http://schemas.openxmlformats.org/officeDocument/2006/relationships" xmlns:p="http://schemas.openxmlformats.org/presentationml/2006/main" showMasterSp="1" showMasterPhAnim="1">
+<p:notes xmlns:a="http://schemas.openxmlformats.org/drawingml/2006/main" xmlns:r="http://schemas.openxmlformats.org/officeDocument/2006/relationships" xmlns:p="http://schemas.openxmlformats.org/presentationml/2006/main">
   <p:cSld>
     <p:spTree>
       <p:nvGrpSpPr>
@@ -455,7 +1704,9 @@
       <p:sp>
         <p:nvSpPr>
           <p:cNvPr id="59" name="Shape 59"/>
-          <p:cNvSpPr/>
+          <p:cNvSpPr>
+            <a:spLocks noGrp="1" noRot="1" noChangeAspect="1"/>
+          </p:cNvSpPr>
           <p:nvPr>
             <p:ph type="sldImg"/>
           </p:nvPr>
@@ -470,13 +1721,16 @@
           <a:lstStyle/>
           <a:p>
             <a:pPr lvl="0"/>
+            <a:endParaRPr/>
           </a:p>
         </p:txBody>
       </p:sp>
       <p:sp>
         <p:nvSpPr>
           <p:cNvPr id="60" name="Shape 60"/>
-          <p:cNvSpPr/>
+          <p:cNvSpPr>
+            <a:spLocks noGrp="1"/>
+          </p:cNvSpPr>
           <p:nvPr>
             <p:ph type="body" sz="quarter" idx="1"/>
           </p:nvPr>
@@ -521,7 +1775,367 @@
 </file>
 
 <file path=ppt/notesSlides/notesSlide3.xml><?xml version="1.0" encoding="utf-8"?>
-<p:notes xmlns:a="http://schemas.openxmlformats.org/drawingml/2006/main" xmlns:r="http://schemas.openxmlformats.org/officeDocument/2006/relationships" xmlns:p="http://schemas.openxmlformats.org/presentationml/2006/main" showMasterSp="1" showMasterPhAnim="1">
+<p:notes xmlns:a="http://schemas.openxmlformats.org/drawingml/2006/main" xmlns:r="http://schemas.openxmlformats.org/officeDocument/2006/relationships" xmlns:p="http://schemas.openxmlformats.org/presentationml/2006/main">
+  <p:cSld>
+    <p:spTree>
+      <p:nvGrpSpPr>
+        <p:cNvPr id="1" name=""/>
+        <p:cNvGrpSpPr/>
+        <p:nvPr/>
+      </p:nvGrpSpPr>
+      <p:grpSpPr>
+        <a:xfrm>
+          <a:off x="0" y="0"/>
+          <a:ext cx="0" cy="0"/>
+          <a:chOff x="0" y="0"/>
+          <a:chExt cx="0" cy="0"/>
+        </a:xfrm>
+      </p:grpSpPr>
+      <p:sp>
+        <p:nvSpPr>
+          <p:cNvPr id="59" name="Shape 59"/>
+          <p:cNvSpPr>
+            <a:spLocks noGrp="1" noRot="1" noChangeAspect="1"/>
+          </p:cNvSpPr>
+          <p:nvPr>
+            <p:ph type="sldImg"/>
+          </p:nvPr>
+        </p:nvSpPr>
+        <p:spPr>
+          <a:prstGeom prst="rect">
+            <a:avLst/>
+          </a:prstGeom>
+        </p:spPr>
+        <p:txBody>
+          <a:bodyPr/>
+          <a:lstStyle/>
+          <a:p>
+            <a:pPr lvl="0"/>
+            <a:endParaRPr/>
+          </a:p>
+        </p:txBody>
+      </p:sp>
+      <p:sp>
+        <p:nvSpPr>
+          <p:cNvPr id="60" name="Shape 60"/>
+          <p:cNvSpPr>
+            <a:spLocks noGrp="1"/>
+          </p:cNvSpPr>
+          <p:nvPr>
+            <p:ph type="body" sz="quarter" idx="1"/>
+          </p:nvPr>
+        </p:nvSpPr>
+        <p:spPr>
+          <a:prstGeom prst="rect">
+            <a:avLst/>
+          </a:prstGeom>
+        </p:spPr>
+        <p:txBody>
+          <a:bodyPr/>
+          <a:lstStyle>
+            <a:lvl1pPr defTabSz="914400">
+              <a:lnSpc>
+                <a:spcPct val="100000"/>
+              </a:lnSpc>
+              <a:defRPr sz="1200">
+                <a:latin typeface="Calibri"/>
+                <a:ea typeface="Calibri"/>
+                <a:cs typeface="Calibri"/>
+                <a:sym typeface="Calibri"/>
+              </a:defRPr>
+            </a:lvl1pPr>
+          </a:lstStyle>
+          <a:p>
+            <a:pPr lvl="0">
+              <a:defRPr sz="1800"/>
+            </a:pPr>
+            <a:r>
+              <a:rPr sz="1200"/>
+              <a:t>The first part of our project is to classify the water wells in Tanzania as one of three categories: “functional”, “needs repair”, and “non functional.” We are given labeled data from DrivenData, consisting of data on over 59,000 wells with 39 parameters, including GPS coordinates, installer, cost of water, and other details.</a:t>
+            </a:r>
+          </a:p>
+        </p:txBody>
+      </p:sp>
+    </p:spTree>
+  </p:cSld>
+  <p:clrMapOvr>
+    <a:masterClrMapping/>
+  </p:clrMapOvr>
+</p:notes>
+</file>
+
+<file path=ppt/notesSlides/notesSlide4.xml><?xml version="1.0" encoding="utf-8"?>
+<p:notes xmlns:a="http://schemas.openxmlformats.org/drawingml/2006/main" xmlns:r="http://schemas.openxmlformats.org/officeDocument/2006/relationships" xmlns:p="http://schemas.openxmlformats.org/presentationml/2006/main">
+  <p:cSld>
+    <p:spTree>
+      <p:nvGrpSpPr>
+        <p:cNvPr id="1" name=""/>
+        <p:cNvGrpSpPr/>
+        <p:nvPr/>
+      </p:nvGrpSpPr>
+      <p:grpSpPr>
+        <a:xfrm>
+          <a:off x="0" y="0"/>
+          <a:ext cx="0" cy="0"/>
+          <a:chOff x="0" y="0"/>
+          <a:chExt cx="0" cy="0"/>
+        </a:xfrm>
+      </p:grpSpPr>
+      <p:sp>
+        <p:nvSpPr>
+          <p:cNvPr id="59" name="Shape 59"/>
+          <p:cNvSpPr>
+            <a:spLocks noGrp="1" noRot="1" noChangeAspect="1"/>
+          </p:cNvSpPr>
+          <p:nvPr>
+            <p:ph type="sldImg"/>
+          </p:nvPr>
+        </p:nvSpPr>
+        <p:spPr>
+          <a:prstGeom prst="rect">
+            <a:avLst/>
+          </a:prstGeom>
+        </p:spPr>
+        <p:txBody>
+          <a:bodyPr/>
+          <a:lstStyle/>
+          <a:p>
+            <a:pPr lvl="0"/>
+            <a:endParaRPr/>
+          </a:p>
+        </p:txBody>
+      </p:sp>
+      <p:sp>
+        <p:nvSpPr>
+          <p:cNvPr id="60" name="Shape 60"/>
+          <p:cNvSpPr>
+            <a:spLocks noGrp="1"/>
+          </p:cNvSpPr>
+          <p:nvPr>
+            <p:ph type="body" sz="quarter" idx="1"/>
+          </p:nvPr>
+        </p:nvSpPr>
+        <p:spPr>
+          <a:prstGeom prst="rect">
+            <a:avLst/>
+          </a:prstGeom>
+        </p:spPr>
+        <p:txBody>
+          <a:bodyPr/>
+          <a:lstStyle>
+            <a:lvl1pPr defTabSz="914400">
+              <a:lnSpc>
+                <a:spcPct val="100000"/>
+              </a:lnSpc>
+              <a:defRPr sz="1200">
+                <a:latin typeface="Calibri"/>
+                <a:ea typeface="Calibri"/>
+                <a:cs typeface="Calibri"/>
+                <a:sym typeface="Calibri"/>
+              </a:defRPr>
+            </a:lvl1pPr>
+          </a:lstStyle>
+          <a:p>
+            <a:pPr lvl="0">
+              <a:defRPr sz="1800"/>
+            </a:pPr>
+            <a:r>
+              <a:rPr sz="1200"/>
+              <a:t>The first part of our project is to classify the water wells in Tanzania as one of three categories: “functional”, “needs repair”, and “non functional.” We are given labeled data from DrivenData, consisting of data on over 59,000 wells with 39 parameters, including GPS coordinates, installer, cost of water, and other details.</a:t>
+            </a:r>
+          </a:p>
+        </p:txBody>
+      </p:sp>
+    </p:spTree>
+  </p:cSld>
+  <p:clrMapOvr>
+    <a:masterClrMapping/>
+  </p:clrMapOvr>
+</p:notes>
+</file>
+
+<file path=ppt/notesSlides/notesSlide5.xml><?xml version="1.0" encoding="utf-8"?>
+<p:notes xmlns:a="http://schemas.openxmlformats.org/drawingml/2006/main" xmlns:r="http://schemas.openxmlformats.org/officeDocument/2006/relationships" xmlns:p="http://schemas.openxmlformats.org/presentationml/2006/main">
+  <p:cSld>
+    <p:spTree>
+      <p:nvGrpSpPr>
+        <p:cNvPr id="1" name=""/>
+        <p:cNvGrpSpPr/>
+        <p:nvPr/>
+      </p:nvGrpSpPr>
+      <p:grpSpPr>
+        <a:xfrm>
+          <a:off x="0" y="0"/>
+          <a:ext cx="0" cy="0"/>
+          <a:chOff x="0" y="0"/>
+          <a:chExt cx="0" cy="0"/>
+        </a:xfrm>
+      </p:grpSpPr>
+      <p:sp>
+        <p:nvSpPr>
+          <p:cNvPr id="59" name="Shape 59"/>
+          <p:cNvSpPr>
+            <a:spLocks noGrp="1" noRot="1" noChangeAspect="1"/>
+          </p:cNvSpPr>
+          <p:nvPr>
+            <p:ph type="sldImg"/>
+          </p:nvPr>
+        </p:nvSpPr>
+        <p:spPr>
+          <a:prstGeom prst="rect">
+            <a:avLst/>
+          </a:prstGeom>
+        </p:spPr>
+        <p:txBody>
+          <a:bodyPr/>
+          <a:lstStyle/>
+          <a:p>
+            <a:pPr lvl="0"/>
+            <a:endParaRPr/>
+          </a:p>
+        </p:txBody>
+      </p:sp>
+      <p:sp>
+        <p:nvSpPr>
+          <p:cNvPr id="60" name="Shape 60"/>
+          <p:cNvSpPr>
+            <a:spLocks noGrp="1"/>
+          </p:cNvSpPr>
+          <p:nvPr>
+            <p:ph type="body" sz="quarter" idx="1"/>
+          </p:nvPr>
+        </p:nvSpPr>
+        <p:spPr>
+          <a:prstGeom prst="rect">
+            <a:avLst/>
+          </a:prstGeom>
+        </p:spPr>
+        <p:txBody>
+          <a:bodyPr/>
+          <a:lstStyle>
+            <a:lvl1pPr defTabSz="914400">
+              <a:lnSpc>
+                <a:spcPct val="100000"/>
+              </a:lnSpc>
+              <a:defRPr sz="1200">
+                <a:latin typeface="Calibri"/>
+                <a:ea typeface="Calibri"/>
+                <a:cs typeface="Calibri"/>
+                <a:sym typeface="Calibri"/>
+              </a:defRPr>
+            </a:lvl1pPr>
+          </a:lstStyle>
+          <a:p>
+            <a:pPr lvl="0">
+              <a:defRPr sz="1800"/>
+            </a:pPr>
+            <a:r>
+              <a:rPr sz="1200"/>
+              <a:t>The first part of our project is to classify the water wells in Tanzania as one of three categories: “functional”, “needs repair”, and “non functional.” We are given labeled data from DrivenData, consisting of data on over 59,000 wells with 39 parameters, including GPS coordinates, installer, cost of water, and other details.</a:t>
+            </a:r>
+          </a:p>
+        </p:txBody>
+      </p:sp>
+    </p:spTree>
+  </p:cSld>
+  <p:clrMapOvr>
+    <a:masterClrMapping/>
+  </p:clrMapOvr>
+</p:notes>
+</file>
+
+<file path=ppt/notesSlides/notesSlide6.xml><?xml version="1.0" encoding="utf-8"?>
+<p:notes xmlns:a="http://schemas.openxmlformats.org/drawingml/2006/main" xmlns:r="http://schemas.openxmlformats.org/officeDocument/2006/relationships" xmlns:p="http://schemas.openxmlformats.org/presentationml/2006/main">
+  <p:cSld>
+    <p:spTree>
+      <p:nvGrpSpPr>
+        <p:cNvPr id="1" name=""/>
+        <p:cNvGrpSpPr/>
+        <p:nvPr/>
+      </p:nvGrpSpPr>
+      <p:grpSpPr>
+        <a:xfrm>
+          <a:off x="0" y="0"/>
+          <a:ext cx="0" cy="0"/>
+          <a:chOff x="0" y="0"/>
+          <a:chExt cx="0" cy="0"/>
+        </a:xfrm>
+      </p:grpSpPr>
+      <p:sp>
+        <p:nvSpPr>
+          <p:cNvPr id="59" name="Shape 59"/>
+          <p:cNvSpPr>
+            <a:spLocks noGrp="1" noRot="1" noChangeAspect="1"/>
+          </p:cNvSpPr>
+          <p:nvPr>
+            <p:ph type="sldImg"/>
+          </p:nvPr>
+        </p:nvSpPr>
+        <p:spPr>
+          <a:prstGeom prst="rect">
+            <a:avLst/>
+          </a:prstGeom>
+        </p:spPr>
+        <p:txBody>
+          <a:bodyPr/>
+          <a:lstStyle/>
+          <a:p>
+            <a:pPr lvl="0"/>
+            <a:endParaRPr/>
+          </a:p>
+        </p:txBody>
+      </p:sp>
+      <p:sp>
+        <p:nvSpPr>
+          <p:cNvPr id="60" name="Shape 60"/>
+          <p:cNvSpPr>
+            <a:spLocks noGrp="1"/>
+          </p:cNvSpPr>
+          <p:nvPr>
+            <p:ph type="body" sz="quarter" idx="1"/>
+          </p:nvPr>
+        </p:nvSpPr>
+        <p:spPr>
+          <a:prstGeom prst="rect">
+            <a:avLst/>
+          </a:prstGeom>
+        </p:spPr>
+        <p:txBody>
+          <a:bodyPr/>
+          <a:lstStyle>
+            <a:lvl1pPr defTabSz="914400">
+              <a:lnSpc>
+                <a:spcPct val="100000"/>
+              </a:lnSpc>
+              <a:defRPr sz="1200">
+                <a:latin typeface="Calibri"/>
+                <a:ea typeface="Calibri"/>
+                <a:cs typeface="Calibri"/>
+                <a:sym typeface="Calibri"/>
+              </a:defRPr>
+            </a:lvl1pPr>
+          </a:lstStyle>
+          <a:p>
+            <a:pPr lvl="0">
+              <a:defRPr sz="1800"/>
+            </a:pPr>
+            <a:r>
+              <a:rPr sz="1200"/>
+              <a:t>The first part of our project is to classify the water wells in Tanzania as one of three categories: “functional”, “needs repair”, and “non functional.” We are given labeled data from DrivenData, consisting of data on over 59,000 wells with 39 parameters, including GPS coordinates, installer, cost of water, and other details.</a:t>
+            </a:r>
+          </a:p>
+        </p:txBody>
+      </p:sp>
+    </p:spTree>
+  </p:cSld>
+  <p:clrMapOvr>
+    <a:masterClrMapping/>
+  </p:clrMapOvr>
+</p:notes>
+</file>
+
+<file path=ppt/notesSlides/notesSlide7.xml><?xml version="1.0" encoding="utf-8"?>
+<p:notes xmlns:a="http://schemas.openxmlformats.org/drawingml/2006/main" xmlns:r="http://schemas.openxmlformats.org/officeDocument/2006/relationships" xmlns:p="http://schemas.openxmlformats.org/presentationml/2006/main">
   <p:cSld>
     <p:spTree>
       <p:nvGrpSpPr>
@@ -540,7 +2154,9 @@
       <p:sp>
         <p:nvSpPr>
           <p:cNvPr id="66" name="Shape 66"/>
-          <p:cNvSpPr/>
+          <p:cNvSpPr>
+            <a:spLocks noGrp="1" noRot="1" noChangeAspect="1"/>
+          </p:cNvSpPr>
           <p:nvPr>
             <p:ph type="sldImg"/>
           </p:nvPr>
@@ -555,13 +2171,16 @@
           <a:lstStyle/>
           <a:p>
             <a:pPr lvl="0"/>
+            <a:endParaRPr/>
           </a:p>
         </p:txBody>
       </p:sp>
       <p:sp>
         <p:nvSpPr>
           <p:cNvPr id="67" name="Shape 67"/>
-          <p:cNvSpPr/>
+          <p:cNvSpPr>
+            <a:spLocks noGrp="1"/>
+          </p:cNvSpPr>
           <p:nvPr>
             <p:ph type="body" sz="quarter" idx="1"/>
           </p:nvPr>
@@ -591,8 +2210,36 @@
               <a:defRPr sz="1800"/>
             </a:pPr>
             <a:r>
-              <a:rPr sz="1200"/>
-              <a:t>We decided to approach this problem using Bayesian inference in which we build a model for the functionality of the well based on its features, and then use stochastic sampling from the posterior probability distribution to calculate the parameters of our model. In this case, we convert the labels to number ranges, model this using a logistic function, which is controlled by a linear combination of the features where the weights are the parameters that we need to calculate.</a:t>
+              <a:rPr sz="1200" dirty="0"/>
+              <a:t>We decided to approach this problem using Bayesian inference in which we build a model for the functionality of the well based on its features, and then use stochastic sampling </a:t>
+            </a:r>
+            <a:r>
+              <a:rPr lang="en-US" sz="1200" dirty="0" smtClean="0"/>
+              <a:t>to </a:t>
+            </a:r>
+            <a:r>
+              <a:rPr sz="1200" dirty="0" smtClean="0"/>
+              <a:t>calculate </a:t>
+            </a:r>
+            <a:r>
+              <a:rPr sz="1200" dirty="0"/>
+              <a:t>the parameters of our model. </a:t>
+            </a:r>
+            <a:r>
+              <a:rPr lang="en-US" sz="1200" dirty="0" smtClean="0"/>
+              <a:t>Our</a:t>
+            </a:r>
+            <a:r>
+              <a:rPr lang="en-US" sz="1200" baseline="0" dirty="0" smtClean="0"/>
+              <a:t> model is </a:t>
+            </a:r>
+            <a:r>
+              <a:rPr sz="1200" dirty="0" smtClean="0"/>
+              <a:t>a </a:t>
+            </a:r>
+            <a:r>
+              <a:rPr sz="1200" dirty="0"/>
+              <a:t>logistic function, which is controlled by a linear combination of the features where the weights are the parameters that we need to calculate.</a:t>
             </a:r>
           </a:p>
         </p:txBody>
@@ -605,8 +2252,8 @@
 </p:notes>
 </file>
 
-<file path=ppt/notesSlides/notesSlide4.xml><?xml version="1.0" encoding="utf-8"?>
-<p:notes xmlns:a="http://schemas.openxmlformats.org/drawingml/2006/main" xmlns:r="http://schemas.openxmlformats.org/officeDocument/2006/relationships" xmlns:p="http://schemas.openxmlformats.org/presentationml/2006/main" showMasterSp="1" showMasterPhAnim="1">
+<file path=ppt/notesSlides/notesSlide8.xml><?xml version="1.0" encoding="utf-8"?>
+<p:notes xmlns:a="http://schemas.openxmlformats.org/drawingml/2006/main" xmlns:r="http://schemas.openxmlformats.org/officeDocument/2006/relationships" xmlns:p="http://schemas.openxmlformats.org/presentationml/2006/main">
   <p:cSld>
     <p:spTree>
       <p:nvGrpSpPr>
@@ -624,8 +2271,10 @@
       </p:grpSpPr>
       <p:sp>
         <p:nvSpPr>
-          <p:cNvPr id="72" name="Shape 72"/>
-          <p:cNvSpPr/>
+          <p:cNvPr id="66" name="Shape 66"/>
+          <p:cNvSpPr>
+            <a:spLocks noGrp="1" noRot="1" noChangeAspect="1"/>
+          </p:cNvSpPr>
           <p:nvPr>
             <p:ph type="sldImg"/>
           </p:nvPr>
@@ -640,13 +2289,16 @@
           <a:lstStyle/>
           <a:p>
             <a:pPr lvl="0"/>
+            <a:endParaRPr/>
           </a:p>
         </p:txBody>
       </p:sp>
       <p:sp>
         <p:nvSpPr>
-          <p:cNvPr id="73" name="Shape 73"/>
-          <p:cNvSpPr/>
+          <p:cNvPr id="67" name="Shape 67"/>
+          <p:cNvSpPr>
+            <a:spLocks noGrp="1"/>
+          </p:cNvSpPr>
           <p:nvPr>
             <p:ph type="body" sz="quarter" idx="1"/>
           </p:nvPr>
@@ -658,52 +2310,55 @@
         </p:spPr>
         <p:txBody>
           <a:bodyPr/>
-          <a:lstStyle/>
-          <a:p>
-            <a:pPr lvl="0" defTabSz="914400">
+          <a:lstStyle>
+            <a:lvl1pPr defTabSz="914400">
               <a:lnSpc>
                 <a:spcPct val="100000"/>
               </a:lnSpc>
-              <a:defRPr sz="1800"/>
-            </a:pPr>
-            <a:r>
-              <a:rPr sz="1200">
+              <a:defRPr sz="1200">
                 <a:latin typeface="Calibri"/>
                 <a:ea typeface="Calibri"/>
                 <a:cs typeface="Calibri"/>
                 <a:sym typeface="Calibri"/>
-              </a:rPr>
-              <a:t>In the end, after experimenting with feature selection and algorithm parameters, we were able to reach a 60% cross-validation prediction accuracy. Unfortunately, our sampling methods to optimize the model parameters takes a very long time and limit how much we can optimize feature selection.</a:t>
-            </a:r>
-            <a:endParaRPr sz="1200">
-              <a:latin typeface="Calibri"/>
-              <a:ea typeface="Calibri"/>
-              <a:cs typeface="Calibri"/>
-              <a:sym typeface="Calibri"/>
-            </a:endParaRPr>
-          </a:p>
-          <a:p>
-            <a:pPr lvl="0" defTabSz="914400">
-              <a:lnSpc>
-                <a:spcPct val="100000"/>
-              </a:lnSpc>
+              </a:defRPr>
+            </a:lvl1pPr>
+          </a:lstStyle>
+          <a:p>
+            <a:pPr lvl="0">
               <a:defRPr sz="1800"/>
             </a:pPr>
             <a:r>
-              <a:rPr sz="1200">
-                <a:latin typeface="Calibri"/>
-                <a:ea typeface="Calibri"/>
-                <a:cs typeface="Calibri"/>
-                <a:sym typeface="Calibri"/>
-              </a:rPr>
-              <a:t>We can also compare our approach to other machine learning methods. K Nearest Neighbors reaches 69% prediction accuracy with no training time, and Random Forest can reach 80% prediction accuracy with a reasonable training time.</a:t>
-            </a:r>
-            <a:endParaRPr sz="1200">
-              <a:latin typeface="Calibri"/>
-              <a:ea typeface="Calibri"/>
-              <a:cs typeface="Calibri"/>
-              <a:sym typeface="Calibri"/>
-            </a:endParaRPr>
+              <a:rPr sz="1200" dirty="0"/>
+              <a:t>We decided to approach this problem using Bayesian inference in which we build a model for the functionality of the well based on its features, and then use stochastic sampling </a:t>
+            </a:r>
+            <a:r>
+              <a:rPr lang="en-US" sz="1200" dirty="0" smtClean="0"/>
+              <a:t>to </a:t>
+            </a:r>
+            <a:r>
+              <a:rPr sz="1200" dirty="0" smtClean="0"/>
+              <a:t>calculate </a:t>
+            </a:r>
+            <a:r>
+              <a:rPr sz="1200" dirty="0"/>
+              <a:t>the parameters of our model. </a:t>
+            </a:r>
+            <a:r>
+              <a:rPr lang="en-US" sz="1200" dirty="0" smtClean="0"/>
+              <a:t>Our</a:t>
+            </a:r>
+            <a:r>
+              <a:rPr lang="en-US" sz="1200" baseline="0" dirty="0" smtClean="0"/>
+              <a:t> model is </a:t>
+            </a:r>
+            <a:r>
+              <a:rPr sz="1200" dirty="0" smtClean="0"/>
+              <a:t>a </a:t>
+            </a:r>
+            <a:r>
+              <a:rPr sz="1200" dirty="0"/>
+              <a:t>logistic function, which is controlled by a linear combination of the features where the weights are the parameters that we need to calculate.</a:t>
+            </a:r>
           </a:p>
         </p:txBody>
       </p:sp>
@@ -715,8 +2370,8 @@
 </p:notes>
 </file>
 
-<file path=ppt/notesSlides/notesSlide5.xml><?xml version="1.0" encoding="utf-8"?>
-<p:notes xmlns:a="http://schemas.openxmlformats.org/drawingml/2006/main" xmlns:r="http://schemas.openxmlformats.org/officeDocument/2006/relationships" xmlns:p="http://schemas.openxmlformats.org/presentationml/2006/main" showMasterSp="1" showMasterPhAnim="1">
+<file path=ppt/notesSlides/notesSlide9.xml><?xml version="1.0" encoding="utf-8"?>
+<p:notes xmlns:a="http://schemas.openxmlformats.org/drawingml/2006/main" xmlns:r="http://schemas.openxmlformats.org/officeDocument/2006/relationships" xmlns:p="http://schemas.openxmlformats.org/presentationml/2006/main">
   <p:cSld>
     <p:spTree>
       <p:nvGrpSpPr>
@@ -734,8 +2389,10 @@
       </p:grpSpPr>
       <p:sp>
         <p:nvSpPr>
-          <p:cNvPr id="77" name="Shape 77"/>
-          <p:cNvSpPr/>
+          <p:cNvPr id="66" name="Shape 66"/>
+          <p:cNvSpPr>
+            <a:spLocks noGrp="1" noRot="1" noChangeAspect="1"/>
+          </p:cNvSpPr>
           <p:nvPr>
             <p:ph type="sldImg"/>
           </p:nvPr>
@@ -750,13 +2407,16 @@
           <a:lstStyle/>
           <a:p>
             <a:pPr lvl="0"/>
+            <a:endParaRPr/>
           </a:p>
         </p:txBody>
       </p:sp>
       <p:sp>
         <p:nvSpPr>
-          <p:cNvPr id="78" name="Shape 78"/>
-          <p:cNvSpPr/>
+          <p:cNvPr id="67" name="Shape 67"/>
+          <p:cNvSpPr>
+            <a:spLocks noGrp="1"/>
+          </p:cNvSpPr>
           <p:nvPr>
             <p:ph type="body" sz="quarter" idx="1"/>
           </p:nvPr>
@@ -768,343 +2428,54 @@
         </p:spPr>
         <p:txBody>
           <a:bodyPr/>
-          <a:lstStyle/>
-          <a:p>
-            <a:pPr lvl="0" defTabSz="914400">
+          <a:lstStyle>
+            <a:lvl1pPr defTabSz="914400">
               <a:lnSpc>
                 <a:spcPct val="100000"/>
               </a:lnSpc>
-              <a:defRPr sz="1800"/>
-            </a:pPr>
-            <a:r>
-              <a:rPr sz="1200">
+              <a:defRPr sz="1200">
                 <a:latin typeface="Calibri"/>
                 <a:ea typeface="Calibri"/>
                 <a:cs typeface="Calibri"/>
                 <a:sym typeface="Calibri"/>
-              </a:rPr>
-              <a:t>In the end, after experimenting with feature selection and algorithm parameters, we were able to reach a 60% cross-validation prediction accuracy. Unfortunately, our sampling methods to optimize the model parameters takes a very long time and limit how much we can optimize feature selection.</a:t>
-            </a:r>
-            <a:endParaRPr sz="1200">
-              <a:latin typeface="Calibri"/>
-              <a:ea typeface="Calibri"/>
-              <a:cs typeface="Calibri"/>
-              <a:sym typeface="Calibri"/>
-            </a:endParaRPr>
-          </a:p>
-          <a:p>
-            <a:pPr lvl="0" defTabSz="914400">
-              <a:lnSpc>
-                <a:spcPct val="100000"/>
-              </a:lnSpc>
-              <a:defRPr sz="1800"/>
-            </a:pPr>
-            <a:r>
-              <a:rPr sz="1200">
-                <a:latin typeface="Calibri"/>
-                <a:ea typeface="Calibri"/>
-                <a:cs typeface="Calibri"/>
-                <a:sym typeface="Calibri"/>
-              </a:rPr>
-              <a:t>We can also compare our approach to other machine learning methods. K Nearest Neighbors reaches 69% prediction accuracy with no training time, and Random Forest can reach 80% prediction accuracy with a reasonable training time.</a:t>
-            </a:r>
-            <a:endParaRPr sz="1200">
-              <a:latin typeface="Calibri"/>
-              <a:ea typeface="Calibri"/>
-              <a:cs typeface="Calibri"/>
-              <a:sym typeface="Calibri"/>
-            </a:endParaRPr>
-          </a:p>
-        </p:txBody>
-      </p:sp>
-    </p:spTree>
-  </p:cSld>
-  <p:clrMapOvr>
-    <a:masterClrMapping/>
-  </p:clrMapOvr>
-</p:notes>
-</file>
-
-<file path=ppt/notesSlides/notesSlide6.xml><?xml version="1.0" encoding="utf-8"?>
-<p:notes xmlns:a="http://schemas.openxmlformats.org/drawingml/2006/main" xmlns:r="http://schemas.openxmlformats.org/officeDocument/2006/relationships" xmlns:p="http://schemas.openxmlformats.org/presentationml/2006/main" showMasterSp="1" showMasterPhAnim="1">
-  <p:cSld>
-    <p:spTree>
-      <p:nvGrpSpPr>
-        <p:cNvPr id="1" name=""/>
-        <p:cNvGrpSpPr/>
-        <p:nvPr/>
-      </p:nvGrpSpPr>
-      <p:grpSpPr>
-        <a:xfrm>
-          <a:off x="0" y="0"/>
-          <a:ext cx="0" cy="0"/>
-          <a:chOff x="0" y="0"/>
-          <a:chExt cx="0" cy="0"/>
-        </a:xfrm>
-      </p:grpSpPr>
-      <p:sp>
-        <p:nvSpPr>
-          <p:cNvPr id="81" name="Shape 81"/>
-          <p:cNvSpPr/>
-          <p:nvPr>
-            <p:ph type="sldImg"/>
-          </p:nvPr>
-        </p:nvSpPr>
-        <p:spPr>
-          <a:prstGeom prst="rect">
-            <a:avLst/>
-          </a:prstGeom>
-        </p:spPr>
-        <p:txBody>
-          <a:bodyPr/>
-          <a:lstStyle/>
-          <a:p>
-            <a:pPr lvl="0"/>
-          </a:p>
-        </p:txBody>
-      </p:sp>
-      <p:sp>
-        <p:nvSpPr>
-          <p:cNvPr id="82" name="Shape 82"/>
-          <p:cNvSpPr/>
-          <p:nvPr>
-            <p:ph type="body" sz="quarter" idx="1"/>
-          </p:nvPr>
-        </p:nvSpPr>
-        <p:spPr>
-          <a:prstGeom prst="rect">
-            <a:avLst/>
-          </a:prstGeom>
-        </p:spPr>
-        <p:txBody>
-          <a:bodyPr/>
-          <a:lstStyle/>
+              </a:defRPr>
+            </a:lvl1pPr>
+          </a:lstStyle>
           <a:p>
             <a:pPr lvl="0">
               <a:defRPr sz="1800"/>
             </a:pPr>
             <a:r>
-              <a:rPr sz="2200"/>
-              <a:t>Having identified methods for predicting which water pumps are likely to be in need of repair, we can then develop tools to assist maintenance crews in planning out how they will visit the faulty pumps as efficiently as possible, using stochastic optimisation.</a:t>
-            </a:r>
-          </a:p>
-        </p:txBody>
-      </p:sp>
-    </p:spTree>
-  </p:cSld>
-  <p:clrMapOvr>
-    <a:masterClrMapping/>
-  </p:clrMapOvr>
-</p:notes>
-</file>
-
-<file path=ppt/notesSlides/notesSlide7.xml><?xml version="1.0" encoding="utf-8"?>
-<p:notes xmlns:a="http://schemas.openxmlformats.org/drawingml/2006/main" xmlns:r="http://schemas.openxmlformats.org/officeDocument/2006/relationships" xmlns:p="http://schemas.openxmlformats.org/presentationml/2006/main" showMasterSp="1" showMasterPhAnim="1">
-  <p:cSld>
-    <p:spTree>
-      <p:nvGrpSpPr>
-        <p:cNvPr id="1" name=""/>
-        <p:cNvGrpSpPr/>
-        <p:nvPr/>
-      </p:nvGrpSpPr>
-      <p:grpSpPr>
-        <a:xfrm>
-          <a:off x="0" y="0"/>
-          <a:ext cx="0" cy="0"/>
-          <a:chOff x="0" y="0"/>
-          <a:chExt cx="0" cy="0"/>
-        </a:xfrm>
-      </p:grpSpPr>
-      <p:sp>
-        <p:nvSpPr>
-          <p:cNvPr id="87" name="Shape 87"/>
-          <p:cNvSpPr/>
-          <p:nvPr>
-            <p:ph type="sldImg"/>
-          </p:nvPr>
-        </p:nvSpPr>
-        <p:spPr>
-          <a:prstGeom prst="rect">
-            <a:avLst/>
-          </a:prstGeom>
-        </p:spPr>
-        <p:txBody>
-          <a:bodyPr/>
-          <a:lstStyle/>
-          <a:p>
-            <a:pPr lvl="0"/>
-          </a:p>
-        </p:txBody>
-      </p:sp>
-      <p:sp>
-        <p:nvSpPr>
-          <p:cNvPr id="88" name="Shape 88"/>
-          <p:cNvSpPr/>
-          <p:nvPr>
-            <p:ph type="body" sz="quarter" idx="1"/>
-          </p:nvPr>
-        </p:nvSpPr>
-        <p:spPr>
-          <a:prstGeom prst="rect">
-            <a:avLst/>
-          </a:prstGeom>
-        </p:spPr>
-        <p:txBody>
-          <a:bodyPr/>
-          <a:lstStyle/>
-          <a:p>
-            <a:pPr lvl="0">
-              <a:defRPr sz="1800"/>
-            </a:pPr>
-            <a:r>
-              <a:rPr sz="2200"/>
-              <a:t>We use simulated annealing to solve a simple version of the travelling salesman problem. The points in blue represent a subset of the pumps that are predicted to be faulty. The maintenance crew has to visit each pump in turn, starting out from the depot in Dar Es Salaam (marked in red). The top figure shows an initial random route selection, and the bottom figure shows the optimised route after simulated annealing.</a:t>
-            </a:r>
-          </a:p>
-        </p:txBody>
-      </p:sp>
-    </p:spTree>
-  </p:cSld>
-  <p:clrMapOvr>
-    <a:masterClrMapping/>
-  </p:clrMapOvr>
-</p:notes>
-</file>
-
-<file path=ppt/notesSlides/notesSlide8.xml><?xml version="1.0" encoding="utf-8"?>
-<p:notes xmlns:a="http://schemas.openxmlformats.org/drawingml/2006/main" xmlns:r="http://schemas.openxmlformats.org/officeDocument/2006/relationships" xmlns:p="http://schemas.openxmlformats.org/presentationml/2006/main" showMasterSp="1" showMasterPhAnim="1">
-  <p:cSld>
-    <p:spTree>
-      <p:nvGrpSpPr>
-        <p:cNvPr id="1" name=""/>
-        <p:cNvGrpSpPr/>
-        <p:nvPr/>
-      </p:nvGrpSpPr>
-      <p:grpSpPr>
-        <a:xfrm>
-          <a:off x="0" y="0"/>
-          <a:ext cx="0" cy="0"/>
-          <a:chOff x="0" y="0"/>
-          <a:chExt cx="0" cy="0"/>
-        </a:xfrm>
-      </p:grpSpPr>
-      <p:sp>
-        <p:nvSpPr>
-          <p:cNvPr id="93" name="Shape 93"/>
-          <p:cNvSpPr/>
-          <p:nvPr>
-            <p:ph type="sldImg"/>
-          </p:nvPr>
-        </p:nvSpPr>
-        <p:spPr>
-          <a:prstGeom prst="rect">
-            <a:avLst/>
-          </a:prstGeom>
-        </p:spPr>
-        <p:txBody>
-          <a:bodyPr/>
-          <a:lstStyle/>
-          <a:p>
-            <a:pPr lvl="0"/>
-          </a:p>
-        </p:txBody>
-      </p:sp>
-      <p:sp>
-        <p:nvSpPr>
-          <p:cNvPr id="94" name="Shape 94"/>
-          <p:cNvSpPr/>
-          <p:nvPr>
-            <p:ph type="body" sz="quarter" idx="1"/>
-          </p:nvPr>
-        </p:nvSpPr>
-        <p:spPr>
-          <a:prstGeom prst="rect">
-            <a:avLst/>
-          </a:prstGeom>
-        </p:spPr>
-        <p:txBody>
-          <a:bodyPr/>
-          <a:lstStyle/>
-          <a:p>
-            <a:pPr lvl="0">
-              <a:defRPr sz="1800"/>
-            </a:pPr>
-            <a:r>
-              <a:rPr sz="2200"/>
-              <a:t>The total distance shown in the first optimised route at the top, is about 41,000 km which is obviously much greater than a single crew can travel in a reasonable time. Splitting the problem up into one to be solved by multiple maintenance crews leaving from the same depot leads to an overall decrease in total distance covered to 34,500 km. An interesting extension would be select the optimal location of multiple depots.</a:t>
-            </a:r>
-          </a:p>
-        </p:txBody>
-      </p:sp>
-    </p:spTree>
-  </p:cSld>
-  <p:clrMapOvr>
-    <a:masterClrMapping/>
-  </p:clrMapOvr>
-</p:notes>
-</file>
-
-<file path=ppt/notesSlides/notesSlide9.xml><?xml version="1.0" encoding="utf-8"?>
-<p:notes xmlns:a="http://schemas.openxmlformats.org/drawingml/2006/main" xmlns:r="http://schemas.openxmlformats.org/officeDocument/2006/relationships" xmlns:p="http://schemas.openxmlformats.org/presentationml/2006/main" showMasterSp="1" showMasterPhAnim="1">
-  <p:cSld>
-    <p:spTree>
-      <p:nvGrpSpPr>
-        <p:cNvPr id="1" name=""/>
-        <p:cNvGrpSpPr/>
-        <p:nvPr/>
-      </p:nvGrpSpPr>
-      <p:grpSpPr>
-        <a:xfrm>
-          <a:off x="0" y="0"/>
-          <a:ext cx="0" cy="0"/>
-          <a:chOff x="0" y="0"/>
-          <a:chExt cx="0" cy="0"/>
-        </a:xfrm>
-      </p:grpSpPr>
-      <p:sp>
-        <p:nvSpPr>
-          <p:cNvPr id="101" name="Shape 101"/>
-          <p:cNvSpPr/>
-          <p:nvPr>
-            <p:ph type="sldImg"/>
-          </p:nvPr>
-        </p:nvSpPr>
-        <p:spPr>
-          <a:prstGeom prst="rect">
-            <a:avLst/>
-          </a:prstGeom>
-        </p:spPr>
-        <p:txBody>
-          <a:bodyPr/>
-          <a:lstStyle/>
-          <a:p>
-            <a:pPr lvl="0"/>
-          </a:p>
-        </p:txBody>
-      </p:sp>
-      <p:sp>
-        <p:nvSpPr>
-          <p:cNvPr id="102" name="Shape 102"/>
-          <p:cNvSpPr/>
-          <p:nvPr>
-            <p:ph type="body" sz="quarter" idx="1"/>
-          </p:nvPr>
-        </p:nvSpPr>
-        <p:spPr>
-          <a:prstGeom prst="rect">
-            <a:avLst/>
-          </a:prstGeom>
-        </p:spPr>
-        <p:txBody>
-          <a:bodyPr/>
-          <a:lstStyle/>
-          <a:p>
-            <a:pPr lvl="0">
-              <a:defRPr sz="1800"/>
-            </a:pPr>
-            <a:r>
-              <a:rPr sz="2200"/>
-              <a:t>Finally, we adjust our cost function to include a factor that gives greater weight to steps that will take our maintenance crew to more remote pumps as opposed to finding the simple shortest distance. This is based on the assumption that faulty pumps which are more remote (as measured by calculating the k-dimensional tree average distance of the 5 nearest neighbours) will have fewer alternatives close by so the crew should try to get there earlier. We can see that by prioritising remote pumps leads to some jarring jumps between locations and doubling back compared to the simple distance route. The overall distance covered is much higher.</a:t>
+              <a:rPr sz="1200" dirty="0"/>
+              <a:t>We decided to approach this problem using Bayesian inference in which we build a model for the functionality of the well based on its features, and then use stochastic sampling </a:t>
+            </a:r>
+            <a:r>
+              <a:rPr lang="en-US" sz="1200" dirty="0" smtClean="0"/>
+              <a:t>to </a:t>
+            </a:r>
+            <a:r>
+              <a:rPr sz="1200" dirty="0" smtClean="0"/>
+              <a:t>calculate </a:t>
+            </a:r>
+            <a:r>
+              <a:rPr sz="1200" dirty="0"/>
+              <a:t>the parameters of our model. </a:t>
+            </a:r>
+            <a:r>
+              <a:rPr lang="en-US" sz="1200" dirty="0" smtClean="0"/>
+              <a:t>Our</a:t>
+            </a:r>
+            <a:r>
+              <a:rPr lang="en-US" sz="1200" baseline="0" dirty="0" smtClean="0"/>
+              <a:t> model is </a:t>
+            </a:r>
+            <a:r>
+              <a:rPr sz="1200" dirty="0" smtClean="0"/>
+              <a:t>a </a:t>
+            </a:r>
+            <a:r>
+              <a:rPr sz="1200" dirty="0"/>
+              <a:t>logistic function, which is controlled by a linear combination of the features where the weights are the parameters that we need to calculate.</a:t>
             </a:r>
           </a:p>
         </p:txBody>
@@ -1118,7 +2489,7 @@
 </file>
 
 <file path=ppt/slideLayouts/slideLayout1.xml><?xml version="1.0" encoding="utf-8"?>
-<p:sldLayout xmlns:a="http://schemas.openxmlformats.org/drawingml/2006/main" xmlns:r="http://schemas.openxmlformats.org/officeDocument/2006/relationships" xmlns:p="http://schemas.openxmlformats.org/presentationml/2006/main" type="tx" showMasterSp="1" showMasterPhAnim="1">
+<p:sldLayout xmlns:a="http://schemas.openxmlformats.org/drawingml/2006/main" xmlns:r="http://schemas.openxmlformats.org/officeDocument/2006/relationships" xmlns:p="http://schemas.openxmlformats.org/presentationml/2006/main" type="tx">
   <p:cSld name="Title Slide">
     <p:spTree>
       <p:nvGrpSpPr>
@@ -1137,7 +2508,9 @@
       <p:sp>
         <p:nvSpPr>
           <p:cNvPr id="6" name="Shape 6"/>
-          <p:cNvSpPr/>
+          <p:cNvSpPr>
+            <a:spLocks noGrp="1"/>
+          </p:cNvSpPr>
           <p:nvPr>
             <p:ph type="title"/>
           </p:nvPr>
@@ -1168,7 +2541,9 @@
       <p:sp>
         <p:nvSpPr>
           <p:cNvPr id="7" name="Shape 7"/>
-          <p:cNvSpPr/>
+          <p:cNvSpPr>
+            <a:spLocks noGrp="1"/>
+          </p:cNvSpPr>
           <p:nvPr>
             <p:ph type="body" idx="1"/>
           </p:nvPr>
@@ -1218,7 +2593,9 @@
       <p:sp>
         <p:nvSpPr>
           <p:cNvPr id="8" name="Shape 8"/>
-          <p:cNvSpPr/>
+          <p:cNvSpPr>
+            <a:spLocks noGrp="1"/>
+          </p:cNvSpPr>
           <p:nvPr>
             <p:ph type="sldNum" sz="quarter" idx="2"/>
           </p:nvPr>
@@ -1233,7 +2610,10 @@
           <a:lstStyle/>
           <a:p>
             <a:pPr lvl="0"/>
-            <a:fld id="{86CB4B4D-7CA3-9044-876B-883B54F8677D}" type="slidenum"/>
+            <a:fld id="{86CB4B4D-7CA3-9044-876B-883B54F8677D}" type="slidenum">
+              <a:t>‹#›</a:t>
+            </a:fld>
+            <a:endParaRPr/>
           </a:p>
         </p:txBody>
       </p:sp>
@@ -1242,12 +2622,12 @@
   <p:clrMapOvr>
     <a:masterClrMapping/>
   </p:clrMapOvr>
-  <p:transition spd="med" advClick="1"/>
+  <p:transition spd="med"/>
 </p:sldLayout>
 </file>
 
 <file path=ppt/slideLayouts/slideLayout10.xml><?xml version="1.0" encoding="utf-8"?>
-<p:sldLayout xmlns:a="http://schemas.openxmlformats.org/drawingml/2006/main" xmlns:r="http://schemas.openxmlformats.org/officeDocument/2006/relationships" xmlns:p="http://schemas.openxmlformats.org/presentationml/2006/main" type="tx" showMasterSp="1" showMasterPhAnim="1">
+<p:sldLayout xmlns:a="http://schemas.openxmlformats.org/drawingml/2006/main" xmlns:r="http://schemas.openxmlformats.org/officeDocument/2006/relationships" xmlns:p="http://schemas.openxmlformats.org/presentationml/2006/main" type="tx">
   <p:cSld name="Title and Vertical Text">
     <p:spTree>
       <p:nvGrpSpPr>
@@ -1266,7 +2646,9 @@
       <p:sp>
         <p:nvSpPr>
           <p:cNvPr id="39" name="Shape 39"/>
-          <p:cNvSpPr/>
+          <p:cNvSpPr>
+            <a:spLocks noGrp="1"/>
+          </p:cNvSpPr>
           <p:nvPr>
             <p:ph type="title"/>
           </p:nvPr>
@@ -1293,7 +2675,9 @@
       <p:sp>
         <p:nvSpPr>
           <p:cNvPr id="40" name="Shape 40"/>
-          <p:cNvSpPr/>
+          <p:cNvSpPr>
+            <a:spLocks noGrp="1"/>
+          </p:cNvSpPr>
           <p:nvPr>
             <p:ph type="body" idx="1"/>
           </p:nvPr>
@@ -1314,7 +2698,6 @@
               <a:rPr sz="3200"/>
               <a:t>Click to edit Master text styles</a:t>
             </a:r>
-            <a:endParaRPr sz="3200"/>
           </a:p>
           <a:p>
             <a:pPr lvl="1">
@@ -1324,7 +2707,6 @@
               <a:rPr sz="3200"/>
               <a:t>Second level</a:t>
             </a:r>
-            <a:endParaRPr sz="3200"/>
           </a:p>
           <a:p>
             <a:pPr lvl="2">
@@ -1334,7 +2716,6 @@
               <a:rPr sz="3200"/>
               <a:t>Third level</a:t>
             </a:r>
-            <a:endParaRPr sz="3200"/>
           </a:p>
           <a:p>
             <a:pPr lvl="3">
@@ -1344,7 +2725,6 @@
               <a:rPr sz="3200"/>
               <a:t>Fourth level</a:t>
             </a:r>
-            <a:endParaRPr sz="3200"/>
           </a:p>
           <a:p>
             <a:pPr lvl="4">
@@ -1360,7 +2740,9 @@
       <p:sp>
         <p:nvSpPr>
           <p:cNvPr id="41" name="Shape 41"/>
-          <p:cNvSpPr/>
+          <p:cNvSpPr>
+            <a:spLocks noGrp="1"/>
+          </p:cNvSpPr>
           <p:nvPr>
             <p:ph type="sldNum" sz="quarter" idx="2"/>
           </p:nvPr>
@@ -1375,7 +2757,10 @@
           <a:lstStyle/>
           <a:p>
             <a:pPr lvl="0"/>
-            <a:fld id="{86CB4B4D-7CA3-9044-876B-883B54F8677D}" type="slidenum"/>
+            <a:fld id="{86CB4B4D-7CA3-9044-876B-883B54F8677D}" type="slidenum">
+              <a:t>‹#›</a:t>
+            </a:fld>
+            <a:endParaRPr/>
           </a:p>
         </p:txBody>
       </p:sp>
@@ -1384,12 +2769,12 @@
   <p:clrMapOvr>
     <a:masterClrMapping/>
   </p:clrMapOvr>
-  <p:transition spd="med" advClick="1"/>
+  <p:transition spd="med"/>
 </p:sldLayout>
 </file>
 
 <file path=ppt/slideLayouts/slideLayout11.xml><?xml version="1.0" encoding="utf-8"?>
-<p:sldLayout xmlns:a="http://schemas.openxmlformats.org/drawingml/2006/main" xmlns:r="http://schemas.openxmlformats.org/officeDocument/2006/relationships" xmlns:p="http://schemas.openxmlformats.org/presentationml/2006/main" type="tx" showMasterSp="1" showMasterPhAnim="1">
+<p:sldLayout xmlns:a="http://schemas.openxmlformats.org/drawingml/2006/main" xmlns:r="http://schemas.openxmlformats.org/officeDocument/2006/relationships" xmlns:p="http://schemas.openxmlformats.org/presentationml/2006/main" type="tx">
   <p:cSld name="Vertical Title and Text">
     <p:spTree>
       <p:nvGrpSpPr>
@@ -1408,7 +2793,9 @@
       <p:sp>
         <p:nvSpPr>
           <p:cNvPr id="43" name="Shape 43"/>
-          <p:cNvSpPr/>
+          <p:cNvSpPr>
+            <a:spLocks noGrp="1"/>
+          </p:cNvSpPr>
           <p:nvPr>
             <p:ph type="title"/>
           </p:nvPr>
@@ -1439,7 +2826,9 @@
       <p:sp>
         <p:nvSpPr>
           <p:cNvPr id="44" name="Shape 44"/>
-          <p:cNvSpPr/>
+          <p:cNvSpPr>
+            <a:spLocks noGrp="1"/>
+          </p:cNvSpPr>
           <p:nvPr>
             <p:ph type="body" idx="1"/>
           </p:nvPr>
@@ -1464,7 +2853,6 @@
               <a:rPr sz="3200"/>
               <a:t>Click to edit Master text styles</a:t>
             </a:r>
-            <a:endParaRPr sz="3200"/>
           </a:p>
           <a:p>
             <a:pPr lvl="1">
@@ -1474,7 +2862,6 @@
               <a:rPr sz="3200"/>
               <a:t>Second level</a:t>
             </a:r>
-            <a:endParaRPr sz="3200"/>
           </a:p>
           <a:p>
             <a:pPr lvl="2">
@@ -1484,7 +2871,6 @@
               <a:rPr sz="3200"/>
               <a:t>Third level</a:t>
             </a:r>
-            <a:endParaRPr sz="3200"/>
           </a:p>
           <a:p>
             <a:pPr lvl="3">
@@ -1494,7 +2880,6 @@
               <a:rPr sz="3200"/>
               <a:t>Fourth level</a:t>
             </a:r>
-            <a:endParaRPr sz="3200"/>
           </a:p>
           <a:p>
             <a:pPr lvl="4">
@@ -1510,7 +2895,9 @@
       <p:sp>
         <p:nvSpPr>
           <p:cNvPr id="45" name="Shape 45"/>
-          <p:cNvSpPr/>
+          <p:cNvSpPr>
+            <a:spLocks noGrp="1"/>
+          </p:cNvSpPr>
           <p:nvPr>
             <p:ph type="sldNum" sz="quarter" idx="2"/>
           </p:nvPr>
@@ -1525,7 +2912,10 @@
           <a:lstStyle/>
           <a:p>
             <a:pPr lvl="0"/>
-            <a:fld id="{86CB4B4D-7CA3-9044-876B-883B54F8677D}" type="slidenum"/>
+            <a:fld id="{86CB4B4D-7CA3-9044-876B-883B54F8677D}" type="slidenum">
+              <a:t>‹#›</a:t>
+            </a:fld>
+            <a:endParaRPr/>
           </a:p>
         </p:txBody>
       </p:sp>
@@ -1534,12 +2924,12 @@
   <p:clrMapOvr>
     <a:masterClrMapping/>
   </p:clrMapOvr>
-  <p:transition spd="med" advClick="1"/>
+  <p:transition spd="med"/>
 </p:sldLayout>
 </file>
 
 <file path=ppt/slideLayouts/slideLayout2.xml><?xml version="1.0" encoding="utf-8"?>
-<p:sldLayout xmlns:a="http://schemas.openxmlformats.org/drawingml/2006/main" xmlns:r="http://schemas.openxmlformats.org/officeDocument/2006/relationships" xmlns:p="http://schemas.openxmlformats.org/presentationml/2006/main" type="tx" showMasterSp="1" showMasterPhAnim="1">
+<p:sldLayout xmlns:a="http://schemas.openxmlformats.org/drawingml/2006/main" xmlns:r="http://schemas.openxmlformats.org/officeDocument/2006/relationships" xmlns:p="http://schemas.openxmlformats.org/presentationml/2006/main" type="tx">
   <p:cSld name="Title and Content">
     <p:spTree>
       <p:nvGrpSpPr>
@@ -1558,7 +2948,9 @@
       <p:sp>
         <p:nvSpPr>
           <p:cNvPr id="10" name="Shape 10"/>
-          <p:cNvSpPr/>
+          <p:cNvSpPr>
+            <a:spLocks noGrp="1"/>
+          </p:cNvSpPr>
           <p:nvPr>
             <p:ph type="title"/>
           </p:nvPr>
@@ -1585,7 +2977,9 @@
       <p:sp>
         <p:nvSpPr>
           <p:cNvPr id="11" name="Shape 11"/>
-          <p:cNvSpPr/>
+          <p:cNvSpPr>
+            <a:spLocks noGrp="1"/>
+          </p:cNvSpPr>
           <p:nvPr>
             <p:ph type="body" idx="1"/>
           </p:nvPr>
@@ -1606,7 +3000,6 @@
               <a:rPr sz="3200"/>
               <a:t>Click to edit Master text styles</a:t>
             </a:r>
-            <a:endParaRPr sz="3200"/>
           </a:p>
           <a:p>
             <a:pPr lvl="1">
@@ -1616,7 +3009,6 @@
               <a:rPr sz="3200"/>
               <a:t>Second level</a:t>
             </a:r>
-            <a:endParaRPr sz="3200"/>
           </a:p>
           <a:p>
             <a:pPr lvl="2">
@@ -1626,7 +3018,6 @@
               <a:rPr sz="3200"/>
               <a:t>Third level</a:t>
             </a:r>
-            <a:endParaRPr sz="3200"/>
           </a:p>
           <a:p>
             <a:pPr lvl="3">
@@ -1636,7 +3027,6 @@
               <a:rPr sz="3200"/>
               <a:t>Fourth level</a:t>
             </a:r>
-            <a:endParaRPr sz="3200"/>
           </a:p>
           <a:p>
             <a:pPr lvl="4">
@@ -1652,7 +3042,9 @@
       <p:sp>
         <p:nvSpPr>
           <p:cNvPr id="12" name="Shape 12"/>
-          <p:cNvSpPr/>
+          <p:cNvSpPr>
+            <a:spLocks noGrp="1"/>
+          </p:cNvSpPr>
           <p:nvPr>
             <p:ph type="sldNum" sz="quarter" idx="2"/>
           </p:nvPr>
@@ -1667,7 +3059,10 @@
           <a:lstStyle/>
           <a:p>
             <a:pPr lvl="0"/>
-            <a:fld id="{86CB4B4D-7CA3-9044-876B-883B54F8677D}" type="slidenum"/>
+            <a:fld id="{86CB4B4D-7CA3-9044-876B-883B54F8677D}" type="slidenum">
+              <a:t>‹#›</a:t>
+            </a:fld>
+            <a:endParaRPr/>
           </a:p>
         </p:txBody>
       </p:sp>
@@ -1676,12 +3071,12 @@
   <p:clrMapOvr>
     <a:masterClrMapping/>
   </p:clrMapOvr>
-  <p:transition spd="med" advClick="1"/>
+  <p:transition spd="med"/>
 </p:sldLayout>
 </file>
 
 <file path=ppt/slideLayouts/slideLayout3.xml><?xml version="1.0" encoding="utf-8"?>
-<p:sldLayout xmlns:a="http://schemas.openxmlformats.org/drawingml/2006/main" xmlns:r="http://schemas.openxmlformats.org/officeDocument/2006/relationships" xmlns:p="http://schemas.openxmlformats.org/presentationml/2006/main" type="tx" showMasterSp="1" showMasterPhAnim="1">
+<p:sldLayout xmlns:a="http://schemas.openxmlformats.org/drawingml/2006/main" xmlns:r="http://schemas.openxmlformats.org/officeDocument/2006/relationships" xmlns:p="http://schemas.openxmlformats.org/presentationml/2006/main" type="tx">
   <p:cSld name="Section Header">
     <p:spTree>
       <p:nvGrpSpPr>
@@ -1700,7 +3095,9 @@
       <p:sp>
         <p:nvSpPr>
           <p:cNvPr id="14" name="Shape 14"/>
-          <p:cNvSpPr/>
+          <p:cNvSpPr>
+            <a:spLocks noGrp="1"/>
+          </p:cNvSpPr>
           <p:nvPr>
             <p:ph type="title"/>
           </p:nvPr>
@@ -1718,15 +3115,15 @@
           <a:bodyPr anchor="t"/>
           <a:lstStyle>
             <a:lvl1pPr algn="l">
-              <a:defRPr b="1" cap="all" sz="4000"/>
+              <a:defRPr sz="4000" b="1" cap="all"/>
             </a:lvl1pPr>
           </a:lstStyle>
           <a:p>
             <a:pPr lvl="0">
-              <a:defRPr b="0" cap="none" sz="1800"/>
-            </a:pPr>
-            <a:r>
-              <a:rPr b="1" cap="all" sz="4000"/>
+              <a:defRPr sz="1800" b="0" cap="none"/>
+            </a:pPr>
+            <a:r>
+              <a:rPr sz="4000" b="1" cap="all"/>
               <a:t>Click to edit Master title style</a:t>
             </a:r>
           </a:p>
@@ -1735,7 +3132,9 @@
       <p:sp>
         <p:nvSpPr>
           <p:cNvPr id="15" name="Shape 15"/>
-          <p:cNvSpPr/>
+          <p:cNvSpPr>
+            <a:spLocks noGrp="1"/>
+          </p:cNvSpPr>
           <p:nvPr>
             <p:ph type="body" idx="1"/>
           </p:nvPr>
@@ -1788,7 +3187,9 @@
       <p:sp>
         <p:nvSpPr>
           <p:cNvPr id="16" name="Shape 16"/>
-          <p:cNvSpPr/>
+          <p:cNvSpPr>
+            <a:spLocks noGrp="1"/>
+          </p:cNvSpPr>
           <p:nvPr>
             <p:ph type="sldNum" sz="quarter" idx="2"/>
           </p:nvPr>
@@ -1803,7 +3204,10 @@
           <a:lstStyle/>
           <a:p>
             <a:pPr lvl="0"/>
-            <a:fld id="{86CB4B4D-7CA3-9044-876B-883B54F8677D}" type="slidenum"/>
+            <a:fld id="{86CB4B4D-7CA3-9044-876B-883B54F8677D}" type="slidenum">
+              <a:t>‹#›</a:t>
+            </a:fld>
+            <a:endParaRPr/>
           </a:p>
         </p:txBody>
       </p:sp>
@@ -1812,12 +3216,12 @@
   <p:clrMapOvr>
     <a:masterClrMapping/>
   </p:clrMapOvr>
-  <p:transition spd="med" advClick="1"/>
+  <p:transition spd="med"/>
 </p:sldLayout>
 </file>
 
 <file path=ppt/slideLayouts/slideLayout4.xml><?xml version="1.0" encoding="utf-8"?>
-<p:sldLayout xmlns:a="http://schemas.openxmlformats.org/drawingml/2006/main" xmlns:r="http://schemas.openxmlformats.org/officeDocument/2006/relationships" xmlns:p="http://schemas.openxmlformats.org/presentationml/2006/main" type="tx" showMasterSp="1" showMasterPhAnim="1">
+<p:sldLayout xmlns:a="http://schemas.openxmlformats.org/drawingml/2006/main" xmlns:r="http://schemas.openxmlformats.org/officeDocument/2006/relationships" xmlns:p="http://schemas.openxmlformats.org/presentationml/2006/main" type="tx">
   <p:cSld name="Two Content">
     <p:spTree>
       <p:nvGrpSpPr>
@@ -1836,7 +3240,9 @@
       <p:sp>
         <p:nvSpPr>
           <p:cNvPr id="18" name="Shape 18"/>
-          <p:cNvSpPr/>
+          <p:cNvSpPr>
+            <a:spLocks noGrp="1"/>
+          </p:cNvSpPr>
           <p:nvPr>
             <p:ph type="title"/>
           </p:nvPr>
@@ -1863,7 +3269,9 @@
       <p:sp>
         <p:nvSpPr>
           <p:cNvPr id="19" name="Shape 19"/>
-          <p:cNvSpPr/>
+          <p:cNvSpPr>
+            <a:spLocks noGrp="1"/>
+          </p:cNvSpPr>
           <p:nvPr>
             <p:ph type="body" idx="1"/>
           </p:nvPr>
@@ -1919,7 +3327,6 @@
               <a:rPr sz="2800"/>
               <a:t>Click to edit Master text styles</a:t>
             </a:r>
-            <a:endParaRPr sz="2800"/>
           </a:p>
           <a:p>
             <a:pPr lvl="1">
@@ -1929,7 +3336,6 @@
               <a:rPr sz="2800"/>
               <a:t>Second level</a:t>
             </a:r>
-            <a:endParaRPr sz="2800"/>
           </a:p>
           <a:p>
             <a:pPr lvl="2">
@@ -1939,7 +3345,6 @@
               <a:rPr sz="2800"/>
               <a:t>Third level</a:t>
             </a:r>
-            <a:endParaRPr sz="2800"/>
           </a:p>
           <a:p>
             <a:pPr lvl="3">
@@ -1949,7 +3354,6 @@
               <a:rPr sz="2800"/>
               <a:t>Fourth level</a:t>
             </a:r>
-            <a:endParaRPr sz="2800"/>
           </a:p>
           <a:p>
             <a:pPr lvl="4">
@@ -1965,7 +3369,9 @@
       <p:sp>
         <p:nvSpPr>
           <p:cNvPr id="20" name="Shape 20"/>
-          <p:cNvSpPr/>
+          <p:cNvSpPr>
+            <a:spLocks noGrp="1"/>
+          </p:cNvSpPr>
           <p:nvPr>
             <p:ph type="sldNum" sz="quarter" idx="2"/>
           </p:nvPr>
@@ -1980,7 +3386,10 @@
           <a:lstStyle/>
           <a:p>
             <a:pPr lvl="0"/>
-            <a:fld id="{86CB4B4D-7CA3-9044-876B-883B54F8677D}" type="slidenum"/>
+            <a:fld id="{86CB4B4D-7CA3-9044-876B-883B54F8677D}" type="slidenum">
+              <a:t>‹#›</a:t>
+            </a:fld>
+            <a:endParaRPr/>
           </a:p>
         </p:txBody>
       </p:sp>
@@ -1989,12 +3398,12 @@
   <p:clrMapOvr>
     <a:masterClrMapping/>
   </p:clrMapOvr>
-  <p:transition spd="med" advClick="1"/>
+  <p:transition spd="med"/>
 </p:sldLayout>
 </file>
 
 <file path=ppt/slideLayouts/slideLayout5.xml><?xml version="1.0" encoding="utf-8"?>
-<p:sldLayout xmlns:a="http://schemas.openxmlformats.org/drawingml/2006/main" xmlns:r="http://schemas.openxmlformats.org/officeDocument/2006/relationships" xmlns:p="http://schemas.openxmlformats.org/presentationml/2006/main" type="tx" showMasterSp="1" showMasterPhAnim="1">
+<p:sldLayout xmlns:a="http://schemas.openxmlformats.org/drawingml/2006/main" xmlns:r="http://schemas.openxmlformats.org/officeDocument/2006/relationships" xmlns:p="http://schemas.openxmlformats.org/presentationml/2006/main" type="tx">
   <p:cSld name="Comparison">
     <p:spTree>
       <p:nvGrpSpPr>
@@ -2013,7 +3422,9 @@
       <p:sp>
         <p:nvSpPr>
           <p:cNvPr id="22" name="Shape 22"/>
-          <p:cNvSpPr/>
+          <p:cNvSpPr>
+            <a:spLocks noGrp="1"/>
+          </p:cNvSpPr>
           <p:nvPr>
             <p:ph type="title"/>
           </p:nvPr>
@@ -2044,7 +3455,9 @@
       <p:sp>
         <p:nvSpPr>
           <p:cNvPr id="23" name="Shape 23"/>
-          <p:cNvSpPr/>
+          <p:cNvSpPr>
+            <a:spLocks noGrp="1"/>
+          </p:cNvSpPr>
           <p:nvPr>
             <p:ph type="body" idx="1"/>
           </p:nvPr>
@@ -2068,15 +3481,15 @@
               <a:buSzTx/>
               <a:buFontTx/>
               <a:buNone/>
-              <a:defRPr b="1" sz="2400"/>
+              <a:defRPr sz="2400" b="1"/>
             </a:lvl1pPr>
           </a:lstStyle>
           <a:p>
             <a:pPr lvl="0">
-              <a:defRPr b="0" sz="1800"/>
-            </a:pPr>
-            <a:r>
-              <a:rPr b="1" sz="2400"/>
+              <a:defRPr sz="1800" b="0"/>
+            </a:pPr>
+            <a:r>
+              <a:rPr sz="2400" b="1"/>
               <a:t>Click to edit Master text styles</a:t>
             </a:r>
           </a:p>
@@ -2085,7 +3498,9 @@
       <p:sp>
         <p:nvSpPr>
           <p:cNvPr id="24" name="Shape 24"/>
-          <p:cNvSpPr/>
+          <p:cNvSpPr>
+            <a:spLocks noGrp="1"/>
+          </p:cNvSpPr>
           <p:nvPr>
             <p:ph type="sldNum" sz="quarter" idx="2"/>
           </p:nvPr>
@@ -2100,7 +3515,10 @@
           <a:lstStyle/>
           <a:p>
             <a:pPr lvl="0"/>
-            <a:fld id="{86CB4B4D-7CA3-9044-876B-883B54F8677D}" type="slidenum"/>
+            <a:fld id="{86CB4B4D-7CA3-9044-876B-883B54F8677D}" type="slidenum">
+              <a:t>‹#›</a:t>
+            </a:fld>
+            <a:endParaRPr/>
           </a:p>
         </p:txBody>
       </p:sp>
@@ -2109,12 +3527,12 @@
   <p:clrMapOvr>
     <a:masterClrMapping/>
   </p:clrMapOvr>
-  <p:transition spd="med" advClick="1"/>
+  <p:transition spd="med"/>
 </p:sldLayout>
 </file>
 
 <file path=ppt/slideLayouts/slideLayout6.xml><?xml version="1.0" encoding="utf-8"?>
-<p:sldLayout xmlns:a="http://schemas.openxmlformats.org/drawingml/2006/main" xmlns:r="http://schemas.openxmlformats.org/officeDocument/2006/relationships" xmlns:p="http://schemas.openxmlformats.org/presentationml/2006/main" type="tx" showMasterSp="1" showMasterPhAnim="1">
+<p:sldLayout xmlns:a="http://schemas.openxmlformats.org/drawingml/2006/main" xmlns:r="http://schemas.openxmlformats.org/officeDocument/2006/relationships" xmlns:p="http://schemas.openxmlformats.org/presentationml/2006/main" type="tx">
   <p:cSld name="Title Only">
     <p:spTree>
       <p:nvGrpSpPr>
@@ -2133,7 +3551,9 @@
       <p:sp>
         <p:nvSpPr>
           <p:cNvPr id="26" name="Shape 26"/>
-          <p:cNvSpPr/>
+          <p:cNvSpPr>
+            <a:spLocks noGrp="1"/>
+          </p:cNvSpPr>
           <p:nvPr>
             <p:ph type="title"/>
           </p:nvPr>
@@ -2160,7 +3580,9 @@
       <p:sp>
         <p:nvSpPr>
           <p:cNvPr id="27" name="Shape 27"/>
-          <p:cNvSpPr/>
+          <p:cNvSpPr>
+            <a:spLocks noGrp="1"/>
+          </p:cNvSpPr>
           <p:nvPr>
             <p:ph type="sldNum" sz="quarter" idx="2"/>
           </p:nvPr>
@@ -2175,7 +3597,10 @@
           <a:lstStyle/>
           <a:p>
             <a:pPr lvl="0"/>
-            <a:fld id="{86CB4B4D-7CA3-9044-876B-883B54F8677D}" type="slidenum"/>
+            <a:fld id="{86CB4B4D-7CA3-9044-876B-883B54F8677D}" type="slidenum">
+              <a:t>‹#›</a:t>
+            </a:fld>
+            <a:endParaRPr/>
           </a:p>
         </p:txBody>
       </p:sp>
@@ -2184,12 +3609,12 @@
   <p:clrMapOvr>
     <a:masterClrMapping/>
   </p:clrMapOvr>
-  <p:transition spd="med" advClick="1"/>
+  <p:transition spd="med"/>
 </p:sldLayout>
 </file>
 
 <file path=ppt/slideLayouts/slideLayout7.xml><?xml version="1.0" encoding="utf-8"?>
-<p:sldLayout xmlns:a="http://schemas.openxmlformats.org/drawingml/2006/main" xmlns:r="http://schemas.openxmlformats.org/officeDocument/2006/relationships" xmlns:p="http://schemas.openxmlformats.org/presentationml/2006/main" type="tx" showMasterSp="1" showMasterPhAnim="1">
+<p:sldLayout xmlns:a="http://schemas.openxmlformats.org/drawingml/2006/main" xmlns:r="http://schemas.openxmlformats.org/officeDocument/2006/relationships" xmlns:p="http://schemas.openxmlformats.org/presentationml/2006/main" type="tx">
   <p:cSld name="Blank">
     <p:spTree>
       <p:nvGrpSpPr>
@@ -2208,7 +3633,9 @@
       <p:sp>
         <p:nvSpPr>
           <p:cNvPr id="29" name="Shape 29"/>
-          <p:cNvSpPr/>
+          <p:cNvSpPr>
+            <a:spLocks noGrp="1"/>
+          </p:cNvSpPr>
           <p:nvPr>
             <p:ph type="sldNum" sz="quarter" idx="2"/>
           </p:nvPr>
@@ -2223,7 +3650,10 @@
           <a:lstStyle/>
           <a:p>
             <a:pPr lvl="0"/>
-            <a:fld id="{86CB4B4D-7CA3-9044-876B-883B54F8677D}" type="slidenum"/>
+            <a:fld id="{86CB4B4D-7CA3-9044-876B-883B54F8677D}" type="slidenum">
+              <a:t>‹#›</a:t>
+            </a:fld>
+            <a:endParaRPr/>
           </a:p>
         </p:txBody>
       </p:sp>
@@ -2232,12 +3662,12 @@
   <p:clrMapOvr>
     <a:masterClrMapping/>
   </p:clrMapOvr>
-  <p:transition spd="med" advClick="1"/>
+  <p:transition spd="med"/>
 </p:sldLayout>
 </file>
 
 <file path=ppt/slideLayouts/slideLayout8.xml><?xml version="1.0" encoding="utf-8"?>
-<p:sldLayout xmlns:a="http://schemas.openxmlformats.org/drawingml/2006/main" xmlns:r="http://schemas.openxmlformats.org/officeDocument/2006/relationships" xmlns:p="http://schemas.openxmlformats.org/presentationml/2006/main" type="tx" showMasterSp="1" showMasterPhAnim="1">
+<p:sldLayout xmlns:a="http://schemas.openxmlformats.org/drawingml/2006/main" xmlns:r="http://schemas.openxmlformats.org/officeDocument/2006/relationships" xmlns:p="http://schemas.openxmlformats.org/presentationml/2006/main" type="tx">
   <p:cSld name="Content with Caption">
     <p:spTree>
       <p:nvGrpSpPr>
@@ -2256,7 +3686,9 @@
       <p:sp>
         <p:nvSpPr>
           <p:cNvPr id="31" name="Shape 31"/>
-          <p:cNvSpPr/>
+          <p:cNvSpPr>
+            <a:spLocks noGrp="1"/>
+          </p:cNvSpPr>
           <p:nvPr>
             <p:ph type="title"/>
           </p:nvPr>
@@ -2274,15 +3706,15 @@
           <a:bodyPr anchor="b"/>
           <a:lstStyle>
             <a:lvl1pPr algn="l">
-              <a:defRPr b="1" sz="2000"/>
+              <a:defRPr sz="2000" b="1"/>
             </a:lvl1pPr>
           </a:lstStyle>
           <a:p>
             <a:pPr lvl="0">
-              <a:defRPr b="0" sz="1800"/>
-            </a:pPr>
-            <a:r>
-              <a:rPr b="1" sz="2000"/>
+              <a:defRPr sz="1800" b="0"/>
+            </a:pPr>
+            <a:r>
+              <a:rPr sz="2000" b="1"/>
               <a:t>Click to edit Master title style</a:t>
             </a:r>
           </a:p>
@@ -2291,7 +3723,9 @@
       <p:sp>
         <p:nvSpPr>
           <p:cNvPr id="32" name="Shape 32"/>
-          <p:cNvSpPr/>
+          <p:cNvSpPr>
+            <a:spLocks noGrp="1"/>
+          </p:cNvSpPr>
           <p:nvPr>
             <p:ph type="body" idx="1"/>
           </p:nvPr>
@@ -2316,7 +3750,6 @@
               <a:rPr sz="3200"/>
               <a:t>Click to edit Master text styles</a:t>
             </a:r>
-            <a:endParaRPr sz="3200"/>
           </a:p>
           <a:p>
             <a:pPr lvl="1">
@@ -2326,7 +3759,6 @@
               <a:rPr sz="3200"/>
               <a:t>Second level</a:t>
             </a:r>
-            <a:endParaRPr sz="3200"/>
           </a:p>
           <a:p>
             <a:pPr lvl="2">
@@ -2336,7 +3768,6 @@
               <a:rPr sz="3200"/>
               <a:t>Third level</a:t>
             </a:r>
-            <a:endParaRPr sz="3200"/>
           </a:p>
           <a:p>
             <a:pPr lvl="3">
@@ -2346,7 +3777,6 @@
               <a:rPr sz="3200"/>
               <a:t>Fourth level</a:t>
             </a:r>
-            <a:endParaRPr sz="3200"/>
           </a:p>
           <a:p>
             <a:pPr lvl="4">
@@ -2362,7 +3792,9 @@
       <p:sp>
         <p:nvSpPr>
           <p:cNvPr id="33" name="Shape 33"/>
-          <p:cNvSpPr/>
+          <p:cNvSpPr>
+            <a:spLocks noGrp="1"/>
+          </p:cNvSpPr>
           <p:nvPr>
             <p:ph type="sldNum" sz="quarter" idx="2"/>
           </p:nvPr>
@@ -2377,7 +3809,10 @@
           <a:lstStyle/>
           <a:p>
             <a:pPr lvl="0"/>
-            <a:fld id="{86CB4B4D-7CA3-9044-876B-883B54F8677D}" type="slidenum"/>
+            <a:fld id="{86CB4B4D-7CA3-9044-876B-883B54F8677D}" type="slidenum">
+              <a:t>‹#›</a:t>
+            </a:fld>
+            <a:endParaRPr/>
           </a:p>
         </p:txBody>
       </p:sp>
@@ -2386,12 +3821,12 @@
   <p:clrMapOvr>
     <a:masterClrMapping/>
   </p:clrMapOvr>
-  <p:transition spd="med" advClick="1"/>
+  <p:transition spd="med"/>
 </p:sldLayout>
 </file>
 
 <file path=ppt/slideLayouts/slideLayout9.xml><?xml version="1.0" encoding="utf-8"?>
-<p:sldLayout xmlns:a="http://schemas.openxmlformats.org/drawingml/2006/main" xmlns:r="http://schemas.openxmlformats.org/officeDocument/2006/relationships" xmlns:p="http://schemas.openxmlformats.org/presentationml/2006/main" type="tx" showMasterSp="1" showMasterPhAnim="1">
+<p:sldLayout xmlns:a="http://schemas.openxmlformats.org/drawingml/2006/main" xmlns:r="http://schemas.openxmlformats.org/officeDocument/2006/relationships" xmlns:p="http://schemas.openxmlformats.org/presentationml/2006/main" type="tx">
   <p:cSld name="Picture with Caption">
     <p:spTree>
       <p:nvGrpSpPr>
@@ -2410,7 +3845,9 @@
       <p:sp>
         <p:nvSpPr>
           <p:cNvPr id="35" name="Shape 35"/>
-          <p:cNvSpPr/>
+          <p:cNvSpPr>
+            <a:spLocks noGrp="1"/>
+          </p:cNvSpPr>
           <p:nvPr>
             <p:ph type="title"/>
           </p:nvPr>
@@ -2428,15 +3865,15 @@
           <a:bodyPr anchor="b"/>
           <a:lstStyle>
             <a:lvl1pPr algn="l">
-              <a:defRPr b="1" sz="2000"/>
+              <a:defRPr sz="2000" b="1"/>
             </a:lvl1pPr>
           </a:lstStyle>
           <a:p>
             <a:pPr lvl="0">
-              <a:defRPr b="0" sz="1800"/>
-            </a:pPr>
-            <a:r>
-              <a:rPr b="1" sz="2000"/>
+              <a:defRPr sz="1800" b="0"/>
+            </a:pPr>
+            <a:r>
+              <a:rPr sz="2000" b="1"/>
               <a:t>Click to edit Master title style</a:t>
             </a:r>
           </a:p>
@@ -2445,7 +3882,9 @@
       <p:sp>
         <p:nvSpPr>
           <p:cNvPr id="36" name="Shape 36"/>
-          <p:cNvSpPr/>
+          <p:cNvSpPr>
+            <a:spLocks noGrp="1"/>
+          </p:cNvSpPr>
           <p:nvPr>
             <p:ph type="body" idx="1"/>
           </p:nvPr>
@@ -2486,7 +3925,9 @@
       <p:sp>
         <p:nvSpPr>
           <p:cNvPr id="37" name="Shape 37"/>
-          <p:cNvSpPr/>
+          <p:cNvSpPr>
+            <a:spLocks noGrp="1"/>
+          </p:cNvSpPr>
           <p:nvPr>
             <p:ph type="sldNum" sz="quarter" idx="2"/>
           </p:nvPr>
@@ -2501,7 +3942,10 @@
           <a:lstStyle/>
           <a:p>
             <a:pPr lvl="0"/>
-            <a:fld id="{86CB4B4D-7CA3-9044-876B-883B54F8677D}" type="slidenum"/>
+            <a:fld id="{86CB4B4D-7CA3-9044-876B-883B54F8677D}" type="slidenum">
+              <a:t>‹#›</a:t>
+            </a:fld>
+            <a:endParaRPr/>
           </a:p>
         </p:txBody>
       </p:sp>
@@ -2510,7 +3954,7 @@
   <p:clrMapOvr>
     <a:masterClrMapping/>
   </p:clrMapOvr>
-  <p:transition spd="med" advClick="1"/>
+  <p:transition spd="med"/>
 </p:sldLayout>
 </file>
 
@@ -2522,6 +3966,7 @@
         <a:solidFill>
           <a:srgbClr val="FFFFFF"/>
         </a:solidFill>
+        <a:effectLst/>
       </p:bgPr>
     </p:bg>
     <p:spTree>
@@ -2541,7 +3986,9 @@
       <p:sp>
         <p:nvSpPr>
           <p:cNvPr id="2" name="Shape 2"/>
-          <p:cNvSpPr/>
+          <p:cNvSpPr>
+            <a:spLocks noGrp="1"/>
+          </p:cNvSpPr>
           <p:nvPr>
             <p:ph type="title"/>
           </p:nvPr>
@@ -2559,13 +4006,13 @@
           </a:ln>
           <a:extLst>
             <a:ext uri="{C572A759-6A51-4108-AA02-DFA0A04FC94B}">
-              <ma14:wrappingTextBoxFlag xmlns:ma14="http://schemas.microsoft.com/office/mac/drawingml/2011/main" val="1"/>
+              <ma14:wrappingTextBoxFlag xmlns:ma14="http://schemas.microsoft.com/office/mac/drawingml/2011/main" xmlns="" val="1"/>
             </a:ext>
           </a:extLst>
         </p:spPr>
         <p:txBody>
           <a:bodyPr lIns="45719" rIns="45719" anchor="ctr">
-            <a:normAutofit fontScale="100000" lnSpcReduction="0"/>
+            <a:normAutofit/>
           </a:bodyPr>
           <a:lstStyle/>
           <a:p>
@@ -2582,7 +4029,9 @@
       <p:sp>
         <p:nvSpPr>
           <p:cNvPr id="3" name="Shape 3"/>
-          <p:cNvSpPr/>
+          <p:cNvSpPr>
+            <a:spLocks noGrp="1"/>
+          </p:cNvSpPr>
           <p:nvPr>
             <p:ph type="body" idx="1"/>
           </p:nvPr>
@@ -2600,13 +4049,13 @@
           </a:ln>
           <a:extLst>
             <a:ext uri="{C572A759-6A51-4108-AA02-DFA0A04FC94B}">
-              <ma14:wrappingTextBoxFlag xmlns:ma14="http://schemas.microsoft.com/office/mac/drawingml/2011/main" val="1"/>
+              <ma14:wrappingTextBoxFlag xmlns:ma14="http://schemas.microsoft.com/office/mac/drawingml/2011/main" xmlns="" val="1"/>
             </a:ext>
           </a:extLst>
         </p:spPr>
         <p:txBody>
           <a:bodyPr lIns="45719" rIns="45719">
-            <a:normAutofit fontScale="100000" lnSpcReduction="0"/>
+            <a:normAutofit/>
           </a:bodyPr>
           <a:lstStyle/>
           <a:p>
@@ -2617,7 +4066,6 @@
               <a:rPr sz="3200"/>
               <a:t>Click to edit Master text styles</a:t>
             </a:r>
-            <a:endParaRPr sz="3200"/>
           </a:p>
           <a:p>
             <a:pPr lvl="1">
@@ -2627,7 +4075,6 @@
               <a:rPr sz="3200"/>
               <a:t>Second level</a:t>
             </a:r>
-            <a:endParaRPr sz="3200"/>
           </a:p>
           <a:p>
             <a:pPr lvl="2">
@@ -2637,7 +4084,6 @@
               <a:rPr sz="3200"/>
               <a:t>Third level</a:t>
             </a:r>
-            <a:endParaRPr sz="3200"/>
           </a:p>
           <a:p>
             <a:pPr lvl="3">
@@ -2647,7 +4093,6 @@
               <a:rPr sz="3200"/>
               <a:t>Fourth level</a:t>
             </a:r>
-            <a:endParaRPr sz="3200"/>
           </a:p>
           <a:p>
             <a:pPr lvl="4">
@@ -2663,7 +4108,9 @@
       <p:sp>
         <p:nvSpPr>
           <p:cNvPr id="4" name="Shape 4"/>
-          <p:cNvSpPr/>
+          <p:cNvSpPr>
+            <a:spLocks noGrp="1"/>
+          </p:cNvSpPr>
           <p:nvPr>
             <p:ph type="sldNum" sz="quarter" idx="2"/>
           </p:nvPr>
@@ -2695,7 +4142,10 @@
           </a:lstStyle>
           <a:p>
             <a:pPr lvl="0"/>
-            <a:fld id="{86CB4B4D-7CA3-9044-876B-883B54F8677D}" type="slidenum"/>
+            <a:fld id="{86CB4B4D-7CA3-9044-876B-883B54F8677D}" type="slidenum">
+              <a:t>‹#›</a:t>
+            </a:fld>
+            <a:endParaRPr/>
           </a:p>
         </p:txBody>
       </p:sp>
@@ -2703,19 +4153,19 @@
   </p:cSld>
   <p:clrMap bg1="lt1" tx1="dk1" bg2="lt2" tx2="dk2" accent1="accent1" accent2="accent2" accent3="accent3" accent4="accent4" accent5="accent5" accent6="accent6" hlink="hlink" folHlink="folHlink"/>
   <p:sldLayoutIdLst>
-    <p:sldLayoutId id="2147483649" r:id="rId2"/>
-    <p:sldLayoutId id="2147483650" r:id="rId3"/>
-    <p:sldLayoutId id="2147483651" r:id="rId4"/>
-    <p:sldLayoutId id="2147483652" r:id="rId5"/>
-    <p:sldLayoutId id="2147483653" r:id="rId6"/>
-    <p:sldLayoutId id="2147483654" r:id="rId7"/>
-    <p:sldLayoutId id="2147483655" r:id="rId8"/>
-    <p:sldLayoutId id="2147483656" r:id="rId9"/>
-    <p:sldLayoutId id="2147483657" r:id="rId10"/>
-    <p:sldLayoutId id="2147483658" r:id="rId11"/>
-    <p:sldLayoutId id="2147483659" r:id="rId12"/>
+    <p:sldLayoutId id="2147483649" r:id="rId1"/>
+    <p:sldLayoutId id="2147483650" r:id="rId2"/>
+    <p:sldLayoutId id="2147483651" r:id="rId3"/>
+    <p:sldLayoutId id="2147483652" r:id="rId4"/>
+    <p:sldLayoutId id="2147483653" r:id="rId5"/>
+    <p:sldLayoutId id="2147483654" r:id="rId6"/>
+    <p:sldLayoutId id="2147483655" r:id="rId7"/>
+    <p:sldLayoutId id="2147483656" r:id="rId8"/>
+    <p:sldLayoutId id="2147483657" r:id="rId9"/>
+    <p:sldLayoutId id="2147483658" r:id="rId10"/>
+    <p:sldLayoutId id="2147483659" r:id="rId11"/>
   </p:sldLayoutIdLst>
-  <p:transition spd="med" advClick="1"/>
+  <p:transition spd="med"/>
   <p:txStyles>
     <p:titleStyle>
       <a:lvl1pPr algn="ctr">
@@ -3025,7 +4475,7 @@
 </file>
 
 <file path=ppt/slides/slide1.xml><?xml version="1.0" encoding="utf-8"?>
-<p:sld xmlns:a="http://schemas.openxmlformats.org/drawingml/2006/main" xmlns:r="http://schemas.openxmlformats.org/officeDocument/2006/relationships" xmlns:p="http://schemas.openxmlformats.org/presentationml/2006/main" showMasterSp="1" showMasterPhAnim="1">
+<p:sld xmlns:a="http://schemas.openxmlformats.org/drawingml/2006/main" xmlns:r="http://schemas.openxmlformats.org/officeDocument/2006/relationships" xmlns:p="http://schemas.openxmlformats.org/presentationml/2006/main">
   <p:cSld>
     <p:spTree>
       <p:nvGrpSpPr>
@@ -3044,7 +4494,9 @@
       <p:sp>
         <p:nvSpPr>
           <p:cNvPr id="49" name="Shape 49"/>
-          <p:cNvSpPr/>
+          <p:cNvSpPr>
+            <a:spLocks noGrp="1"/>
+          </p:cNvSpPr>
           <p:nvPr>
             <p:ph type="title"/>
           </p:nvPr>
@@ -3062,15 +4514,15 @@
           <a:bodyPr/>
           <a:lstStyle>
             <a:lvl1pPr defTabSz="859536">
-              <a:defRPr b="1" sz="3666"/>
+              <a:defRPr sz="3666" b="1"/>
             </a:lvl1pPr>
           </a:lstStyle>
           <a:p>
             <a:pPr lvl="0">
-              <a:defRPr b="0" sz="1800"/>
-            </a:pPr>
-            <a:r>
-              <a:rPr b="1" sz="3666"/>
+              <a:defRPr sz="1800" b="0"/>
+            </a:pPr>
+            <a:r>
+              <a:rPr sz="3666" b="1"/>
               <a:t>Predicting Water Pump Failure and Planning Maintenance in Tanzania</a:t>
             </a:r>
           </a:p>
@@ -3079,7 +4531,9 @@
       <p:sp>
         <p:nvSpPr>
           <p:cNvPr id="50" name="Shape 50"/>
-          <p:cNvSpPr/>
+          <p:cNvSpPr>
+            <a:spLocks noGrp="1"/>
+          </p:cNvSpPr>
           <p:nvPr>
             <p:ph type="body" idx="1"/>
           </p:nvPr>
@@ -3115,11 +4569,6 @@
               </a:rPr>
               <a:t>Samuel Kim and Gareth Haslam</a:t>
             </a:r>
-            <a:endParaRPr sz="3200">
-              <a:solidFill>
-                <a:srgbClr val="888888"/>
-              </a:solidFill>
-            </a:endParaRPr>
           </a:p>
           <a:p>
             <a:pPr lvl="0">
@@ -3175,12 +4624,1959 @@
   <p:clrMapOvr>
     <a:masterClrMapping/>
   </p:clrMapOvr>
-  <p:transition spd="med" advClick="1"/>
+  <p:transition spd="med"/>
+  <p:timing>
+    <p:tnLst>
+      <p:par>
+        <p:cTn id="1" dur="indefinite" restart="never" nodeType="tmRoot"/>
+      </p:par>
+    </p:tnLst>
+  </p:timing>
 </p:sld>
 </file>
 
 <file path=ppt/slides/slide10.xml><?xml version="1.0" encoding="utf-8"?>
-<p:sld xmlns:a="http://schemas.openxmlformats.org/drawingml/2006/main" xmlns:r="http://schemas.openxmlformats.org/officeDocument/2006/relationships" xmlns:p="http://schemas.openxmlformats.org/presentationml/2006/main" showMasterSp="1" showMasterPhAnim="1">
+<p:sld xmlns:a="http://schemas.openxmlformats.org/drawingml/2006/main" xmlns:r="http://schemas.openxmlformats.org/officeDocument/2006/relationships" xmlns:p="http://schemas.openxmlformats.org/presentationml/2006/main">
+  <p:cSld>
+    <p:spTree>
+      <p:nvGrpSpPr>
+        <p:cNvPr id="1" name=""/>
+        <p:cNvGrpSpPr/>
+        <p:nvPr/>
+      </p:nvGrpSpPr>
+      <p:grpSpPr>
+        <a:xfrm>
+          <a:off x="0" y="0"/>
+          <a:ext cx="0" cy="0"/>
+          <a:chOff x="0" y="0"/>
+          <a:chExt cx="0" cy="0"/>
+        </a:xfrm>
+      </p:grpSpPr>
+      <p:sp>
+        <p:nvSpPr>
+          <p:cNvPr id="69" name="Shape 69"/>
+          <p:cNvSpPr>
+            <a:spLocks noGrp="1"/>
+          </p:cNvSpPr>
+          <p:nvPr>
+            <p:ph type="title"/>
+          </p:nvPr>
+        </p:nvSpPr>
+        <p:spPr>
+          <a:xfrm>
+            <a:off x="457200" y="274638"/>
+            <a:ext cx="8229600" cy="1143001"/>
+          </a:xfrm>
+          <a:prstGeom prst="rect">
+            <a:avLst/>
+          </a:prstGeom>
+        </p:spPr>
+        <p:txBody>
+          <a:bodyPr/>
+          <a:lstStyle/>
+          <a:p>
+            <a:pPr lvl="0">
+              <a:defRPr sz="1800"/>
+            </a:pPr>
+            <a:r>
+              <a:rPr sz="4400"/>
+              <a:t>Prediction Results</a:t>
+            </a:r>
+          </a:p>
+        </p:txBody>
+      </p:sp>
+      <p:graphicFrame>
+        <p:nvGraphicFramePr>
+          <p:cNvPr id="70" name="Table 70"/>
+          <p:cNvGraphicFramePr/>
+          <p:nvPr/>
+        </p:nvGraphicFramePr>
+        <p:xfrm>
+          <a:off x="533400" y="1397000"/>
+          <a:ext cx="8077200" cy="1889760"/>
+        </p:xfrm>
+        <a:graphic>
+          <a:graphicData uri="http://schemas.openxmlformats.org/drawingml/2006/table">
+            <a:tbl>
+              <a:tblPr firstRow="1" bandRow="1">
+                <a:tableStyleId>{4C3C2611-4C71-4FC5-86AE-919BDF0F9419}</a:tableStyleId>
+              </a:tblPr>
+              <a:tblGrid>
+                <a:gridCol w="2692400"/>
+                <a:gridCol w="2692400"/>
+                <a:gridCol w="2692400"/>
+              </a:tblGrid>
+              <a:tr h="944880">
+                <a:tc>
+                  <a:txBody>
+                    <a:bodyPr/>
+                    <a:lstStyle/>
+                    <a:p>
+                      <a:pPr lvl="0" algn="l">
+                        <a:defRPr sz="1800" b="0" i="0">
+                          <a:solidFill>
+                            <a:srgbClr val="000000"/>
+                          </a:solidFill>
+                        </a:defRPr>
+                      </a:pPr>
+                      <a:r>
+                        <a:rPr sz="2800" b="1">
+                          <a:solidFill>
+                            <a:srgbClr val="FFFFFF"/>
+                          </a:solidFill>
+                        </a:rPr>
+                        <a:t>Method</a:t>
+                      </a:r>
+                    </a:p>
+                  </a:txBody>
+                  <a:tcPr marL="45720" marR="45720" horzOverflow="overflow"/>
+                </a:tc>
+                <a:tc>
+                  <a:txBody>
+                    <a:bodyPr/>
+                    <a:lstStyle/>
+                    <a:p>
+                      <a:pPr lvl="0" algn="l">
+                        <a:defRPr sz="1800" b="0" i="0">
+                          <a:solidFill>
+                            <a:srgbClr val="000000"/>
+                          </a:solidFill>
+                        </a:defRPr>
+                      </a:pPr>
+                      <a:r>
+                        <a:rPr sz="2800" b="1">
+                          <a:solidFill>
+                            <a:srgbClr val="FFFFFF"/>
+                          </a:solidFill>
+                        </a:rPr>
+                        <a:t>Prediction Accuracy</a:t>
+                      </a:r>
+                    </a:p>
+                  </a:txBody>
+                  <a:tcPr marL="45720" marR="45720" horzOverflow="overflow"/>
+                </a:tc>
+                <a:tc>
+                  <a:txBody>
+                    <a:bodyPr/>
+                    <a:lstStyle/>
+                    <a:p>
+                      <a:pPr lvl="0" algn="l">
+                        <a:defRPr sz="1800" b="0" i="0">
+                          <a:solidFill>
+                            <a:srgbClr val="000000"/>
+                          </a:solidFill>
+                        </a:defRPr>
+                      </a:pPr>
+                      <a:r>
+                        <a:rPr sz="2800" b="1">
+                          <a:solidFill>
+                            <a:srgbClr val="FFFFFF"/>
+                          </a:solidFill>
+                        </a:rPr>
+                        <a:t>Time</a:t>
+                      </a:r>
+                    </a:p>
+                  </a:txBody>
+                  <a:tcPr marL="45720" marR="45720" horzOverflow="overflow"/>
+                </a:tc>
+              </a:tr>
+              <a:tr h="944880">
+                <a:tc>
+                  <a:txBody>
+                    <a:bodyPr/>
+                    <a:lstStyle/>
+                    <a:p>
+                      <a:pPr lvl="0" algn="l">
+                        <a:defRPr sz="1800" b="0" i="0"/>
+                      </a:pPr>
+                      <a:r>
+                        <a:rPr sz="2800" b="1" i="1"/>
+                        <a:t>Bayesian Inference</a:t>
+                      </a:r>
+                    </a:p>
+                  </a:txBody>
+                  <a:tcPr marL="45720" marR="45720" horzOverflow="overflow"/>
+                </a:tc>
+                <a:tc>
+                  <a:txBody>
+                    <a:bodyPr/>
+                    <a:lstStyle/>
+                    <a:p>
+                      <a:pPr lvl="0" algn="l">
+                        <a:defRPr sz="1800" b="0" i="0"/>
+                      </a:pPr>
+                      <a:r>
+                        <a:rPr sz="2800" b="1" i="1"/>
+                        <a:t>60%</a:t>
+                      </a:r>
+                    </a:p>
+                  </a:txBody>
+                  <a:tcPr marL="45720" marR="45720" horzOverflow="overflow"/>
+                </a:tc>
+                <a:tc>
+                  <a:txBody>
+                    <a:bodyPr/>
+                    <a:lstStyle/>
+                    <a:p>
+                      <a:pPr lvl="0" algn="l">
+                        <a:defRPr sz="1800" b="0" i="0"/>
+                      </a:pPr>
+                      <a:r>
+                        <a:rPr sz="2800" b="1" i="1"/>
+                        <a:t>Long</a:t>
+                      </a:r>
+                    </a:p>
+                  </a:txBody>
+                  <a:tcPr marL="45720" marR="45720" horzOverflow="overflow"/>
+                </a:tc>
+              </a:tr>
+            </a:tbl>
+          </a:graphicData>
+        </a:graphic>
+      </p:graphicFrame>
+      <p:pic>
+        <p:nvPicPr>
+          <p:cNvPr id="71" name="image6.png" descr="C:\Users\Sam\Documents\Academics\AM207\FinalProject\AM207\write-up\figures\trace_component.png"/>
+          <p:cNvPicPr/>
+          <p:nvPr/>
+        </p:nvPicPr>
+        <p:blipFill>
+          <a:blip r:embed="rId3">
+            <a:extLst/>
+          </a:blip>
+          <a:stretch>
+            <a:fillRect/>
+          </a:stretch>
+        </p:blipFill>
+        <p:spPr>
+          <a:xfrm>
+            <a:off x="2176461" y="3429000"/>
+            <a:ext cx="4789489" cy="3251200"/>
+          </a:xfrm>
+          <a:prstGeom prst="rect">
+            <a:avLst/>
+          </a:prstGeom>
+          <a:ln w="12700">
+            <a:miter lim="400000"/>
+          </a:ln>
+        </p:spPr>
+      </p:pic>
+    </p:spTree>
+  </p:cSld>
+  <p:clrMapOvr>
+    <a:masterClrMapping/>
+  </p:clrMapOvr>
+  <p:transition spd="med"/>
+  <p:timing>
+    <p:tnLst>
+      <p:par>
+        <p:cTn id="1" dur="indefinite" restart="never" nodeType="tmRoot"/>
+      </p:par>
+    </p:tnLst>
+  </p:timing>
+</p:sld>
+</file>
+
+<file path=ppt/slides/slide11.xml><?xml version="1.0" encoding="utf-8"?>
+<p:sld xmlns:a="http://schemas.openxmlformats.org/drawingml/2006/main" xmlns:r="http://schemas.openxmlformats.org/officeDocument/2006/relationships" xmlns:p="http://schemas.openxmlformats.org/presentationml/2006/main">
+  <p:cSld>
+    <p:spTree>
+      <p:nvGrpSpPr>
+        <p:cNvPr id="1" name=""/>
+        <p:cNvGrpSpPr/>
+        <p:nvPr/>
+      </p:nvGrpSpPr>
+      <p:grpSpPr>
+        <a:xfrm>
+          <a:off x="0" y="0"/>
+          <a:ext cx="0" cy="0"/>
+          <a:chOff x="0" y="0"/>
+          <a:chExt cx="0" cy="0"/>
+        </a:xfrm>
+      </p:grpSpPr>
+      <p:sp>
+        <p:nvSpPr>
+          <p:cNvPr id="75" name="Shape 75"/>
+          <p:cNvSpPr>
+            <a:spLocks noGrp="1"/>
+          </p:cNvSpPr>
+          <p:nvPr>
+            <p:ph type="title"/>
+          </p:nvPr>
+        </p:nvSpPr>
+        <p:spPr>
+          <a:xfrm>
+            <a:off x="457200" y="274638"/>
+            <a:ext cx="8229600" cy="1143001"/>
+          </a:xfrm>
+          <a:prstGeom prst="rect">
+            <a:avLst/>
+          </a:prstGeom>
+        </p:spPr>
+        <p:txBody>
+          <a:bodyPr/>
+          <a:lstStyle/>
+          <a:p>
+            <a:pPr lvl="0">
+              <a:defRPr sz="1800"/>
+            </a:pPr>
+            <a:r>
+              <a:rPr sz="4400"/>
+              <a:t>Prediction Results</a:t>
+            </a:r>
+          </a:p>
+        </p:txBody>
+      </p:sp>
+      <p:graphicFrame>
+        <p:nvGraphicFramePr>
+          <p:cNvPr id="76" name="Table 76"/>
+          <p:cNvGraphicFramePr/>
+          <p:nvPr/>
+        </p:nvGraphicFramePr>
+        <p:xfrm>
+          <a:off x="533400" y="1397000"/>
+          <a:ext cx="8077200" cy="3672840"/>
+        </p:xfrm>
+        <a:graphic>
+          <a:graphicData uri="http://schemas.openxmlformats.org/drawingml/2006/table">
+            <a:tbl>
+              <a:tblPr firstRow="1" bandRow="1">
+                <a:tableStyleId>{4C3C2611-4C71-4FC5-86AE-919BDF0F9419}</a:tableStyleId>
+              </a:tblPr>
+              <a:tblGrid>
+                <a:gridCol w="2692400"/>
+                <a:gridCol w="2692400"/>
+                <a:gridCol w="2692400"/>
+              </a:tblGrid>
+              <a:tr h="838200">
+                <a:tc>
+                  <a:txBody>
+                    <a:bodyPr/>
+                    <a:lstStyle/>
+                    <a:p>
+                      <a:pPr lvl="0" algn="l">
+                        <a:defRPr sz="1800" b="0" i="0">
+                          <a:solidFill>
+                            <a:srgbClr val="000000"/>
+                          </a:solidFill>
+                        </a:defRPr>
+                      </a:pPr>
+                      <a:r>
+                        <a:rPr sz="2800" b="1">
+                          <a:solidFill>
+                            <a:srgbClr val="FFFFFF"/>
+                          </a:solidFill>
+                        </a:rPr>
+                        <a:t>Method</a:t>
+                      </a:r>
+                    </a:p>
+                  </a:txBody>
+                  <a:tcPr marL="45720" marR="45720" horzOverflow="overflow"/>
+                </a:tc>
+                <a:tc>
+                  <a:txBody>
+                    <a:bodyPr/>
+                    <a:lstStyle/>
+                    <a:p>
+                      <a:pPr lvl="0" algn="l">
+                        <a:defRPr sz="1800" b="0" i="0">
+                          <a:solidFill>
+                            <a:srgbClr val="000000"/>
+                          </a:solidFill>
+                        </a:defRPr>
+                      </a:pPr>
+                      <a:r>
+                        <a:rPr sz="2800" b="1">
+                          <a:solidFill>
+                            <a:srgbClr val="FFFFFF"/>
+                          </a:solidFill>
+                        </a:rPr>
+                        <a:t>Prediction Accuracy</a:t>
+                      </a:r>
+                    </a:p>
+                  </a:txBody>
+                  <a:tcPr marL="45720" marR="45720" horzOverflow="overflow"/>
+                </a:tc>
+                <a:tc>
+                  <a:txBody>
+                    <a:bodyPr/>
+                    <a:lstStyle/>
+                    <a:p>
+                      <a:pPr lvl="0" algn="l">
+                        <a:defRPr sz="1800" b="0" i="0">
+                          <a:solidFill>
+                            <a:srgbClr val="000000"/>
+                          </a:solidFill>
+                        </a:defRPr>
+                      </a:pPr>
+                      <a:r>
+                        <a:rPr sz="2800" b="1">
+                          <a:solidFill>
+                            <a:srgbClr val="FFFFFF"/>
+                          </a:solidFill>
+                        </a:rPr>
+                        <a:t>Time</a:t>
+                      </a:r>
+                    </a:p>
+                  </a:txBody>
+                  <a:tcPr marL="45720" marR="45720" horzOverflow="overflow"/>
+                </a:tc>
+              </a:tr>
+              <a:tr h="838200">
+                <a:tc>
+                  <a:txBody>
+                    <a:bodyPr/>
+                    <a:lstStyle/>
+                    <a:p>
+                      <a:pPr lvl="0" algn="l">
+                        <a:defRPr sz="1800" b="0" i="0"/>
+                      </a:pPr>
+                      <a:r>
+                        <a:rPr sz="2800" b="1" i="1"/>
+                        <a:t>Bayesian Inference</a:t>
+                      </a:r>
+                    </a:p>
+                  </a:txBody>
+                  <a:tcPr marL="45720" marR="45720" horzOverflow="overflow"/>
+                </a:tc>
+                <a:tc>
+                  <a:txBody>
+                    <a:bodyPr/>
+                    <a:lstStyle/>
+                    <a:p>
+                      <a:pPr lvl="0" algn="l">
+                        <a:defRPr sz="1800" b="0" i="0"/>
+                      </a:pPr>
+                      <a:r>
+                        <a:rPr sz="2800" b="1" i="1"/>
+                        <a:t>60%</a:t>
+                      </a:r>
+                    </a:p>
+                  </a:txBody>
+                  <a:tcPr marL="45720" marR="45720" horzOverflow="overflow"/>
+                </a:tc>
+                <a:tc>
+                  <a:txBody>
+                    <a:bodyPr/>
+                    <a:lstStyle/>
+                    <a:p>
+                      <a:pPr lvl="0" algn="l">
+                        <a:defRPr sz="1800" b="0" i="0"/>
+                      </a:pPr>
+                      <a:r>
+                        <a:rPr sz="2800" b="1" i="1"/>
+                        <a:t>Long</a:t>
+                      </a:r>
+                    </a:p>
+                  </a:txBody>
+                  <a:tcPr marL="45720" marR="45720" horzOverflow="overflow"/>
+                </a:tc>
+              </a:tr>
+              <a:tr h="838200">
+                <a:tc>
+                  <a:txBody>
+                    <a:bodyPr/>
+                    <a:lstStyle/>
+                    <a:p>
+                      <a:pPr lvl="0" algn="l">
+                        <a:defRPr sz="1800" b="0" i="0"/>
+                      </a:pPr>
+                      <a:r>
+                        <a:rPr sz="2800" b="1" i="1"/>
+                        <a:t>K Nearest Neighbors</a:t>
+                      </a:r>
+                    </a:p>
+                  </a:txBody>
+                  <a:tcPr marL="45720" marR="45720" horzOverflow="overflow"/>
+                </a:tc>
+                <a:tc>
+                  <a:txBody>
+                    <a:bodyPr/>
+                    <a:lstStyle/>
+                    <a:p>
+                      <a:pPr lvl="0" algn="l">
+                        <a:defRPr sz="1800" b="0" i="0"/>
+                      </a:pPr>
+                      <a:r>
+                        <a:rPr sz="2800" b="1" i="1"/>
+                        <a:t>69%</a:t>
+                      </a:r>
+                    </a:p>
+                  </a:txBody>
+                  <a:tcPr marL="45720" marR="45720" horzOverflow="overflow"/>
+                </a:tc>
+                <a:tc>
+                  <a:txBody>
+                    <a:bodyPr/>
+                    <a:lstStyle/>
+                    <a:p>
+                      <a:pPr lvl="0" algn="l">
+                        <a:defRPr sz="1800" b="0" i="0"/>
+                      </a:pPr>
+                      <a:r>
+                        <a:rPr sz="2800" b="1" i="1"/>
+                        <a:t>Short</a:t>
+                      </a:r>
+                    </a:p>
+                  </a:txBody>
+                  <a:tcPr marL="45720" marR="45720" horzOverflow="overflow"/>
+                </a:tc>
+              </a:tr>
+              <a:tr h="838200">
+                <a:tc>
+                  <a:txBody>
+                    <a:bodyPr/>
+                    <a:lstStyle/>
+                    <a:p>
+                      <a:pPr lvl="0" algn="l">
+                        <a:defRPr sz="1800" b="0" i="0"/>
+                      </a:pPr>
+                      <a:r>
+                        <a:rPr sz="2800" b="1" i="1"/>
+                        <a:t>Random Forest</a:t>
+                      </a:r>
+                    </a:p>
+                  </a:txBody>
+                  <a:tcPr marL="45720" marR="45720" horzOverflow="overflow"/>
+                </a:tc>
+                <a:tc>
+                  <a:txBody>
+                    <a:bodyPr/>
+                    <a:lstStyle/>
+                    <a:p>
+                      <a:pPr lvl="0" algn="l">
+                        <a:defRPr sz="1800" b="0" i="0"/>
+                      </a:pPr>
+                      <a:r>
+                        <a:rPr sz="2800" b="1" i="1"/>
+                        <a:t>80%</a:t>
+                      </a:r>
+                    </a:p>
+                  </a:txBody>
+                  <a:tcPr marL="45720" marR="45720" horzOverflow="overflow"/>
+                </a:tc>
+                <a:tc>
+                  <a:txBody>
+                    <a:bodyPr/>
+                    <a:lstStyle/>
+                    <a:p>
+                      <a:pPr lvl="0" algn="l">
+                        <a:defRPr sz="1800" b="0" i="0"/>
+                      </a:pPr>
+                      <a:r>
+                        <a:rPr sz="2800" b="1" i="1"/>
+                        <a:t>Medium</a:t>
+                      </a:r>
+                    </a:p>
+                  </a:txBody>
+                  <a:tcPr marL="45720" marR="45720" horzOverflow="overflow"/>
+                </a:tc>
+              </a:tr>
+            </a:tbl>
+          </a:graphicData>
+        </a:graphic>
+      </p:graphicFrame>
+    </p:spTree>
+  </p:cSld>
+  <p:clrMapOvr>
+    <a:masterClrMapping/>
+  </p:clrMapOvr>
+  <p:transition spd="med"/>
+  <p:timing>
+    <p:tnLst>
+      <p:par>
+        <p:cTn id="1" dur="indefinite" restart="never" nodeType="tmRoot"/>
+      </p:par>
+    </p:tnLst>
+  </p:timing>
+</p:sld>
+</file>
+
+<file path=ppt/slides/slide12.xml><?xml version="1.0" encoding="utf-8"?>
+<p:sld xmlns:a="http://schemas.openxmlformats.org/drawingml/2006/main" xmlns:r="http://schemas.openxmlformats.org/officeDocument/2006/relationships" xmlns:p="http://schemas.openxmlformats.org/presentationml/2006/main">
+  <p:cSld>
+    <p:spTree>
+      <p:nvGrpSpPr>
+        <p:cNvPr id="1" name=""/>
+        <p:cNvGrpSpPr/>
+        <p:nvPr/>
+      </p:nvGrpSpPr>
+      <p:grpSpPr>
+        <a:xfrm>
+          <a:off x="0" y="0"/>
+          <a:ext cx="0" cy="0"/>
+          <a:chOff x="0" y="0"/>
+          <a:chExt cx="0" cy="0"/>
+        </a:xfrm>
+      </p:grpSpPr>
+      <p:sp>
+        <p:nvSpPr>
+          <p:cNvPr id="80" name="Shape 80"/>
+          <p:cNvSpPr>
+            <a:spLocks noGrp="1"/>
+          </p:cNvSpPr>
+          <p:nvPr>
+            <p:ph type="title"/>
+          </p:nvPr>
+        </p:nvSpPr>
+        <p:spPr>
+          <a:xfrm>
+            <a:off x="457200" y="274638"/>
+            <a:ext cx="8229600" cy="1143001"/>
+          </a:xfrm>
+          <a:prstGeom prst="rect">
+            <a:avLst/>
+          </a:prstGeom>
+        </p:spPr>
+        <p:txBody>
+          <a:bodyPr>
+            <a:normAutofit fontScale="90000"/>
+          </a:bodyPr>
+          <a:lstStyle>
+            <a:lvl1pPr defTabSz="740663">
+              <a:defRPr sz="3564"/>
+            </a:lvl1pPr>
+          </a:lstStyle>
+          <a:p>
+            <a:pPr lvl="0">
+              <a:defRPr sz="1800"/>
+            </a:pPr>
+            <a:r>
+              <a:rPr sz="3564"/>
+              <a:t>Optimising the maintenance of faulty water pumps</a:t>
+            </a:r>
+          </a:p>
+        </p:txBody>
+      </p:sp>
+      <p:pic>
+        <p:nvPicPr>
+          <p:cNvPr id="3" name="PumpMap.png"/>
+          <p:cNvPicPr/>
+          <p:nvPr/>
+        </p:nvPicPr>
+        <p:blipFill>
+          <a:blip r:embed="rId3">
+            <a:extLst/>
+          </a:blip>
+          <a:stretch>
+            <a:fillRect/>
+          </a:stretch>
+        </p:blipFill>
+        <p:spPr>
+          <a:xfrm>
+            <a:off x="609600" y="1752600"/>
+            <a:ext cx="7964488" cy="4276387"/>
+          </a:xfrm>
+          <a:prstGeom prst="rect">
+            <a:avLst/>
+          </a:prstGeom>
+          <a:ln w="38100">
+            <a:solidFill/>
+            <a:miter lim="400000"/>
+          </a:ln>
+        </p:spPr>
+      </p:pic>
+    </p:spTree>
+  </p:cSld>
+  <p:clrMapOvr>
+    <a:masterClrMapping/>
+  </p:clrMapOvr>
+  <p:transition spd="med"/>
+  <p:timing>
+    <p:tnLst>
+      <p:par>
+        <p:cTn id="1" dur="indefinite" restart="never" nodeType="tmRoot"/>
+      </p:par>
+    </p:tnLst>
+  </p:timing>
+</p:sld>
+</file>
+
+<file path=ppt/slides/slide13.xml><?xml version="1.0" encoding="utf-8"?>
+<p:sld xmlns:a="http://schemas.openxmlformats.org/drawingml/2006/main" xmlns:r="http://schemas.openxmlformats.org/officeDocument/2006/relationships" xmlns:p="http://schemas.openxmlformats.org/presentationml/2006/main">
+  <p:cSld>
+    <p:spTree>
+      <p:nvGrpSpPr>
+        <p:cNvPr id="1" name=""/>
+        <p:cNvGrpSpPr/>
+        <p:nvPr/>
+      </p:nvGrpSpPr>
+      <p:grpSpPr>
+        <a:xfrm>
+          <a:off x="0" y="0"/>
+          <a:ext cx="0" cy="0"/>
+          <a:chOff x="0" y="0"/>
+          <a:chExt cx="0" cy="0"/>
+        </a:xfrm>
+      </p:grpSpPr>
+      <p:sp>
+        <p:nvSpPr>
+          <p:cNvPr id="84" name="Shape 84"/>
+          <p:cNvSpPr>
+            <a:spLocks noGrp="1"/>
+          </p:cNvSpPr>
+          <p:nvPr>
+            <p:ph type="sldNum" sz="quarter" idx="2"/>
+          </p:nvPr>
+        </p:nvSpPr>
+        <p:spPr>
+          <a:prstGeom prst="rect">
+            <a:avLst/>
+          </a:prstGeom>
+          <a:extLst>
+            <a:ext uri="{C572A759-6A51-4108-AA02-DFA0A04FC94B}">
+              <ma14:wrappingTextBoxFlag xmlns:ma14="http://schemas.microsoft.com/office/mac/drawingml/2011/main" xmlns="" val="1"/>
+            </a:ext>
+          </a:extLst>
+        </p:spPr>
+        <p:txBody>
+          <a:bodyPr/>
+          <a:lstStyle/>
+          <a:p>
+            <a:pPr lvl="0">
+              <a:defRPr sz="1800">
+                <a:solidFill>
+                  <a:srgbClr val="000000"/>
+                </a:solidFill>
+              </a:defRPr>
+            </a:pPr>
+            <a:fld id="{86CB4B4D-7CA3-9044-876B-883B54F8677D}" type="slidenum">
+              <a:rPr sz="1200">
+                <a:solidFill>
+                  <a:srgbClr val="888888"/>
+                </a:solidFill>
+              </a:rPr>
+              <a:t>13</a:t>
+            </a:fld>
+            <a:endParaRPr sz="1200">
+              <a:solidFill>
+                <a:srgbClr val="888888"/>
+              </a:solidFill>
+            </a:endParaRPr>
+          </a:p>
+        </p:txBody>
+      </p:sp>
+      <p:sp>
+        <p:nvSpPr>
+          <p:cNvPr id="85" name="Shape 85"/>
+          <p:cNvSpPr/>
+          <p:nvPr/>
+        </p:nvSpPr>
+        <p:spPr>
+          <a:xfrm>
+            <a:off x="1394005" y="157479"/>
+            <a:ext cx="6355989" cy="739141"/>
+          </a:xfrm>
+          <a:prstGeom prst="rect">
+            <a:avLst/>
+          </a:prstGeom>
+          <a:ln w="12700">
+            <a:miter lim="400000"/>
+          </a:ln>
+          <a:extLst>
+            <a:ext uri="{C572A759-6A51-4108-AA02-DFA0A04FC94B}">
+              <ma14:wrappingTextBoxFlag xmlns:ma14="http://schemas.microsoft.com/office/mac/drawingml/2011/main" xmlns="" val="1"/>
+            </a:ext>
+          </a:extLst>
+        </p:spPr>
+        <p:txBody>
+          <a:bodyPr wrap="none" lIns="45719" rIns="45719">
+            <a:spAutoFit/>
+          </a:bodyPr>
+          <a:lstStyle>
+            <a:lvl1pPr algn="ctr">
+              <a:defRPr sz="4400"/>
+            </a:lvl1pPr>
+          </a:lstStyle>
+          <a:p>
+            <a:pPr lvl="0">
+              <a:defRPr sz="1800"/>
+            </a:pPr>
+            <a:r>
+              <a:rPr sz="4400"/>
+              <a:t>Visiting the faulty pumps</a:t>
+            </a:r>
+          </a:p>
+        </p:txBody>
+      </p:sp>
+      <p:pic>
+        <p:nvPicPr>
+          <p:cNvPr id="86" name="Optimised-Route.png"/>
+          <p:cNvPicPr/>
+          <p:nvPr/>
+        </p:nvPicPr>
+        <p:blipFill>
+          <a:blip r:embed="rId3">
+            <a:extLst/>
+          </a:blip>
+          <a:stretch>
+            <a:fillRect/>
+          </a:stretch>
+        </p:blipFill>
+        <p:spPr>
+          <a:xfrm>
+            <a:off x="1047750" y="1263650"/>
+            <a:ext cx="7116062" cy="5023969"/>
+          </a:xfrm>
+          <a:prstGeom prst="rect">
+            <a:avLst/>
+          </a:prstGeom>
+          <a:ln w="12700">
+            <a:miter lim="400000"/>
+          </a:ln>
+        </p:spPr>
+      </p:pic>
+    </p:spTree>
+    <p:extLst>
+      <p:ext uri="{BB962C8B-B14F-4D97-AF65-F5344CB8AC3E}">
+        <p14:creationId xmlns:p14="http://schemas.microsoft.com/office/powerpoint/2010/main" val="398800075"/>
+      </p:ext>
+    </p:extLst>
+  </p:cSld>
+  <p:clrMapOvr>
+    <a:masterClrMapping/>
+  </p:clrMapOvr>
+  <p:transition spd="med"/>
+  <p:timing>
+    <p:tnLst>
+      <p:par>
+        <p:cTn id="1" dur="indefinite" restart="never" nodeType="tmRoot"/>
+      </p:par>
+    </p:tnLst>
+  </p:timing>
+</p:sld>
+</file>
+
+<file path=ppt/slides/slide14.xml><?xml version="1.0" encoding="utf-8"?>
+<p:sld xmlns:a="http://schemas.openxmlformats.org/drawingml/2006/main" xmlns:r="http://schemas.openxmlformats.org/officeDocument/2006/relationships" xmlns:p="http://schemas.openxmlformats.org/presentationml/2006/main">
+  <p:cSld>
+    <p:spTree>
+      <p:nvGrpSpPr>
+        <p:cNvPr id="1" name=""/>
+        <p:cNvGrpSpPr/>
+        <p:nvPr/>
+      </p:nvGrpSpPr>
+      <p:grpSpPr>
+        <a:xfrm>
+          <a:off x="0" y="0"/>
+          <a:ext cx="0" cy="0"/>
+          <a:chOff x="0" y="0"/>
+          <a:chExt cx="0" cy="0"/>
+        </a:xfrm>
+      </p:grpSpPr>
+      <p:sp>
+        <p:nvSpPr>
+          <p:cNvPr id="84" name="Shape 84"/>
+          <p:cNvSpPr>
+            <a:spLocks noGrp="1"/>
+          </p:cNvSpPr>
+          <p:nvPr>
+            <p:ph type="sldNum" sz="quarter" idx="2"/>
+          </p:nvPr>
+        </p:nvSpPr>
+        <p:spPr>
+          <a:prstGeom prst="rect">
+            <a:avLst/>
+          </a:prstGeom>
+          <a:extLst>
+            <a:ext uri="{C572A759-6A51-4108-AA02-DFA0A04FC94B}">
+              <ma14:wrappingTextBoxFlag xmlns:ma14="http://schemas.microsoft.com/office/mac/drawingml/2011/main" xmlns="" val="1"/>
+            </a:ext>
+          </a:extLst>
+        </p:spPr>
+        <p:txBody>
+          <a:bodyPr/>
+          <a:lstStyle/>
+          <a:p>
+            <a:pPr lvl="0">
+              <a:defRPr sz="1800">
+                <a:solidFill>
+                  <a:srgbClr val="000000"/>
+                </a:solidFill>
+              </a:defRPr>
+            </a:pPr>
+            <a:fld id="{86CB4B4D-7CA3-9044-876B-883B54F8677D}" type="slidenum">
+              <a:rPr sz="1200">
+                <a:solidFill>
+                  <a:srgbClr val="888888"/>
+                </a:solidFill>
+              </a:rPr>
+              <a:t>14</a:t>
+            </a:fld>
+            <a:endParaRPr sz="1200">
+              <a:solidFill>
+                <a:srgbClr val="888888"/>
+              </a:solidFill>
+            </a:endParaRPr>
+          </a:p>
+        </p:txBody>
+      </p:sp>
+      <p:sp>
+        <p:nvSpPr>
+          <p:cNvPr id="85" name="Shape 85"/>
+          <p:cNvSpPr/>
+          <p:nvPr/>
+        </p:nvSpPr>
+        <p:spPr>
+          <a:xfrm>
+            <a:off x="1394005" y="157479"/>
+            <a:ext cx="6355989" cy="739141"/>
+          </a:xfrm>
+          <a:prstGeom prst="rect">
+            <a:avLst/>
+          </a:prstGeom>
+          <a:ln w="12700">
+            <a:miter lim="400000"/>
+          </a:ln>
+          <a:extLst>
+            <a:ext uri="{C572A759-6A51-4108-AA02-DFA0A04FC94B}">
+              <ma14:wrappingTextBoxFlag xmlns:ma14="http://schemas.microsoft.com/office/mac/drawingml/2011/main" xmlns="" val="1"/>
+            </a:ext>
+          </a:extLst>
+        </p:spPr>
+        <p:txBody>
+          <a:bodyPr wrap="none" lIns="45719" rIns="45719">
+            <a:spAutoFit/>
+          </a:bodyPr>
+          <a:lstStyle>
+            <a:lvl1pPr algn="ctr">
+              <a:defRPr sz="4400"/>
+            </a:lvl1pPr>
+          </a:lstStyle>
+          <a:p>
+            <a:pPr lvl="0">
+              <a:defRPr sz="1800"/>
+            </a:pPr>
+            <a:r>
+              <a:rPr sz="4400"/>
+              <a:t>Visiting the faulty pumps</a:t>
+            </a:r>
+          </a:p>
+        </p:txBody>
+      </p:sp>
+      <p:pic>
+        <p:nvPicPr>
+          <p:cNvPr id="86" name="Optimised-Route.png"/>
+          <p:cNvPicPr/>
+          <p:nvPr/>
+        </p:nvPicPr>
+        <p:blipFill>
+          <a:blip r:embed="rId3">
+            <a:extLst/>
+          </a:blip>
+          <a:stretch>
+            <a:fillRect/>
+          </a:stretch>
+        </p:blipFill>
+        <p:spPr>
+          <a:xfrm>
+            <a:off x="1047750" y="1263650"/>
+            <a:ext cx="7116062" cy="5023969"/>
+          </a:xfrm>
+          <a:prstGeom prst="rect">
+            <a:avLst/>
+          </a:prstGeom>
+          <a:ln w="12700">
+            <a:miter lim="400000"/>
+          </a:ln>
+        </p:spPr>
+      </p:pic>
+      <p:sp>
+        <p:nvSpPr>
+          <p:cNvPr id="5" name="Rectangle 4"/>
+          <p:cNvSpPr/>
+          <p:nvPr/>
+        </p:nvSpPr>
+        <p:spPr>
+          <a:xfrm>
+            <a:off x="914400" y="1240188"/>
+            <a:ext cx="7391400" cy="2535446"/>
+          </a:xfrm>
+          <a:prstGeom prst="rect">
+            <a:avLst/>
+          </a:prstGeom>
+          <a:noFill/>
+          <a:ln w="25400" cap="flat">
+            <a:solidFill>
+              <a:srgbClr val="FF0000"/>
+            </a:solidFill>
+            <a:prstDash val="solid"/>
+            <a:bevel/>
+          </a:ln>
+          <a:effectLst>
+            <a:outerShdw blurRad="38100" dist="23000" dir="5400000" rotWithShape="0">
+              <a:srgbClr val="000000">
+                <a:alpha val="35000"/>
+              </a:srgbClr>
+            </a:outerShdw>
+          </a:effectLst>
+        </p:spPr>
+        <p:style>
+          <a:lnRef idx="0">
+            <a:scrgbClr r="0" g="0" b="0"/>
+          </a:lnRef>
+          <a:fillRef idx="0">
+            <a:scrgbClr r="0" g="0" b="0"/>
+          </a:fillRef>
+          <a:effectRef idx="0">
+            <a:scrgbClr r="0" g="0" b="0"/>
+          </a:effectRef>
+          <a:fontRef idx="none"/>
+        </p:style>
+        <p:txBody>
+          <a:bodyPr rot="0" spcFirstLastPara="1" vertOverflow="overflow" horzOverflow="overflow" vert="horz" wrap="square" lIns="45719" tIns="45719" rIns="45719" bIns="45719" numCol="1" spcCol="38100" rtlCol="0" anchor="ctr">
+            <a:spAutoFit/>
+          </a:bodyPr>
+          <a:lstStyle/>
+          <a:p>
+            <a:pPr marL="0" marR="0" indent="0" algn="l" defTabSz="914400" rtl="0" fontAlgn="auto" latinLnBrk="1" hangingPunct="0">
+              <a:lnSpc>
+                <a:spcPct val="100000"/>
+              </a:lnSpc>
+              <a:spcBef>
+                <a:spcPts val="0"/>
+              </a:spcBef>
+              <a:spcAft>
+                <a:spcPts val="0"/>
+              </a:spcAft>
+              <a:buClrTx/>
+              <a:buSzTx/>
+              <a:buFontTx/>
+              <a:buNone/>
+              <a:tabLst/>
+            </a:pPr>
+            <a:endParaRPr kumimoji="0" lang="en-US" sz="1800" b="0" i="0" u="none" strike="noStrike" cap="none" spc="0" normalizeH="0" baseline="0">
+              <a:ln>
+                <a:noFill/>
+              </a:ln>
+              <a:solidFill>
+                <a:srgbClr val="000000"/>
+              </a:solidFill>
+              <a:effectLst/>
+              <a:uFillTx/>
+              <a:latin typeface="Calibri"/>
+              <a:ea typeface="Calibri"/>
+              <a:cs typeface="Calibri"/>
+              <a:sym typeface="Calibri"/>
+            </a:endParaRPr>
+          </a:p>
+        </p:txBody>
+      </p:sp>
+    </p:spTree>
+  </p:cSld>
+  <p:clrMapOvr>
+    <a:masterClrMapping/>
+  </p:clrMapOvr>
+  <p:transition spd="med"/>
+  <p:timing>
+    <p:tnLst>
+      <p:par>
+        <p:cTn id="1" dur="indefinite" restart="never" nodeType="tmRoot"/>
+      </p:par>
+    </p:tnLst>
+  </p:timing>
+</p:sld>
+</file>
+
+<file path=ppt/slides/slide15.xml><?xml version="1.0" encoding="utf-8"?>
+<p:sld xmlns:a="http://schemas.openxmlformats.org/drawingml/2006/main" xmlns:r="http://schemas.openxmlformats.org/officeDocument/2006/relationships" xmlns:p="http://schemas.openxmlformats.org/presentationml/2006/main">
+  <p:cSld>
+    <p:spTree>
+      <p:nvGrpSpPr>
+        <p:cNvPr id="1" name=""/>
+        <p:cNvGrpSpPr/>
+        <p:nvPr/>
+      </p:nvGrpSpPr>
+      <p:grpSpPr>
+        <a:xfrm>
+          <a:off x="0" y="0"/>
+          <a:ext cx="0" cy="0"/>
+          <a:chOff x="0" y="0"/>
+          <a:chExt cx="0" cy="0"/>
+        </a:xfrm>
+      </p:grpSpPr>
+      <p:sp>
+        <p:nvSpPr>
+          <p:cNvPr id="84" name="Shape 84"/>
+          <p:cNvSpPr>
+            <a:spLocks noGrp="1"/>
+          </p:cNvSpPr>
+          <p:nvPr>
+            <p:ph type="sldNum" sz="quarter" idx="2"/>
+          </p:nvPr>
+        </p:nvSpPr>
+        <p:spPr>
+          <a:prstGeom prst="rect">
+            <a:avLst/>
+          </a:prstGeom>
+          <a:extLst>
+            <a:ext uri="{C572A759-6A51-4108-AA02-DFA0A04FC94B}">
+              <ma14:wrappingTextBoxFlag xmlns:ma14="http://schemas.microsoft.com/office/mac/drawingml/2011/main" xmlns="" val="1"/>
+            </a:ext>
+          </a:extLst>
+        </p:spPr>
+        <p:txBody>
+          <a:bodyPr/>
+          <a:lstStyle/>
+          <a:p>
+            <a:pPr lvl="0">
+              <a:defRPr sz="1800">
+                <a:solidFill>
+                  <a:srgbClr val="000000"/>
+                </a:solidFill>
+              </a:defRPr>
+            </a:pPr>
+            <a:fld id="{86CB4B4D-7CA3-9044-876B-883B54F8677D}" type="slidenum">
+              <a:rPr sz="1200">
+                <a:solidFill>
+                  <a:srgbClr val="888888"/>
+                </a:solidFill>
+              </a:rPr>
+              <a:t>15</a:t>
+            </a:fld>
+            <a:endParaRPr sz="1200">
+              <a:solidFill>
+                <a:srgbClr val="888888"/>
+              </a:solidFill>
+            </a:endParaRPr>
+          </a:p>
+        </p:txBody>
+      </p:sp>
+      <p:sp>
+        <p:nvSpPr>
+          <p:cNvPr id="85" name="Shape 85"/>
+          <p:cNvSpPr/>
+          <p:nvPr/>
+        </p:nvSpPr>
+        <p:spPr>
+          <a:xfrm>
+            <a:off x="1394005" y="157479"/>
+            <a:ext cx="6355989" cy="739141"/>
+          </a:xfrm>
+          <a:prstGeom prst="rect">
+            <a:avLst/>
+          </a:prstGeom>
+          <a:ln w="12700">
+            <a:miter lim="400000"/>
+          </a:ln>
+          <a:extLst>
+            <a:ext uri="{C572A759-6A51-4108-AA02-DFA0A04FC94B}">
+              <ma14:wrappingTextBoxFlag xmlns:ma14="http://schemas.microsoft.com/office/mac/drawingml/2011/main" xmlns="" val="1"/>
+            </a:ext>
+          </a:extLst>
+        </p:spPr>
+        <p:txBody>
+          <a:bodyPr wrap="none" lIns="45719" rIns="45719">
+            <a:spAutoFit/>
+          </a:bodyPr>
+          <a:lstStyle>
+            <a:lvl1pPr algn="ctr">
+              <a:defRPr sz="4400"/>
+            </a:lvl1pPr>
+          </a:lstStyle>
+          <a:p>
+            <a:pPr lvl="0">
+              <a:defRPr sz="1800"/>
+            </a:pPr>
+            <a:r>
+              <a:rPr sz="4400"/>
+              <a:t>Visiting the faulty pumps</a:t>
+            </a:r>
+          </a:p>
+        </p:txBody>
+      </p:sp>
+      <p:pic>
+        <p:nvPicPr>
+          <p:cNvPr id="86" name="Optimised-Route.png"/>
+          <p:cNvPicPr/>
+          <p:nvPr/>
+        </p:nvPicPr>
+        <p:blipFill>
+          <a:blip r:embed="rId3">
+            <a:extLst/>
+          </a:blip>
+          <a:stretch>
+            <a:fillRect/>
+          </a:stretch>
+        </p:blipFill>
+        <p:spPr>
+          <a:xfrm>
+            <a:off x="1047750" y="1263650"/>
+            <a:ext cx="7116062" cy="5023969"/>
+          </a:xfrm>
+          <a:prstGeom prst="rect">
+            <a:avLst/>
+          </a:prstGeom>
+          <a:ln w="12700">
+            <a:miter lim="400000"/>
+          </a:ln>
+        </p:spPr>
+      </p:pic>
+      <p:sp>
+        <p:nvSpPr>
+          <p:cNvPr id="5" name="Rectangle 4"/>
+          <p:cNvSpPr/>
+          <p:nvPr/>
+        </p:nvSpPr>
+        <p:spPr>
+          <a:xfrm>
+            <a:off x="914400" y="3775634"/>
+            <a:ext cx="7391400" cy="2535446"/>
+          </a:xfrm>
+          <a:prstGeom prst="rect">
+            <a:avLst/>
+          </a:prstGeom>
+          <a:noFill/>
+          <a:ln w="25400" cap="flat">
+            <a:solidFill>
+              <a:srgbClr val="FF0000"/>
+            </a:solidFill>
+            <a:prstDash val="solid"/>
+            <a:bevel/>
+          </a:ln>
+          <a:effectLst>
+            <a:outerShdw blurRad="38100" dist="23000" dir="5400000" rotWithShape="0">
+              <a:srgbClr val="000000">
+                <a:alpha val="35000"/>
+              </a:srgbClr>
+            </a:outerShdw>
+          </a:effectLst>
+        </p:spPr>
+        <p:style>
+          <a:lnRef idx="0">
+            <a:scrgbClr r="0" g="0" b="0"/>
+          </a:lnRef>
+          <a:fillRef idx="0">
+            <a:scrgbClr r="0" g="0" b="0"/>
+          </a:fillRef>
+          <a:effectRef idx="0">
+            <a:scrgbClr r="0" g="0" b="0"/>
+          </a:effectRef>
+          <a:fontRef idx="none"/>
+        </p:style>
+        <p:txBody>
+          <a:bodyPr rot="0" spcFirstLastPara="1" vertOverflow="overflow" horzOverflow="overflow" vert="horz" wrap="square" lIns="45719" tIns="45719" rIns="45719" bIns="45719" numCol="1" spcCol="38100" rtlCol="0" anchor="ctr">
+            <a:spAutoFit/>
+          </a:bodyPr>
+          <a:lstStyle/>
+          <a:p>
+            <a:pPr marL="0" marR="0" indent="0" algn="l" defTabSz="914400" rtl="0" fontAlgn="auto" latinLnBrk="1" hangingPunct="0">
+              <a:lnSpc>
+                <a:spcPct val="100000"/>
+              </a:lnSpc>
+              <a:spcBef>
+                <a:spcPts val="0"/>
+              </a:spcBef>
+              <a:spcAft>
+                <a:spcPts val="0"/>
+              </a:spcAft>
+              <a:buClrTx/>
+              <a:buSzTx/>
+              <a:buFontTx/>
+              <a:buNone/>
+              <a:tabLst/>
+            </a:pPr>
+            <a:endParaRPr kumimoji="0" lang="en-US" sz="1800" b="0" i="0" u="none" strike="noStrike" cap="none" spc="0" normalizeH="0" baseline="0">
+              <a:ln>
+                <a:noFill/>
+              </a:ln>
+              <a:solidFill>
+                <a:srgbClr val="000000"/>
+              </a:solidFill>
+              <a:effectLst/>
+              <a:uFillTx/>
+              <a:latin typeface="Calibri"/>
+              <a:ea typeface="Calibri"/>
+              <a:cs typeface="Calibri"/>
+              <a:sym typeface="Calibri"/>
+            </a:endParaRPr>
+          </a:p>
+        </p:txBody>
+      </p:sp>
+    </p:spTree>
+    <p:extLst>
+      <p:ext uri="{BB962C8B-B14F-4D97-AF65-F5344CB8AC3E}">
+        <p14:creationId xmlns:p14="http://schemas.microsoft.com/office/powerpoint/2010/main" val="1580368813"/>
+      </p:ext>
+    </p:extLst>
+  </p:cSld>
+  <p:clrMapOvr>
+    <a:masterClrMapping/>
+  </p:clrMapOvr>
+  <p:transition spd="med"/>
+  <p:timing>
+    <p:tnLst>
+      <p:par>
+        <p:cTn id="1" dur="indefinite" restart="never" nodeType="tmRoot"/>
+      </p:par>
+    </p:tnLst>
+  </p:timing>
+</p:sld>
+</file>
+
+<file path=ppt/slides/slide16.xml><?xml version="1.0" encoding="utf-8"?>
+<p:sld xmlns:a="http://schemas.openxmlformats.org/drawingml/2006/main" xmlns:r="http://schemas.openxmlformats.org/officeDocument/2006/relationships" xmlns:p="http://schemas.openxmlformats.org/presentationml/2006/main">
+  <p:cSld>
+    <p:spTree>
+      <p:nvGrpSpPr>
+        <p:cNvPr id="1" name=""/>
+        <p:cNvGrpSpPr/>
+        <p:nvPr/>
+      </p:nvGrpSpPr>
+      <p:grpSpPr>
+        <a:xfrm>
+          <a:off x="0" y="0"/>
+          <a:ext cx="0" cy="0"/>
+          <a:chOff x="0" y="0"/>
+          <a:chExt cx="0" cy="0"/>
+        </a:xfrm>
+      </p:grpSpPr>
+      <p:sp>
+        <p:nvSpPr>
+          <p:cNvPr id="90" name="Shape 90"/>
+          <p:cNvSpPr>
+            <a:spLocks noGrp="1"/>
+          </p:cNvSpPr>
+          <p:nvPr>
+            <p:ph type="title"/>
+          </p:nvPr>
+        </p:nvSpPr>
+        <p:spPr>
+          <a:prstGeom prst="rect">
+            <a:avLst/>
+          </a:prstGeom>
+        </p:spPr>
+        <p:txBody>
+          <a:bodyPr/>
+          <a:lstStyle/>
+          <a:p>
+            <a:pPr lvl="0">
+              <a:defRPr sz="1800"/>
+            </a:pPr>
+            <a:r>
+              <a:rPr sz="4400"/>
+              <a:t>Multiple Maintenance Crews</a:t>
+            </a:r>
+          </a:p>
+        </p:txBody>
+      </p:sp>
+      <p:sp>
+        <p:nvSpPr>
+          <p:cNvPr id="91" name="Shape 91"/>
+          <p:cNvSpPr>
+            <a:spLocks noGrp="1"/>
+          </p:cNvSpPr>
+          <p:nvPr>
+            <p:ph type="sldNum" sz="quarter" idx="2"/>
+          </p:nvPr>
+        </p:nvSpPr>
+        <p:spPr>
+          <a:prstGeom prst="rect">
+            <a:avLst/>
+          </a:prstGeom>
+          <a:extLst>
+            <a:ext uri="{C572A759-6A51-4108-AA02-DFA0A04FC94B}">
+              <ma14:wrappingTextBoxFlag xmlns:ma14="http://schemas.microsoft.com/office/mac/drawingml/2011/main" xmlns="" val="1"/>
+            </a:ext>
+          </a:extLst>
+        </p:spPr>
+        <p:txBody>
+          <a:bodyPr/>
+          <a:lstStyle/>
+          <a:p>
+            <a:pPr lvl="0">
+              <a:defRPr sz="1800">
+                <a:solidFill>
+                  <a:srgbClr val="000000"/>
+                </a:solidFill>
+              </a:defRPr>
+            </a:pPr>
+            <a:fld id="{86CB4B4D-7CA3-9044-876B-883B54F8677D}" type="slidenum">
+              <a:rPr sz="1200">
+                <a:solidFill>
+                  <a:srgbClr val="888888"/>
+                </a:solidFill>
+              </a:rPr>
+              <a:t>16</a:t>
+            </a:fld>
+            <a:endParaRPr sz="1200">
+              <a:solidFill>
+                <a:srgbClr val="888888"/>
+              </a:solidFill>
+            </a:endParaRPr>
+          </a:p>
+        </p:txBody>
+      </p:sp>
+      <p:pic>
+        <p:nvPicPr>
+          <p:cNvPr id="92" name="Multiple-salesmen.png"/>
+          <p:cNvPicPr/>
+          <p:nvPr/>
+        </p:nvPicPr>
+        <p:blipFill>
+          <a:blip r:embed="rId3">
+            <a:extLst/>
+          </a:blip>
+          <a:stretch>
+            <a:fillRect/>
+          </a:stretch>
+        </p:blipFill>
+        <p:spPr>
+          <a:xfrm>
+            <a:off x="855795" y="1126945"/>
+            <a:ext cx="7432410" cy="5247312"/>
+          </a:xfrm>
+          <a:prstGeom prst="rect">
+            <a:avLst/>
+          </a:prstGeom>
+          <a:ln w="12700">
+            <a:miter lim="400000"/>
+          </a:ln>
+        </p:spPr>
+      </p:pic>
+      <p:sp>
+        <p:nvSpPr>
+          <p:cNvPr id="5" name="Rectangle 4"/>
+          <p:cNvSpPr/>
+          <p:nvPr/>
+        </p:nvSpPr>
+        <p:spPr>
+          <a:xfrm>
+            <a:off x="891354" y="1116784"/>
+            <a:ext cx="7566845" cy="1397815"/>
+          </a:xfrm>
+          <a:prstGeom prst="rect">
+            <a:avLst/>
+          </a:prstGeom>
+          <a:noFill/>
+          <a:ln w="25400" cap="flat">
+            <a:solidFill>
+              <a:srgbClr val="FF0000"/>
+            </a:solidFill>
+            <a:prstDash val="solid"/>
+            <a:bevel/>
+          </a:ln>
+          <a:effectLst>
+            <a:outerShdw blurRad="38100" dist="23000" dir="5400000" rotWithShape="0">
+              <a:srgbClr val="000000">
+                <a:alpha val="35000"/>
+              </a:srgbClr>
+            </a:outerShdw>
+          </a:effectLst>
+        </p:spPr>
+        <p:style>
+          <a:lnRef idx="0">
+            <a:scrgbClr r="0" g="0" b="0"/>
+          </a:lnRef>
+          <a:fillRef idx="0">
+            <a:scrgbClr r="0" g="0" b="0"/>
+          </a:fillRef>
+          <a:effectRef idx="0">
+            <a:scrgbClr r="0" g="0" b="0"/>
+          </a:effectRef>
+          <a:fontRef idx="none"/>
+        </p:style>
+        <p:txBody>
+          <a:bodyPr rot="0" spcFirstLastPara="1" vertOverflow="overflow" horzOverflow="overflow" vert="horz" wrap="square" lIns="45719" tIns="45719" rIns="45719" bIns="45719" numCol="1" spcCol="38100" rtlCol="0" anchor="ctr">
+            <a:spAutoFit/>
+          </a:bodyPr>
+          <a:lstStyle/>
+          <a:p>
+            <a:pPr marL="0" marR="0" indent="0" algn="l" defTabSz="914400" rtl="0" fontAlgn="auto" latinLnBrk="1" hangingPunct="0">
+              <a:lnSpc>
+                <a:spcPct val="100000"/>
+              </a:lnSpc>
+              <a:spcBef>
+                <a:spcPts val="0"/>
+              </a:spcBef>
+              <a:spcAft>
+                <a:spcPts val="0"/>
+              </a:spcAft>
+              <a:buClrTx/>
+              <a:buSzTx/>
+              <a:buFontTx/>
+              <a:buNone/>
+              <a:tabLst/>
+            </a:pPr>
+            <a:endParaRPr kumimoji="0" lang="en-US" sz="1800" b="0" i="0" u="none" strike="noStrike" cap="none" spc="0" normalizeH="0" baseline="0">
+              <a:ln>
+                <a:noFill/>
+              </a:ln>
+              <a:solidFill>
+                <a:srgbClr val="000000"/>
+              </a:solidFill>
+              <a:effectLst/>
+              <a:uFillTx/>
+              <a:latin typeface="Calibri"/>
+              <a:ea typeface="Calibri"/>
+              <a:cs typeface="Calibri"/>
+              <a:sym typeface="Calibri"/>
+            </a:endParaRPr>
+          </a:p>
+        </p:txBody>
+      </p:sp>
+    </p:spTree>
+  </p:cSld>
+  <p:clrMapOvr>
+    <a:masterClrMapping/>
+  </p:clrMapOvr>
+  <p:transition spd="med"/>
+  <p:timing>
+    <p:tnLst>
+      <p:par>
+        <p:cTn id="1" dur="indefinite" restart="never" nodeType="tmRoot"/>
+      </p:par>
+    </p:tnLst>
+  </p:timing>
+</p:sld>
+</file>
+
+<file path=ppt/slides/slide17.xml><?xml version="1.0" encoding="utf-8"?>
+<p:sld xmlns:a="http://schemas.openxmlformats.org/drawingml/2006/main" xmlns:r="http://schemas.openxmlformats.org/officeDocument/2006/relationships" xmlns:p="http://schemas.openxmlformats.org/presentationml/2006/main">
+  <p:cSld>
+    <p:spTree>
+      <p:nvGrpSpPr>
+        <p:cNvPr id="1" name=""/>
+        <p:cNvGrpSpPr/>
+        <p:nvPr/>
+      </p:nvGrpSpPr>
+      <p:grpSpPr>
+        <a:xfrm>
+          <a:off x="0" y="0"/>
+          <a:ext cx="0" cy="0"/>
+          <a:chOff x="0" y="0"/>
+          <a:chExt cx="0" cy="0"/>
+        </a:xfrm>
+      </p:grpSpPr>
+      <p:sp>
+        <p:nvSpPr>
+          <p:cNvPr id="90" name="Shape 90"/>
+          <p:cNvSpPr>
+            <a:spLocks noGrp="1"/>
+          </p:cNvSpPr>
+          <p:nvPr>
+            <p:ph type="title"/>
+          </p:nvPr>
+        </p:nvSpPr>
+        <p:spPr>
+          <a:prstGeom prst="rect">
+            <a:avLst/>
+          </a:prstGeom>
+        </p:spPr>
+        <p:txBody>
+          <a:bodyPr/>
+          <a:lstStyle/>
+          <a:p>
+            <a:pPr lvl="0">
+              <a:defRPr sz="1800"/>
+            </a:pPr>
+            <a:r>
+              <a:rPr sz="4400"/>
+              <a:t>Multiple Maintenance Crews</a:t>
+            </a:r>
+          </a:p>
+        </p:txBody>
+      </p:sp>
+      <p:sp>
+        <p:nvSpPr>
+          <p:cNvPr id="91" name="Shape 91"/>
+          <p:cNvSpPr>
+            <a:spLocks noGrp="1"/>
+          </p:cNvSpPr>
+          <p:nvPr>
+            <p:ph type="sldNum" sz="quarter" idx="2"/>
+          </p:nvPr>
+        </p:nvSpPr>
+        <p:spPr>
+          <a:prstGeom prst="rect">
+            <a:avLst/>
+          </a:prstGeom>
+          <a:extLst>
+            <a:ext uri="{C572A759-6A51-4108-AA02-DFA0A04FC94B}">
+              <ma14:wrappingTextBoxFlag xmlns:ma14="http://schemas.microsoft.com/office/mac/drawingml/2011/main" xmlns="" val="1"/>
+            </a:ext>
+          </a:extLst>
+        </p:spPr>
+        <p:txBody>
+          <a:bodyPr/>
+          <a:lstStyle/>
+          <a:p>
+            <a:pPr lvl="0">
+              <a:defRPr sz="1800">
+                <a:solidFill>
+                  <a:srgbClr val="000000"/>
+                </a:solidFill>
+              </a:defRPr>
+            </a:pPr>
+            <a:fld id="{86CB4B4D-7CA3-9044-876B-883B54F8677D}" type="slidenum">
+              <a:rPr sz="1200">
+                <a:solidFill>
+                  <a:srgbClr val="888888"/>
+                </a:solidFill>
+              </a:rPr>
+              <a:t>17</a:t>
+            </a:fld>
+            <a:endParaRPr sz="1200">
+              <a:solidFill>
+                <a:srgbClr val="888888"/>
+              </a:solidFill>
+            </a:endParaRPr>
+          </a:p>
+        </p:txBody>
+      </p:sp>
+      <p:pic>
+        <p:nvPicPr>
+          <p:cNvPr id="92" name="Multiple-salesmen.png"/>
+          <p:cNvPicPr/>
+          <p:nvPr/>
+        </p:nvPicPr>
+        <p:blipFill>
+          <a:blip r:embed="rId3">
+            <a:extLst/>
+          </a:blip>
+          <a:stretch>
+            <a:fillRect/>
+          </a:stretch>
+        </p:blipFill>
+        <p:spPr>
+          <a:xfrm>
+            <a:off x="855795" y="1126945"/>
+            <a:ext cx="7432410" cy="5247312"/>
+          </a:xfrm>
+          <a:prstGeom prst="rect">
+            <a:avLst/>
+          </a:prstGeom>
+          <a:ln w="12700">
+            <a:miter lim="400000"/>
+          </a:ln>
+        </p:spPr>
+      </p:pic>
+      <p:sp>
+        <p:nvSpPr>
+          <p:cNvPr id="5" name="Rectangle 4"/>
+          <p:cNvSpPr/>
+          <p:nvPr/>
+        </p:nvSpPr>
+        <p:spPr>
+          <a:xfrm>
+            <a:off x="891355" y="2514599"/>
+            <a:ext cx="7396850" cy="3859658"/>
+          </a:xfrm>
+          <a:prstGeom prst="rect">
+            <a:avLst/>
+          </a:prstGeom>
+          <a:noFill/>
+          <a:ln w="25400" cap="flat">
+            <a:solidFill>
+              <a:srgbClr val="FF0000"/>
+            </a:solidFill>
+            <a:prstDash val="solid"/>
+            <a:bevel/>
+          </a:ln>
+          <a:effectLst>
+            <a:outerShdw blurRad="38100" dist="23000" dir="5400000" rotWithShape="0">
+              <a:srgbClr val="000000">
+                <a:alpha val="35000"/>
+              </a:srgbClr>
+            </a:outerShdw>
+          </a:effectLst>
+        </p:spPr>
+        <p:style>
+          <a:lnRef idx="0">
+            <a:scrgbClr r="0" g="0" b="0"/>
+          </a:lnRef>
+          <a:fillRef idx="0">
+            <a:scrgbClr r="0" g="0" b="0"/>
+          </a:fillRef>
+          <a:effectRef idx="0">
+            <a:scrgbClr r="0" g="0" b="0"/>
+          </a:effectRef>
+          <a:fontRef idx="none"/>
+        </p:style>
+        <p:txBody>
+          <a:bodyPr rot="0" spcFirstLastPara="1" vertOverflow="overflow" horzOverflow="overflow" vert="horz" wrap="square" lIns="45719" tIns="45719" rIns="45719" bIns="45719" numCol="1" spcCol="38100" rtlCol="0" anchor="ctr">
+            <a:spAutoFit/>
+          </a:bodyPr>
+          <a:lstStyle/>
+          <a:p>
+            <a:pPr marL="0" marR="0" indent="0" algn="l" defTabSz="914400" rtl="0" fontAlgn="auto" latinLnBrk="1" hangingPunct="0">
+              <a:lnSpc>
+                <a:spcPct val="100000"/>
+              </a:lnSpc>
+              <a:spcBef>
+                <a:spcPts val="0"/>
+              </a:spcBef>
+              <a:spcAft>
+                <a:spcPts val="0"/>
+              </a:spcAft>
+              <a:buClrTx/>
+              <a:buSzTx/>
+              <a:buFontTx/>
+              <a:buNone/>
+              <a:tabLst/>
+            </a:pPr>
+            <a:endParaRPr kumimoji="0" lang="en-US" sz="1800" b="0" i="0" u="none" strike="noStrike" cap="none" spc="0" normalizeH="0" baseline="0">
+              <a:ln>
+                <a:noFill/>
+              </a:ln>
+              <a:solidFill>
+                <a:srgbClr val="000000"/>
+              </a:solidFill>
+              <a:effectLst/>
+              <a:uFillTx/>
+              <a:latin typeface="Calibri"/>
+              <a:ea typeface="Calibri"/>
+              <a:cs typeface="Calibri"/>
+              <a:sym typeface="Calibri"/>
+            </a:endParaRPr>
+          </a:p>
+        </p:txBody>
+      </p:sp>
+    </p:spTree>
+    <p:extLst>
+      <p:ext uri="{BB962C8B-B14F-4D97-AF65-F5344CB8AC3E}">
+        <p14:creationId xmlns:p14="http://schemas.microsoft.com/office/powerpoint/2010/main" val="1236264358"/>
+      </p:ext>
+    </p:extLst>
+  </p:cSld>
+  <p:clrMapOvr>
+    <a:masterClrMapping/>
+  </p:clrMapOvr>
+  <p:transition spd="med"/>
+  <p:timing>
+    <p:tnLst>
+      <p:par>
+        <p:cTn id="1" dur="indefinite" restart="never" nodeType="tmRoot"/>
+      </p:par>
+    </p:tnLst>
+  </p:timing>
+</p:sld>
+</file>
+
+<file path=ppt/slides/slide18.xml><?xml version="1.0" encoding="utf-8"?>
+<p:sld xmlns:a="http://schemas.openxmlformats.org/drawingml/2006/main" xmlns:r="http://schemas.openxmlformats.org/officeDocument/2006/relationships" xmlns:p="http://schemas.openxmlformats.org/presentationml/2006/main">
+  <p:cSld>
+    <p:spTree>
+      <p:nvGrpSpPr>
+        <p:cNvPr id="1" name=""/>
+        <p:cNvGrpSpPr/>
+        <p:nvPr/>
+      </p:nvGrpSpPr>
+      <p:grpSpPr>
+        <a:xfrm>
+          <a:off x="0" y="0"/>
+          <a:ext cx="0" cy="0"/>
+          <a:chOff x="0" y="0"/>
+          <a:chExt cx="0" cy="0"/>
+        </a:xfrm>
+      </p:grpSpPr>
+      <p:sp>
+        <p:nvSpPr>
+          <p:cNvPr id="96" name="Shape 96"/>
+          <p:cNvSpPr>
+            <a:spLocks noGrp="1"/>
+          </p:cNvSpPr>
+          <p:nvPr>
+            <p:ph type="title"/>
+          </p:nvPr>
+        </p:nvSpPr>
+        <p:spPr>
+          <a:prstGeom prst="rect">
+            <a:avLst/>
+          </a:prstGeom>
+        </p:spPr>
+        <p:txBody>
+          <a:bodyPr/>
+          <a:lstStyle/>
+          <a:p>
+            <a:pPr lvl="0">
+              <a:defRPr sz="1800"/>
+            </a:pPr>
+            <a:r>
+              <a:rPr sz="4400"/>
+              <a:t>Prioritising Remote Pumps</a:t>
+            </a:r>
+          </a:p>
+        </p:txBody>
+      </p:sp>
+      <p:sp>
+        <p:nvSpPr>
+          <p:cNvPr id="97" name="Shape 97"/>
+          <p:cNvSpPr>
+            <a:spLocks noGrp="1"/>
+          </p:cNvSpPr>
+          <p:nvPr>
+            <p:ph type="sldNum" sz="quarter" idx="2"/>
+          </p:nvPr>
+        </p:nvSpPr>
+        <p:spPr>
+          <a:prstGeom prst="rect">
+            <a:avLst/>
+          </a:prstGeom>
+          <a:extLst>
+            <a:ext uri="{C572A759-6A51-4108-AA02-DFA0A04FC94B}">
+              <ma14:wrappingTextBoxFlag xmlns:ma14="http://schemas.microsoft.com/office/mac/drawingml/2011/main" xmlns="" val="1"/>
+            </a:ext>
+          </a:extLst>
+        </p:spPr>
+        <p:txBody>
+          <a:bodyPr/>
+          <a:lstStyle/>
+          <a:p>
+            <a:pPr lvl="0">
+              <a:defRPr sz="1800">
+                <a:solidFill>
+                  <a:srgbClr val="000000"/>
+                </a:solidFill>
+              </a:defRPr>
+            </a:pPr>
+            <a:fld id="{86CB4B4D-7CA3-9044-876B-883B54F8677D}" type="slidenum">
+              <a:rPr sz="1200">
+                <a:solidFill>
+                  <a:srgbClr val="888888"/>
+                </a:solidFill>
+              </a:rPr>
+              <a:t>18</a:t>
+            </a:fld>
+            <a:endParaRPr sz="1200">
+              <a:solidFill>
+                <a:srgbClr val="888888"/>
+              </a:solidFill>
+            </a:endParaRPr>
+          </a:p>
+        </p:txBody>
+      </p:sp>
+      <p:pic>
+        <p:nvPicPr>
+          <p:cNvPr id="98" name="Prioritising-remote-pumps.png"/>
+          <p:cNvPicPr/>
+          <p:nvPr/>
+        </p:nvPicPr>
+        <p:blipFill>
+          <a:blip r:embed="rId3">
+            <a:extLst/>
+          </a:blip>
+          <a:stretch>
+            <a:fillRect/>
+          </a:stretch>
+        </p:blipFill>
+        <p:spPr>
+          <a:xfrm>
+            <a:off x="901220" y="1573302"/>
+            <a:ext cx="7341560" cy="5122373"/>
+          </a:xfrm>
+          <a:prstGeom prst="rect">
+            <a:avLst/>
+          </a:prstGeom>
+          <a:ln w="12700">
+            <a:miter lim="400000"/>
+          </a:ln>
+        </p:spPr>
+      </p:pic>
+      <p:sp>
+        <p:nvSpPr>
+          <p:cNvPr id="99" name="Shape 99"/>
+          <p:cNvSpPr/>
+          <p:nvPr/>
+        </p:nvSpPr>
+        <p:spPr>
+          <a:xfrm>
+            <a:off x="1298858" y="1449989"/>
+            <a:ext cx="4728010" cy="472441"/>
+          </a:xfrm>
+          <a:prstGeom prst="rect">
+            <a:avLst/>
+          </a:prstGeom>
+          <a:ln w="12700">
+            <a:miter lim="400000"/>
+          </a:ln>
+          <a:extLst>
+            <a:ext uri="{C572A759-6A51-4108-AA02-DFA0A04FC94B}">
+              <ma14:wrappingTextBoxFlag xmlns:ma14="http://schemas.microsoft.com/office/mac/drawingml/2011/main" xmlns="" val="1"/>
+            </a:ext>
+          </a:extLst>
+        </p:spPr>
+        <p:txBody>
+          <a:bodyPr lIns="45719" rIns="45719">
+            <a:spAutoFit/>
+          </a:bodyPr>
+          <a:lstStyle>
+            <a:lvl1pPr>
+              <a:defRPr sz="2600"/>
+            </a:lvl1pPr>
+          </a:lstStyle>
+          <a:p>
+            <a:pPr lvl="0">
+              <a:defRPr sz="1800"/>
+            </a:pPr>
+            <a:r>
+              <a:rPr sz="2600"/>
+              <a:t>Simple distance optimisation</a:t>
+            </a:r>
+          </a:p>
+        </p:txBody>
+      </p:sp>
+      <p:sp>
+        <p:nvSpPr>
+          <p:cNvPr id="100" name="Shape 100"/>
+          <p:cNvSpPr/>
+          <p:nvPr/>
+        </p:nvSpPr>
+        <p:spPr>
+          <a:xfrm>
+            <a:off x="1298858" y="3939189"/>
+            <a:ext cx="4728010" cy="472441"/>
+          </a:xfrm>
+          <a:prstGeom prst="rect">
+            <a:avLst/>
+          </a:prstGeom>
+          <a:ln w="12700">
+            <a:miter lim="400000"/>
+          </a:ln>
+          <a:extLst>
+            <a:ext uri="{C572A759-6A51-4108-AA02-DFA0A04FC94B}">
+              <ma14:wrappingTextBoxFlag xmlns:ma14="http://schemas.microsoft.com/office/mac/drawingml/2011/main" xmlns="" val="1"/>
+            </a:ext>
+          </a:extLst>
+        </p:spPr>
+        <p:txBody>
+          <a:bodyPr lIns="45719" rIns="45719">
+            <a:spAutoFit/>
+          </a:bodyPr>
+          <a:lstStyle>
+            <a:lvl1pPr>
+              <a:defRPr sz="2600"/>
+            </a:lvl1pPr>
+          </a:lstStyle>
+          <a:p>
+            <a:pPr lvl="0">
+              <a:defRPr sz="1800"/>
+            </a:pPr>
+            <a:r>
+              <a:rPr sz="2600"/>
+              <a:t>Prioritised remote pumps</a:t>
+            </a:r>
+          </a:p>
+        </p:txBody>
+      </p:sp>
+    </p:spTree>
+  </p:cSld>
+  <p:clrMapOvr>
+    <a:masterClrMapping/>
+  </p:clrMapOvr>
+  <p:transition spd="med"/>
+  <p:timing>
+    <p:tnLst>
+      <p:par>
+        <p:cTn id="1" dur="indefinite" restart="never" nodeType="tmRoot"/>
+      </p:par>
+    </p:tnLst>
+  </p:timing>
+</p:sld>
+</file>
+
+<file path=ppt/slides/slide19.xml><?xml version="1.0" encoding="utf-8"?>
+<p:sld xmlns:a="http://schemas.openxmlformats.org/drawingml/2006/main" xmlns:r="http://schemas.openxmlformats.org/officeDocument/2006/relationships" xmlns:p="http://schemas.openxmlformats.org/presentationml/2006/main">
   <p:cSld>
     <p:spTree>
       <p:nvGrpSpPr>
@@ -3199,7 +6595,9 @@
       <p:sp>
         <p:nvSpPr>
           <p:cNvPr id="104" name="Shape 104"/>
-          <p:cNvSpPr/>
+          <p:cNvSpPr>
+            <a:spLocks noGrp="1"/>
+          </p:cNvSpPr>
           <p:nvPr>
             <p:ph type="title"/>
           </p:nvPr>
@@ -3226,7 +6624,9 @@
       <p:sp>
         <p:nvSpPr>
           <p:cNvPr id="105" name="Shape 105"/>
-          <p:cNvSpPr/>
+          <p:cNvSpPr>
+            <a:spLocks noGrp="1"/>
+          </p:cNvSpPr>
           <p:nvPr>
             <p:ph type="sldNum" sz="quarter" idx="2"/>
           </p:nvPr>
@@ -3237,7 +6637,7 @@
           </a:prstGeom>
           <a:extLst>
             <a:ext uri="{C572A759-6A51-4108-AA02-DFA0A04FC94B}">
-              <ma14:wrappingTextBoxFlag xmlns:ma14="http://schemas.microsoft.com/office/mac/drawingml/2011/main" val="1"/>
+              <ma14:wrappingTextBoxFlag xmlns:ma14="http://schemas.microsoft.com/office/mac/drawingml/2011/main" xmlns="" val="1"/>
             </a:ext>
           </a:extLst>
         </p:spPr>
@@ -3258,7 +6658,228 @@
                   <a:srgbClr val="888888"/>
                 </a:solidFill>
               </a:rPr>
+              <a:t>19</a:t>
             </a:fld>
+            <a:endParaRPr sz="1200">
+              <a:solidFill>
+                <a:srgbClr val="888888"/>
+              </a:solidFill>
+            </a:endParaRPr>
+          </a:p>
+        </p:txBody>
+      </p:sp>
+      <p:pic>
+        <p:nvPicPr>
+          <p:cNvPr id="4" name="image1.png" descr="https://lh3.googleusercontent.com/ckh3ctb5U7jEkCslbtvAF32MB9xlyze7mx8emZt9M-EcdDwT4Oox1wgrG4UJMxpl67B-hDdpScOMBgtVavanVuXx4yZuJupq7kquDqnutirWr_8FpEabFbgIKrVAY3KUxCgDenO1SQ"/>
+          <p:cNvPicPr/>
+          <p:nvPr/>
+        </p:nvPicPr>
+        <p:blipFill>
+          <a:blip r:embed="rId3">
+            <a:extLst/>
+          </a:blip>
+          <a:stretch>
+            <a:fillRect/>
+          </a:stretch>
+        </p:blipFill>
+        <p:spPr>
+          <a:xfrm>
+            <a:off x="152400" y="1619250"/>
+            <a:ext cx="5334000" cy="4000500"/>
+          </a:xfrm>
+          <a:prstGeom prst="rect">
+            <a:avLst/>
+          </a:prstGeom>
+          <a:ln w="12700">
+            <a:miter lim="400000"/>
+          </a:ln>
+        </p:spPr>
+      </p:pic>
+      <p:sp>
+        <p:nvSpPr>
+          <p:cNvPr id="2" name="TextBox 1"/>
+          <p:cNvSpPr txBox="1"/>
+          <p:nvPr/>
+        </p:nvSpPr>
+        <p:spPr>
+          <a:xfrm>
+            <a:off x="5638800" y="2209800"/>
+            <a:ext cx="3276600" cy="2677654"/>
+          </a:xfrm>
+          <a:prstGeom prst="rect">
+            <a:avLst/>
+          </a:prstGeom>
+          <a:noFill/>
+          <a:ln w="12700" cap="flat">
+            <a:noFill/>
+            <a:miter lim="400000"/>
+          </a:ln>
+          <a:effectLst/>
+        </p:spPr>
+        <p:style>
+          <a:lnRef idx="0">
+            <a:scrgbClr r="0" g="0" b="0"/>
+          </a:lnRef>
+          <a:fillRef idx="0">
+            <a:scrgbClr r="0" g="0" b="0"/>
+          </a:fillRef>
+          <a:effectRef idx="0">
+            <a:scrgbClr r="0" g="0" b="0"/>
+          </a:effectRef>
+          <a:fontRef idx="none"/>
+        </p:style>
+        <p:txBody>
+          <a:bodyPr rot="0" spcFirstLastPara="1" vertOverflow="overflow" horzOverflow="overflow" vert="horz" wrap="square" lIns="45719" tIns="45719" rIns="45719" bIns="45719" numCol="1" spcCol="38100" rtlCol="0" anchor="t">
+            <a:spAutoFit/>
+          </a:bodyPr>
+          <a:lstStyle/>
+          <a:p>
+            <a:pPr marL="285750" marR="0" indent="-285750" algn="l" defTabSz="914400" rtl="0" fontAlgn="auto" latinLnBrk="1" hangingPunct="0">
+              <a:lnSpc>
+                <a:spcPct val="100000"/>
+              </a:lnSpc>
+              <a:spcBef>
+                <a:spcPts val="0"/>
+              </a:spcBef>
+              <a:spcAft>
+                <a:spcPts val="0"/>
+              </a:spcAft>
+              <a:buClrTx/>
+              <a:buSzTx/>
+              <a:buFont typeface="Arial" pitchFamily="34" charset="0"/>
+              <a:buChar char="•"/>
+              <a:tabLst/>
+            </a:pPr>
+            <a:r>
+              <a:rPr lang="en-US" sz="2800" dirty="0" smtClean="0">
+                <a:solidFill>
+                  <a:srgbClr val="000000"/>
+                </a:solidFill>
+              </a:rPr>
+              <a:t>Predicted faulty </a:t>
+            </a:r>
+          </a:p>
+          <a:p>
+            <a:pPr marR="0" algn="l" defTabSz="914400" rtl="0" fontAlgn="auto" latinLnBrk="1" hangingPunct="0">
+              <a:lnSpc>
+                <a:spcPct val="100000"/>
+              </a:lnSpc>
+              <a:spcBef>
+                <a:spcPts val="0"/>
+              </a:spcBef>
+              <a:spcAft>
+                <a:spcPts val="0"/>
+              </a:spcAft>
+              <a:buClrTx/>
+              <a:buSzTx/>
+              <a:tabLst/>
+            </a:pPr>
+            <a:r>
+              <a:rPr lang="en-US" sz="2800" dirty="0" smtClean="0">
+                <a:solidFill>
+                  <a:srgbClr val="000000"/>
+                </a:solidFill>
+              </a:rPr>
+              <a:t>    water pumps</a:t>
+            </a:r>
+          </a:p>
+          <a:p>
+            <a:pPr marL="285750" marR="0" indent="-285750" algn="l" defTabSz="914400" rtl="0" fontAlgn="auto" latinLnBrk="1" hangingPunct="0">
+              <a:lnSpc>
+                <a:spcPct val="100000"/>
+              </a:lnSpc>
+              <a:spcBef>
+                <a:spcPts val="0"/>
+              </a:spcBef>
+              <a:spcAft>
+                <a:spcPts val="0"/>
+              </a:spcAft>
+              <a:buClrTx/>
+              <a:buSzTx/>
+              <a:buFont typeface="Arial" pitchFamily="34" charset="0"/>
+              <a:buChar char="•"/>
+              <a:tabLst/>
+            </a:pPr>
+            <a:endParaRPr kumimoji="0" lang="en-US" sz="2800" b="0" i="0" u="none" strike="noStrike" cap="none" spc="0" normalizeH="0" baseline="0" dirty="0">
+              <a:ln>
+                <a:noFill/>
+              </a:ln>
+              <a:solidFill>
+                <a:srgbClr val="000000"/>
+              </a:solidFill>
+              <a:effectLst/>
+              <a:uFillTx/>
+              <a:sym typeface="Calibri"/>
+            </a:endParaRPr>
+          </a:p>
+          <a:p>
+            <a:pPr marL="285750" marR="0" indent="-285750" algn="l" defTabSz="914400" rtl="0" fontAlgn="auto" latinLnBrk="1" hangingPunct="0">
+              <a:lnSpc>
+                <a:spcPct val="100000"/>
+              </a:lnSpc>
+              <a:spcBef>
+                <a:spcPts val="0"/>
+              </a:spcBef>
+              <a:spcAft>
+                <a:spcPts val="0"/>
+              </a:spcAft>
+              <a:buClrTx/>
+              <a:buSzTx/>
+              <a:buFont typeface="Arial" pitchFamily="34" charset="0"/>
+              <a:buChar char="•"/>
+              <a:tabLst/>
+            </a:pPr>
+            <a:r>
+              <a:rPr lang="en-US" sz="2800" dirty="0" smtClean="0">
+                <a:solidFill>
+                  <a:srgbClr val="000000"/>
+                </a:solidFill>
+              </a:rPr>
+              <a:t>Planned out routes for maintenance </a:t>
+            </a:r>
+          </a:p>
+          <a:p>
+            <a:pPr marR="0" algn="l" defTabSz="914400" rtl="0" fontAlgn="auto" latinLnBrk="1" hangingPunct="0">
+              <a:lnSpc>
+                <a:spcPct val="100000"/>
+              </a:lnSpc>
+              <a:spcBef>
+                <a:spcPts val="0"/>
+              </a:spcBef>
+              <a:spcAft>
+                <a:spcPts val="0"/>
+              </a:spcAft>
+              <a:buClrTx/>
+              <a:buSzTx/>
+              <a:tabLst/>
+            </a:pPr>
+            <a:r>
+              <a:rPr lang="en-US" sz="2800" dirty="0">
+                <a:solidFill>
+                  <a:srgbClr val="000000"/>
+                </a:solidFill>
+              </a:rPr>
+              <a:t> </a:t>
+            </a:r>
+            <a:r>
+              <a:rPr lang="en-US" sz="2800" dirty="0" smtClean="0">
+                <a:solidFill>
+                  <a:srgbClr val="000000"/>
+                </a:solidFill>
+              </a:rPr>
+              <a:t>   crews</a:t>
+            </a:r>
+            <a:endParaRPr kumimoji="0" lang="en-US" sz="2800" b="0" i="0" u="none" strike="noStrike" cap="none" spc="0" normalizeH="0" baseline="0" dirty="0">
+              <a:ln>
+                <a:noFill/>
+              </a:ln>
+              <a:solidFill>
+                <a:srgbClr val="000000"/>
+              </a:solidFill>
+              <a:effectLst/>
+              <a:uFillTx/>
+              <a:sym typeface="Calibri"/>
+            </a:endParaRPr>
           </a:p>
         </p:txBody>
       </p:sp>
@@ -3267,12 +6888,19 @@
   <p:clrMapOvr>
     <a:masterClrMapping/>
   </p:clrMapOvr>
-  <p:transition spd="med" advClick="1"/>
+  <p:transition spd="med"/>
+  <p:timing>
+    <p:tnLst>
+      <p:par>
+        <p:cTn id="1" dur="indefinite" restart="never" nodeType="tmRoot"/>
+      </p:par>
+    </p:tnLst>
+  </p:timing>
 </p:sld>
 </file>
 
 <file path=ppt/slides/slide2.xml><?xml version="1.0" encoding="utf-8"?>
-<p:sld xmlns:a="http://schemas.openxmlformats.org/drawingml/2006/main" xmlns:r="http://schemas.openxmlformats.org/officeDocument/2006/relationships" xmlns:p="http://schemas.openxmlformats.org/presentationml/2006/main" showMasterSp="1" showMasterPhAnim="1">
+<p:sld xmlns:a="http://schemas.openxmlformats.org/drawingml/2006/main" xmlns:r="http://schemas.openxmlformats.org/officeDocument/2006/relationships" xmlns:p="http://schemas.openxmlformats.org/presentationml/2006/main">
   <p:cSld>
     <p:spTree>
       <p:nvGrpSpPr>
@@ -3291,7 +6919,9 @@
       <p:sp>
         <p:nvSpPr>
           <p:cNvPr id="55" name="Shape 55"/>
-          <p:cNvSpPr/>
+          <p:cNvSpPr>
+            <a:spLocks noGrp="1"/>
+          </p:cNvSpPr>
           <p:nvPr>
             <p:ph type="title"/>
           </p:nvPr>
@@ -3366,17 +6996,17 @@
           </a:ln>
           <a:extLst>
             <a:ext uri="{C572A759-6A51-4108-AA02-DFA0A04FC94B}">
-              <ma14:wrappingTextBoxFlag xmlns:ma14="http://schemas.microsoft.com/office/mac/drawingml/2011/main" val="1"/>
+              <ma14:wrappingTextBoxFlag xmlns:ma14="http://schemas.microsoft.com/office/mac/drawingml/2011/main" xmlns="" val="1"/>
             </a:ext>
           </a:extLst>
         </p:spPr>
         <p:txBody>
           <a:bodyPr lIns="0" tIns="0" rIns="0" bIns="0">
-            <a:normAutofit fontScale="100000" lnSpcReduction="0"/>
+            <a:normAutofit/>
           </a:bodyPr>
           <a:lstStyle/>
           <a:p>
-            <a:pPr lvl="0" marL="342900" indent="-342900">
+            <a:pPr marL="342900" lvl="0" indent="-342900">
               <a:spcBef>
                 <a:spcPts val="700"/>
               </a:spcBef>
@@ -3385,13 +7015,12 @@
               <a:buChar char="•"/>
             </a:pPr>
             <a:r>
-              <a:rPr sz="3200"/>
+              <a:rPr sz="3200" dirty="0"/>
               <a:t>Classify wells as </a:t>
             </a:r>
-            <a:endParaRPr sz="3200"/>
-          </a:p>
-          <a:p>
-            <a:pPr lvl="1" marL="742950" indent="-285750">
+          </a:p>
+          <a:p>
+            <a:pPr marL="742950" lvl="1" indent="-285750">
               <a:spcBef>
                 <a:spcPts val="600"/>
               </a:spcBef>
@@ -3400,13 +7029,17 @@
               <a:buChar char="–"/>
             </a:pPr>
             <a:r>
-              <a:rPr i="1" sz="2800"/>
-              <a:t>functional</a:t>
-            </a:r>
-            <a:endParaRPr sz="2800"/>
-          </a:p>
-          <a:p>
-            <a:pPr lvl="1" marL="742950" indent="-285750">
+              <a:rPr lang="en-US" sz="2800" i="1" dirty="0" smtClean="0"/>
+              <a:t>F</a:t>
+            </a:r>
+            <a:r>
+              <a:rPr sz="2800" i="1" dirty="0" smtClean="0"/>
+              <a:t>unctional</a:t>
+            </a:r>
+            <a:endParaRPr lang="en-US" sz="2800" i="1" dirty="0" smtClean="0"/>
+          </a:p>
+          <a:p>
+            <a:pPr marL="742950" lvl="1" indent="-285750">
               <a:spcBef>
                 <a:spcPts val="600"/>
               </a:spcBef>
@@ -3415,17 +7048,13 @@
               <a:buChar char="–"/>
             </a:pPr>
             <a:r>
-              <a:rPr i="1" sz="2800"/>
-              <a:t>non-functional</a:t>
-            </a:r>
-            <a:r>
-              <a:rPr sz="2800"/>
-              <a:t>, </a:t>
-            </a:r>
-            <a:endParaRPr sz="2800"/>
-          </a:p>
-          <a:p>
-            <a:pPr lvl="1" marL="742950" indent="-285750">
+              <a:rPr lang="en-US" sz="2800" i="1" dirty="0" smtClean="0"/>
+              <a:t>needs repair</a:t>
+            </a:r>
+            <a:endParaRPr sz="2800" dirty="0"/>
+          </a:p>
+          <a:p>
+            <a:pPr marL="742950" lvl="1" indent="-285750">
               <a:spcBef>
                 <a:spcPts val="600"/>
               </a:spcBef>
@@ -3434,9 +7063,1036 @@
               <a:buChar char="–"/>
             </a:pPr>
             <a:r>
-              <a:rPr i="1" sz="2800"/>
-              <a:t>needing repair</a:t>
-            </a:r>
+              <a:rPr sz="2800" i="1" dirty="0" smtClean="0"/>
+              <a:t>non-functional</a:t>
+            </a:r>
+            <a:r>
+              <a:rPr sz="2800" dirty="0" smtClean="0"/>
+              <a:t> </a:t>
+            </a:r>
+            <a:endParaRPr sz="2800" dirty="0"/>
+          </a:p>
+        </p:txBody>
+      </p:sp>
+    </p:spTree>
+  </p:cSld>
+  <p:clrMapOvr>
+    <a:masterClrMapping/>
+  </p:clrMapOvr>
+  <p:transition spd="med"/>
+  <p:timing>
+    <p:tnLst>
+      <p:par>
+        <p:cTn id="1" dur="indefinite" restart="never" fill="hold" nodeType="tmRoot"/>
+      </p:par>
+    </p:tnLst>
+  </p:timing>
+</p:sld>
+</file>
+
+<file path=ppt/slides/slide3.xml><?xml version="1.0" encoding="utf-8"?>
+<p:sld xmlns:a="http://schemas.openxmlformats.org/drawingml/2006/main" xmlns:r="http://schemas.openxmlformats.org/officeDocument/2006/relationships" xmlns:p="http://schemas.openxmlformats.org/presentationml/2006/main">
+  <p:cSld>
+    <p:spTree>
+      <p:nvGrpSpPr>
+        <p:cNvPr id="1" name=""/>
+        <p:cNvGrpSpPr/>
+        <p:nvPr/>
+      </p:nvGrpSpPr>
+      <p:grpSpPr>
+        <a:xfrm>
+          <a:off x="0" y="0"/>
+          <a:ext cx="0" cy="0"/>
+          <a:chOff x="0" y="0"/>
+          <a:chExt cx="0" cy="0"/>
+        </a:xfrm>
+      </p:grpSpPr>
+      <p:sp>
+        <p:nvSpPr>
+          <p:cNvPr id="55" name="Shape 55"/>
+          <p:cNvSpPr>
+            <a:spLocks noGrp="1"/>
+          </p:cNvSpPr>
+          <p:nvPr>
+            <p:ph type="title"/>
+          </p:nvPr>
+        </p:nvSpPr>
+        <p:spPr>
+          <a:xfrm>
+            <a:off x="457200" y="274638"/>
+            <a:ext cx="8229600" cy="1143001"/>
+          </a:xfrm>
+          <a:prstGeom prst="rect">
+            <a:avLst/>
+          </a:prstGeom>
+        </p:spPr>
+        <p:txBody>
+          <a:bodyPr/>
+          <a:lstStyle/>
+          <a:p>
+            <a:pPr lvl="0">
+              <a:defRPr sz="1800"/>
+            </a:pPr>
+            <a:r>
+              <a:rPr sz="4400"/>
+              <a:t>Problem Description</a:t>
+            </a:r>
+          </a:p>
+        </p:txBody>
+      </p:sp>
+      <p:pic>
+        <p:nvPicPr>
+          <p:cNvPr id="56" name="image2.png"/>
+          <p:cNvPicPr/>
+          <p:nvPr/>
+        </p:nvPicPr>
+        <p:blipFill>
+          <a:blip r:embed="rId3">
+            <a:extLst/>
+          </a:blip>
+          <a:stretch>
+            <a:fillRect/>
+          </a:stretch>
+        </p:blipFill>
+        <p:spPr>
+          <a:xfrm>
+            <a:off x="4155140" y="1219200"/>
+            <a:ext cx="4912660" cy="3200400"/>
+          </a:xfrm>
+          <a:prstGeom prst="rect">
+            <a:avLst/>
+          </a:prstGeom>
+          <a:ln w="38100">
+            <a:solidFill/>
+            <a:miter lim="400000"/>
+          </a:ln>
+        </p:spPr>
+      </p:pic>
+      <p:sp>
+        <p:nvSpPr>
+          <p:cNvPr id="57" name="Shape 57"/>
+          <p:cNvSpPr/>
+          <p:nvPr/>
+        </p:nvSpPr>
+        <p:spPr>
+          <a:xfrm>
+            <a:off x="609599" y="1828800"/>
+            <a:ext cx="3774141" cy="2362200"/>
+          </a:xfrm>
+          <a:prstGeom prst="rect">
+            <a:avLst/>
+          </a:prstGeom>
+          <a:ln w="12700">
+            <a:miter lim="400000"/>
+          </a:ln>
+          <a:extLst>
+            <a:ext uri="{C572A759-6A51-4108-AA02-DFA0A04FC94B}">
+              <ma14:wrappingTextBoxFlag xmlns:ma14="http://schemas.microsoft.com/office/mac/drawingml/2011/main" xmlns="" val="1"/>
+            </a:ext>
+          </a:extLst>
+        </p:spPr>
+        <p:txBody>
+          <a:bodyPr lIns="0" tIns="0" rIns="0" bIns="0">
+            <a:normAutofit/>
+          </a:bodyPr>
+          <a:lstStyle/>
+          <a:p>
+            <a:pPr marL="342900" lvl="0" indent="-342900">
+              <a:spcBef>
+                <a:spcPts val="700"/>
+              </a:spcBef>
+              <a:buSzPct val="100000"/>
+              <a:buFont typeface="Arial"/>
+              <a:buChar char="•"/>
+            </a:pPr>
+            <a:r>
+              <a:rPr sz="3200" dirty="0"/>
+              <a:t>Classify wells as </a:t>
+            </a:r>
+          </a:p>
+          <a:p>
+            <a:pPr marL="742950" lvl="1" indent="-285750">
+              <a:spcBef>
+                <a:spcPts val="600"/>
+              </a:spcBef>
+              <a:buSzPct val="100000"/>
+              <a:buFont typeface="Arial"/>
+              <a:buChar char="–"/>
+            </a:pPr>
+            <a:r>
+              <a:rPr lang="en-US" sz="2800" i="1" dirty="0" smtClean="0"/>
+              <a:t>F</a:t>
+            </a:r>
+            <a:r>
+              <a:rPr sz="2800" i="1" dirty="0" smtClean="0"/>
+              <a:t>unctional</a:t>
+            </a:r>
+            <a:endParaRPr lang="en-US" sz="2800" i="1" dirty="0" smtClean="0"/>
+          </a:p>
+          <a:p>
+            <a:pPr marL="742950" lvl="1" indent="-285750">
+              <a:spcBef>
+                <a:spcPts val="600"/>
+              </a:spcBef>
+              <a:buSzPct val="100000"/>
+              <a:buFont typeface="Arial"/>
+              <a:buChar char="–"/>
+            </a:pPr>
+            <a:r>
+              <a:rPr lang="en-US" sz="2800" i="1" dirty="0" smtClean="0"/>
+              <a:t>needs repair</a:t>
+            </a:r>
+            <a:endParaRPr sz="2800" dirty="0"/>
+          </a:p>
+          <a:p>
+            <a:pPr marL="742950" lvl="1" indent="-285750">
+              <a:spcBef>
+                <a:spcPts val="600"/>
+              </a:spcBef>
+              <a:buSzPct val="100000"/>
+              <a:buFont typeface="Arial"/>
+              <a:buChar char="–"/>
+            </a:pPr>
+            <a:r>
+              <a:rPr sz="2800" i="1" dirty="0" smtClean="0"/>
+              <a:t>non-functional</a:t>
+            </a:r>
+            <a:r>
+              <a:rPr sz="2800" dirty="0" smtClean="0"/>
+              <a:t> </a:t>
+            </a:r>
+            <a:endParaRPr sz="2800" dirty="0"/>
+          </a:p>
+        </p:txBody>
+      </p:sp>
+      <p:sp>
+        <p:nvSpPr>
+          <p:cNvPr id="5" name="Rectangle 4"/>
+          <p:cNvSpPr/>
+          <p:nvPr/>
+        </p:nvSpPr>
+        <p:spPr>
+          <a:xfrm>
+            <a:off x="914400" y="2362200"/>
+            <a:ext cx="2819400" cy="457200"/>
+          </a:xfrm>
+          <a:prstGeom prst="rect">
+            <a:avLst/>
+          </a:prstGeom>
+          <a:noFill/>
+          <a:ln w="25400" cap="flat">
+            <a:solidFill>
+              <a:srgbClr val="FF0000"/>
+            </a:solidFill>
+            <a:prstDash val="solid"/>
+            <a:bevel/>
+          </a:ln>
+          <a:effectLst>
+            <a:outerShdw blurRad="38100" dist="23000" dir="5400000" rotWithShape="0">
+              <a:srgbClr val="000000">
+                <a:alpha val="35000"/>
+              </a:srgbClr>
+            </a:outerShdw>
+          </a:effectLst>
+        </p:spPr>
+        <p:style>
+          <a:lnRef idx="0">
+            <a:scrgbClr r="0" g="0" b="0"/>
+          </a:lnRef>
+          <a:fillRef idx="0">
+            <a:scrgbClr r="0" g="0" b="0"/>
+          </a:fillRef>
+          <a:effectRef idx="0">
+            <a:scrgbClr r="0" g="0" b="0"/>
+          </a:effectRef>
+          <a:fontRef idx="none"/>
+        </p:style>
+        <p:txBody>
+          <a:bodyPr rot="0" spcFirstLastPara="1" vertOverflow="overflow" horzOverflow="overflow" vert="horz" wrap="square" lIns="45719" tIns="45719" rIns="45719" bIns="45719" numCol="1" spcCol="38100" rtlCol="0" anchor="ctr">
+            <a:spAutoFit/>
+          </a:bodyPr>
+          <a:lstStyle/>
+          <a:p>
+            <a:pPr marL="0" marR="0" indent="0" algn="l" defTabSz="914400" rtl="0" fontAlgn="auto" latinLnBrk="1" hangingPunct="0">
+              <a:lnSpc>
+                <a:spcPct val="100000"/>
+              </a:lnSpc>
+              <a:spcBef>
+                <a:spcPts val="0"/>
+              </a:spcBef>
+              <a:spcAft>
+                <a:spcPts val="0"/>
+              </a:spcAft>
+              <a:buClrTx/>
+              <a:buSzTx/>
+              <a:buFontTx/>
+              <a:buNone/>
+              <a:tabLst/>
+            </a:pPr>
+            <a:endParaRPr kumimoji="0" lang="en-US" sz="1800" b="0" i="0" u="none" strike="noStrike" cap="none" spc="0" normalizeH="0" baseline="0">
+              <a:ln>
+                <a:noFill/>
+              </a:ln>
+              <a:solidFill>
+                <a:srgbClr val="000000"/>
+              </a:solidFill>
+              <a:effectLst/>
+              <a:uFillTx/>
+              <a:latin typeface="Calibri"/>
+              <a:ea typeface="Calibri"/>
+              <a:cs typeface="Calibri"/>
+              <a:sym typeface="Calibri"/>
+            </a:endParaRPr>
+          </a:p>
+        </p:txBody>
+      </p:sp>
+    </p:spTree>
+    <p:extLst>
+      <p:ext uri="{BB962C8B-B14F-4D97-AF65-F5344CB8AC3E}">
+        <p14:creationId xmlns:p14="http://schemas.microsoft.com/office/powerpoint/2010/main" val="3421673200"/>
+      </p:ext>
+    </p:extLst>
+  </p:cSld>
+  <p:clrMapOvr>
+    <a:masterClrMapping/>
+  </p:clrMapOvr>
+  <p:transition spd="med"/>
+  <p:timing>
+    <p:tnLst>
+      <p:par>
+        <p:cTn id="1" dur="indefinite" restart="never" fill="hold" nodeType="tmRoot"/>
+      </p:par>
+    </p:tnLst>
+  </p:timing>
+</p:sld>
+</file>
+
+<file path=ppt/slides/slide4.xml><?xml version="1.0" encoding="utf-8"?>
+<p:sld xmlns:a="http://schemas.openxmlformats.org/drawingml/2006/main" xmlns:r="http://schemas.openxmlformats.org/officeDocument/2006/relationships" xmlns:p="http://schemas.openxmlformats.org/presentationml/2006/main">
+  <p:cSld>
+    <p:spTree>
+      <p:nvGrpSpPr>
+        <p:cNvPr id="1" name=""/>
+        <p:cNvGrpSpPr/>
+        <p:nvPr/>
+      </p:nvGrpSpPr>
+      <p:grpSpPr>
+        <a:xfrm>
+          <a:off x="0" y="0"/>
+          <a:ext cx="0" cy="0"/>
+          <a:chOff x="0" y="0"/>
+          <a:chExt cx="0" cy="0"/>
+        </a:xfrm>
+      </p:grpSpPr>
+      <p:sp>
+        <p:nvSpPr>
+          <p:cNvPr id="55" name="Shape 55"/>
+          <p:cNvSpPr>
+            <a:spLocks noGrp="1"/>
+          </p:cNvSpPr>
+          <p:nvPr>
+            <p:ph type="title"/>
+          </p:nvPr>
+        </p:nvSpPr>
+        <p:spPr>
+          <a:xfrm>
+            <a:off x="457200" y="274638"/>
+            <a:ext cx="8229600" cy="1143001"/>
+          </a:xfrm>
+          <a:prstGeom prst="rect">
+            <a:avLst/>
+          </a:prstGeom>
+        </p:spPr>
+        <p:txBody>
+          <a:bodyPr/>
+          <a:lstStyle/>
+          <a:p>
+            <a:pPr lvl="0">
+              <a:defRPr sz="1800"/>
+            </a:pPr>
+            <a:r>
+              <a:rPr sz="4400"/>
+              <a:t>Problem Description</a:t>
+            </a:r>
+          </a:p>
+        </p:txBody>
+      </p:sp>
+      <p:pic>
+        <p:nvPicPr>
+          <p:cNvPr id="56" name="image2.png"/>
+          <p:cNvPicPr/>
+          <p:nvPr/>
+        </p:nvPicPr>
+        <p:blipFill>
+          <a:blip r:embed="rId3">
+            <a:extLst/>
+          </a:blip>
+          <a:stretch>
+            <a:fillRect/>
+          </a:stretch>
+        </p:blipFill>
+        <p:spPr>
+          <a:xfrm>
+            <a:off x="4155140" y="1219200"/>
+            <a:ext cx="4912660" cy="3200400"/>
+          </a:xfrm>
+          <a:prstGeom prst="rect">
+            <a:avLst/>
+          </a:prstGeom>
+          <a:ln w="38100">
+            <a:solidFill/>
+            <a:miter lim="400000"/>
+          </a:ln>
+        </p:spPr>
+      </p:pic>
+      <p:sp>
+        <p:nvSpPr>
+          <p:cNvPr id="57" name="Shape 57"/>
+          <p:cNvSpPr/>
+          <p:nvPr/>
+        </p:nvSpPr>
+        <p:spPr>
+          <a:xfrm>
+            <a:off x="609599" y="1828800"/>
+            <a:ext cx="3774141" cy="2362200"/>
+          </a:xfrm>
+          <a:prstGeom prst="rect">
+            <a:avLst/>
+          </a:prstGeom>
+          <a:ln w="12700">
+            <a:miter lim="400000"/>
+          </a:ln>
+          <a:extLst>
+            <a:ext uri="{C572A759-6A51-4108-AA02-DFA0A04FC94B}">
+              <ma14:wrappingTextBoxFlag xmlns:ma14="http://schemas.microsoft.com/office/mac/drawingml/2011/main" xmlns="" val="1"/>
+            </a:ext>
+          </a:extLst>
+        </p:spPr>
+        <p:txBody>
+          <a:bodyPr lIns="0" tIns="0" rIns="0" bIns="0">
+            <a:normAutofit/>
+          </a:bodyPr>
+          <a:lstStyle/>
+          <a:p>
+            <a:pPr marL="342900" lvl="0" indent="-342900">
+              <a:spcBef>
+                <a:spcPts val="700"/>
+              </a:spcBef>
+              <a:buSzPct val="100000"/>
+              <a:buFont typeface="Arial"/>
+              <a:buChar char="•"/>
+            </a:pPr>
+            <a:r>
+              <a:rPr sz="3200" dirty="0"/>
+              <a:t>Classify wells as </a:t>
+            </a:r>
+          </a:p>
+          <a:p>
+            <a:pPr marL="742950" lvl="1" indent="-285750">
+              <a:spcBef>
+                <a:spcPts val="600"/>
+              </a:spcBef>
+              <a:buSzPct val="100000"/>
+              <a:buFont typeface="Arial"/>
+              <a:buChar char="–"/>
+            </a:pPr>
+            <a:r>
+              <a:rPr lang="en-US" sz="2800" i="1" dirty="0" smtClean="0"/>
+              <a:t>F</a:t>
+            </a:r>
+            <a:r>
+              <a:rPr sz="2800" i="1" dirty="0" smtClean="0"/>
+              <a:t>unctional</a:t>
+            </a:r>
+            <a:endParaRPr lang="en-US" sz="2800" i="1" dirty="0" smtClean="0"/>
+          </a:p>
+          <a:p>
+            <a:pPr marL="742950" lvl="1" indent="-285750">
+              <a:spcBef>
+                <a:spcPts val="600"/>
+              </a:spcBef>
+              <a:buSzPct val="100000"/>
+              <a:buFont typeface="Arial"/>
+              <a:buChar char="–"/>
+            </a:pPr>
+            <a:r>
+              <a:rPr lang="en-US" sz="2800" i="1" dirty="0" smtClean="0"/>
+              <a:t>needs repair</a:t>
+            </a:r>
+            <a:endParaRPr sz="2800" dirty="0"/>
+          </a:p>
+          <a:p>
+            <a:pPr marL="742950" lvl="1" indent="-285750">
+              <a:spcBef>
+                <a:spcPts val="600"/>
+              </a:spcBef>
+              <a:buSzPct val="100000"/>
+              <a:buFont typeface="Arial"/>
+              <a:buChar char="–"/>
+            </a:pPr>
+            <a:r>
+              <a:rPr sz="2800" i="1" dirty="0" smtClean="0"/>
+              <a:t>non-functional</a:t>
+            </a:r>
+            <a:r>
+              <a:rPr sz="2800" dirty="0" smtClean="0"/>
+              <a:t> </a:t>
+            </a:r>
+            <a:endParaRPr sz="2800" dirty="0"/>
+          </a:p>
+        </p:txBody>
+      </p:sp>
+      <p:sp>
+        <p:nvSpPr>
+          <p:cNvPr id="5" name="Rectangle 4"/>
+          <p:cNvSpPr/>
+          <p:nvPr/>
+        </p:nvSpPr>
+        <p:spPr>
+          <a:xfrm>
+            <a:off x="894080" y="2895600"/>
+            <a:ext cx="2819400" cy="457200"/>
+          </a:xfrm>
+          <a:prstGeom prst="rect">
+            <a:avLst/>
+          </a:prstGeom>
+          <a:noFill/>
+          <a:ln w="25400" cap="flat">
+            <a:solidFill>
+              <a:srgbClr val="FF0000"/>
+            </a:solidFill>
+            <a:prstDash val="solid"/>
+            <a:bevel/>
+          </a:ln>
+          <a:effectLst>
+            <a:outerShdw blurRad="38100" dist="23000" dir="5400000" rotWithShape="0">
+              <a:srgbClr val="000000">
+                <a:alpha val="35000"/>
+              </a:srgbClr>
+            </a:outerShdw>
+          </a:effectLst>
+        </p:spPr>
+        <p:style>
+          <a:lnRef idx="0">
+            <a:scrgbClr r="0" g="0" b="0"/>
+          </a:lnRef>
+          <a:fillRef idx="0">
+            <a:scrgbClr r="0" g="0" b="0"/>
+          </a:fillRef>
+          <a:effectRef idx="0">
+            <a:scrgbClr r="0" g="0" b="0"/>
+          </a:effectRef>
+          <a:fontRef idx="none"/>
+        </p:style>
+        <p:txBody>
+          <a:bodyPr rot="0" spcFirstLastPara="1" vertOverflow="overflow" horzOverflow="overflow" vert="horz" wrap="square" lIns="45719" tIns="45719" rIns="45719" bIns="45719" numCol="1" spcCol="38100" rtlCol="0" anchor="ctr">
+            <a:spAutoFit/>
+          </a:bodyPr>
+          <a:lstStyle/>
+          <a:p>
+            <a:pPr marL="0" marR="0" indent="0" algn="l" defTabSz="914400" rtl="0" fontAlgn="auto" latinLnBrk="1" hangingPunct="0">
+              <a:lnSpc>
+                <a:spcPct val="100000"/>
+              </a:lnSpc>
+              <a:spcBef>
+                <a:spcPts val="0"/>
+              </a:spcBef>
+              <a:spcAft>
+                <a:spcPts val="0"/>
+              </a:spcAft>
+              <a:buClrTx/>
+              <a:buSzTx/>
+              <a:buFontTx/>
+              <a:buNone/>
+              <a:tabLst/>
+            </a:pPr>
+            <a:endParaRPr kumimoji="0" lang="en-US" sz="1800" b="0" i="0" u="none" strike="noStrike" cap="none" spc="0" normalizeH="0" baseline="0">
+              <a:ln>
+                <a:noFill/>
+              </a:ln>
+              <a:solidFill>
+                <a:srgbClr val="000000"/>
+              </a:solidFill>
+              <a:effectLst/>
+              <a:uFillTx/>
+              <a:latin typeface="Calibri"/>
+              <a:ea typeface="Calibri"/>
+              <a:cs typeface="Calibri"/>
+              <a:sym typeface="Calibri"/>
+            </a:endParaRPr>
+          </a:p>
+        </p:txBody>
+      </p:sp>
+    </p:spTree>
+    <p:extLst>
+      <p:ext uri="{BB962C8B-B14F-4D97-AF65-F5344CB8AC3E}">
+        <p14:creationId xmlns:p14="http://schemas.microsoft.com/office/powerpoint/2010/main" val="537698720"/>
+      </p:ext>
+    </p:extLst>
+  </p:cSld>
+  <p:clrMapOvr>
+    <a:masterClrMapping/>
+  </p:clrMapOvr>
+  <p:transition spd="med"/>
+  <p:timing>
+    <p:tnLst>
+      <p:par>
+        <p:cTn id="1" dur="indefinite" restart="never" fill="hold" nodeType="tmRoot"/>
+      </p:par>
+    </p:tnLst>
+  </p:timing>
+</p:sld>
+</file>
+
+<file path=ppt/slides/slide5.xml><?xml version="1.0" encoding="utf-8"?>
+<p:sld xmlns:a="http://schemas.openxmlformats.org/drawingml/2006/main" xmlns:r="http://schemas.openxmlformats.org/officeDocument/2006/relationships" xmlns:p="http://schemas.openxmlformats.org/presentationml/2006/main">
+  <p:cSld>
+    <p:spTree>
+      <p:nvGrpSpPr>
+        <p:cNvPr id="1" name=""/>
+        <p:cNvGrpSpPr/>
+        <p:nvPr/>
+      </p:nvGrpSpPr>
+      <p:grpSpPr>
+        <a:xfrm>
+          <a:off x="0" y="0"/>
+          <a:ext cx="0" cy="0"/>
+          <a:chOff x="0" y="0"/>
+          <a:chExt cx="0" cy="0"/>
+        </a:xfrm>
+      </p:grpSpPr>
+      <p:sp>
+        <p:nvSpPr>
+          <p:cNvPr id="55" name="Shape 55"/>
+          <p:cNvSpPr>
+            <a:spLocks noGrp="1"/>
+          </p:cNvSpPr>
+          <p:nvPr>
+            <p:ph type="title"/>
+          </p:nvPr>
+        </p:nvSpPr>
+        <p:spPr>
+          <a:xfrm>
+            <a:off x="457200" y="274638"/>
+            <a:ext cx="8229600" cy="1143001"/>
+          </a:xfrm>
+          <a:prstGeom prst="rect">
+            <a:avLst/>
+          </a:prstGeom>
+        </p:spPr>
+        <p:txBody>
+          <a:bodyPr/>
+          <a:lstStyle/>
+          <a:p>
+            <a:pPr lvl="0">
+              <a:defRPr sz="1800"/>
+            </a:pPr>
+            <a:r>
+              <a:rPr sz="4400"/>
+              <a:t>Problem Description</a:t>
+            </a:r>
+          </a:p>
+        </p:txBody>
+      </p:sp>
+      <p:pic>
+        <p:nvPicPr>
+          <p:cNvPr id="56" name="image2.png"/>
+          <p:cNvPicPr/>
+          <p:nvPr/>
+        </p:nvPicPr>
+        <p:blipFill>
+          <a:blip r:embed="rId3">
+            <a:extLst/>
+          </a:blip>
+          <a:stretch>
+            <a:fillRect/>
+          </a:stretch>
+        </p:blipFill>
+        <p:spPr>
+          <a:xfrm>
+            <a:off x="4155140" y="1219200"/>
+            <a:ext cx="4912660" cy="3200400"/>
+          </a:xfrm>
+          <a:prstGeom prst="rect">
+            <a:avLst/>
+          </a:prstGeom>
+          <a:ln w="38100">
+            <a:solidFill/>
+            <a:miter lim="400000"/>
+          </a:ln>
+        </p:spPr>
+      </p:pic>
+      <p:sp>
+        <p:nvSpPr>
+          <p:cNvPr id="57" name="Shape 57"/>
+          <p:cNvSpPr/>
+          <p:nvPr/>
+        </p:nvSpPr>
+        <p:spPr>
+          <a:xfrm>
+            <a:off x="609599" y="1828800"/>
+            <a:ext cx="3774141" cy="2362200"/>
+          </a:xfrm>
+          <a:prstGeom prst="rect">
+            <a:avLst/>
+          </a:prstGeom>
+          <a:ln w="12700">
+            <a:miter lim="400000"/>
+          </a:ln>
+          <a:extLst>
+            <a:ext uri="{C572A759-6A51-4108-AA02-DFA0A04FC94B}">
+              <ma14:wrappingTextBoxFlag xmlns:ma14="http://schemas.microsoft.com/office/mac/drawingml/2011/main" xmlns="" val="1"/>
+            </a:ext>
+          </a:extLst>
+        </p:spPr>
+        <p:txBody>
+          <a:bodyPr lIns="0" tIns="0" rIns="0" bIns="0">
+            <a:normAutofit/>
+          </a:bodyPr>
+          <a:lstStyle/>
+          <a:p>
+            <a:pPr marL="342900" lvl="0" indent="-342900">
+              <a:spcBef>
+                <a:spcPts val="700"/>
+              </a:spcBef>
+              <a:buSzPct val="100000"/>
+              <a:buFont typeface="Arial"/>
+              <a:buChar char="•"/>
+            </a:pPr>
+            <a:r>
+              <a:rPr sz="3200" dirty="0"/>
+              <a:t>Classify wells as </a:t>
+            </a:r>
+          </a:p>
+          <a:p>
+            <a:pPr marL="742950" lvl="1" indent="-285750">
+              <a:spcBef>
+                <a:spcPts val="600"/>
+              </a:spcBef>
+              <a:buSzPct val="100000"/>
+              <a:buFont typeface="Arial"/>
+              <a:buChar char="–"/>
+            </a:pPr>
+            <a:r>
+              <a:rPr lang="en-US" sz="2800" i="1" dirty="0" smtClean="0"/>
+              <a:t>F</a:t>
+            </a:r>
+            <a:r>
+              <a:rPr sz="2800" i="1" dirty="0" smtClean="0"/>
+              <a:t>unctional</a:t>
+            </a:r>
+            <a:endParaRPr lang="en-US" sz="2800" i="1" dirty="0" smtClean="0"/>
+          </a:p>
+          <a:p>
+            <a:pPr marL="742950" lvl="1" indent="-285750">
+              <a:spcBef>
+                <a:spcPts val="600"/>
+              </a:spcBef>
+              <a:buSzPct val="100000"/>
+              <a:buFont typeface="Arial"/>
+              <a:buChar char="–"/>
+            </a:pPr>
+            <a:r>
+              <a:rPr lang="en-US" sz="2800" i="1" dirty="0" smtClean="0"/>
+              <a:t>needs repair</a:t>
+            </a:r>
+            <a:endParaRPr sz="2800" dirty="0"/>
+          </a:p>
+          <a:p>
+            <a:pPr marL="742950" lvl="1" indent="-285750">
+              <a:spcBef>
+                <a:spcPts val="600"/>
+              </a:spcBef>
+              <a:buSzPct val="100000"/>
+              <a:buFont typeface="Arial"/>
+              <a:buChar char="–"/>
+            </a:pPr>
+            <a:r>
+              <a:rPr sz="2800" i="1" dirty="0" smtClean="0"/>
+              <a:t>non-functional</a:t>
+            </a:r>
+            <a:r>
+              <a:rPr sz="2800" dirty="0" smtClean="0"/>
+              <a:t> </a:t>
+            </a:r>
+            <a:endParaRPr sz="2800" dirty="0"/>
+          </a:p>
+        </p:txBody>
+      </p:sp>
+      <p:sp>
+        <p:nvSpPr>
+          <p:cNvPr id="5" name="Rectangle 4"/>
+          <p:cNvSpPr/>
+          <p:nvPr/>
+        </p:nvSpPr>
+        <p:spPr>
+          <a:xfrm>
+            <a:off x="894080" y="3393440"/>
+            <a:ext cx="2819400" cy="457200"/>
+          </a:xfrm>
+          <a:prstGeom prst="rect">
+            <a:avLst/>
+          </a:prstGeom>
+          <a:noFill/>
+          <a:ln w="25400" cap="flat">
+            <a:solidFill>
+              <a:srgbClr val="FF0000"/>
+            </a:solidFill>
+            <a:prstDash val="solid"/>
+            <a:bevel/>
+          </a:ln>
+          <a:effectLst>
+            <a:outerShdw blurRad="38100" dist="23000" dir="5400000" rotWithShape="0">
+              <a:srgbClr val="000000">
+                <a:alpha val="35000"/>
+              </a:srgbClr>
+            </a:outerShdw>
+          </a:effectLst>
+        </p:spPr>
+        <p:style>
+          <a:lnRef idx="0">
+            <a:scrgbClr r="0" g="0" b="0"/>
+          </a:lnRef>
+          <a:fillRef idx="0">
+            <a:scrgbClr r="0" g="0" b="0"/>
+          </a:fillRef>
+          <a:effectRef idx="0">
+            <a:scrgbClr r="0" g="0" b="0"/>
+          </a:effectRef>
+          <a:fontRef idx="none"/>
+        </p:style>
+        <p:txBody>
+          <a:bodyPr rot="0" spcFirstLastPara="1" vertOverflow="overflow" horzOverflow="overflow" vert="horz" wrap="square" lIns="45719" tIns="45719" rIns="45719" bIns="45719" numCol="1" spcCol="38100" rtlCol="0" anchor="ctr">
+            <a:spAutoFit/>
+          </a:bodyPr>
+          <a:lstStyle/>
+          <a:p>
+            <a:pPr marL="0" marR="0" indent="0" algn="l" defTabSz="914400" rtl="0" fontAlgn="auto" latinLnBrk="1" hangingPunct="0">
+              <a:lnSpc>
+                <a:spcPct val="100000"/>
+              </a:lnSpc>
+              <a:spcBef>
+                <a:spcPts val="0"/>
+              </a:spcBef>
+              <a:spcAft>
+                <a:spcPts val="0"/>
+              </a:spcAft>
+              <a:buClrTx/>
+              <a:buSzTx/>
+              <a:buFontTx/>
+              <a:buNone/>
+              <a:tabLst/>
+            </a:pPr>
+            <a:endParaRPr kumimoji="0" lang="en-US" sz="1800" b="0" i="0" u="none" strike="noStrike" cap="none" spc="0" normalizeH="0" baseline="0">
+              <a:ln>
+                <a:noFill/>
+              </a:ln>
+              <a:solidFill>
+                <a:srgbClr val="000000"/>
+              </a:solidFill>
+              <a:effectLst/>
+              <a:uFillTx/>
+              <a:latin typeface="Calibri"/>
+              <a:ea typeface="Calibri"/>
+              <a:cs typeface="Calibri"/>
+              <a:sym typeface="Calibri"/>
+            </a:endParaRPr>
+          </a:p>
+        </p:txBody>
+      </p:sp>
+    </p:spTree>
+    <p:extLst>
+      <p:ext uri="{BB962C8B-B14F-4D97-AF65-F5344CB8AC3E}">
+        <p14:creationId xmlns:p14="http://schemas.microsoft.com/office/powerpoint/2010/main" val="61407887"/>
+      </p:ext>
+    </p:extLst>
+  </p:cSld>
+  <p:clrMapOvr>
+    <a:masterClrMapping/>
+  </p:clrMapOvr>
+  <p:transition spd="med"/>
+  <p:timing>
+    <p:tnLst>
+      <p:par>
+        <p:cTn id="1" dur="indefinite" restart="never" fill="hold" nodeType="tmRoot"/>
+      </p:par>
+    </p:tnLst>
+  </p:timing>
+</p:sld>
+</file>
+
+<file path=ppt/slides/slide6.xml><?xml version="1.0" encoding="utf-8"?>
+<p:sld xmlns:a="http://schemas.openxmlformats.org/drawingml/2006/main" xmlns:r="http://schemas.openxmlformats.org/officeDocument/2006/relationships" xmlns:p="http://schemas.openxmlformats.org/presentationml/2006/main">
+  <p:cSld>
+    <p:spTree>
+      <p:nvGrpSpPr>
+        <p:cNvPr id="1" name=""/>
+        <p:cNvGrpSpPr/>
+        <p:nvPr/>
+      </p:nvGrpSpPr>
+      <p:grpSpPr>
+        <a:xfrm>
+          <a:off x="0" y="0"/>
+          <a:ext cx="0" cy="0"/>
+          <a:chOff x="0" y="0"/>
+          <a:chExt cx="0" cy="0"/>
+        </a:xfrm>
+      </p:grpSpPr>
+      <p:sp>
+        <p:nvSpPr>
+          <p:cNvPr id="55" name="Shape 55"/>
+          <p:cNvSpPr>
+            <a:spLocks noGrp="1"/>
+          </p:cNvSpPr>
+          <p:nvPr>
+            <p:ph type="title"/>
+          </p:nvPr>
+        </p:nvSpPr>
+        <p:spPr>
+          <a:xfrm>
+            <a:off x="457200" y="274638"/>
+            <a:ext cx="8229600" cy="1143001"/>
+          </a:xfrm>
+          <a:prstGeom prst="rect">
+            <a:avLst/>
+          </a:prstGeom>
+        </p:spPr>
+        <p:txBody>
+          <a:bodyPr/>
+          <a:lstStyle/>
+          <a:p>
+            <a:pPr lvl="0">
+              <a:defRPr sz="1800"/>
+            </a:pPr>
+            <a:r>
+              <a:rPr sz="4400"/>
+              <a:t>Problem Description</a:t>
+            </a:r>
+          </a:p>
+        </p:txBody>
+      </p:sp>
+      <p:pic>
+        <p:nvPicPr>
+          <p:cNvPr id="56" name="image2.png"/>
+          <p:cNvPicPr/>
+          <p:nvPr/>
+        </p:nvPicPr>
+        <p:blipFill>
+          <a:blip r:embed="rId3">
+            <a:extLst/>
+          </a:blip>
+          <a:stretch>
+            <a:fillRect/>
+          </a:stretch>
+        </p:blipFill>
+        <p:spPr>
+          <a:xfrm>
+            <a:off x="4155140" y="1219200"/>
+            <a:ext cx="4912660" cy="3200400"/>
+          </a:xfrm>
+          <a:prstGeom prst="rect">
+            <a:avLst/>
+          </a:prstGeom>
+          <a:ln w="38100">
+            <a:solidFill/>
+            <a:miter lim="400000"/>
+          </a:ln>
+        </p:spPr>
+      </p:pic>
+      <p:sp>
+        <p:nvSpPr>
+          <p:cNvPr id="57" name="Shape 57"/>
+          <p:cNvSpPr/>
+          <p:nvPr/>
+        </p:nvSpPr>
+        <p:spPr>
+          <a:xfrm>
+            <a:off x="609599" y="1828800"/>
+            <a:ext cx="3774141" cy="2362200"/>
+          </a:xfrm>
+          <a:prstGeom prst="rect">
+            <a:avLst/>
+          </a:prstGeom>
+          <a:ln w="12700">
+            <a:miter lim="400000"/>
+          </a:ln>
+          <a:extLst>
+            <a:ext uri="{C572A759-6A51-4108-AA02-DFA0A04FC94B}">
+              <ma14:wrappingTextBoxFlag xmlns:ma14="http://schemas.microsoft.com/office/mac/drawingml/2011/main" xmlns="" val="1"/>
+            </a:ext>
+          </a:extLst>
+        </p:spPr>
+        <p:txBody>
+          <a:bodyPr lIns="0" tIns="0" rIns="0" bIns="0">
+            <a:normAutofit/>
+          </a:bodyPr>
+          <a:lstStyle/>
+          <a:p>
+            <a:pPr marL="342900" lvl="0" indent="-342900">
+              <a:spcBef>
+                <a:spcPts val="700"/>
+              </a:spcBef>
+              <a:buSzPct val="100000"/>
+              <a:buFont typeface="Arial"/>
+              <a:buChar char="•"/>
+            </a:pPr>
+            <a:r>
+              <a:rPr sz="3200" dirty="0"/>
+              <a:t>Classify wells as </a:t>
+            </a:r>
+          </a:p>
+          <a:p>
+            <a:pPr marL="742950" lvl="1" indent="-285750">
+              <a:spcBef>
+                <a:spcPts val="600"/>
+              </a:spcBef>
+              <a:buSzPct val="100000"/>
+              <a:buFont typeface="Arial"/>
+              <a:buChar char="–"/>
+            </a:pPr>
+            <a:r>
+              <a:rPr lang="en-US" sz="2800" i="1" dirty="0" smtClean="0"/>
+              <a:t>F</a:t>
+            </a:r>
+            <a:r>
+              <a:rPr sz="2800" i="1" dirty="0" smtClean="0"/>
+              <a:t>unctional</a:t>
+            </a:r>
+            <a:endParaRPr lang="en-US" sz="2800" i="1" dirty="0" smtClean="0"/>
+          </a:p>
+          <a:p>
+            <a:pPr marL="742950" lvl="1" indent="-285750">
+              <a:spcBef>
+                <a:spcPts val="600"/>
+              </a:spcBef>
+              <a:buSzPct val="100000"/>
+              <a:buFont typeface="Arial"/>
+              <a:buChar char="–"/>
+            </a:pPr>
+            <a:r>
+              <a:rPr lang="en-US" sz="2800" i="1" dirty="0" smtClean="0"/>
+              <a:t>needs repair</a:t>
+            </a:r>
+            <a:endParaRPr sz="2800" dirty="0"/>
+          </a:p>
+          <a:p>
+            <a:pPr marL="742950" lvl="1" indent="-285750">
+              <a:spcBef>
+                <a:spcPts val="600"/>
+              </a:spcBef>
+              <a:buSzPct val="100000"/>
+              <a:buFont typeface="Arial"/>
+              <a:buChar char="–"/>
+            </a:pPr>
+            <a:r>
+              <a:rPr sz="2800" i="1" dirty="0" smtClean="0"/>
+              <a:t>non-functional</a:t>
+            </a:r>
+            <a:r>
+              <a:rPr sz="2800" dirty="0" smtClean="0"/>
+              <a:t> </a:t>
+            </a:r>
+            <a:endParaRPr sz="2800" dirty="0"/>
           </a:p>
         </p:txBody>
       </p:sp>
@@ -3448,12 +8104,12 @@
         </p:nvGraphicFramePr>
         <p:xfrm>
           <a:off x="304800" y="4648200"/>
-          <a:ext cx="8536649" cy="1961660"/>
+          <a:ext cx="8536648" cy="2060661"/>
         </p:xfrm>
-        <a:graphic xmlns:a="http://schemas.openxmlformats.org/drawingml/2006/main">
+        <a:graphic>
           <a:graphicData uri="http://schemas.openxmlformats.org/drawingml/2006/table">
             <a:tbl>
-              <a:tblPr firstCol="0" firstRow="0" lastCol="0" lastRow="0" bandCol="0" bandRow="0" rtl="0">
+              <a:tblPr>
                 <a:tableStyleId>{4C3C2611-4C71-4FC5-86AE-919BDF0F9419}</a:tableStyleId>
               </a:tblPr>
               <a:tblGrid>
@@ -3476,15 +8132,15 @@
                         <a:spcBef>
                           <a:spcPts val="2300"/>
                         </a:spcBef>
-                        <a:defRPr b="0" i="0" sz="1800"/>
+                        <a:defRPr sz="1800" b="0" i="0"/>
                       </a:pPr>
                       <a:r>
-                        <a:rPr b="1" sz="1400"/>
+                        <a:rPr sz="1400" b="1"/>
                         <a:t>id</a:t>
                       </a:r>
                     </a:p>
                   </a:txBody>
-                  <a:tcPr marL="50800" marR="50800" marT="50800" marB="50800" anchor="ctr" anchorCtr="0" horzOverflow="overflow">
+                  <a:tcPr marL="50800" marR="50800" marT="50800" marB="50800" anchor="ctr" horzOverflow="overflow">
                     <a:lnL w="12700">
                       <a:solidFill>
                         <a:srgbClr val="000000"/>
@@ -3518,15 +8174,15 @@
                     <a:lstStyle/>
                     <a:p>
                       <a:pPr lvl="0" algn="l" defTabSz="1736725">
-                        <a:defRPr b="0" i="0" sz="1800"/>
+                        <a:defRPr sz="1800" b="0" i="0"/>
                       </a:pPr>
                       <a:r>
-                        <a:rPr b="1" sz="1400"/>
+                        <a:rPr sz="1400" b="1"/>
                         <a:t>date_recorded</a:t>
                       </a:r>
                     </a:p>
                   </a:txBody>
-                  <a:tcPr marL="50800" marR="50800" marT="50800" marB="50800" anchor="ctr" anchorCtr="0" horzOverflow="overflow">
+                  <a:tcPr marL="50800" marR="50800" marT="50800" marB="50800" anchor="ctr" horzOverflow="overflow">
                     <a:lnL w="12700">
                       <a:solidFill>
                         <a:srgbClr val="000000"/>
@@ -3560,15 +8216,15 @@
                     <a:lstStyle/>
                     <a:p>
                       <a:pPr lvl="0" algn="l" defTabSz="1736725">
-                        <a:defRPr b="0" i="0" sz="1800"/>
+                        <a:defRPr sz="1800" b="0" i="0"/>
                       </a:pPr>
                       <a:r>
-                        <a:rPr b="1" sz="1400"/>
+                        <a:rPr sz="1400" b="1"/>
                         <a:t>funder</a:t>
                       </a:r>
                     </a:p>
                   </a:txBody>
-                  <a:tcPr marL="50800" marR="50800" marT="50800" marB="50800" anchor="ctr" anchorCtr="0" horzOverflow="overflow">
+                  <a:tcPr marL="50800" marR="50800" marT="50800" marB="50800" anchor="ctr" horzOverflow="overflow">
                     <a:lnL w="12700">
                       <a:solidFill>
                         <a:srgbClr val="000000"/>
@@ -3602,15 +8258,15 @@
                     <a:lstStyle/>
                     <a:p>
                       <a:pPr lvl="0" algn="l" defTabSz="1736725">
-                        <a:defRPr b="0" i="0" sz="1800"/>
+                        <a:defRPr sz="1800" b="0" i="0"/>
                       </a:pPr>
                       <a:r>
-                        <a:rPr b="1" sz="1400"/>
+                        <a:rPr sz="1400" b="1"/>
                         <a:t>gps_height</a:t>
                       </a:r>
                     </a:p>
                   </a:txBody>
-                  <a:tcPr marL="50800" marR="50800" marT="50800" marB="50800" anchor="ctr" anchorCtr="0" horzOverflow="overflow">
+                  <a:tcPr marL="50800" marR="50800" marT="50800" marB="50800" anchor="ctr" horzOverflow="overflow">
                     <a:lnL w="12700">
                       <a:solidFill>
                         <a:srgbClr val="000000"/>
@@ -3644,15 +8300,15 @@
                     <a:lstStyle/>
                     <a:p>
                       <a:pPr lvl="0" algn="l" defTabSz="1736725">
-                        <a:defRPr b="0" i="0" sz="1800"/>
+                        <a:defRPr sz="1800" b="0" i="0"/>
                       </a:pPr>
                       <a:r>
-                        <a:rPr b="1" sz="1400"/>
+                        <a:rPr sz="1400" b="1"/>
                         <a:t>…</a:t>
                       </a:r>
                     </a:p>
                   </a:txBody>
-                  <a:tcPr marL="50800" marR="50800" marT="50800" marB="50800" anchor="ctr" anchorCtr="0" horzOverflow="overflow">
+                  <a:tcPr marL="50800" marR="50800" marT="50800" marB="50800" anchor="ctr" horzOverflow="overflow">
                     <a:lnL w="12700">
                       <a:solidFill>
                         <a:srgbClr val="000000"/>
@@ -3686,15 +8342,15 @@
                     <a:lstStyle/>
                     <a:p>
                       <a:pPr lvl="0" algn="l" defTabSz="1736725">
-                        <a:defRPr b="0" i="0" sz="1800"/>
+                        <a:defRPr sz="1800" b="0" i="0"/>
                       </a:pPr>
                       <a:r>
-                        <a:rPr b="1" sz="1400"/>
+                        <a:rPr sz="1400" b="1"/>
                         <a:t>longitude</a:t>
                       </a:r>
                     </a:p>
                   </a:txBody>
-                  <a:tcPr marL="50800" marR="50800" marT="50800" marB="50800" anchor="ctr" anchorCtr="0" horzOverflow="overflow">
+                  <a:tcPr marL="50800" marR="50800" marT="50800" marB="50800" anchor="ctr" horzOverflow="overflow">
                     <a:lnL w="12700">
                       <a:solidFill>
                         <a:srgbClr val="000000"/>
@@ -3728,15 +8384,15 @@
                     <a:lstStyle/>
                     <a:p>
                       <a:pPr lvl="0" algn="l" defTabSz="1736725">
-                        <a:defRPr b="0" i="0" sz="1800"/>
+                        <a:defRPr sz="1800" b="0" i="0"/>
                       </a:pPr>
                       <a:r>
-                        <a:rPr b="1" sz="1400"/>
+                        <a:rPr sz="1400" b="1"/>
                         <a:t>latitude</a:t>
                       </a:r>
                     </a:p>
                   </a:txBody>
-                  <a:tcPr marL="50800" marR="50800" marT="50800" marB="50800" anchor="ctr" anchorCtr="0" horzOverflow="overflow">
+                  <a:tcPr marL="50800" marR="50800" marT="50800" marB="50800" anchor="ctr" horzOverflow="overflow">
                     <a:lnL w="12700">
                       <a:solidFill>
                         <a:srgbClr val="000000"/>
@@ -3770,15 +8426,15 @@
                     <a:lstStyle/>
                     <a:p>
                       <a:pPr lvl="0" algn="l" defTabSz="1736725">
-                        <a:defRPr b="0" i="0" sz="1800"/>
+                        <a:defRPr sz="1800" b="0" i="0"/>
                       </a:pPr>
                       <a:r>
-                        <a:rPr b="1" sz="1400"/>
+                        <a:rPr sz="1400" b="1"/>
                         <a:t>basin</a:t>
                       </a:r>
                     </a:p>
                   </a:txBody>
-                  <a:tcPr marL="50800" marR="50800" marT="50800" marB="50800" anchor="ctr" anchorCtr="0" horzOverflow="overflow">
+                  <a:tcPr marL="50800" marR="50800" marT="50800" marB="50800" anchor="ctr" horzOverflow="overflow">
                     <a:lnL w="12700">
                       <a:solidFill>
                         <a:srgbClr val="000000"/>
@@ -3814,15 +8470,15 @@
                     <a:lstStyle/>
                     <a:p>
                       <a:pPr lvl="0" algn="l" defTabSz="1736725">
-                        <a:defRPr b="0" i="0" sz="1800"/>
+                        <a:defRPr sz="1800" b="0" i="0"/>
                       </a:pPr>
                       <a:r>
-                        <a:rPr b="1" sz="1400"/>
+                        <a:rPr sz="1400" b="1"/>
                         <a:t>69572</a:t>
                       </a:r>
                     </a:p>
                   </a:txBody>
-                  <a:tcPr marL="50800" marR="50800" marT="50800" marB="50800" anchor="ctr" anchorCtr="0" horzOverflow="overflow">
+                  <a:tcPr marL="50800" marR="50800" marT="50800" marB="50800" anchor="ctr" horzOverflow="overflow">
                     <a:lnL w="12700">
                       <a:solidFill>
                         <a:srgbClr val="000000"/>
@@ -3856,7 +8512,7 @@
                     <a:lstStyle/>
                     <a:p>
                       <a:pPr lvl="0" algn="l" defTabSz="1736725">
-                        <a:defRPr b="0" i="0" sz="1800"/>
+                        <a:defRPr sz="1800" b="0" i="0"/>
                       </a:pPr>
                       <a:r>
                         <a:rPr sz="1400"/>
@@ -3864,7 +8520,7 @@
                       </a:r>
                     </a:p>
                   </a:txBody>
-                  <a:tcPr marL="50800" marR="50800" marT="50800" marB="50800" anchor="ctr" anchorCtr="0" horzOverflow="overflow">
+                  <a:tcPr marL="50800" marR="50800" marT="50800" marB="50800" anchor="ctr" horzOverflow="overflow">
                     <a:lnL w="12700">
                       <a:solidFill>
                         <a:srgbClr val="000000"/>
@@ -3898,7 +8554,7 @@
                     <a:lstStyle/>
                     <a:p>
                       <a:pPr lvl="0" algn="l" defTabSz="1736725">
-                        <a:defRPr b="0" i="0" sz="1800"/>
+                        <a:defRPr sz="1800" b="0" i="0"/>
                       </a:pPr>
                       <a:r>
                         <a:rPr sz="1400"/>
@@ -3906,7 +8562,7 @@
                       </a:r>
                     </a:p>
                   </a:txBody>
-                  <a:tcPr marL="50800" marR="50800" marT="50800" marB="50800" anchor="ctr" anchorCtr="0" horzOverflow="overflow">
+                  <a:tcPr marL="50800" marR="50800" marT="50800" marB="50800" anchor="ctr" horzOverflow="overflow">
                     <a:lnL w="12700">
                       <a:solidFill>
                         <a:srgbClr val="000000"/>
@@ -3940,7 +8596,7 @@
                     <a:lstStyle/>
                     <a:p>
                       <a:pPr lvl="0" algn="l" defTabSz="1736725">
-                        <a:defRPr b="0" i="0" sz="1800"/>
+                        <a:defRPr sz="1800" b="0" i="0"/>
                       </a:pPr>
                       <a:r>
                         <a:rPr sz="1400"/>
@@ -3948,7 +8604,7 @@
                       </a:r>
                     </a:p>
                   </a:txBody>
-                  <a:tcPr marL="50800" marR="50800" marT="50800" marB="50800" anchor="ctr" anchorCtr="0" horzOverflow="overflow">
+                  <a:tcPr marL="50800" marR="50800" marT="50800" marB="50800" anchor="ctr" horzOverflow="overflow">
                     <a:lnL w="12700">
                       <a:solidFill>
                         <a:srgbClr val="000000"/>
@@ -3982,14 +8638,14 @@
                     <a:lstStyle/>
                     <a:p>
                       <a:pPr lvl="0" algn="l">
-                        <a:defRPr b="0" i="0" sz="1800"/>
+                        <a:defRPr sz="1800" b="0" i="0"/>
                       </a:pPr>
                       <a:r>
                         <a:t>…</a:t>
                       </a:r>
                     </a:p>
                   </a:txBody>
-                  <a:tcPr marL="50800" marR="50800" marT="50800" marB="50800" anchor="ctr" anchorCtr="0" horzOverflow="overflow">
+                  <a:tcPr marL="50800" marR="50800" marT="50800" marB="50800" anchor="ctr" horzOverflow="overflow">
                     <a:lnL w="12700">
                       <a:solidFill>
                         <a:srgbClr val="000000"/>
@@ -4023,7 +8679,7 @@
                     <a:lstStyle/>
                     <a:p>
                       <a:pPr lvl="0" algn="l" defTabSz="1736725">
-                        <a:defRPr b="0" i="0" sz="1800"/>
+                        <a:defRPr sz="1800" b="0" i="0"/>
                       </a:pPr>
                       <a:r>
                         <a:rPr sz="1400"/>
@@ -4031,7 +8687,7 @@
                       </a:r>
                     </a:p>
                   </a:txBody>
-                  <a:tcPr marL="50800" marR="50800" marT="50800" marB="50800" anchor="ctr" anchorCtr="0" horzOverflow="overflow">
+                  <a:tcPr marL="50800" marR="50800" marT="50800" marB="50800" anchor="ctr" horzOverflow="overflow">
                     <a:lnL w="12700">
                       <a:solidFill>
                         <a:srgbClr val="000000"/>
@@ -4065,7 +8721,7 @@
                     <a:lstStyle/>
                     <a:p>
                       <a:pPr lvl="0" algn="l" defTabSz="1736725">
-                        <a:defRPr b="0" i="0" sz="1800"/>
+                        <a:defRPr sz="1800" b="0" i="0"/>
                       </a:pPr>
                       <a:r>
                         <a:rPr sz="1400"/>
@@ -4073,7 +8729,7 @@
                       </a:r>
                     </a:p>
                   </a:txBody>
-                  <a:tcPr marL="50800" marR="50800" marT="50800" marB="50800" anchor="ctr" anchorCtr="0" horzOverflow="overflow">
+                  <a:tcPr marL="50800" marR="50800" marT="50800" marB="50800" anchor="ctr" horzOverflow="overflow">
                     <a:lnL w="12700">
                       <a:solidFill>
                         <a:srgbClr val="000000"/>
@@ -4107,7 +8763,7 @@
                     <a:lstStyle/>
                     <a:p>
                       <a:pPr lvl="0" algn="l" defTabSz="1736725">
-                        <a:defRPr b="0" i="0" sz="1800"/>
+                        <a:defRPr sz="1800" b="0" i="0"/>
                       </a:pPr>
                       <a:r>
                         <a:rPr sz="1400"/>
@@ -4115,7 +8771,7 @@
                       </a:r>
                     </a:p>
                   </a:txBody>
-                  <a:tcPr marL="50800" marR="50800" marT="50800" marB="50800" anchor="ctr" anchorCtr="0" horzOverflow="overflow">
+                  <a:tcPr marL="50800" marR="50800" marT="50800" marB="50800" anchor="ctr" horzOverflow="overflow">
                     <a:lnL w="12700">
                       <a:solidFill>
                         <a:srgbClr val="000000"/>
@@ -4151,15 +8807,15 @@
                     <a:lstStyle/>
                     <a:p>
                       <a:pPr lvl="0" algn="l" defTabSz="1736725">
-                        <a:defRPr b="0" i="0" sz="1800"/>
+                        <a:defRPr sz="1800" b="0" i="0"/>
                       </a:pPr>
                       <a:r>
-                        <a:rPr b="1" sz="1400"/>
+                        <a:rPr sz="1400" b="1"/>
                         <a:t>8776</a:t>
                       </a:r>
                     </a:p>
                   </a:txBody>
-                  <a:tcPr marL="50800" marR="50800" marT="50800" marB="50800" anchor="ctr" anchorCtr="0" horzOverflow="overflow">
+                  <a:tcPr marL="50800" marR="50800" marT="50800" marB="50800" anchor="ctr" horzOverflow="overflow">
                     <a:lnL w="12700">
                       <a:solidFill>
                         <a:srgbClr val="000000"/>
@@ -4193,7 +8849,7 @@
                     <a:lstStyle/>
                     <a:p>
                       <a:pPr lvl="0" algn="l" defTabSz="1736725">
-                        <a:defRPr b="0" i="0" sz="1800"/>
+                        <a:defRPr sz="1800" b="0" i="0"/>
                       </a:pPr>
                       <a:r>
                         <a:rPr sz="1400"/>
@@ -4201,7 +8857,7 @@
                       </a:r>
                     </a:p>
                   </a:txBody>
-                  <a:tcPr marL="50800" marR="50800" marT="50800" marB="50800" anchor="ctr" anchorCtr="0" horzOverflow="overflow">
+                  <a:tcPr marL="50800" marR="50800" marT="50800" marB="50800" anchor="ctr" horzOverflow="overflow">
                     <a:lnL w="12700">
                       <a:solidFill>
                         <a:srgbClr val="000000"/>
@@ -4235,7 +8891,7 @@
                     <a:lstStyle/>
                     <a:p>
                       <a:pPr lvl="0" algn="l" defTabSz="1736725">
-                        <a:defRPr b="0" i="0" sz="1800"/>
+                        <a:defRPr sz="1800" b="0" i="0"/>
                       </a:pPr>
                       <a:r>
                         <a:rPr sz="1400"/>
@@ -4243,7 +8899,7 @@
                       </a:r>
                     </a:p>
                   </a:txBody>
-                  <a:tcPr marL="50800" marR="50800" marT="50800" marB="50800" anchor="ctr" anchorCtr="0" horzOverflow="overflow">
+                  <a:tcPr marL="50800" marR="50800" marT="50800" marB="50800" anchor="ctr" horzOverflow="overflow">
                     <a:lnL w="12700">
                       <a:solidFill>
                         <a:srgbClr val="000000"/>
@@ -4277,7 +8933,7 @@
                     <a:lstStyle/>
                     <a:p>
                       <a:pPr lvl="0" algn="l" defTabSz="1736725">
-                        <a:defRPr b="0" i="0" sz="1800"/>
+                        <a:defRPr sz="1800" b="0" i="0"/>
                       </a:pPr>
                       <a:r>
                         <a:rPr sz="1400"/>
@@ -4285,7 +8941,7 @@
                       </a:r>
                     </a:p>
                   </a:txBody>
-                  <a:tcPr marL="50800" marR="50800" marT="50800" marB="50800" anchor="ctr" anchorCtr="0" horzOverflow="overflow">
+                  <a:tcPr marL="50800" marR="50800" marT="50800" marB="50800" anchor="ctr" horzOverflow="overflow">
                     <a:lnL w="12700">
                       <a:solidFill>
                         <a:srgbClr val="000000"/>
@@ -4319,14 +8975,14 @@
                     <a:lstStyle/>
                     <a:p>
                       <a:pPr lvl="0" algn="l">
-                        <a:defRPr b="0" i="0" sz="1800"/>
+                        <a:defRPr sz="1800" b="0" i="0"/>
                       </a:pPr>
                       <a:r>
                         <a:t>…</a:t>
                       </a:r>
                     </a:p>
                   </a:txBody>
-                  <a:tcPr marL="50800" marR="50800" marT="50800" marB="50800" anchor="ctr" anchorCtr="0" horzOverflow="overflow">
+                  <a:tcPr marL="50800" marR="50800" marT="50800" marB="50800" anchor="ctr" horzOverflow="overflow">
                     <a:lnL w="12700">
                       <a:solidFill>
                         <a:srgbClr val="000000"/>
@@ -4360,7 +9016,7 @@
                     <a:lstStyle/>
                     <a:p>
                       <a:pPr lvl="0" algn="l" defTabSz="1736725">
-                        <a:defRPr b="0" i="0" sz="1800"/>
+                        <a:defRPr sz="1800" b="0" i="0"/>
                       </a:pPr>
                       <a:r>
                         <a:rPr sz="1400"/>
@@ -4368,7 +9024,7 @@
                       </a:r>
                     </a:p>
                   </a:txBody>
-                  <a:tcPr marL="50800" marR="50800" marT="50800" marB="50800" anchor="ctr" anchorCtr="0" horzOverflow="overflow">
+                  <a:tcPr marL="50800" marR="50800" marT="50800" marB="50800" anchor="ctr" horzOverflow="overflow">
                     <a:lnL w="12700">
                       <a:solidFill>
                         <a:srgbClr val="000000"/>
@@ -4402,7 +9058,7 @@
                     <a:lstStyle/>
                     <a:p>
                       <a:pPr lvl="0" algn="l" defTabSz="1736725">
-                        <a:defRPr b="0" i="0" sz="1800"/>
+                        <a:defRPr sz="1800" b="0" i="0"/>
                       </a:pPr>
                       <a:r>
                         <a:rPr sz="1400"/>
@@ -4410,7 +9066,7 @@
                       </a:r>
                     </a:p>
                   </a:txBody>
-                  <a:tcPr marL="50800" marR="50800" marT="50800" marB="50800" anchor="ctr" anchorCtr="0" horzOverflow="overflow">
+                  <a:tcPr marL="50800" marR="50800" marT="50800" marB="50800" anchor="ctr" horzOverflow="overflow">
                     <a:lnL w="12700">
                       <a:solidFill>
                         <a:srgbClr val="000000"/>
@@ -4444,7 +9100,7 @@
                     <a:lstStyle/>
                     <a:p>
                       <a:pPr lvl="0" algn="l" defTabSz="1736725">
-                        <a:defRPr b="0" i="0" sz="1800"/>
+                        <a:defRPr sz="1800" b="0" i="0"/>
                       </a:pPr>
                       <a:r>
                         <a:rPr sz="1400"/>
@@ -4452,7 +9108,7 @@
                       </a:r>
                     </a:p>
                   </a:txBody>
-                  <a:tcPr marL="50800" marR="50800" marT="50800" marB="50800" anchor="ctr" anchorCtr="0" horzOverflow="overflow">
+                  <a:tcPr marL="50800" marR="50800" marT="50800" marB="50800" anchor="ctr" horzOverflow="overflow">
                     <a:lnL w="12700">
                       <a:solidFill>
                         <a:srgbClr val="000000"/>
@@ -4488,15 +9144,15 @@
                     <a:lstStyle/>
                     <a:p>
                       <a:pPr lvl="0" algn="l" defTabSz="1736725">
-                        <a:defRPr b="0" i="0" sz="1800"/>
+                        <a:defRPr sz="1800" b="0" i="0"/>
                       </a:pPr>
                       <a:r>
-                        <a:rPr b="1" sz="1400"/>
+                        <a:rPr sz="1400" b="1"/>
                         <a:t>34310</a:t>
                       </a:r>
                     </a:p>
                   </a:txBody>
-                  <a:tcPr marL="50800" marR="50800" marT="50800" marB="50800" anchor="ctr" anchorCtr="0" horzOverflow="overflow">
+                  <a:tcPr marL="50800" marR="50800" marT="50800" marB="50800" anchor="ctr" horzOverflow="overflow">
                     <a:lnL w="12700">
                       <a:solidFill>
                         <a:srgbClr val="000000"/>
@@ -4530,7 +9186,7 @@
                     <a:lstStyle/>
                     <a:p>
                       <a:pPr lvl="0" algn="l" defTabSz="1736725">
-                        <a:defRPr b="0" i="0" sz="1800"/>
+                        <a:defRPr sz="1800" b="0" i="0"/>
                       </a:pPr>
                       <a:r>
                         <a:rPr sz="1400"/>
@@ -4538,7 +9194,7 @@
                       </a:r>
                     </a:p>
                   </a:txBody>
-                  <a:tcPr marL="50800" marR="50800" marT="50800" marB="50800" anchor="ctr" anchorCtr="0" horzOverflow="overflow">
+                  <a:tcPr marL="50800" marR="50800" marT="50800" marB="50800" anchor="ctr" horzOverflow="overflow">
                     <a:lnL w="12700">
                       <a:solidFill>
                         <a:srgbClr val="000000"/>
@@ -4572,7 +9228,7 @@
                     <a:lstStyle/>
                     <a:p>
                       <a:pPr lvl="0" algn="l" defTabSz="1736725">
-                        <a:defRPr b="0" i="0" sz="1800"/>
+                        <a:defRPr sz="1800" b="0" i="0"/>
                       </a:pPr>
                       <a:r>
                         <a:rPr sz="1400"/>
@@ -4580,7 +9236,7 @@
                       </a:r>
                     </a:p>
                   </a:txBody>
-                  <a:tcPr marL="50800" marR="50800" marT="50800" marB="50800" anchor="ctr" anchorCtr="0" horzOverflow="overflow">
+                  <a:tcPr marL="50800" marR="50800" marT="50800" marB="50800" anchor="ctr" horzOverflow="overflow">
                     <a:lnL w="12700">
                       <a:solidFill>
                         <a:srgbClr val="000000"/>
@@ -4614,7 +9270,7 @@
                     <a:lstStyle/>
                     <a:p>
                       <a:pPr lvl="0" algn="l" defTabSz="1736725">
-                        <a:defRPr b="0" i="0" sz="1800"/>
+                        <a:defRPr sz="1800" b="0" i="0"/>
                       </a:pPr>
                       <a:r>
                         <a:rPr sz="1400"/>
@@ -4622,7 +9278,7 @@
                       </a:r>
                     </a:p>
                   </a:txBody>
-                  <a:tcPr marL="50800" marR="50800" marT="50800" marB="50800" anchor="ctr" anchorCtr="0" horzOverflow="overflow">
+                  <a:tcPr marL="50800" marR="50800" marT="50800" marB="50800" anchor="ctr" horzOverflow="overflow">
                     <a:lnL w="12700">
                       <a:solidFill>
                         <a:srgbClr val="000000"/>
@@ -4656,14 +9312,14 @@
                     <a:lstStyle/>
                     <a:p>
                       <a:pPr lvl="0" algn="l">
-                        <a:defRPr b="0" i="0" sz="1800"/>
+                        <a:defRPr sz="1800" b="0" i="0"/>
                       </a:pPr>
                       <a:r>
                         <a:t>...</a:t>
                       </a:r>
                     </a:p>
                   </a:txBody>
-                  <a:tcPr marL="50800" marR="50800" marT="50800" marB="50800" anchor="ctr" anchorCtr="0" horzOverflow="overflow">
+                  <a:tcPr marL="50800" marR="50800" marT="50800" marB="50800" anchor="ctr" horzOverflow="overflow">
                     <a:lnL w="12700">
                       <a:solidFill>
                         <a:srgbClr val="000000"/>
@@ -4697,7 +9353,7 @@
                     <a:lstStyle/>
                     <a:p>
                       <a:pPr lvl="0" algn="l" defTabSz="1736725">
-                        <a:defRPr b="0" i="0" sz="1800"/>
+                        <a:defRPr sz="1800" b="0" i="0"/>
                       </a:pPr>
                       <a:r>
                         <a:rPr sz="1400"/>
@@ -4705,7 +9361,7 @@
                       </a:r>
                     </a:p>
                   </a:txBody>
-                  <a:tcPr marL="50800" marR="50800" marT="50800" marB="50800" anchor="ctr" anchorCtr="0" horzOverflow="overflow">
+                  <a:tcPr marL="50800" marR="50800" marT="50800" marB="50800" anchor="ctr" horzOverflow="overflow">
                     <a:lnL w="12700">
                       <a:solidFill>
                         <a:srgbClr val="000000"/>
@@ -4739,7 +9395,7 @@
                     <a:lstStyle/>
                     <a:p>
                       <a:pPr lvl="0" algn="l" defTabSz="1736725">
-                        <a:defRPr b="0" i="0" sz="1800"/>
+                        <a:defRPr sz="1800" b="0" i="0"/>
                       </a:pPr>
                       <a:r>
                         <a:rPr sz="1400"/>
@@ -4747,7 +9403,7 @@
                       </a:r>
                     </a:p>
                   </a:txBody>
-                  <a:tcPr marL="50800" marR="50800" marT="50800" marB="50800" anchor="ctr" anchorCtr="0" horzOverflow="overflow">
+                  <a:tcPr marL="50800" marR="50800" marT="50800" marB="50800" anchor="ctr" horzOverflow="overflow">
                     <a:lnL w="12700">
                       <a:solidFill>
                         <a:srgbClr val="000000"/>
@@ -4781,7 +9437,7 @@
                     <a:lstStyle/>
                     <a:p>
                       <a:pPr lvl="0" algn="l" defTabSz="1736725">
-                        <a:defRPr b="0" i="0" sz="1800"/>
+                        <a:defRPr sz="1800" b="0" i="0"/>
                       </a:pPr>
                       <a:r>
                         <a:rPr sz="1400"/>
@@ -4789,7 +9445,7 @@
                       </a:r>
                     </a:p>
                   </a:txBody>
-                  <a:tcPr marL="50800" marR="50800" marT="50800" marB="50800" anchor="ctr" anchorCtr="0" horzOverflow="overflow">
+                  <a:tcPr marL="50800" marR="50800" marT="50800" marB="50800" anchor="ctr" horzOverflow="overflow">
                     <a:lnL w="12700">
                       <a:solidFill>
                         <a:srgbClr val="000000"/>
@@ -4823,93 +9479,28 @@
         </a:graphic>
       </p:graphicFrame>
     </p:spTree>
+    <p:extLst>
+      <p:ext uri="{BB962C8B-B14F-4D97-AF65-F5344CB8AC3E}">
+        <p14:creationId xmlns:p14="http://schemas.microsoft.com/office/powerpoint/2010/main" val="2198217133"/>
+      </p:ext>
+    </p:extLst>
   </p:cSld>
   <p:clrMapOvr>
     <a:masterClrMapping/>
   </p:clrMapOvr>
-  <p:transition spd="med" advClick="1"/>
+  <p:transition spd="med"/>
   <p:timing>
     <p:tnLst>
       <p:par>
-        <p:cTn id="1" nodeType="tmRoot" restart="never" dur="indefinite" fill="hold">
-          <p:childTnLst>
-            <p:seq concurrent="1" prevAc="none" nextAc="seek">
-              <p:cTn id="2" nodeType="mainSeq" dur="indefinite" fill="hold">
-                <p:childTnLst>
-                  <p:par>
-                    <p:cTn id="3" fill="hold">
-                      <p:stCondLst>
-                        <p:cond delay="indefinite"/>
-                      </p:stCondLst>
-                      <p:childTnLst>
-                        <p:par>
-                          <p:cTn id="4" fill="hold">
-                            <p:stCondLst>
-                              <p:cond delay="0"/>
-                            </p:stCondLst>
-                            <p:childTnLst>
-                              <p:par>
-                                <p:cTn id="5" nodeType="clickEffect" presetClass="entr" presetSubtype="0" presetID="1" grpId="1" fill="hold">
-                                  <p:stCondLst>
-                                    <p:cond delay="0"/>
-                                  </p:stCondLst>
-                                  <p:iterate type="el" backwards="0">
-                                    <p:tmAbs val="0"/>
-                                  </p:iterate>
-                                  <p:childTnLst>
-                                    <p:set>
-                                      <p:cBhvr>
-                                        <p:cTn id="6" fill="hold"/>
-                                        <p:tgtEl>
-                                          <p:spTgt spid="58"/>
-                                        </p:tgtEl>
-                                        <p:attrNameLst>
-                                          <p:attrName>style.visibility</p:attrName>
-                                        </p:attrNameLst>
-                                      </p:cBhvr>
-                                      <p:to>
-                                        <p:strVal val="visible"/>
-                                      </p:to>
-                                    </p:set>
-                                  </p:childTnLst>
-                                </p:cTn>
-                              </p:par>
-                            </p:childTnLst>
-                          </p:cTn>
-                        </p:par>
-                      </p:childTnLst>
-                    </p:cTn>
-                  </p:par>
-                </p:childTnLst>
-              </p:cTn>
-              <p:prevCondLst>
-                <p:cond evt="onPrev">
-                  <p:tgtEl>
-                    <p:sldTgt/>
-                  </p:tgtEl>
-                </p:cond>
-              </p:prevCondLst>
-              <p:nextCondLst>
-                <p:cond evt="onNext">
-                  <p:tgtEl>
-                    <p:sldTgt/>
-                  </p:tgtEl>
-                </p:cond>
-              </p:nextCondLst>
-            </p:seq>
-          </p:childTnLst>
-        </p:cTn>
+        <p:cTn id="1" dur="indefinite" restart="never" fill="hold" nodeType="tmRoot"/>
       </p:par>
     </p:tnLst>
-    <p:bldLst>
-      <p:bldP build="whole" bldLvl="1" animBg="1" rev="0" advAuto="0" spid="58" grpId="1"/>
-    </p:bldLst>
   </p:timing>
 </p:sld>
 </file>
 
-<file path=ppt/slides/slide3.xml><?xml version="1.0" encoding="utf-8"?>
-<p:sld xmlns:a="http://schemas.openxmlformats.org/drawingml/2006/main" xmlns:r="http://schemas.openxmlformats.org/officeDocument/2006/relationships" xmlns:p="http://schemas.openxmlformats.org/presentationml/2006/main" showMasterSp="1" showMasterPhAnim="1">
+<file path=ppt/slides/slide7.xml><?xml version="1.0" encoding="utf-8"?>
+<p:sld xmlns:a="http://schemas.openxmlformats.org/drawingml/2006/main" xmlns:r="http://schemas.openxmlformats.org/officeDocument/2006/relationships" xmlns:p="http://schemas.openxmlformats.org/presentationml/2006/main">
   <p:cSld>
     <p:spTree>
       <p:nvGrpSpPr>
@@ -4928,7 +9519,9 @@
       <p:sp>
         <p:nvSpPr>
           <p:cNvPr id="62" name="Shape 62"/>
-          <p:cNvSpPr/>
+          <p:cNvSpPr>
+            <a:spLocks noGrp="1"/>
+          </p:cNvSpPr>
           <p:nvPr>
             <p:ph type="title"/>
           </p:nvPr>
@@ -5038,183 +9631,28 @@
         </p:spPr>
       </p:pic>
     </p:spTree>
+    <p:extLst>
+      <p:ext uri="{BB962C8B-B14F-4D97-AF65-F5344CB8AC3E}">
+        <p14:creationId xmlns:p14="http://schemas.microsoft.com/office/powerpoint/2010/main" val="1716490418"/>
+      </p:ext>
+    </p:extLst>
   </p:cSld>
   <p:clrMapOvr>
     <a:masterClrMapping/>
   </p:clrMapOvr>
-  <p:transition spd="med" advClick="1"/>
+  <p:transition spd="med"/>
   <p:timing>
     <p:tnLst>
       <p:par>
-        <p:cTn id="1" nodeType="tmRoot" restart="never" dur="indefinite" fill="hold">
-          <p:childTnLst>
-            <p:seq concurrent="1" prevAc="none" nextAc="seek">
-              <p:cTn id="2" nodeType="mainSeq" dur="indefinite" fill="hold">
-                <p:childTnLst>
-                  <p:par>
-                    <p:cTn id="3" fill="hold">
-                      <p:stCondLst>
-                        <p:cond delay="indefinite"/>
-                      </p:stCondLst>
-                      <p:childTnLst>
-                        <p:par>
-                          <p:cTn id="4" fill="hold">
-                            <p:stCondLst>
-                              <p:cond delay="0"/>
-                            </p:stCondLst>
-                            <p:childTnLst>
-                              <p:par>
-                                <p:cTn id="5" nodeType="clickEffect" presetClass="entr" presetSubtype="0" presetID="1" grpId="1" fill="hold">
-                                  <p:stCondLst>
-                                    <p:cond delay="0"/>
-                                  </p:stCondLst>
-                                  <p:iterate type="el" backwards="0">
-                                    <p:tmAbs val="0"/>
-                                  </p:iterate>
-                                  <p:childTnLst>
-                                    <p:set>
-                                      <p:cBhvr>
-                                        <p:cTn id="6" fill="hold"/>
-                                        <p:tgtEl>
-                                          <p:spTgt spid="63"/>
-                                        </p:tgtEl>
-                                        <p:attrNameLst>
-                                          <p:attrName>style.visibility</p:attrName>
-                                        </p:attrNameLst>
-                                      </p:cBhvr>
-                                      <p:to>
-                                        <p:strVal val="visible"/>
-                                      </p:to>
-                                    </p:set>
-                                  </p:childTnLst>
-                                </p:cTn>
-                              </p:par>
-                            </p:childTnLst>
-                          </p:cTn>
-                        </p:par>
-                      </p:childTnLst>
-                    </p:cTn>
-                  </p:par>
-                  <p:par>
-                    <p:cTn id="7" fill="hold">
-                      <p:stCondLst>
-                        <p:cond delay="indefinite"/>
-                      </p:stCondLst>
-                      <p:childTnLst>
-                        <p:par>
-                          <p:cTn id="8" fill="hold">
-                            <p:stCondLst>
-                              <p:cond delay="0"/>
-                            </p:stCondLst>
-                            <p:childTnLst>
-                              <p:par>
-                                <p:cTn id="9" nodeType="clickEffect" presetClass="entr" presetSubtype="0" presetID="1" grpId="2" fill="hold">
-                                  <p:stCondLst>
-                                    <p:cond delay="0"/>
-                                  </p:stCondLst>
-                                  <p:iterate type="el" backwards="0">
-                                    <p:tmAbs val="0"/>
-                                  </p:iterate>
-                                  <p:childTnLst>
-                                    <p:set>
-                                      <p:cBhvr>
-                                        <p:cTn id="10" fill="hold"/>
-                                        <p:tgtEl>
-                                          <p:spTgt spid="64"/>
-                                        </p:tgtEl>
-                                        <p:attrNameLst>
-                                          <p:attrName>style.visibility</p:attrName>
-                                        </p:attrNameLst>
-                                      </p:cBhvr>
-                                      <p:to>
-                                        <p:strVal val="visible"/>
-                                      </p:to>
-                                    </p:set>
-                                  </p:childTnLst>
-                                </p:cTn>
-                              </p:par>
-                            </p:childTnLst>
-                          </p:cTn>
-                        </p:par>
-                      </p:childTnLst>
-                    </p:cTn>
-                  </p:par>
-                  <p:par>
-                    <p:cTn id="11" fill="hold">
-                      <p:stCondLst>
-                        <p:cond delay="indefinite"/>
-                      </p:stCondLst>
-                      <p:childTnLst>
-                        <p:par>
-                          <p:cTn id="12" fill="hold">
-                            <p:stCondLst>
-                              <p:cond delay="0"/>
-                            </p:stCondLst>
-                            <p:childTnLst>
-                              <p:par>
-                                <p:cTn id="13" nodeType="clickEffect" presetClass="entr" presetSubtype="0" presetID="1" grpId="3" fill="hold">
-                                  <p:stCondLst>
-                                    <p:cond delay="0"/>
-                                  </p:stCondLst>
-                                  <p:iterate type="el" backwards="0">
-                                    <p:tmAbs val="0"/>
-                                  </p:iterate>
-                                  <p:childTnLst>
-                                    <p:set>
-                                      <p:cBhvr>
-                                        <p:cTn id="14" fill="hold"/>
-                                        <p:tgtEl>
-                                          <p:spTgt spid="65"/>
-                                        </p:tgtEl>
-                                        <p:attrNameLst>
-                                          <p:attrName>style.visibility</p:attrName>
-                                        </p:attrNameLst>
-                                      </p:cBhvr>
-                                      <p:to>
-                                        <p:strVal val="visible"/>
-                                      </p:to>
-                                    </p:set>
-                                  </p:childTnLst>
-                                </p:cTn>
-                              </p:par>
-                            </p:childTnLst>
-                          </p:cTn>
-                        </p:par>
-                      </p:childTnLst>
-                    </p:cTn>
-                  </p:par>
-                </p:childTnLst>
-              </p:cTn>
-              <p:prevCondLst>
-                <p:cond evt="onPrev">
-                  <p:tgtEl>
-                    <p:sldTgt/>
-                  </p:tgtEl>
-                </p:cond>
-              </p:prevCondLst>
-              <p:nextCondLst>
-                <p:cond evt="onNext">
-                  <p:tgtEl>
-                    <p:sldTgt/>
-                  </p:tgtEl>
-                </p:cond>
-              </p:nextCondLst>
-            </p:seq>
-          </p:childTnLst>
-        </p:cTn>
+        <p:cTn id="1" dur="indefinite" restart="never" fill="hold" nodeType="tmRoot"/>
       </p:par>
     </p:tnLst>
-    <p:bldLst>
-      <p:bldP build="whole" bldLvl="1" animBg="1" rev="0" advAuto="0" spid="64" grpId="2"/>
-      <p:bldP build="whole" bldLvl="1" animBg="1" rev="0" advAuto="0" spid="63" grpId="1"/>
-      <p:bldP build="whole" bldLvl="1" animBg="1" rev="0" advAuto="0" spid="65" grpId="3"/>
-    </p:bldLst>
   </p:timing>
 </p:sld>
 </file>
 
-<file path=ppt/slides/slide4.xml><?xml version="1.0" encoding="utf-8"?>
-<p:sld xmlns:a="http://schemas.openxmlformats.org/drawingml/2006/main" xmlns:r="http://schemas.openxmlformats.org/officeDocument/2006/relationships" xmlns:p="http://schemas.openxmlformats.org/presentationml/2006/main" showMasterSp="1" showMasterPhAnim="1">
+<file path=ppt/slides/slide8.xml><?xml version="1.0" encoding="utf-8"?>
+<p:sld xmlns:a="http://schemas.openxmlformats.org/drawingml/2006/main" xmlns:r="http://schemas.openxmlformats.org/officeDocument/2006/relationships" xmlns:p="http://schemas.openxmlformats.org/presentationml/2006/main">
   <p:cSld>
     <p:spTree>
       <p:nvGrpSpPr>
@@ -5232,8 +9670,10 @@
       </p:grpSpPr>
       <p:sp>
         <p:nvSpPr>
-          <p:cNvPr id="69" name="Shape 69"/>
-          <p:cNvSpPr/>
+          <p:cNvPr id="62" name="Shape 62"/>
+          <p:cNvSpPr>
+            <a:spLocks noGrp="1"/>
+          </p:cNvSpPr>
           <p:nvPr>
             <p:ph type="title"/>
           </p:nvPr>
@@ -5256,163 +9696,14 @@
             </a:pPr>
             <a:r>
               <a:rPr sz="4400"/>
-              <a:t>Prediction Results</a:t>
+              <a:t>Approach: Bayesian Inference</a:t>
             </a:r>
           </a:p>
         </p:txBody>
       </p:sp>
-      <p:graphicFrame>
-        <p:nvGraphicFramePr>
-          <p:cNvPr id="70" name="Table 70"/>
-          <p:cNvGraphicFramePr/>
-          <p:nvPr/>
-        </p:nvGraphicFramePr>
-        <p:xfrm>
-          <a:off x="533400" y="1397000"/>
-          <a:ext cx="8077200" cy="1889761"/>
-        </p:xfrm>
-        <a:graphic xmlns:a="http://schemas.openxmlformats.org/drawingml/2006/main">
-          <a:graphicData uri="http://schemas.openxmlformats.org/drawingml/2006/table">
-            <a:tbl>
-              <a:tblPr firstCol="0" firstRow="1" lastCol="0" lastRow="0" bandCol="0" bandRow="1" rtl="0">
-                <a:tableStyleId>{4C3C2611-4C71-4FC5-86AE-919BDF0F9419}</a:tableStyleId>
-              </a:tblPr>
-              <a:tblGrid>
-                <a:gridCol w="2692400"/>
-                <a:gridCol w="2692400"/>
-                <a:gridCol w="2692400"/>
-              </a:tblGrid>
-              <a:tr h="944880">
-                <a:tc>
-                  <a:txBody>
-                    <a:bodyPr/>
-                    <a:lstStyle/>
-                    <a:p>
-                      <a:pPr lvl="0" algn="l">
-                        <a:defRPr b="0" i="0" sz="1800">
-                          <a:solidFill>
-                            <a:srgbClr val="000000"/>
-                          </a:solidFill>
-                        </a:defRPr>
-                      </a:pPr>
-                      <a:r>
-                        <a:rPr b="1" sz="2800">
-                          <a:solidFill>
-                            <a:srgbClr val="FFFFFF"/>
-                          </a:solidFill>
-                        </a:rPr>
-                        <a:t>Method</a:t>
-                      </a:r>
-                    </a:p>
-                  </a:txBody>
-                  <a:tcPr marL="45720" marR="45720" marT="45720" marB="45720" anchor="t" anchorCtr="0" horzOverflow="overflow"/>
-                </a:tc>
-                <a:tc>
-                  <a:txBody>
-                    <a:bodyPr/>
-                    <a:lstStyle/>
-                    <a:p>
-                      <a:pPr lvl="0" algn="l">
-                        <a:defRPr b="0" i="0" sz="1800">
-                          <a:solidFill>
-                            <a:srgbClr val="000000"/>
-                          </a:solidFill>
-                        </a:defRPr>
-                      </a:pPr>
-                      <a:r>
-                        <a:rPr b="1" sz="2800">
-                          <a:solidFill>
-                            <a:srgbClr val="FFFFFF"/>
-                          </a:solidFill>
-                        </a:rPr>
-                        <a:t>Prediction Accuracy</a:t>
-                      </a:r>
-                    </a:p>
-                  </a:txBody>
-                  <a:tcPr marL="45720" marR="45720" marT="45720" marB="45720" anchor="t" anchorCtr="0" horzOverflow="overflow"/>
-                </a:tc>
-                <a:tc>
-                  <a:txBody>
-                    <a:bodyPr/>
-                    <a:lstStyle/>
-                    <a:p>
-                      <a:pPr lvl="0" algn="l">
-                        <a:defRPr b="0" i="0" sz="1800">
-                          <a:solidFill>
-                            <a:srgbClr val="000000"/>
-                          </a:solidFill>
-                        </a:defRPr>
-                      </a:pPr>
-                      <a:r>
-                        <a:rPr b="1" sz="2800">
-                          <a:solidFill>
-                            <a:srgbClr val="FFFFFF"/>
-                          </a:solidFill>
-                        </a:rPr>
-                        <a:t>Time</a:t>
-                      </a:r>
-                    </a:p>
-                  </a:txBody>
-                  <a:tcPr marL="45720" marR="45720" marT="45720" marB="45720" anchor="t" anchorCtr="0" horzOverflow="overflow"/>
-                </a:tc>
-              </a:tr>
-              <a:tr h="944880">
-                <a:tc>
-                  <a:txBody>
-                    <a:bodyPr/>
-                    <a:lstStyle/>
-                    <a:p>
-                      <a:pPr lvl="0" algn="l">
-                        <a:defRPr b="0" i="0" sz="1800"/>
-                      </a:pPr>
-                      <a:r>
-                        <a:rPr b="1" i="1" sz="2800"/>
-                        <a:t>Bayesian Inference</a:t>
-                      </a:r>
-                    </a:p>
-                  </a:txBody>
-                  <a:tcPr marL="45720" marR="45720" marT="45720" marB="45720" anchor="t" anchorCtr="0" horzOverflow="overflow"/>
-                </a:tc>
-                <a:tc>
-                  <a:txBody>
-                    <a:bodyPr/>
-                    <a:lstStyle/>
-                    <a:p>
-                      <a:pPr lvl="0" algn="l">
-                        <a:defRPr b="0" i="0" sz="1800"/>
-                      </a:pPr>
-                      <a:r>
-                        <a:rPr b="1" i="1" sz="2800"/>
-                        <a:t>60%</a:t>
-                      </a:r>
-                    </a:p>
-                  </a:txBody>
-                  <a:tcPr marL="45720" marR="45720" marT="45720" marB="45720" anchor="t" anchorCtr="0" horzOverflow="overflow"/>
-                </a:tc>
-                <a:tc>
-                  <a:txBody>
-                    <a:bodyPr/>
-                    <a:lstStyle/>
-                    <a:p>
-                      <a:pPr lvl="0" algn="l">
-                        <a:defRPr b="0" i="0" sz="1800"/>
-                      </a:pPr>
-                      <a:r>
-                        <a:rPr b="1" i="1" sz="2800"/>
-                        <a:t>Long</a:t>
-                      </a:r>
-                    </a:p>
-                  </a:txBody>
-                  <a:tcPr marL="45720" marR="45720" marT="45720" marB="45720" anchor="t" anchorCtr="0" horzOverflow="overflow"/>
-                </a:tc>
-              </a:tr>
-            </a:tbl>
-          </a:graphicData>
-        </a:graphic>
-      </p:graphicFrame>
       <p:pic>
         <p:nvPicPr>
-          <p:cNvPr id="71" name="image6.png" descr="C:\Users\Sam\Documents\Academics\AM207\FinalProject\AM207\write-up\figures\trace_component.png"/>
+          <p:cNvPr id="63" name="image3.png" descr="http://latex2png.com/output/latex_91c58a422ef85875ff418c5388053983.png"/>
           <p:cNvPicPr/>
           <p:nvPr/>
         </p:nvPicPr>
@@ -5426,8 +9717,8 @@
         </p:blipFill>
         <p:spPr>
           <a:xfrm>
-            <a:off x="2176461" y="3429000"/>
-            <a:ext cx="4789489" cy="3251200"/>
+            <a:off x="609600" y="1524000"/>
+            <a:ext cx="7400925" cy="1627903"/>
           </a:xfrm>
           <a:prstGeom prst="rect">
             <a:avLst/>
@@ -5437,17 +9728,164 @@
           </a:ln>
         </p:spPr>
       </p:pic>
+      <p:pic>
+        <p:nvPicPr>
+          <p:cNvPr id="64" name="image4.png" descr="http://latex2png.com/output/latex_dc52f88ef76fa8b14402ec8c2343b45b.png"/>
+          <p:cNvPicPr/>
+          <p:nvPr/>
+        </p:nvPicPr>
+        <p:blipFill>
+          <a:blip r:embed="rId4">
+            <a:extLst/>
+          </a:blip>
+          <a:stretch>
+            <a:fillRect/>
+          </a:stretch>
+        </p:blipFill>
+        <p:spPr>
+          <a:xfrm>
+            <a:off x="2667000" y="3505200"/>
+            <a:ext cx="3807520" cy="1028266"/>
+          </a:xfrm>
+          <a:prstGeom prst="rect">
+            <a:avLst/>
+          </a:prstGeom>
+          <a:ln w="12700">
+            <a:miter lim="400000"/>
+          </a:ln>
+        </p:spPr>
+      </p:pic>
+      <p:pic>
+        <p:nvPicPr>
+          <p:cNvPr id="65" name="image5.png" descr="http://latex2png.com/output/latex_0fd9d9e0bf42892625df09aee7f02048.png"/>
+          <p:cNvPicPr/>
+          <p:nvPr/>
+        </p:nvPicPr>
+        <p:blipFill>
+          <a:blip r:embed="rId5">
+            <a:extLst/>
+          </a:blip>
+          <a:stretch>
+            <a:fillRect/>
+          </a:stretch>
+        </p:blipFill>
+        <p:spPr>
+          <a:xfrm>
+            <a:off x="248393" y="5350212"/>
+            <a:ext cx="8644732" cy="484532"/>
+          </a:xfrm>
+          <a:prstGeom prst="rect">
+            <a:avLst/>
+          </a:prstGeom>
+          <a:ln w="12700">
+            <a:miter lim="400000"/>
+          </a:ln>
+        </p:spPr>
+      </p:pic>
+      <p:sp>
+        <p:nvSpPr>
+          <p:cNvPr id="2" name="Rectangle 1"/>
+          <p:cNvSpPr/>
+          <p:nvPr/>
+        </p:nvSpPr>
+        <p:spPr>
+          <a:xfrm>
+            <a:off x="2362200" y="3276600"/>
+            <a:ext cx="4495800" cy="1600200"/>
+          </a:xfrm>
+          <a:prstGeom prst="rect">
+            <a:avLst/>
+          </a:prstGeom>
+          <a:noFill/>
+          <a:ln w="25400" cap="flat">
+            <a:solidFill>
+              <a:srgbClr val="FF0000"/>
+            </a:solidFill>
+            <a:prstDash val="solid"/>
+            <a:bevel/>
+          </a:ln>
+          <a:effectLst>
+            <a:outerShdw blurRad="38100" dist="23000" dir="5400000" rotWithShape="0">
+              <a:srgbClr val="000000">
+                <a:alpha val="35000"/>
+              </a:srgbClr>
+            </a:outerShdw>
+          </a:effectLst>
+        </p:spPr>
+        <p:style>
+          <a:lnRef idx="0">
+            <a:scrgbClr r="0" g="0" b="0"/>
+          </a:lnRef>
+          <a:fillRef idx="0">
+            <a:scrgbClr r="0" g="0" b="0"/>
+          </a:fillRef>
+          <a:effectRef idx="0">
+            <a:scrgbClr r="0" g="0" b="0"/>
+          </a:effectRef>
+          <a:fontRef idx="none"/>
+        </p:style>
+        <p:txBody>
+          <a:bodyPr rot="0" spcFirstLastPara="1" vertOverflow="overflow" horzOverflow="overflow" vert="horz" wrap="square" lIns="45719" tIns="45719" rIns="45719" bIns="45719" numCol="1" spcCol="38100" rtlCol="0" anchor="ctr">
+            <a:spAutoFit/>
+          </a:bodyPr>
+          <a:lstStyle/>
+          <a:p>
+            <a:pPr marL="0" marR="0" indent="0" algn="l" defTabSz="914400" rtl="0" fontAlgn="auto" latinLnBrk="1" hangingPunct="0">
+              <a:lnSpc>
+                <a:spcPct val="100000"/>
+              </a:lnSpc>
+              <a:spcBef>
+                <a:spcPts val="0"/>
+              </a:spcBef>
+              <a:spcAft>
+                <a:spcPts val="0"/>
+              </a:spcAft>
+              <a:buClrTx/>
+              <a:buSzTx/>
+              <a:buFontTx/>
+              <a:buNone/>
+              <a:tabLst/>
+            </a:pPr>
+            <a:endParaRPr kumimoji="0" lang="en-US" sz="1800" b="0" i="0" u="none" strike="noStrike" cap="none" spc="0" normalizeH="0" baseline="0">
+              <a:ln>
+                <a:noFill/>
+              </a:ln>
+              <a:solidFill>
+                <a:srgbClr val="000000"/>
+              </a:solidFill>
+              <a:effectLst/>
+              <a:uFillTx/>
+              <a:latin typeface="Calibri"/>
+              <a:ea typeface="Calibri"/>
+              <a:cs typeface="Calibri"/>
+              <a:sym typeface="Calibri"/>
+            </a:endParaRPr>
+          </a:p>
+        </p:txBody>
+      </p:sp>
     </p:spTree>
+    <p:extLst>
+      <p:ext uri="{BB962C8B-B14F-4D97-AF65-F5344CB8AC3E}">
+        <p14:creationId xmlns:p14="http://schemas.microsoft.com/office/powerpoint/2010/main" val="949011887"/>
+      </p:ext>
+    </p:extLst>
   </p:cSld>
   <p:clrMapOvr>
     <a:masterClrMapping/>
   </p:clrMapOvr>
-  <p:transition spd="med" advClick="1"/>
+  <p:transition spd="med"/>
+  <p:timing>
+    <p:tnLst>
+      <p:par>
+        <p:cTn id="1" dur="indefinite" restart="never" fill="hold" nodeType="tmRoot"/>
+      </p:par>
+    </p:tnLst>
+  </p:timing>
 </p:sld>
 </file>
 
-<file path=ppt/slides/slide5.xml><?xml version="1.0" encoding="utf-8"?>
-<p:sld xmlns:a="http://schemas.openxmlformats.org/drawingml/2006/main" xmlns:r="http://schemas.openxmlformats.org/officeDocument/2006/relationships" xmlns:p="http://schemas.openxmlformats.org/presentationml/2006/main" showMasterSp="1" showMasterPhAnim="1">
+<file path=ppt/slides/slide9.xml><?xml version="1.0" encoding="utf-8"?>
+<p:sld xmlns:a="http://schemas.openxmlformats.org/drawingml/2006/main" xmlns:r="http://schemas.openxmlformats.org/officeDocument/2006/relationships" xmlns:p="http://schemas.openxmlformats.org/presentationml/2006/main">
   <p:cSld>
     <p:spTree>
       <p:nvGrpSpPr>
@@ -5465,8 +9903,10 @@
       </p:grpSpPr>
       <p:sp>
         <p:nvSpPr>
-          <p:cNvPr id="75" name="Shape 75"/>
-          <p:cNvSpPr/>
+          <p:cNvPr id="62" name="Shape 62"/>
+          <p:cNvSpPr>
+            <a:spLocks noGrp="1"/>
+          </p:cNvSpPr>
           <p:nvPr>
             <p:ph type="title"/>
           </p:nvPr>
@@ -5489,432 +9929,14 @@
             </a:pPr>
             <a:r>
               <a:rPr sz="4400"/>
-              <a:t>Prediction Results</a:t>
-            </a:r>
-          </a:p>
-        </p:txBody>
-      </p:sp>
-      <p:graphicFrame>
-        <p:nvGraphicFramePr>
-          <p:cNvPr id="76" name="Table 76"/>
-          <p:cNvGraphicFramePr/>
-          <p:nvPr/>
-        </p:nvGraphicFramePr>
-        <p:xfrm>
-          <a:off x="533400" y="1397000"/>
-          <a:ext cx="8077200" cy="3352800"/>
-        </p:xfrm>
-        <a:graphic xmlns:a="http://schemas.openxmlformats.org/drawingml/2006/main">
-          <a:graphicData uri="http://schemas.openxmlformats.org/drawingml/2006/table">
-            <a:tbl>
-              <a:tblPr firstCol="0" firstRow="1" lastCol="0" lastRow="0" bandCol="0" bandRow="1" rtl="0">
-                <a:tableStyleId>{4C3C2611-4C71-4FC5-86AE-919BDF0F9419}</a:tableStyleId>
-              </a:tblPr>
-              <a:tblGrid>
-                <a:gridCol w="2692400"/>
-                <a:gridCol w="2692400"/>
-                <a:gridCol w="2692400"/>
-              </a:tblGrid>
-              <a:tr h="838200">
-                <a:tc>
-                  <a:txBody>
-                    <a:bodyPr/>
-                    <a:lstStyle/>
-                    <a:p>
-                      <a:pPr lvl="0" algn="l">
-                        <a:defRPr b="0" i="0" sz="1800">
-                          <a:solidFill>
-                            <a:srgbClr val="000000"/>
-                          </a:solidFill>
-                        </a:defRPr>
-                      </a:pPr>
-                      <a:r>
-                        <a:rPr b="1" sz="2800">
-                          <a:solidFill>
-                            <a:srgbClr val="FFFFFF"/>
-                          </a:solidFill>
-                        </a:rPr>
-                        <a:t>Method</a:t>
-                      </a:r>
-                    </a:p>
-                  </a:txBody>
-                  <a:tcPr marL="45720" marR="45720" marT="45720" marB="45720" anchor="t" anchorCtr="0" horzOverflow="overflow"/>
-                </a:tc>
-                <a:tc>
-                  <a:txBody>
-                    <a:bodyPr/>
-                    <a:lstStyle/>
-                    <a:p>
-                      <a:pPr lvl="0" algn="l">
-                        <a:defRPr b="0" i="0" sz="1800">
-                          <a:solidFill>
-                            <a:srgbClr val="000000"/>
-                          </a:solidFill>
-                        </a:defRPr>
-                      </a:pPr>
-                      <a:r>
-                        <a:rPr b="1" sz="2800">
-                          <a:solidFill>
-                            <a:srgbClr val="FFFFFF"/>
-                          </a:solidFill>
-                        </a:rPr>
-                        <a:t>Prediction Accuracy</a:t>
-                      </a:r>
-                    </a:p>
-                  </a:txBody>
-                  <a:tcPr marL="45720" marR="45720" marT="45720" marB="45720" anchor="t" anchorCtr="0" horzOverflow="overflow"/>
-                </a:tc>
-                <a:tc>
-                  <a:txBody>
-                    <a:bodyPr/>
-                    <a:lstStyle/>
-                    <a:p>
-                      <a:pPr lvl="0" algn="l">
-                        <a:defRPr b="0" i="0" sz="1800">
-                          <a:solidFill>
-                            <a:srgbClr val="000000"/>
-                          </a:solidFill>
-                        </a:defRPr>
-                      </a:pPr>
-                      <a:r>
-                        <a:rPr b="1" sz="2800">
-                          <a:solidFill>
-                            <a:srgbClr val="FFFFFF"/>
-                          </a:solidFill>
-                        </a:rPr>
-                        <a:t>Time</a:t>
-                      </a:r>
-                    </a:p>
-                  </a:txBody>
-                  <a:tcPr marL="45720" marR="45720" marT="45720" marB="45720" anchor="t" anchorCtr="0" horzOverflow="overflow"/>
-                </a:tc>
-              </a:tr>
-              <a:tr h="838200">
-                <a:tc>
-                  <a:txBody>
-                    <a:bodyPr/>
-                    <a:lstStyle/>
-                    <a:p>
-                      <a:pPr lvl="0" algn="l">
-                        <a:defRPr b="0" i="0" sz="1800"/>
-                      </a:pPr>
-                      <a:r>
-                        <a:rPr b="1" i="1" sz="2800"/>
-                        <a:t>Bayesian Inference</a:t>
-                      </a:r>
-                    </a:p>
-                  </a:txBody>
-                  <a:tcPr marL="45720" marR="45720" marT="45720" marB="45720" anchor="t" anchorCtr="0" horzOverflow="overflow"/>
-                </a:tc>
-                <a:tc>
-                  <a:txBody>
-                    <a:bodyPr/>
-                    <a:lstStyle/>
-                    <a:p>
-                      <a:pPr lvl="0" algn="l">
-                        <a:defRPr b="0" i="0" sz="1800"/>
-                      </a:pPr>
-                      <a:r>
-                        <a:rPr b="1" i="1" sz="2800"/>
-                        <a:t>60%</a:t>
-                      </a:r>
-                    </a:p>
-                  </a:txBody>
-                  <a:tcPr marL="45720" marR="45720" marT="45720" marB="45720" anchor="t" anchorCtr="0" horzOverflow="overflow"/>
-                </a:tc>
-                <a:tc>
-                  <a:txBody>
-                    <a:bodyPr/>
-                    <a:lstStyle/>
-                    <a:p>
-                      <a:pPr lvl="0" algn="l">
-                        <a:defRPr b="0" i="0" sz="1800"/>
-                      </a:pPr>
-                      <a:r>
-                        <a:rPr b="1" i="1" sz="2800"/>
-                        <a:t>Long</a:t>
-                      </a:r>
-                    </a:p>
-                  </a:txBody>
-                  <a:tcPr marL="45720" marR="45720" marT="45720" marB="45720" anchor="t" anchorCtr="0" horzOverflow="overflow"/>
-                </a:tc>
-              </a:tr>
-              <a:tr h="838200">
-                <a:tc>
-                  <a:txBody>
-                    <a:bodyPr/>
-                    <a:lstStyle/>
-                    <a:p>
-                      <a:pPr lvl="0" algn="l">
-                        <a:defRPr b="0" i="0" sz="1800"/>
-                      </a:pPr>
-                      <a:r>
-                        <a:rPr b="1" i="1" sz="2800"/>
-                        <a:t>K Nearest Neighbors</a:t>
-                      </a:r>
-                    </a:p>
-                  </a:txBody>
-                  <a:tcPr marL="45720" marR="45720" marT="45720" marB="45720" anchor="t" anchorCtr="0" horzOverflow="overflow"/>
-                </a:tc>
-                <a:tc>
-                  <a:txBody>
-                    <a:bodyPr/>
-                    <a:lstStyle/>
-                    <a:p>
-                      <a:pPr lvl="0" algn="l">
-                        <a:defRPr b="0" i="0" sz="1800"/>
-                      </a:pPr>
-                      <a:r>
-                        <a:rPr b="1" i="1" sz="2800"/>
-                        <a:t>69%</a:t>
-                      </a:r>
-                    </a:p>
-                  </a:txBody>
-                  <a:tcPr marL="45720" marR="45720" marT="45720" marB="45720" anchor="t" anchorCtr="0" horzOverflow="overflow"/>
-                </a:tc>
-                <a:tc>
-                  <a:txBody>
-                    <a:bodyPr/>
-                    <a:lstStyle/>
-                    <a:p>
-                      <a:pPr lvl="0" algn="l">
-                        <a:defRPr b="0" i="0" sz="1800"/>
-                      </a:pPr>
-                      <a:r>
-                        <a:rPr b="1" i="1" sz="2800"/>
-                        <a:t>Short</a:t>
-                      </a:r>
-                    </a:p>
-                  </a:txBody>
-                  <a:tcPr marL="45720" marR="45720" marT="45720" marB="45720" anchor="t" anchorCtr="0" horzOverflow="overflow"/>
-                </a:tc>
-              </a:tr>
-              <a:tr h="838200">
-                <a:tc>
-                  <a:txBody>
-                    <a:bodyPr/>
-                    <a:lstStyle/>
-                    <a:p>
-                      <a:pPr lvl="0" algn="l">
-                        <a:defRPr b="0" i="0" sz="1800"/>
-                      </a:pPr>
-                      <a:r>
-                        <a:rPr b="1" i="1" sz="2800"/>
-                        <a:t>Random Forest</a:t>
-                      </a:r>
-                    </a:p>
-                  </a:txBody>
-                  <a:tcPr marL="45720" marR="45720" marT="45720" marB="45720" anchor="t" anchorCtr="0" horzOverflow="overflow"/>
-                </a:tc>
-                <a:tc>
-                  <a:txBody>
-                    <a:bodyPr/>
-                    <a:lstStyle/>
-                    <a:p>
-                      <a:pPr lvl="0" algn="l">
-                        <a:defRPr b="0" i="0" sz="1800"/>
-                      </a:pPr>
-                      <a:r>
-                        <a:rPr b="1" i="1" sz="2800"/>
-                        <a:t>80%</a:t>
-                      </a:r>
-                    </a:p>
-                  </a:txBody>
-                  <a:tcPr marL="45720" marR="45720" marT="45720" marB="45720" anchor="t" anchorCtr="0" horzOverflow="overflow"/>
-                </a:tc>
-                <a:tc>
-                  <a:txBody>
-                    <a:bodyPr/>
-                    <a:lstStyle/>
-                    <a:p>
-                      <a:pPr lvl="0" algn="l">
-                        <a:defRPr b="0" i="0" sz="1800"/>
-                      </a:pPr>
-                      <a:r>
-                        <a:rPr b="1" i="1" sz="2800"/>
-                        <a:t>Medium</a:t>
-                      </a:r>
-                    </a:p>
-                  </a:txBody>
-                  <a:tcPr marL="45720" marR="45720" marT="45720" marB="45720" anchor="t" anchorCtr="0" horzOverflow="overflow"/>
-                </a:tc>
-              </a:tr>
-            </a:tbl>
-          </a:graphicData>
-        </a:graphic>
-      </p:graphicFrame>
-    </p:spTree>
-  </p:cSld>
-  <p:clrMapOvr>
-    <a:masterClrMapping/>
-  </p:clrMapOvr>
-  <p:transition spd="med" advClick="1"/>
-</p:sld>
-</file>
-
-<file path=ppt/slides/slide6.xml><?xml version="1.0" encoding="utf-8"?>
-<p:sld xmlns:a="http://schemas.openxmlformats.org/drawingml/2006/main" xmlns:r="http://schemas.openxmlformats.org/officeDocument/2006/relationships" xmlns:p="http://schemas.openxmlformats.org/presentationml/2006/main" showMasterSp="1" showMasterPhAnim="1">
-  <p:cSld>
-    <p:spTree>
-      <p:nvGrpSpPr>
-        <p:cNvPr id="1" name=""/>
-        <p:cNvGrpSpPr/>
-        <p:nvPr/>
-      </p:nvGrpSpPr>
-      <p:grpSpPr>
-        <a:xfrm>
-          <a:off x="0" y="0"/>
-          <a:ext cx="0" cy="0"/>
-          <a:chOff x="0" y="0"/>
-          <a:chExt cx="0" cy="0"/>
-        </a:xfrm>
-      </p:grpSpPr>
-      <p:sp>
-        <p:nvSpPr>
-          <p:cNvPr id="80" name="Shape 80"/>
-          <p:cNvSpPr/>
-          <p:nvPr>
-            <p:ph type="title"/>
-          </p:nvPr>
-        </p:nvSpPr>
-        <p:spPr>
-          <a:xfrm>
-            <a:off x="457200" y="274638"/>
-            <a:ext cx="8229600" cy="1143001"/>
-          </a:xfrm>
-          <a:prstGeom prst="rect">
-            <a:avLst/>
-          </a:prstGeom>
-        </p:spPr>
-        <p:txBody>
-          <a:bodyPr/>
-          <a:lstStyle>
-            <a:lvl1pPr defTabSz="740663">
-              <a:defRPr sz="3564"/>
-            </a:lvl1pPr>
-          </a:lstStyle>
-          <a:p>
-            <a:pPr lvl="0">
-              <a:defRPr sz="1800"/>
-            </a:pPr>
-            <a:r>
-              <a:rPr sz="3564"/>
-              <a:t>Optimising the maintenance of faulty water pumps</a:t>
-            </a:r>
-          </a:p>
-        </p:txBody>
-      </p:sp>
-    </p:spTree>
-  </p:cSld>
-  <p:clrMapOvr>
-    <a:masterClrMapping/>
-  </p:clrMapOvr>
-  <p:transition spd="med" advClick="1"/>
-</p:sld>
-</file>
-
-<file path=ppt/slides/slide7.xml><?xml version="1.0" encoding="utf-8"?>
-<p:sld xmlns:a="http://schemas.openxmlformats.org/drawingml/2006/main" xmlns:r="http://schemas.openxmlformats.org/officeDocument/2006/relationships" xmlns:p="http://schemas.openxmlformats.org/presentationml/2006/main" showMasterSp="1" showMasterPhAnim="1">
-  <p:cSld>
-    <p:spTree>
-      <p:nvGrpSpPr>
-        <p:cNvPr id="1" name=""/>
-        <p:cNvGrpSpPr/>
-        <p:nvPr/>
-      </p:nvGrpSpPr>
-      <p:grpSpPr>
-        <a:xfrm>
-          <a:off x="0" y="0"/>
-          <a:ext cx="0" cy="0"/>
-          <a:chOff x="0" y="0"/>
-          <a:chExt cx="0" cy="0"/>
-        </a:xfrm>
-      </p:grpSpPr>
-      <p:sp>
-        <p:nvSpPr>
-          <p:cNvPr id="84" name="Shape 84"/>
-          <p:cNvSpPr/>
-          <p:nvPr>
-            <p:ph type="sldNum" sz="quarter" idx="2"/>
-          </p:nvPr>
-        </p:nvSpPr>
-        <p:spPr>
-          <a:prstGeom prst="rect">
-            <a:avLst/>
-          </a:prstGeom>
-          <a:extLst>
-            <a:ext uri="{C572A759-6A51-4108-AA02-DFA0A04FC94B}">
-              <ma14:wrappingTextBoxFlag xmlns:ma14="http://schemas.microsoft.com/office/mac/drawingml/2011/main" val="1"/>
-            </a:ext>
-          </a:extLst>
-        </p:spPr>
-        <p:txBody>
-          <a:bodyPr/>
-          <a:lstStyle/>
-          <a:p>
-            <a:pPr lvl="0">
-              <a:defRPr sz="1800">
-                <a:solidFill>
-                  <a:srgbClr val="000000"/>
-                </a:solidFill>
-              </a:defRPr>
-            </a:pPr>
-            <a:fld id="{86CB4B4D-7CA3-9044-876B-883B54F8677D}" type="slidenum">
-              <a:rPr sz="1200">
-                <a:solidFill>
-                  <a:srgbClr val="888888"/>
-                </a:solidFill>
-              </a:rPr>
-            </a:fld>
-          </a:p>
-        </p:txBody>
-      </p:sp>
-      <p:sp>
-        <p:nvSpPr>
-          <p:cNvPr id="85" name="Shape 85"/>
-          <p:cNvSpPr/>
-          <p:nvPr/>
-        </p:nvSpPr>
-        <p:spPr>
-          <a:xfrm>
-            <a:off x="1394005" y="157479"/>
-            <a:ext cx="6355989" cy="739141"/>
-          </a:xfrm>
-          <a:prstGeom prst="rect">
-            <a:avLst/>
-          </a:prstGeom>
-          <a:ln w="12700">
-            <a:miter lim="400000"/>
-          </a:ln>
-          <a:extLst>
-            <a:ext uri="{C572A759-6A51-4108-AA02-DFA0A04FC94B}">
-              <ma14:wrappingTextBoxFlag xmlns:ma14="http://schemas.microsoft.com/office/mac/drawingml/2011/main" val="1"/>
-            </a:ext>
-          </a:extLst>
-        </p:spPr>
-        <p:txBody>
-          <a:bodyPr wrap="none" lIns="45719" rIns="45719">
-            <a:spAutoFit/>
-          </a:bodyPr>
-          <a:lstStyle>
-            <a:lvl1pPr algn="ctr">
-              <a:defRPr sz="4400"/>
-            </a:lvl1pPr>
-          </a:lstStyle>
-          <a:p>
-            <a:pPr lvl="0">
-              <a:defRPr sz="1800"/>
-            </a:pPr>
-            <a:r>
-              <a:rPr sz="4400"/>
-              <a:t>Visiting the faulty pumps</a:t>
+              <a:t>Approach: Bayesian Inference</a:t>
             </a:r>
           </a:p>
         </p:txBody>
       </p:sp>
       <p:pic>
         <p:nvPicPr>
-          <p:cNvPr id="86" name="Optimised-Route.png"/>
+          <p:cNvPr id="63" name="image3.png" descr="http://latex2png.com/output/latex_91c58a422ef85875ff418c5388053983.png"/>
           <p:cNvPicPr/>
           <p:nvPr/>
         </p:nvPicPr>
@@ -5928,8 +9950,8 @@
         </p:blipFill>
         <p:spPr>
           <a:xfrm>
-            <a:off x="1047750" y="1263650"/>
-            <a:ext cx="7116062" cy="5023969"/>
+            <a:off x="609600" y="1524000"/>
+            <a:ext cx="7400925" cy="1627903"/>
           </a:xfrm>
           <a:prstGeom prst="rect">
             <a:avLst/>
@@ -5939,106 +9961,14 @@
           </a:ln>
         </p:spPr>
       </p:pic>
-    </p:spTree>
-  </p:cSld>
-  <p:clrMapOvr>
-    <a:masterClrMapping/>
-  </p:clrMapOvr>
-  <p:transition spd="med" advClick="1"/>
-</p:sld>
-</file>
-
-<file path=ppt/slides/slide8.xml><?xml version="1.0" encoding="utf-8"?>
-<p:sld xmlns:a="http://schemas.openxmlformats.org/drawingml/2006/main" xmlns:r="http://schemas.openxmlformats.org/officeDocument/2006/relationships" xmlns:p="http://schemas.openxmlformats.org/presentationml/2006/main" showMasterSp="1" showMasterPhAnim="1">
-  <p:cSld>
-    <p:spTree>
-      <p:nvGrpSpPr>
-        <p:cNvPr id="1" name=""/>
-        <p:cNvGrpSpPr/>
-        <p:nvPr/>
-      </p:nvGrpSpPr>
-      <p:grpSpPr>
-        <a:xfrm>
-          <a:off x="0" y="0"/>
-          <a:ext cx="0" cy="0"/>
-          <a:chOff x="0" y="0"/>
-          <a:chExt cx="0" cy="0"/>
-        </a:xfrm>
-      </p:grpSpPr>
-      <p:sp>
-        <p:nvSpPr>
-          <p:cNvPr id="90" name="Shape 90"/>
-          <p:cNvSpPr/>
-          <p:nvPr>
-            <p:ph type="title"/>
-          </p:nvPr>
-        </p:nvSpPr>
-        <p:spPr>
-          <a:prstGeom prst="rect">
-            <a:avLst/>
-          </a:prstGeom>
-        </p:spPr>
-        <p:txBody>
-          <a:bodyPr/>
-          <a:lstStyle/>
-          <a:p>
-            <a:pPr lvl="0">
-              <a:defRPr sz="1800"/>
-            </a:pPr>
-            <a:r>
-              <a:rPr sz="4400"/>
-              <a:t>Multiple Maintenance Crews</a:t>
-            </a:r>
-          </a:p>
-        </p:txBody>
-      </p:sp>
-      <p:sp>
-        <p:nvSpPr>
-          <p:cNvPr id="91" name="Shape 91"/>
-          <p:cNvSpPr/>
-          <p:nvPr>
-            <p:ph type="sldNum" sz="quarter" idx="2"/>
-          </p:nvPr>
-        </p:nvSpPr>
-        <p:spPr>
-          <a:prstGeom prst="rect">
-            <a:avLst/>
-          </a:prstGeom>
-          <a:extLst>
-            <a:ext uri="{C572A759-6A51-4108-AA02-DFA0A04FC94B}">
-              <ma14:wrappingTextBoxFlag xmlns:ma14="http://schemas.microsoft.com/office/mac/drawingml/2011/main" val="1"/>
-            </a:ext>
-          </a:extLst>
-        </p:spPr>
-        <p:txBody>
-          <a:bodyPr/>
-          <a:lstStyle/>
-          <a:p>
-            <a:pPr lvl="0">
-              <a:defRPr sz="1800">
-                <a:solidFill>
-                  <a:srgbClr val="000000"/>
-                </a:solidFill>
-              </a:defRPr>
-            </a:pPr>
-            <a:fld id="{86CB4B4D-7CA3-9044-876B-883B54F8677D}" type="slidenum">
-              <a:rPr sz="1200">
-                <a:solidFill>
-                  <a:srgbClr val="888888"/>
-                </a:solidFill>
-              </a:rPr>
-            </a:fld>
-          </a:p>
-        </p:txBody>
-      </p:sp>
       <p:pic>
         <p:nvPicPr>
-          <p:cNvPr id="92" name="Multiple-salesmen.png"/>
+          <p:cNvPr id="64" name="image4.png" descr="http://latex2png.com/output/latex_dc52f88ef76fa8b14402ec8c2343b45b.png"/>
           <p:cNvPicPr/>
           <p:nvPr/>
         </p:nvPicPr>
         <p:blipFill>
-          <a:blip r:embed="rId3">
+          <a:blip r:embed="rId4">
             <a:extLst/>
           </a:blip>
           <a:stretch>
@@ -6047,8 +9977,8 @@
         </p:blipFill>
         <p:spPr>
           <a:xfrm>
-            <a:off x="855795" y="1126945"/>
-            <a:ext cx="7432410" cy="5247312"/>
+            <a:off x="2667000" y="3505200"/>
+            <a:ext cx="3807520" cy="1028266"/>
           </a:xfrm>
           <a:prstGeom prst="rect">
             <a:avLst/>
@@ -6058,106 +9988,14 @@
           </a:ln>
         </p:spPr>
       </p:pic>
-    </p:spTree>
-  </p:cSld>
-  <p:clrMapOvr>
-    <a:masterClrMapping/>
-  </p:clrMapOvr>
-  <p:transition spd="med" advClick="1"/>
-</p:sld>
-</file>
-
-<file path=ppt/slides/slide9.xml><?xml version="1.0" encoding="utf-8"?>
-<p:sld xmlns:a="http://schemas.openxmlformats.org/drawingml/2006/main" xmlns:r="http://schemas.openxmlformats.org/officeDocument/2006/relationships" xmlns:p="http://schemas.openxmlformats.org/presentationml/2006/main" showMasterSp="1" showMasterPhAnim="1">
-  <p:cSld>
-    <p:spTree>
-      <p:nvGrpSpPr>
-        <p:cNvPr id="1" name=""/>
-        <p:cNvGrpSpPr/>
-        <p:nvPr/>
-      </p:nvGrpSpPr>
-      <p:grpSpPr>
-        <a:xfrm>
-          <a:off x="0" y="0"/>
-          <a:ext cx="0" cy="0"/>
-          <a:chOff x="0" y="0"/>
-          <a:chExt cx="0" cy="0"/>
-        </a:xfrm>
-      </p:grpSpPr>
-      <p:sp>
-        <p:nvSpPr>
-          <p:cNvPr id="96" name="Shape 96"/>
-          <p:cNvSpPr/>
-          <p:nvPr>
-            <p:ph type="title"/>
-          </p:nvPr>
-        </p:nvSpPr>
-        <p:spPr>
-          <a:prstGeom prst="rect">
-            <a:avLst/>
-          </a:prstGeom>
-        </p:spPr>
-        <p:txBody>
-          <a:bodyPr/>
-          <a:lstStyle/>
-          <a:p>
-            <a:pPr lvl="0">
-              <a:defRPr sz="1800"/>
-            </a:pPr>
-            <a:r>
-              <a:rPr sz="4400"/>
-              <a:t>Prioritising Remote Pumps</a:t>
-            </a:r>
-          </a:p>
-        </p:txBody>
-      </p:sp>
-      <p:sp>
-        <p:nvSpPr>
-          <p:cNvPr id="97" name="Shape 97"/>
-          <p:cNvSpPr/>
-          <p:nvPr>
-            <p:ph type="sldNum" sz="quarter" idx="2"/>
-          </p:nvPr>
-        </p:nvSpPr>
-        <p:spPr>
-          <a:prstGeom prst="rect">
-            <a:avLst/>
-          </a:prstGeom>
-          <a:extLst>
-            <a:ext uri="{C572A759-6A51-4108-AA02-DFA0A04FC94B}">
-              <ma14:wrappingTextBoxFlag xmlns:ma14="http://schemas.microsoft.com/office/mac/drawingml/2011/main" val="1"/>
-            </a:ext>
-          </a:extLst>
-        </p:spPr>
-        <p:txBody>
-          <a:bodyPr/>
-          <a:lstStyle/>
-          <a:p>
-            <a:pPr lvl="0">
-              <a:defRPr sz="1800">
-                <a:solidFill>
-                  <a:srgbClr val="000000"/>
-                </a:solidFill>
-              </a:defRPr>
-            </a:pPr>
-            <a:fld id="{86CB4B4D-7CA3-9044-876B-883B54F8677D}" type="slidenum">
-              <a:rPr sz="1200">
-                <a:solidFill>
-                  <a:srgbClr val="888888"/>
-                </a:solidFill>
-              </a:rPr>
-            </a:fld>
-          </a:p>
-        </p:txBody>
-      </p:sp>
       <p:pic>
         <p:nvPicPr>
-          <p:cNvPr id="98" name="Prioritising-remote-pumps.png"/>
+          <p:cNvPr id="65" name="image5.png" descr="http://latex2png.com/output/latex_0fd9d9e0bf42892625df09aee7f02048.png"/>
           <p:cNvPicPr/>
           <p:nvPr/>
         </p:nvPicPr>
         <p:blipFill>
-          <a:blip r:embed="rId3">
+          <a:blip r:embed="rId5">
             <a:extLst/>
           </a:blip>
           <a:stretch>
@@ -6166,8 +10004,8 @@
         </p:blipFill>
         <p:spPr>
           <a:xfrm>
-            <a:off x="901220" y="1573302"/>
-            <a:ext cx="7341560" cy="5122373"/>
+            <a:off x="248393" y="5350212"/>
+            <a:ext cx="8644732" cy="484532"/>
           </a:xfrm>
           <a:prstGeom prst="rect">
             <a:avLst/>
@@ -6179,101 +10017,108 @@
       </p:pic>
       <p:sp>
         <p:nvSpPr>
-          <p:cNvPr id="99" name="Shape 99"/>
+          <p:cNvPr id="6" name="Rectangle 5"/>
           <p:cNvSpPr/>
           <p:nvPr/>
         </p:nvSpPr>
         <p:spPr>
           <a:xfrm>
-            <a:off x="1298858" y="1449989"/>
-            <a:ext cx="4728010" cy="472441"/>
+            <a:off x="20320" y="4792378"/>
+            <a:ext cx="9047480" cy="1600200"/>
           </a:xfrm>
           <a:prstGeom prst="rect">
             <a:avLst/>
           </a:prstGeom>
-          <a:ln w="12700">
-            <a:miter lim="400000"/>
+          <a:noFill/>
+          <a:ln w="25400" cap="flat">
+            <a:solidFill>
+              <a:srgbClr val="FF0000"/>
+            </a:solidFill>
+            <a:prstDash val="solid"/>
+            <a:bevel/>
           </a:ln>
-          <a:extLst>
-            <a:ext uri="{C572A759-6A51-4108-AA02-DFA0A04FC94B}">
-              <ma14:wrappingTextBoxFlag xmlns:ma14="http://schemas.microsoft.com/office/mac/drawingml/2011/main" val="1"/>
-            </a:ext>
-          </a:extLst>
-        </p:spPr>
+          <a:effectLst>
+            <a:outerShdw blurRad="38100" dist="23000" dir="5400000" rotWithShape="0">
+              <a:srgbClr val="000000">
+                <a:alpha val="35000"/>
+              </a:srgbClr>
+            </a:outerShdw>
+          </a:effectLst>
+        </p:spPr>
+        <p:style>
+          <a:lnRef idx="0">
+            <a:scrgbClr r="0" g="0" b="0"/>
+          </a:lnRef>
+          <a:fillRef idx="0">
+            <a:scrgbClr r="0" g="0" b="0"/>
+          </a:fillRef>
+          <a:effectRef idx="0">
+            <a:scrgbClr r="0" g="0" b="0"/>
+          </a:effectRef>
+          <a:fontRef idx="none"/>
+        </p:style>
         <p:txBody>
-          <a:bodyPr lIns="45719" rIns="45719">
+          <a:bodyPr rot="0" spcFirstLastPara="1" vertOverflow="overflow" horzOverflow="overflow" vert="horz" wrap="square" lIns="45719" tIns="45719" rIns="45719" bIns="45719" numCol="1" spcCol="38100" rtlCol="0" anchor="ctr">
             <a:spAutoFit/>
           </a:bodyPr>
-          <a:lstStyle>
-            <a:lvl1pPr>
-              <a:defRPr sz="2600"/>
-            </a:lvl1pPr>
-          </a:lstStyle>
-          <a:p>
-            <a:pPr lvl="0">
-              <a:defRPr sz="1800"/>
-            </a:pPr>
-            <a:r>
-              <a:rPr sz="2600"/>
-              <a:t>Simple distance optimisation</a:t>
-            </a:r>
-          </a:p>
-        </p:txBody>
-      </p:sp>
-      <p:sp>
-        <p:nvSpPr>
-          <p:cNvPr id="100" name="Shape 100"/>
-          <p:cNvSpPr/>
-          <p:nvPr/>
-        </p:nvSpPr>
-        <p:spPr>
-          <a:xfrm>
-            <a:off x="1298858" y="3939189"/>
-            <a:ext cx="4728010" cy="472441"/>
-          </a:xfrm>
-          <a:prstGeom prst="rect">
-            <a:avLst/>
-          </a:prstGeom>
-          <a:ln w="12700">
-            <a:miter lim="400000"/>
-          </a:ln>
-          <a:extLst>
-            <a:ext uri="{C572A759-6A51-4108-AA02-DFA0A04FC94B}">
-              <ma14:wrappingTextBoxFlag xmlns:ma14="http://schemas.microsoft.com/office/mac/drawingml/2011/main" val="1"/>
-            </a:ext>
-          </a:extLst>
-        </p:spPr>
-        <p:txBody>
-          <a:bodyPr lIns="45719" rIns="45719">
-            <a:spAutoFit/>
-          </a:bodyPr>
-          <a:lstStyle>
-            <a:lvl1pPr>
-              <a:defRPr sz="2600"/>
-            </a:lvl1pPr>
-          </a:lstStyle>
-          <a:p>
-            <a:pPr lvl="0">
-              <a:defRPr sz="1800"/>
-            </a:pPr>
-            <a:r>
-              <a:rPr sz="2600"/>
-              <a:t>Prioritised remote pumps</a:t>
-            </a:r>
+          <a:lstStyle/>
+          <a:p>
+            <a:pPr marL="0" marR="0" indent="0" algn="l" defTabSz="914400" rtl="0" fontAlgn="auto" latinLnBrk="1" hangingPunct="0">
+              <a:lnSpc>
+                <a:spcPct val="100000"/>
+              </a:lnSpc>
+              <a:spcBef>
+                <a:spcPts val="0"/>
+              </a:spcBef>
+              <a:spcAft>
+                <a:spcPts val="0"/>
+              </a:spcAft>
+              <a:buClrTx/>
+              <a:buSzTx/>
+              <a:buFontTx/>
+              <a:buNone/>
+              <a:tabLst/>
+            </a:pPr>
+            <a:endParaRPr kumimoji="0" lang="en-US" sz="1800" b="0" i="0" u="none" strike="noStrike" cap="none" spc="0" normalizeH="0" baseline="0">
+              <a:ln>
+                <a:noFill/>
+              </a:ln>
+              <a:solidFill>
+                <a:srgbClr val="000000"/>
+              </a:solidFill>
+              <a:effectLst/>
+              <a:uFillTx/>
+              <a:latin typeface="Calibri"/>
+              <a:ea typeface="Calibri"/>
+              <a:cs typeface="Calibri"/>
+              <a:sym typeface="Calibri"/>
+            </a:endParaRPr>
           </a:p>
         </p:txBody>
       </p:sp>
     </p:spTree>
+    <p:extLst>
+      <p:ext uri="{BB962C8B-B14F-4D97-AF65-F5344CB8AC3E}">
+        <p14:creationId xmlns:p14="http://schemas.microsoft.com/office/powerpoint/2010/main" val="480041332"/>
+      </p:ext>
+    </p:extLst>
   </p:cSld>
   <p:clrMapOvr>
     <a:masterClrMapping/>
   </p:clrMapOvr>
-  <p:transition spd="med" advClick="1"/>
+  <p:transition spd="med"/>
+  <p:timing>
+    <p:tnLst>
+      <p:par>
+        <p:cTn id="1" dur="indefinite" restart="never" fill="hold" nodeType="tmRoot"/>
+      </p:par>
+    </p:tnLst>
+  </p:timing>
 </p:sld>
 </file>
 
 <file path=ppt/theme/theme1.xml><?xml version="1.0" encoding="utf-8"?>
-<a:theme xmlns:a="http://schemas.openxmlformats.org/drawingml/2006/main" xmlns:r="http://schemas.openxmlformats.org/officeDocument/2006/relationships" name="Default">
+<a:theme xmlns:a="http://schemas.openxmlformats.org/drawingml/2006/main" name="Default">
   <a:themeElements>
     <a:clrScheme name="Default">
       <a:dk1>
@@ -6399,7 +10244,7 @@
       <a:effectStyleLst>
         <a:effectStyle>
           <a:effectLst>
-            <a:outerShdw sx="100000" sy="100000" kx="0" ky="0" algn="b" rotWithShape="0" blurRad="38100" dist="23000" dir="5400000">
+            <a:outerShdw blurRad="38100" dist="23000" dir="5400000" rotWithShape="0">
               <a:srgbClr val="000000">
                 <a:alpha val="35000"/>
               </a:srgbClr>
@@ -6408,7 +10253,7 @@
         </a:effectStyle>
         <a:effectStyle>
           <a:effectLst>
-            <a:outerShdw sx="100000" sy="100000" kx="0" ky="0" algn="b" rotWithShape="0" blurRad="38100" dist="23000" dir="5400000">
+            <a:outerShdw blurRad="38100" dist="23000" dir="5400000" rotWithShape="0">
               <a:srgbClr val="000000">
                 <a:alpha val="35000"/>
               </a:srgbClr>
@@ -6417,7 +10262,7 @@
         </a:effectStyle>
         <a:effectStyle>
           <a:effectLst>
-            <a:outerShdw sx="100000" sy="100000" kx="0" ky="0" algn="b" rotWithShape="0" blurRad="38100" dist="20000" dir="5400000">
+            <a:outerShdw blurRad="38100" dist="20000" dir="5400000" rotWithShape="0">
               <a:srgbClr val="000000">
                 <a:alpha val="38000"/>
               </a:srgbClr>
@@ -6491,14 +10336,14 @@
           <a:bevel/>
         </a:ln>
         <a:effectLst>
-          <a:outerShdw sx="100000" sy="100000" kx="0" ky="0" algn="b" rotWithShape="0" blurRad="38100" dist="23000" dir="5400000">
+          <a:outerShdw blurRad="38100" dist="23000" dir="5400000" rotWithShape="0">
             <a:srgbClr val="000000">
               <a:alpha val="35000"/>
             </a:srgbClr>
           </a:outerShdw>
         </a:effectLst>
       </a:spPr>
-      <a:bodyPr rot="0" spcFirstLastPara="1" vertOverflow="overflow" horzOverflow="overflow" vert="horz" wrap="square" lIns="45719" tIns="45719" rIns="45719" bIns="45719" numCol="1" spcCol="38100" rtlCol="0" anchor="ctr" upright="0">
+      <a:bodyPr rot="0" spcFirstLastPara="1" vertOverflow="overflow" horzOverflow="overflow" vert="horz" wrap="square" lIns="45719" tIns="45719" rIns="45719" bIns="45719" numCol="1" spcCol="38100" rtlCol="0" anchor="ctr">
         <a:spAutoFit/>
       </a:bodyPr>
       <a:lstStyle>
@@ -6517,7 +10362,7 @@
           <a:buFontTx/>
           <a:buNone/>
           <a:tabLst/>
-          <a:defRPr b="0" baseline="0" cap="none" i="0" spc="0" strike="noStrike" sz="1800" u="none" kumimoji="0" normalizeH="0">
+          <a:defRPr kumimoji="0" sz="1800" b="0" i="0" u="none" strike="noStrike" cap="none" spc="0" normalizeH="0" baseline="0">
             <a:ln>
               <a:noFill/>
             </a:ln>
@@ -6547,7 +10392,7 @@
           <a:buFontTx/>
           <a:buNone/>
           <a:tabLst/>
-          <a:defRPr b="0" baseline="0" cap="none" i="0" spc="0" strike="noStrike" sz="1800" u="none" kumimoji="0" normalizeH="0">
+          <a:defRPr kumimoji="0" sz="1800" b="0" i="0" u="none" strike="noStrike" cap="none" spc="0" normalizeH="0" baseline="0">
             <a:ln>
               <a:noFill/>
             </a:ln>
@@ -6573,7 +10418,7 @@
           <a:buFontTx/>
           <a:buNone/>
           <a:tabLst/>
-          <a:defRPr b="0" baseline="0" cap="none" i="0" spc="0" strike="noStrike" sz="1800" u="none" kumimoji="0" normalizeH="0">
+          <a:defRPr kumimoji="0" sz="1800" b="0" i="0" u="none" strike="noStrike" cap="none" spc="0" normalizeH="0" baseline="0">
             <a:ln>
               <a:noFill/>
             </a:ln>
@@ -6599,7 +10444,7 @@
           <a:buFontTx/>
           <a:buNone/>
           <a:tabLst/>
-          <a:defRPr b="0" baseline="0" cap="none" i="0" spc="0" strike="noStrike" sz="1800" u="none" kumimoji="0" normalizeH="0">
+          <a:defRPr kumimoji="0" sz="1800" b="0" i="0" u="none" strike="noStrike" cap="none" spc="0" normalizeH="0" baseline="0">
             <a:ln>
               <a:noFill/>
             </a:ln>
@@ -6625,7 +10470,7 @@
           <a:buFontTx/>
           <a:buNone/>
           <a:tabLst/>
-          <a:defRPr b="0" baseline="0" cap="none" i="0" spc="0" strike="noStrike" sz="1800" u="none" kumimoji="0" normalizeH="0">
+          <a:defRPr kumimoji="0" sz="1800" b="0" i="0" u="none" strike="noStrike" cap="none" spc="0" normalizeH="0" baseline="0">
             <a:ln>
               <a:noFill/>
             </a:ln>
@@ -6651,7 +10496,7 @@
           <a:buFontTx/>
           <a:buNone/>
           <a:tabLst/>
-          <a:defRPr b="0" baseline="0" cap="none" i="0" spc="0" strike="noStrike" sz="1800" u="none" kumimoji="0" normalizeH="0">
+          <a:defRPr kumimoji="0" sz="1800" b="0" i="0" u="none" strike="noStrike" cap="none" spc="0" normalizeH="0" baseline="0">
             <a:ln>
               <a:noFill/>
             </a:ln>
@@ -6677,7 +10522,7 @@
           <a:buFontTx/>
           <a:buNone/>
           <a:tabLst/>
-          <a:defRPr b="0" baseline="0" cap="none" i="0" spc="0" strike="noStrike" sz="1800" u="none" kumimoji="0" normalizeH="0">
+          <a:defRPr kumimoji="0" sz="1800" b="0" i="0" u="none" strike="noStrike" cap="none" spc="0" normalizeH="0" baseline="0">
             <a:ln>
               <a:noFill/>
             </a:ln>
@@ -6703,7 +10548,7 @@
           <a:buFontTx/>
           <a:buNone/>
           <a:tabLst/>
-          <a:defRPr b="0" baseline="0" cap="none" i="0" spc="0" strike="noStrike" sz="1800" u="none" kumimoji="0" normalizeH="0">
+          <a:defRPr kumimoji="0" sz="1800" b="0" i="0" u="none" strike="noStrike" cap="none" spc="0" normalizeH="0" baseline="0">
             <a:ln>
               <a:noFill/>
             </a:ln>
@@ -6729,7 +10574,7 @@
           <a:buFontTx/>
           <a:buNone/>
           <a:tabLst/>
-          <a:defRPr b="0" baseline="0" cap="none" i="0" spc="0" strike="noStrike" sz="1800" u="none" kumimoji="0" normalizeH="0">
+          <a:defRPr kumimoji="0" sz="1800" b="0" i="0" u="none" strike="noStrike" cap="none" spc="0" normalizeH="0" baseline="0">
             <a:ln>
               <a:noFill/>
             </a:ln>
@@ -6755,7 +10600,7 @@
           <a:buFontTx/>
           <a:buNone/>
           <a:tabLst/>
-          <a:defRPr b="0" baseline="0" cap="none" i="0" spc="0" strike="noStrike" sz="1800" u="none" kumimoji="0" normalizeH="0">
+          <a:defRPr kumimoji="0" sz="1800" b="0" i="0" u="none" strike="noStrike" cap="none" spc="0" normalizeH="0" baseline="0">
             <a:ln>
               <a:noFill/>
             </a:ln>
@@ -6768,9 +10613,15 @@
         </a:lvl9pPr>
       </a:lstStyle>
       <a:style>
-        <a:lnRef idx="0"/>
-        <a:fillRef idx="0"/>
-        <a:effectRef idx="0"/>
+        <a:lnRef idx="0">
+          <a:scrgbClr r="0" g="0" b="0"/>
+        </a:lnRef>
+        <a:fillRef idx="0">
+          <a:scrgbClr r="0" g="0" b="0"/>
+        </a:fillRef>
+        <a:effectRef idx="0">
+          <a:scrgbClr r="0" g="0" b="0"/>
+        </a:effectRef>
         <a:fontRef idx="none"/>
       </a:style>
     </a:spDef>
@@ -6785,14 +10636,14 @@
           <a:bevel/>
         </a:ln>
         <a:effectLst>
-          <a:outerShdw sx="100000" sy="100000" kx="0" ky="0" algn="b" rotWithShape="0" blurRad="38100" dist="20000" dir="5400000">
+          <a:outerShdw blurRad="38100" dist="20000" dir="5400000" rotWithShape="0">
             <a:srgbClr val="000000">
               <a:alpha val="38000"/>
             </a:srgbClr>
           </a:outerShdw>
         </a:effectLst>
       </a:spPr>
-      <a:bodyPr rot="0" spcFirstLastPara="1" vertOverflow="overflow" horzOverflow="overflow" vert="horz" wrap="square" lIns="91439" tIns="45719" rIns="91439" bIns="45719" numCol="1" spcCol="38100" rtlCol="0" anchor="t" upright="0">
+      <a:bodyPr rot="0" spcFirstLastPara="1" vertOverflow="overflow" horzOverflow="overflow" vert="horz" wrap="square" lIns="91439" tIns="45719" rIns="91439" bIns="45719" numCol="1" spcCol="38100" rtlCol="0" anchor="t">
         <a:noAutofit/>
       </a:bodyPr>
       <a:lstStyle>
@@ -6811,7 +10662,7 @@
           <a:buFontTx/>
           <a:buNone/>
           <a:tabLst/>
-          <a:defRPr b="0" baseline="0" cap="none" i="0" spc="0" strike="noStrike" sz="1800" u="none" kumimoji="0" normalizeH="0">
+          <a:defRPr kumimoji="0" sz="1800" b="0" i="0" u="none" strike="noStrike" cap="none" spc="0" normalizeH="0" baseline="0">
             <a:ln>
               <a:noFill/>
             </a:ln>
@@ -6837,7 +10688,7 @@
           <a:buFontTx/>
           <a:buNone/>
           <a:tabLst/>
-          <a:defRPr b="0" baseline="0" cap="none" i="0" spc="0" strike="noStrike" sz="1800" u="none" kumimoji="0" normalizeH="0">
+          <a:defRPr kumimoji="0" sz="1800" b="0" i="0" u="none" strike="noStrike" cap="none" spc="0" normalizeH="0" baseline="0">
             <a:ln>
               <a:noFill/>
             </a:ln>
@@ -6863,7 +10714,7 @@
           <a:buFontTx/>
           <a:buNone/>
           <a:tabLst/>
-          <a:defRPr b="0" baseline="0" cap="none" i="0" spc="0" strike="noStrike" sz="1800" u="none" kumimoji="0" normalizeH="0">
+          <a:defRPr kumimoji="0" sz="1800" b="0" i="0" u="none" strike="noStrike" cap="none" spc="0" normalizeH="0" baseline="0">
             <a:ln>
               <a:noFill/>
             </a:ln>
@@ -6889,7 +10740,7 @@
           <a:buFontTx/>
           <a:buNone/>
           <a:tabLst/>
-          <a:defRPr b="0" baseline="0" cap="none" i="0" spc="0" strike="noStrike" sz="1800" u="none" kumimoji="0" normalizeH="0">
+          <a:defRPr kumimoji="0" sz="1800" b="0" i="0" u="none" strike="noStrike" cap="none" spc="0" normalizeH="0" baseline="0">
             <a:ln>
               <a:noFill/>
             </a:ln>
@@ -6915,7 +10766,7 @@
           <a:buFontTx/>
           <a:buNone/>
           <a:tabLst/>
-          <a:defRPr b="0" baseline="0" cap="none" i="0" spc="0" strike="noStrike" sz="1800" u="none" kumimoji="0" normalizeH="0">
+          <a:defRPr kumimoji="0" sz="1800" b="0" i="0" u="none" strike="noStrike" cap="none" spc="0" normalizeH="0" baseline="0">
             <a:ln>
               <a:noFill/>
             </a:ln>
@@ -6941,7 +10792,7 @@
           <a:buFontTx/>
           <a:buNone/>
           <a:tabLst/>
-          <a:defRPr b="0" baseline="0" cap="none" i="0" spc="0" strike="noStrike" sz="1800" u="none" kumimoji="0" normalizeH="0">
+          <a:defRPr kumimoji="0" sz="1800" b="0" i="0" u="none" strike="noStrike" cap="none" spc="0" normalizeH="0" baseline="0">
             <a:ln>
               <a:noFill/>
             </a:ln>
@@ -6967,7 +10818,7 @@
           <a:buFontTx/>
           <a:buNone/>
           <a:tabLst/>
-          <a:defRPr b="0" baseline="0" cap="none" i="0" spc="0" strike="noStrike" sz="1800" u="none" kumimoji="0" normalizeH="0">
+          <a:defRPr kumimoji="0" sz="1800" b="0" i="0" u="none" strike="noStrike" cap="none" spc="0" normalizeH="0" baseline="0">
             <a:ln>
               <a:noFill/>
             </a:ln>
@@ -6993,7 +10844,7 @@
           <a:buFontTx/>
           <a:buNone/>
           <a:tabLst/>
-          <a:defRPr b="0" baseline="0" cap="none" i="0" spc="0" strike="noStrike" sz="1800" u="none" kumimoji="0" normalizeH="0">
+          <a:defRPr kumimoji="0" sz="1800" b="0" i="0" u="none" strike="noStrike" cap="none" spc="0" normalizeH="0" baseline="0">
             <a:ln>
               <a:noFill/>
             </a:ln>
@@ -7019,7 +10870,7 @@
           <a:buFontTx/>
           <a:buNone/>
           <a:tabLst/>
-          <a:defRPr b="0" baseline="0" cap="none" i="0" spc="0" strike="noStrike" sz="1800" u="none" kumimoji="0" normalizeH="0">
+          <a:defRPr kumimoji="0" sz="1800" b="0" i="0" u="none" strike="noStrike" cap="none" spc="0" normalizeH="0" baseline="0">
             <a:ln>
               <a:noFill/>
             </a:ln>
@@ -7045,7 +10896,7 @@
           <a:buFontTx/>
           <a:buNone/>
           <a:tabLst/>
-          <a:defRPr b="0" baseline="0" cap="none" i="0" spc="0" strike="noStrike" sz="1800" u="none" kumimoji="0" normalizeH="0">
+          <a:defRPr kumimoji="0" sz="1800" b="0" i="0" u="none" strike="noStrike" cap="none" spc="0" normalizeH="0" baseline="0">
             <a:ln>
               <a:noFill/>
             </a:ln>
@@ -7058,9 +10909,15 @@
         </a:lvl9pPr>
       </a:lstStyle>
       <a:style>
-        <a:lnRef idx="0"/>
-        <a:fillRef idx="0"/>
-        <a:effectRef idx="0"/>
+        <a:lnRef idx="0">
+          <a:scrgbClr r="0" g="0" b="0"/>
+        </a:lnRef>
+        <a:fillRef idx="0">
+          <a:scrgbClr r="0" g="0" b="0"/>
+        </a:fillRef>
+        <a:effectRef idx="0">
+          <a:scrgbClr r="0" g="0" b="0"/>
+        </a:effectRef>
         <a:fontRef idx="none"/>
       </a:style>
     </a:lnDef>
@@ -7073,7 +10930,7 @@
         </a:ln>
         <a:effectLst/>
       </a:spPr>
-      <a:bodyPr rot="0" spcFirstLastPara="1" vertOverflow="overflow" horzOverflow="overflow" vert="horz" wrap="square" lIns="45719" tIns="45719" rIns="45719" bIns="45719" numCol="1" spcCol="38100" rtlCol="0" anchor="t" upright="0">
+      <a:bodyPr rot="0" spcFirstLastPara="1" vertOverflow="overflow" horzOverflow="overflow" vert="horz" wrap="square" lIns="45719" tIns="45719" rIns="45719" bIns="45719" numCol="1" spcCol="38100" rtlCol="0" anchor="t">
         <a:spAutoFit/>
       </a:bodyPr>
       <a:lstStyle>
@@ -7092,7 +10949,7 @@
           <a:buFontTx/>
           <a:buNone/>
           <a:tabLst/>
-          <a:defRPr b="0" baseline="0" cap="none" i="0" spc="0" strike="noStrike" sz="1800" u="none" kumimoji="0" normalizeH="0">
+          <a:defRPr kumimoji="0" sz="1800" b="0" i="0" u="none" strike="noStrike" cap="none" spc="0" normalizeH="0" baseline="0">
             <a:ln>
               <a:noFill/>
             </a:ln>
@@ -7122,7 +10979,7 @@
           <a:buFontTx/>
           <a:buNone/>
           <a:tabLst/>
-          <a:defRPr b="0" baseline="0" cap="none" i="0" spc="0" strike="noStrike" sz="1800" u="none" kumimoji="0" normalizeH="0">
+          <a:defRPr kumimoji="0" sz="1800" b="0" i="0" u="none" strike="noStrike" cap="none" spc="0" normalizeH="0" baseline="0">
             <a:ln>
               <a:noFill/>
             </a:ln>
@@ -7148,7 +11005,7 @@
           <a:buFontTx/>
           <a:buNone/>
           <a:tabLst/>
-          <a:defRPr b="0" baseline="0" cap="none" i="0" spc="0" strike="noStrike" sz="1800" u="none" kumimoji="0" normalizeH="0">
+          <a:defRPr kumimoji="0" sz="1800" b="0" i="0" u="none" strike="noStrike" cap="none" spc="0" normalizeH="0" baseline="0">
             <a:ln>
               <a:noFill/>
             </a:ln>
@@ -7174,7 +11031,7 @@
           <a:buFontTx/>
           <a:buNone/>
           <a:tabLst/>
-          <a:defRPr b="0" baseline="0" cap="none" i="0" spc="0" strike="noStrike" sz="1800" u="none" kumimoji="0" normalizeH="0">
+          <a:defRPr kumimoji="0" sz="1800" b="0" i="0" u="none" strike="noStrike" cap="none" spc="0" normalizeH="0" baseline="0">
             <a:ln>
               <a:noFill/>
             </a:ln>
@@ -7200,7 +11057,7 @@
           <a:buFontTx/>
           <a:buNone/>
           <a:tabLst/>
-          <a:defRPr b="0" baseline="0" cap="none" i="0" spc="0" strike="noStrike" sz="1800" u="none" kumimoji="0" normalizeH="0">
+          <a:defRPr kumimoji="0" sz="1800" b="0" i="0" u="none" strike="noStrike" cap="none" spc="0" normalizeH="0" baseline="0">
             <a:ln>
               <a:noFill/>
             </a:ln>
@@ -7226,7 +11083,7 @@
           <a:buFontTx/>
           <a:buNone/>
           <a:tabLst/>
-          <a:defRPr b="0" baseline="0" cap="none" i="0" spc="0" strike="noStrike" sz="1800" u="none" kumimoji="0" normalizeH="0">
+          <a:defRPr kumimoji="0" sz="1800" b="0" i="0" u="none" strike="noStrike" cap="none" spc="0" normalizeH="0" baseline="0">
             <a:ln>
               <a:noFill/>
             </a:ln>
@@ -7252,7 +11109,7 @@
           <a:buFontTx/>
           <a:buNone/>
           <a:tabLst/>
-          <a:defRPr b="0" baseline="0" cap="none" i="0" spc="0" strike="noStrike" sz="1800" u="none" kumimoji="0" normalizeH="0">
+          <a:defRPr kumimoji="0" sz="1800" b="0" i="0" u="none" strike="noStrike" cap="none" spc="0" normalizeH="0" baseline="0">
             <a:ln>
               <a:noFill/>
             </a:ln>
@@ -7278,7 +11135,7 @@
           <a:buFontTx/>
           <a:buNone/>
           <a:tabLst/>
-          <a:defRPr b="0" baseline="0" cap="none" i="0" spc="0" strike="noStrike" sz="1800" u="none" kumimoji="0" normalizeH="0">
+          <a:defRPr kumimoji="0" sz="1800" b="0" i="0" u="none" strike="noStrike" cap="none" spc="0" normalizeH="0" baseline="0">
             <a:ln>
               <a:noFill/>
             </a:ln>
@@ -7304,7 +11161,7 @@
           <a:buFontTx/>
           <a:buNone/>
           <a:tabLst/>
-          <a:defRPr b="0" baseline="0" cap="none" i="0" spc="0" strike="noStrike" sz="1800" u="none" kumimoji="0" normalizeH="0">
+          <a:defRPr kumimoji="0" sz="1800" b="0" i="0" u="none" strike="noStrike" cap="none" spc="0" normalizeH="0" baseline="0">
             <a:ln>
               <a:noFill/>
             </a:ln>
@@ -7330,7 +11187,7 @@
           <a:buFontTx/>
           <a:buNone/>
           <a:tabLst/>
-          <a:defRPr b="0" baseline="0" cap="none" i="0" spc="0" strike="noStrike" sz="1800" u="none" kumimoji="0" normalizeH="0">
+          <a:defRPr kumimoji="0" sz="1800" b="0" i="0" u="none" strike="noStrike" cap="none" spc="0" normalizeH="0" baseline="0">
             <a:ln>
               <a:noFill/>
             </a:ln>
@@ -7343,18 +11200,25 @@
         </a:lvl9pPr>
       </a:lstStyle>
       <a:style>
-        <a:lnRef idx="0"/>
-        <a:fillRef idx="0"/>
-        <a:effectRef idx="0"/>
+        <a:lnRef idx="0">
+          <a:scrgbClr r="0" g="0" b="0"/>
+        </a:lnRef>
+        <a:fillRef idx="0">
+          <a:scrgbClr r="0" g="0" b="0"/>
+        </a:fillRef>
+        <a:effectRef idx="0">
+          <a:scrgbClr r="0" g="0" b="0"/>
+        </a:effectRef>
         <a:fontRef idx="none"/>
       </a:style>
     </a:txDef>
   </a:objectDefaults>
+  <a:extraClrSchemeLst/>
 </a:theme>
 </file>
 
 <file path=ppt/theme/theme2.xml><?xml version="1.0" encoding="utf-8"?>
-<a:theme xmlns:a="http://schemas.openxmlformats.org/drawingml/2006/main" xmlns:r="http://schemas.openxmlformats.org/officeDocument/2006/relationships" name="Default">
+<a:theme xmlns:a="http://schemas.openxmlformats.org/drawingml/2006/main" name="Default">
   <a:themeElements>
     <a:clrScheme name="Default">
       <a:dk1>
@@ -7480,7 +11344,7 @@
       <a:effectStyleLst>
         <a:effectStyle>
           <a:effectLst>
-            <a:outerShdw sx="100000" sy="100000" kx="0" ky="0" algn="b" rotWithShape="0" blurRad="38100" dist="23000" dir="5400000">
+            <a:outerShdw blurRad="38100" dist="23000" dir="5400000" rotWithShape="0">
               <a:srgbClr val="000000">
                 <a:alpha val="35000"/>
               </a:srgbClr>
@@ -7489,7 +11353,7 @@
         </a:effectStyle>
         <a:effectStyle>
           <a:effectLst>
-            <a:outerShdw sx="100000" sy="100000" kx="0" ky="0" algn="b" rotWithShape="0" blurRad="38100" dist="23000" dir="5400000">
+            <a:outerShdw blurRad="38100" dist="23000" dir="5400000" rotWithShape="0">
               <a:srgbClr val="000000">
                 <a:alpha val="35000"/>
               </a:srgbClr>
@@ -7498,7 +11362,7 @@
         </a:effectStyle>
         <a:effectStyle>
           <a:effectLst>
-            <a:outerShdw sx="100000" sy="100000" kx="0" ky="0" algn="b" rotWithShape="0" blurRad="38100" dist="20000" dir="5400000">
+            <a:outerShdw blurRad="38100" dist="20000" dir="5400000" rotWithShape="0">
               <a:srgbClr val="000000">
                 <a:alpha val="38000"/>
               </a:srgbClr>
@@ -7572,14 +11436,14 @@
           <a:bevel/>
         </a:ln>
         <a:effectLst>
-          <a:outerShdw sx="100000" sy="100000" kx="0" ky="0" algn="b" rotWithShape="0" blurRad="38100" dist="23000" dir="5400000">
+          <a:outerShdw blurRad="38100" dist="23000" dir="5400000" rotWithShape="0">
             <a:srgbClr val="000000">
               <a:alpha val="35000"/>
             </a:srgbClr>
           </a:outerShdw>
         </a:effectLst>
       </a:spPr>
-      <a:bodyPr rot="0" spcFirstLastPara="1" vertOverflow="overflow" horzOverflow="overflow" vert="horz" wrap="square" lIns="45719" tIns="45719" rIns="45719" bIns="45719" numCol="1" spcCol="38100" rtlCol="0" anchor="ctr" upright="0">
+      <a:bodyPr rot="0" spcFirstLastPara="1" vertOverflow="overflow" horzOverflow="overflow" vert="horz" wrap="square" lIns="45719" tIns="45719" rIns="45719" bIns="45719" numCol="1" spcCol="38100" rtlCol="0" anchor="ctr">
         <a:spAutoFit/>
       </a:bodyPr>
       <a:lstStyle>
@@ -7598,7 +11462,7 @@
           <a:buFontTx/>
           <a:buNone/>
           <a:tabLst/>
-          <a:defRPr b="0" baseline="0" cap="none" i="0" spc="0" strike="noStrike" sz="1800" u="none" kumimoji="0" normalizeH="0">
+          <a:defRPr kumimoji="0" sz="1800" b="0" i="0" u="none" strike="noStrike" cap="none" spc="0" normalizeH="0" baseline="0">
             <a:ln>
               <a:noFill/>
             </a:ln>
@@ -7628,7 +11492,7 @@
           <a:buFontTx/>
           <a:buNone/>
           <a:tabLst/>
-          <a:defRPr b="0" baseline="0" cap="none" i="0" spc="0" strike="noStrike" sz="1800" u="none" kumimoji="0" normalizeH="0">
+          <a:defRPr kumimoji="0" sz="1800" b="0" i="0" u="none" strike="noStrike" cap="none" spc="0" normalizeH="0" baseline="0">
             <a:ln>
               <a:noFill/>
             </a:ln>
@@ -7654,7 +11518,7 @@
           <a:buFontTx/>
           <a:buNone/>
           <a:tabLst/>
-          <a:defRPr b="0" baseline="0" cap="none" i="0" spc="0" strike="noStrike" sz="1800" u="none" kumimoji="0" normalizeH="0">
+          <a:defRPr kumimoji="0" sz="1800" b="0" i="0" u="none" strike="noStrike" cap="none" spc="0" normalizeH="0" baseline="0">
             <a:ln>
               <a:noFill/>
             </a:ln>
@@ -7680,7 +11544,7 @@
           <a:buFontTx/>
           <a:buNone/>
           <a:tabLst/>
-          <a:defRPr b="0" baseline="0" cap="none" i="0" spc="0" strike="noStrike" sz="1800" u="none" kumimoji="0" normalizeH="0">
+          <a:defRPr kumimoji="0" sz="1800" b="0" i="0" u="none" strike="noStrike" cap="none" spc="0" normalizeH="0" baseline="0">
             <a:ln>
               <a:noFill/>
             </a:ln>
@@ -7706,7 +11570,7 @@
           <a:buFontTx/>
           <a:buNone/>
           <a:tabLst/>
-          <a:defRPr b="0" baseline="0" cap="none" i="0" spc="0" strike="noStrike" sz="1800" u="none" kumimoji="0" normalizeH="0">
+          <a:defRPr kumimoji="0" sz="1800" b="0" i="0" u="none" strike="noStrike" cap="none" spc="0" normalizeH="0" baseline="0">
             <a:ln>
               <a:noFill/>
             </a:ln>
@@ -7732,7 +11596,7 @@
           <a:buFontTx/>
           <a:buNone/>
           <a:tabLst/>
-          <a:defRPr b="0" baseline="0" cap="none" i="0" spc="0" strike="noStrike" sz="1800" u="none" kumimoji="0" normalizeH="0">
+          <a:defRPr kumimoji="0" sz="1800" b="0" i="0" u="none" strike="noStrike" cap="none" spc="0" normalizeH="0" baseline="0">
             <a:ln>
               <a:noFill/>
             </a:ln>
@@ -7758,7 +11622,7 @@
           <a:buFontTx/>
           <a:buNone/>
           <a:tabLst/>
-          <a:defRPr b="0" baseline="0" cap="none" i="0" spc="0" strike="noStrike" sz="1800" u="none" kumimoji="0" normalizeH="0">
+          <a:defRPr kumimoji="0" sz="1800" b="0" i="0" u="none" strike="noStrike" cap="none" spc="0" normalizeH="0" baseline="0">
             <a:ln>
               <a:noFill/>
             </a:ln>
@@ -7784,7 +11648,7 @@
           <a:buFontTx/>
           <a:buNone/>
           <a:tabLst/>
-          <a:defRPr b="0" baseline="0" cap="none" i="0" spc="0" strike="noStrike" sz="1800" u="none" kumimoji="0" normalizeH="0">
+          <a:defRPr kumimoji="0" sz="1800" b="0" i="0" u="none" strike="noStrike" cap="none" spc="0" normalizeH="0" baseline="0">
             <a:ln>
               <a:noFill/>
             </a:ln>
@@ -7810,7 +11674,7 @@
           <a:buFontTx/>
           <a:buNone/>
           <a:tabLst/>
-          <a:defRPr b="0" baseline="0" cap="none" i="0" spc="0" strike="noStrike" sz="1800" u="none" kumimoji="0" normalizeH="0">
+          <a:defRPr kumimoji="0" sz="1800" b="0" i="0" u="none" strike="noStrike" cap="none" spc="0" normalizeH="0" baseline="0">
             <a:ln>
               <a:noFill/>
             </a:ln>
@@ -7836,7 +11700,7 @@
           <a:buFontTx/>
           <a:buNone/>
           <a:tabLst/>
-          <a:defRPr b="0" baseline="0" cap="none" i="0" spc="0" strike="noStrike" sz="1800" u="none" kumimoji="0" normalizeH="0">
+          <a:defRPr kumimoji="0" sz="1800" b="0" i="0" u="none" strike="noStrike" cap="none" spc="0" normalizeH="0" baseline="0">
             <a:ln>
               <a:noFill/>
             </a:ln>
@@ -7849,9 +11713,15 @@
         </a:lvl9pPr>
       </a:lstStyle>
       <a:style>
-        <a:lnRef idx="0"/>
-        <a:fillRef idx="0"/>
-        <a:effectRef idx="0"/>
+        <a:lnRef idx="0">
+          <a:scrgbClr r="0" g="0" b="0"/>
+        </a:lnRef>
+        <a:fillRef idx="0">
+          <a:scrgbClr r="0" g="0" b="0"/>
+        </a:fillRef>
+        <a:effectRef idx="0">
+          <a:scrgbClr r="0" g="0" b="0"/>
+        </a:effectRef>
         <a:fontRef idx="none"/>
       </a:style>
     </a:spDef>
@@ -7866,14 +11736,14 @@
           <a:bevel/>
         </a:ln>
         <a:effectLst>
-          <a:outerShdw sx="100000" sy="100000" kx="0" ky="0" algn="b" rotWithShape="0" blurRad="38100" dist="20000" dir="5400000">
+          <a:outerShdw blurRad="38100" dist="20000" dir="5400000" rotWithShape="0">
             <a:srgbClr val="000000">
               <a:alpha val="38000"/>
             </a:srgbClr>
           </a:outerShdw>
         </a:effectLst>
       </a:spPr>
-      <a:bodyPr rot="0" spcFirstLastPara="1" vertOverflow="overflow" horzOverflow="overflow" vert="horz" wrap="square" lIns="91439" tIns="45719" rIns="91439" bIns="45719" numCol="1" spcCol="38100" rtlCol="0" anchor="t" upright="0">
+      <a:bodyPr rot="0" spcFirstLastPara="1" vertOverflow="overflow" horzOverflow="overflow" vert="horz" wrap="square" lIns="91439" tIns="45719" rIns="91439" bIns="45719" numCol="1" spcCol="38100" rtlCol="0" anchor="t">
         <a:noAutofit/>
       </a:bodyPr>
       <a:lstStyle>
@@ -7892,7 +11762,7 @@
           <a:buFontTx/>
           <a:buNone/>
           <a:tabLst/>
-          <a:defRPr b="0" baseline="0" cap="none" i="0" spc="0" strike="noStrike" sz="1800" u="none" kumimoji="0" normalizeH="0">
+          <a:defRPr kumimoji="0" sz="1800" b="0" i="0" u="none" strike="noStrike" cap="none" spc="0" normalizeH="0" baseline="0">
             <a:ln>
               <a:noFill/>
             </a:ln>
@@ -7918,7 +11788,7 @@
           <a:buFontTx/>
           <a:buNone/>
           <a:tabLst/>
-          <a:defRPr b="0" baseline="0" cap="none" i="0" spc="0" strike="noStrike" sz="1800" u="none" kumimoji="0" normalizeH="0">
+          <a:defRPr kumimoji="0" sz="1800" b="0" i="0" u="none" strike="noStrike" cap="none" spc="0" normalizeH="0" baseline="0">
             <a:ln>
               <a:noFill/>
             </a:ln>
@@ -7944,7 +11814,7 @@
           <a:buFontTx/>
           <a:buNone/>
           <a:tabLst/>
-          <a:defRPr b="0" baseline="0" cap="none" i="0" spc="0" strike="noStrike" sz="1800" u="none" kumimoji="0" normalizeH="0">
+          <a:defRPr kumimoji="0" sz="1800" b="0" i="0" u="none" strike="noStrike" cap="none" spc="0" normalizeH="0" baseline="0">
             <a:ln>
               <a:noFill/>
             </a:ln>
@@ -7970,7 +11840,7 @@
           <a:buFontTx/>
           <a:buNone/>
           <a:tabLst/>
-          <a:defRPr b="0" baseline="0" cap="none" i="0" spc="0" strike="noStrike" sz="1800" u="none" kumimoji="0" normalizeH="0">
+          <a:defRPr kumimoji="0" sz="1800" b="0" i="0" u="none" strike="noStrike" cap="none" spc="0" normalizeH="0" baseline="0">
             <a:ln>
               <a:noFill/>
             </a:ln>
@@ -7996,7 +11866,7 @@
           <a:buFontTx/>
           <a:buNone/>
           <a:tabLst/>
-          <a:defRPr b="0" baseline="0" cap="none" i="0" spc="0" strike="noStrike" sz="1800" u="none" kumimoji="0" normalizeH="0">
+          <a:defRPr kumimoji="0" sz="1800" b="0" i="0" u="none" strike="noStrike" cap="none" spc="0" normalizeH="0" baseline="0">
             <a:ln>
               <a:noFill/>
             </a:ln>
@@ -8022,7 +11892,7 @@
           <a:buFontTx/>
           <a:buNone/>
           <a:tabLst/>
-          <a:defRPr b="0" baseline="0" cap="none" i="0" spc="0" strike="noStrike" sz="1800" u="none" kumimoji="0" normalizeH="0">
+          <a:defRPr kumimoji="0" sz="1800" b="0" i="0" u="none" strike="noStrike" cap="none" spc="0" normalizeH="0" baseline="0">
             <a:ln>
               <a:noFill/>
             </a:ln>
@@ -8048,7 +11918,7 @@
           <a:buFontTx/>
           <a:buNone/>
           <a:tabLst/>
-          <a:defRPr b="0" baseline="0" cap="none" i="0" spc="0" strike="noStrike" sz="1800" u="none" kumimoji="0" normalizeH="0">
+          <a:defRPr kumimoji="0" sz="1800" b="0" i="0" u="none" strike="noStrike" cap="none" spc="0" normalizeH="0" baseline="0">
             <a:ln>
               <a:noFill/>
             </a:ln>
@@ -8074,7 +11944,7 @@
           <a:buFontTx/>
           <a:buNone/>
           <a:tabLst/>
-          <a:defRPr b="0" baseline="0" cap="none" i="0" spc="0" strike="noStrike" sz="1800" u="none" kumimoji="0" normalizeH="0">
+          <a:defRPr kumimoji="0" sz="1800" b="0" i="0" u="none" strike="noStrike" cap="none" spc="0" normalizeH="0" baseline="0">
             <a:ln>
               <a:noFill/>
             </a:ln>
@@ -8100,7 +11970,7 @@
           <a:buFontTx/>
           <a:buNone/>
           <a:tabLst/>
-          <a:defRPr b="0" baseline="0" cap="none" i="0" spc="0" strike="noStrike" sz="1800" u="none" kumimoji="0" normalizeH="0">
+          <a:defRPr kumimoji="0" sz="1800" b="0" i="0" u="none" strike="noStrike" cap="none" spc="0" normalizeH="0" baseline="0">
             <a:ln>
               <a:noFill/>
             </a:ln>
@@ -8126,7 +11996,7 @@
           <a:buFontTx/>
           <a:buNone/>
           <a:tabLst/>
-          <a:defRPr b="0" baseline="0" cap="none" i="0" spc="0" strike="noStrike" sz="1800" u="none" kumimoji="0" normalizeH="0">
+          <a:defRPr kumimoji="0" sz="1800" b="0" i="0" u="none" strike="noStrike" cap="none" spc="0" normalizeH="0" baseline="0">
             <a:ln>
               <a:noFill/>
             </a:ln>
@@ -8139,9 +12009,15 @@
         </a:lvl9pPr>
       </a:lstStyle>
       <a:style>
-        <a:lnRef idx="0"/>
-        <a:fillRef idx="0"/>
-        <a:effectRef idx="0"/>
+        <a:lnRef idx="0">
+          <a:scrgbClr r="0" g="0" b="0"/>
+        </a:lnRef>
+        <a:fillRef idx="0">
+          <a:scrgbClr r="0" g="0" b="0"/>
+        </a:fillRef>
+        <a:effectRef idx="0">
+          <a:scrgbClr r="0" g="0" b="0"/>
+        </a:effectRef>
         <a:fontRef idx="none"/>
       </a:style>
     </a:lnDef>
@@ -8154,7 +12030,7 @@
         </a:ln>
         <a:effectLst/>
       </a:spPr>
-      <a:bodyPr rot="0" spcFirstLastPara="1" vertOverflow="overflow" horzOverflow="overflow" vert="horz" wrap="square" lIns="45719" tIns="45719" rIns="45719" bIns="45719" numCol="1" spcCol="38100" rtlCol="0" anchor="t" upright="0">
+      <a:bodyPr rot="0" spcFirstLastPara="1" vertOverflow="overflow" horzOverflow="overflow" vert="horz" wrap="square" lIns="45719" tIns="45719" rIns="45719" bIns="45719" numCol="1" spcCol="38100" rtlCol="0" anchor="t">
         <a:spAutoFit/>
       </a:bodyPr>
       <a:lstStyle>
@@ -8173,7 +12049,7 @@
           <a:buFontTx/>
           <a:buNone/>
           <a:tabLst/>
-          <a:defRPr b="0" baseline="0" cap="none" i="0" spc="0" strike="noStrike" sz="1800" u="none" kumimoji="0" normalizeH="0">
+          <a:defRPr kumimoji="0" sz="1800" b="0" i="0" u="none" strike="noStrike" cap="none" spc="0" normalizeH="0" baseline="0">
             <a:ln>
               <a:noFill/>
             </a:ln>
@@ -8203,7 +12079,7 @@
           <a:buFontTx/>
           <a:buNone/>
           <a:tabLst/>
-          <a:defRPr b="0" baseline="0" cap="none" i="0" spc="0" strike="noStrike" sz="1800" u="none" kumimoji="0" normalizeH="0">
+          <a:defRPr kumimoji="0" sz="1800" b="0" i="0" u="none" strike="noStrike" cap="none" spc="0" normalizeH="0" baseline="0">
             <a:ln>
               <a:noFill/>
             </a:ln>
@@ -8229,7 +12105,7 @@
           <a:buFontTx/>
           <a:buNone/>
           <a:tabLst/>
-          <a:defRPr b="0" baseline="0" cap="none" i="0" spc="0" strike="noStrike" sz="1800" u="none" kumimoji="0" normalizeH="0">
+          <a:defRPr kumimoji="0" sz="1800" b="0" i="0" u="none" strike="noStrike" cap="none" spc="0" normalizeH="0" baseline="0">
             <a:ln>
               <a:noFill/>
             </a:ln>
@@ -8255,7 +12131,7 @@
           <a:buFontTx/>
           <a:buNone/>
           <a:tabLst/>
-          <a:defRPr b="0" baseline="0" cap="none" i="0" spc="0" strike="noStrike" sz="1800" u="none" kumimoji="0" normalizeH="0">
+          <a:defRPr kumimoji="0" sz="1800" b="0" i="0" u="none" strike="noStrike" cap="none" spc="0" normalizeH="0" baseline="0">
             <a:ln>
               <a:noFill/>
             </a:ln>
@@ -8281,7 +12157,7 @@
           <a:buFontTx/>
           <a:buNone/>
           <a:tabLst/>
-          <a:defRPr b="0" baseline="0" cap="none" i="0" spc="0" strike="noStrike" sz="1800" u="none" kumimoji="0" normalizeH="0">
+          <a:defRPr kumimoji="0" sz="1800" b="0" i="0" u="none" strike="noStrike" cap="none" spc="0" normalizeH="0" baseline="0">
             <a:ln>
               <a:noFill/>
             </a:ln>
@@ -8307,7 +12183,7 @@
           <a:buFontTx/>
           <a:buNone/>
           <a:tabLst/>
-          <a:defRPr b="0" baseline="0" cap="none" i="0" spc="0" strike="noStrike" sz="1800" u="none" kumimoji="0" normalizeH="0">
+          <a:defRPr kumimoji="0" sz="1800" b="0" i="0" u="none" strike="noStrike" cap="none" spc="0" normalizeH="0" baseline="0">
             <a:ln>
               <a:noFill/>
             </a:ln>
@@ -8333,7 +12209,7 @@
           <a:buFontTx/>
           <a:buNone/>
           <a:tabLst/>
-          <a:defRPr b="0" baseline="0" cap="none" i="0" spc="0" strike="noStrike" sz="1800" u="none" kumimoji="0" normalizeH="0">
+          <a:defRPr kumimoji="0" sz="1800" b="0" i="0" u="none" strike="noStrike" cap="none" spc="0" normalizeH="0" baseline="0">
             <a:ln>
               <a:noFill/>
             </a:ln>
@@ -8359,7 +12235,7 @@
           <a:buFontTx/>
           <a:buNone/>
           <a:tabLst/>
-          <a:defRPr b="0" baseline="0" cap="none" i="0" spc="0" strike="noStrike" sz="1800" u="none" kumimoji="0" normalizeH="0">
+          <a:defRPr kumimoji="0" sz="1800" b="0" i="0" u="none" strike="noStrike" cap="none" spc="0" normalizeH="0" baseline="0">
             <a:ln>
               <a:noFill/>
             </a:ln>
@@ -8385,7 +12261,7 @@
           <a:buFontTx/>
           <a:buNone/>
           <a:tabLst/>
-          <a:defRPr b="0" baseline="0" cap="none" i="0" spc="0" strike="noStrike" sz="1800" u="none" kumimoji="0" normalizeH="0">
+          <a:defRPr kumimoji="0" sz="1800" b="0" i="0" u="none" strike="noStrike" cap="none" spc="0" normalizeH="0" baseline="0">
             <a:ln>
               <a:noFill/>
             </a:ln>
@@ -8411,7 +12287,7 @@
           <a:buFontTx/>
           <a:buNone/>
           <a:tabLst/>
-          <a:defRPr b="0" baseline="0" cap="none" i="0" spc="0" strike="noStrike" sz="1800" u="none" kumimoji="0" normalizeH="0">
+          <a:defRPr kumimoji="0" sz="1800" b="0" i="0" u="none" strike="noStrike" cap="none" spc="0" normalizeH="0" baseline="0">
             <a:ln>
               <a:noFill/>
             </a:ln>
@@ -8424,12 +12300,19 @@
         </a:lvl9pPr>
       </a:lstStyle>
       <a:style>
-        <a:lnRef idx="0"/>
-        <a:fillRef idx="0"/>
-        <a:effectRef idx="0"/>
+        <a:lnRef idx="0">
+          <a:scrgbClr r="0" g="0" b="0"/>
+        </a:lnRef>
+        <a:fillRef idx="0">
+          <a:scrgbClr r="0" g="0" b="0"/>
+        </a:fillRef>
+        <a:effectRef idx="0">
+          <a:scrgbClr r="0" g="0" b="0"/>
+        </a:effectRef>
         <a:fontRef idx="none"/>
       </a:style>
     </a:txDef>
   </a:objectDefaults>
+  <a:extraClrSchemeLst/>
 </a:theme>
 </file>